--- a/09-prednaska/async.pptx
+++ b/09-prednaska/async.pptx
@@ -5,7 +5,7 @@
     <p:sldMasterId id="2147483648" r:id="rId1"/>
   </p:sldMasterIdLst>
   <p:notesMasterIdLst>
-    <p:notesMasterId r:id="rId54"/>
+    <p:notesMasterId r:id="rId55"/>
   </p:notesMasterIdLst>
   <p:sldIdLst>
     <p:sldId id="256" r:id="rId2"/>
@@ -51,15 +51,16 @@
     <p:sldId id="272" r:id="rId42"/>
     <p:sldId id="262" r:id="rId43"/>
     <p:sldId id="315" r:id="rId44"/>
-    <p:sldId id="283" r:id="rId45"/>
-    <p:sldId id="284" r:id="rId46"/>
-    <p:sldId id="316" r:id="rId47"/>
-    <p:sldId id="263" r:id="rId48"/>
-    <p:sldId id="266" r:id="rId49"/>
-    <p:sldId id="257" r:id="rId50"/>
-    <p:sldId id="258" r:id="rId51"/>
-    <p:sldId id="285" r:id="rId52"/>
-    <p:sldId id="259" r:id="rId53"/>
+    <p:sldId id="317" r:id="rId45"/>
+    <p:sldId id="283" r:id="rId46"/>
+    <p:sldId id="284" r:id="rId47"/>
+    <p:sldId id="316" r:id="rId48"/>
+    <p:sldId id="263" r:id="rId49"/>
+    <p:sldId id="266" r:id="rId50"/>
+    <p:sldId id="257" r:id="rId51"/>
+    <p:sldId id="258" r:id="rId52"/>
+    <p:sldId id="285" r:id="rId53"/>
+    <p:sldId id="259" r:id="rId54"/>
   </p:sldIdLst>
   <p:sldSz cx="12192000" cy="6858000"/>
   <p:notesSz cx="6858000" cy="9144000"/>
@@ -218,6 +219,7 @@
             <p14:sldId id="272"/>
             <p14:sldId id="262"/>
             <p14:sldId id="315"/>
+            <p14:sldId id="317"/>
           </p14:sldIdLst>
         </p14:section>
         <p14:section name="Timers" id="{C2A4E684-A7EB-A647-A87D-FA690549D44C}">
@@ -328,7 +330,7 @@
           <a:p>
             <a:fld id="{872A6A74-2788-B34A-91BB-A4AF3F4F9523}" type="datetimeFigureOut">
               <a:rPr lang="sk-SK" smtClean="0"/>
-              <a:t>15.11.18</a:t>
+              <a:t>19.11.2018</a:t>
             </a:fld>
             <a:endParaRPr lang="sk-SK"/>
           </a:p>
@@ -1913,7 +1915,7 @@
           <p:cNvPr id="2" name="Title 1">
             <a:extLst>
               <a:ext uri="{FF2B5EF4-FFF2-40B4-BE49-F238E27FC236}">
-                <a16:creationId xmlns:a16="http://schemas.microsoft.com/office/drawing/2014/main" id="{A8BD9380-895B-9647-9BD3-C63B25C6AA11}"/>
+                <a16:creationId xmlns="" xmlns:a16="http://schemas.microsoft.com/office/drawing/2014/main" id="{A8BD9380-895B-9647-9BD3-C63B25C6AA11}"/>
               </a:ext>
             </a:extLst>
           </p:cNvPr>
@@ -1951,7 +1953,7 @@
           <p:cNvPr id="3" name="Subtitle 2">
             <a:extLst>
               <a:ext uri="{FF2B5EF4-FFF2-40B4-BE49-F238E27FC236}">
-                <a16:creationId xmlns:a16="http://schemas.microsoft.com/office/drawing/2014/main" id="{B970B952-0F74-B449-88DB-2B2BF25A2CB6}"/>
+                <a16:creationId xmlns="" xmlns:a16="http://schemas.microsoft.com/office/drawing/2014/main" id="{B970B952-0F74-B449-88DB-2B2BF25A2CB6}"/>
               </a:ext>
             </a:extLst>
           </p:cNvPr>
@@ -2022,7 +2024,7 @@
           <p:cNvPr id="4" name="Date Placeholder 3">
             <a:extLst>
               <a:ext uri="{FF2B5EF4-FFF2-40B4-BE49-F238E27FC236}">
-                <a16:creationId xmlns:a16="http://schemas.microsoft.com/office/drawing/2014/main" id="{B2CB9CEE-100C-FF48-AA8A-A4FFBFCC7167}"/>
+                <a16:creationId xmlns="" xmlns:a16="http://schemas.microsoft.com/office/drawing/2014/main" id="{B2CB9CEE-100C-FF48-AA8A-A4FFBFCC7167}"/>
               </a:ext>
             </a:extLst>
           </p:cNvPr>
@@ -2040,7 +2042,7 @@
           <a:p>
             <a:fld id="{1FBE2C08-0BB8-E84C-876D-46D9639D5D58}" type="datetimeFigureOut">
               <a:rPr lang="sk-SK" smtClean="0"/>
-              <a:t>15.11.18</a:t>
+              <a:t>19.11.2018</a:t>
             </a:fld>
             <a:endParaRPr lang="sk-SK"/>
           </a:p>
@@ -2051,7 +2053,7 @@
           <p:cNvPr id="5" name="Footer Placeholder 4">
             <a:extLst>
               <a:ext uri="{FF2B5EF4-FFF2-40B4-BE49-F238E27FC236}">
-                <a16:creationId xmlns:a16="http://schemas.microsoft.com/office/drawing/2014/main" id="{7DC12825-6ED7-0444-BF28-0DEAEB6A030E}"/>
+                <a16:creationId xmlns="" xmlns:a16="http://schemas.microsoft.com/office/drawing/2014/main" id="{7DC12825-6ED7-0444-BF28-0DEAEB6A030E}"/>
               </a:ext>
             </a:extLst>
           </p:cNvPr>
@@ -2076,7 +2078,7 @@
           <p:cNvPr id="6" name="Slide Number Placeholder 5">
             <a:extLst>
               <a:ext uri="{FF2B5EF4-FFF2-40B4-BE49-F238E27FC236}">
-                <a16:creationId xmlns:a16="http://schemas.microsoft.com/office/drawing/2014/main" id="{3AD12983-C11E-9F4B-BBAB-77264DFF899B}"/>
+                <a16:creationId xmlns="" xmlns:a16="http://schemas.microsoft.com/office/drawing/2014/main" id="{3AD12983-C11E-9F4B-BBAB-77264DFF899B}"/>
               </a:ext>
             </a:extLst>
           </p:cNvPr>
@@ -2135,7 +2137,7 @@
           <p:cNvPr id="2" name="Title 1">
             <a:extLst>
               <a:ext uri="{FF2B5EF4-FFF2-40B4-BE49-F238E27FC236}">
-                <a16:creationId xmlns:a16="http://schemas.microsoft.com/office/drawing/2014/main" id="{95F0065A-9606-EB4C-BFEF-24561243E036}"/>
+                <a16:creationId xmlns="" xmlns:a16="http://schemas.microsoft.com/office/drawing/2014/main" id="{95F0065A-9606-EB4C-BFEF-24561243E036}"/>
               </a:ext>
             </a:extLst>
           </p:cNvPr>
@@ -2164,7 +2166,7 @@
           <p:cNvPr id="3" name="Vertical Text Placeholder 2">
             <a:extLst>
               <a:ext uri="{FF2B5EF4-FFF2-40B4-BE49-F238E27FC236}">
-                <a16:creationId xmlns:a16="http://schemas.microsoft.com/office/drawing/2014/main" id="{CCB45139-1E6C-1F4D-9BAB-9C9387FE319D}"/>
+                <a16:creationId xmlns="" xmlns:a16="http://schemas.microsoft.com/office/drawing/2014/main" id="{CCB45139-1E6C-1F4D-9BAB-9C9387FE319D}"/>
               </a:ext>
             </a:extLst>
           </p:cNvPr>
@@ -2222,7 +2224,7 @@
           <p:cNvPr id="4" name="Date Placeholder 3">
             <a:extLst>
               <a:ext uri="{FF2B5EF4-FFF2-40B4-BE49-F238E27FC236}">
-                <a16:creationId xmlns:a16="http://schemas.microsoft.com/office/drawing/2014/main" id="{7F62D229-2B04-2241-96C0-D6357940F55B}"/>
+                <a16:creationId xmlns="" xmlns:a16="http://schemas.microsoft.com/office/drawing/2014/main" id="{7F62D229-2B04-2241-96C0-D6357940F55B}"/>
               </a:ext>
             </a:extLst>
           </p:cNvPr>
@@ -2240,7 +2242,7 @@
           <a:p>
             <a:fld id="{1FBE2C08-0BB8-E84C-876D-46D9639D5D58}" type="datetimeFigureOut">
               <a:rPr lang="sk-SK" smtClean="0"/>
-              <a:t>15.11.18</a:t>
+              <a:t>19.11.2018</a:t>
             </a:fld>
             <a:endParaRPr lang="sk-SK"/>
           </a:p>
@@ -2251,7 +2253,7 @@
           <p:cNvPr id="5" name="Footer Placeholder 4">
             <a:extLst>
               <a:ext uri="{FF2B5EF4-FFF2-40B4-BE49-F238E27FC236}">
-                <a16:creationId xmlns:a16="http://schemas.microsoft.com/office/drawing/2014/main" id="{2E9CF826-213C-CA45-9E48-8FB7353B273B}"/>
+                <a16:creationId xmlns="" xmlns:a16="http://schemas.microsoft.com/office/drawing/2014/main" id="{2E9CF826-213C-CA45-9E48-8FB7353B273B}"/>
               </a:ext>
             </a:extLst>
           </p:cNvPr>
@@ -2276,7 +2278,7 @@
           <p:cNvPr id="6" name="Slide Number Placeholder 5">
             <a:extLst>
               <a:ext uri="{FF2B5EF4-FFF2-40B4-BE49-F238E27FC236}">
-                <a16:creationId xmlns:a16="http://schemas.microsoft.com/office/drawing/2014/main" id="{FEB9D81F-C6E9-2A41-AD37-4ECC318CA1E7}"/>
+                <a16:creationId xmlns="" xmlns:a16="http://schemas.microsoft.com/office/drawing/2014/main" id="{FEB9D81F-C6E9-2A41-AD37-4ECC318CA1E7}"/>
               </a:ext>
             </a:extLst>
           </p:cNvPr>
@@ -2335,7 +2337,7 @@
           <p:cNvPr id="2" name="Vertical Title 1">
             <a:extLst>
               <a:ext uri="{FF2B5EF4-FFF2-40B4-BE49-F238E27FC236}">
-                <a16:creationId xmlns:a16="http://schemas.microsoft.com/office/drawing/2014/main" id="{C8FA568A-3833-6441-B2B8-EAF1C0C1986D}"/>
+                <a16:creationId xmlns="" xmlns:a16="http://schemas.microsoft.com/office/drawing/2014/main" id="{C8FA568A-3833-6441-B2B8-EAF1C0C1986D}"/>
               </a:ext>
             </a:extLst>
           </p:cNvPr>
@@ -2369,7 +2371,7 @@
           <p:cNvPr id="3" name="Vertical Text Placeholder 2">
             <a:extLst>
               <a:ext uri="{FF2B5EF4-FFF2-40B4-BE49-F238E27FC236}">
-                <a16:creationId xmlns:a16="http://schemas.microsoft.com/office/drawing/2014/main" id="{C9A07AEF-5B88-264E-A44C-86E75C160D7E}"/>
+                <a16:creationId xmlns="" xmlns:a16="http://schemas.microsoft.com/office/drawing/2014/main" id="{C9A07AEF-5B88-264E-A44C-86E75C160D7E}"/>
               </a:ext>
             </a:extLst>
           </p:cNvPr>
@@ -2432,7 +2434,7 @@
           <p:cNvPr id="4" name="Date Placeholder 3">
             <a:extLst>
               <a:ext uri="{FF2B5EF4-FFF2-40B4-BE49-F238E27FC236}">
-                <a16:creationId xmlns:a16="http://schemas.microsoft.com/office/drawing/2014/main" id="{A9915028-0BDF-3E49-A9BB-CEAF06885341}"/>
+                <a16:creationId xmlns="" xmlns:a16="http://schemas.microsoft.com/office/drawing/2014/main" id="{A9915028-0BDF-3E49-A9BB-CEAF06885341}"/>
               </a:ext>
             </a:extLst>
           </p:cNvPr>
@@ -2450,7 +2452,7 @@
           <a:p>
             <a:fld id="{1FBE2C08-0BB8-E84C-876D-46D9639D5D58}" type="datetimeFigureOut">
               <a:rPr lang="sk-SK" smtClean="0"/>
-              <a:t>15.11.18</a:t>
+              <a:t>19.11.2018</a:t>
             </a:fld>
             <a:endParaRPr lang="sk-SK"/>
           </a:p>
@@ -2461,7 +2463,7 @@
           <p:cNvPr id="5" name="Footer Placeholder 4">
             <a:extLst>
               <a:ext uri="{FF2B5EF4-FFF2-40B4-BE49-F238E27FC236}">
-                <a16:creationId xmlns:a16="http://schemas.microsoft.com/office/drawing/2014/main" id="{10E52EB6-B0C9-A74E-9858-4AC06A8D4973}"/>
+                <a16:creationId xmlns="" xmlns:a16="http://schemas.microsoft.com/office/drawing/2014/main" id="{10E52EB6-B0C9-A74E-9858-4AC06A8D4973}"/>
               </a:ext>
             </a:extLst>
           </p:cNvPr>
@@ -2486,7 +2488,7 @@
           <p:cNvPr id="6" name="Slide Number Placeholder 5">
             <a:extLst>
               <a:ext uri="{FF2B5EF4-FFF2-40B4-BE49-F238E27FC236}">
-                <a16:creationId xmlns:a16="http://schemas.microsoft.com/office/drawing/2014/main" id="{AF2AAED8-5661-9544-BB07-53B5AF1D7368}"/>
+                <a16:creationId xmlns="" xmlns:a16="http://schemas.microsoft.com/office/drawing/2014/main" id="{AF2AAED8-5661-9544-BB07-53B5AF1D7368}"/>
               </a:ext>
             </a:extLst>
           </p:cNvPr>
@@ -2545,7 +2547,7 @@
           <p:cNvPr id="2" name="Title 1">
             <a:extLst>
               <a:ext uri="{FF2B5EF4-FFF2-40B4-BE49-F238E27FC236}">
-                <a16:creationId xmlns:a16="http://schemas.microsoft.com/office/drawing/2014/main" id="{79E9F23C-534D-234F-B4F8-241BF3D5B214}"/>
+                <a16:creationId xmlns="" xmlns:a16="http://schemas.microsoft.com/office/drawing/2014/main" id="{79E9F23C-534D-234F-B4F8-241BF3D5B214}"/>
               </a:ext>
             </a:extLst>
           </p:cNvPr>
@@ -2574,7 +2576,7 @@
           <p:cNvPr id="3" name="Content Placeholder 2">
             <a:extLst>
               <a:ext uri="{FF2B5EF4-FFF2-40B4-BE49-F238E27FC236}">
-                <a16:creationId xmlns:a16="http://schemas.microsoft.com/office/drawing/2014/main" id="{622BCC1D-1F7F-F34F-BEC5-B52E165A29E3}"/>
+                <a16:creationId xmlns="" xmlns:a16="http://schemas.microsoft.com/office/drawing/2014/main" id="{622BCC1D-1F7F-F34F-BEC5-B52E165A29E3}"/>
               </a:ext>
             </a:extLst>
           </p:cNvPr>
@@ -2632,7 +2634,7 @@
           <p:cNvPr id="4" name="Date Placeholder 3">
             <a:extLst>
               <a:ext uri="{FF2B5EF4-FFF2-40B4-BE49-F238E27FC236}">
-                <a16:creationId xmlns:a16="http://schemas.microsoft.com/office/drawing/2014/main" id="{793EF229-5CB7-B54F-923E-F6B55021111D}"/>
+                <a16:creationId xmlns="" xmlns:a16="http://schemas.microsoft.com/office/drawing/2014/main" id="{793EF229-5CB7-B54F-923E-F6B55021111D}"/>
               </a:ext>
             </a:extLst>
           </p:cNvPr>
@@ -2650,7 +2652,7 @@
           <a:p>
             <a:fld id="{1FBE2C08-0BB8-E84C-876D-46D9639D5D58}" type="datetimeFigureOut">
               <a:rPr lang="sk-SK" smtClean="0"/>
-              <a:t>15.11.18</a:t>
+              <a:t>19.11.2018</a:t>
             </a:fld>
             <a:endParaRPr lang="sk-SK"/>
           </a:p>
@@ -2661,7 +2663,7 @@
           <p:cNvPr id="5" name="Footer Placeholder 4">
             <a:extLst>
               <a:ext uri="{FF2B5EF4-FFF2-40B4-BE49-F238E27FC236}">
-                <a16:creationId xmlns:a16="http://schemas.microsoft.com/office/drawing/2014/main" id="{1AECBF02-28B9-5443-9E2A-513D7F61468F}"/>
+                <a16:creationId xmlns="" xmlns:a16="http://schemas.microsoft.com/office/drawing/2014/main" id="{1AECBF02-28B9-5443-9E2A-513D7F61468F}"/>
               </a:ext>
             </a:extLst>
           </p:cNvPr>
@@ -2686,7 +2688,7 @@
           <p:cNvPr id="6" name="Slide Number Placeholder 5">
             <a:extLst>
               <a:ext uri="{FF2B5EF4-FFF2-40B4-BE49-F238E27FC236}">
-                <a16:creationId xmlns:a16="http://schemas.microsoft.com/office/drawing/2014/main" id="{CA3339D5-4655-2F4C-9DE6-87A01ED44742}"/>
+                <a16:creationId xmlns="" xmlns:a16="http://schemas.microsoft.com/office/drawing/2014/main" id="{CA3339D5-4655-2F4C-9DE6-87A01ED44742}"/>
               </a:ext>
             </a:extLst>
           </p:cNvPr>
@@ -2745,7 +2747,7 @@
           <p:cNvPr id="2" name="Title 1">
             <a:extLst>
               <a:ext uri="{FF2B5EF4-FFF2-40B4-BE49-F238E27FC236}">
-                <a16:creationId xmlns:a16="http://schemas.microsoft.com/office/drawing/2014/main" id="{A392ABCC-5766-894F-8054-0C313408936D}"/>
+                <a16:creationId xmlns="" xmlns:a16="http://schemas.microsoft.com/office/drawing/2014/main" id="{A392ABCC-5766-894F-8054-0C313408936D}"/>
               </a:ext>
             </a:extLst>
           </p:cNvPr>
@@ -2783,7 +2785,7 @@
           <p:cNvPr id="3" name="Text Placeholder 2">
             <a:extLst>
               <a:ext uri="{FF2B5EF4-FFF2-40B4-BE49-F238E27FC236}">
-                <a16:creationId xmlns:a16="http://schemas.microsoft.com/office/drawing/2014/main" id="{26F0FE23-BB40-8847-9C60-31B69191C6F1}"/>
+                <a16:creationId xmlns="" xmlns:a16="http://schemas.microsoft.com/office/drawing/2014/main" id="{26F0FE23-BB40-8847-9C60-31B69191C6F1}"/>
               </a:ext>
             </a:extLst>
           </p:cNvPr>
@@ -2908,7 +2910,7 @@
           <p:cNvPr id="4" name="Date Placeholder 3">
             <a:extLst>
               <a:ext uri="{FF2B5EF4-FFF2-40B4-BE49-F238E27FC236}">
-                <a16:creationId xmlns:a16="http://schemas.microsoft.com/office/drawing/2014/main" id="{BD518254-C601-6340-B1AA-D5FF34773F9C}"/>
+                <a16:creationId xmlns="" xmlns:a16="http://schemas.microsoft.com/office/drawing/2014/main" id="{BD518254-C601-6340-B1AA-D5FF34773F9C}"/>
               </a:ext>
             </a:extLst>
           </p:cNvPr>
@@ -2926,7 +2928,7 @@
           <a:p>
             <a:fld id="{1FBE2C08-0BB8-E84C-876D-46D9639D5D58}" type="datetimeFigureOut">
               <a:rPr lang="sk-SK" smtClean="0"/>
-              <a:t>15.11.18</a:t>
+              <a:t>19.11.2018</a:t>
             </a:fld>
             <a:endParaRPr lang="sk-SK"/>
           </a:p>
@@ -2937,7 +2939,7 @@
           <p:cNvPr id="5" name="Footer Placeholder 4">
             <a:extLst>
               <a:ext uri="{FF2B5EF4-FFF2-40B4-BE49-F238E27FC236}">
-                <a16:creationId xmlns:a16="http://schemas.microsoft.com/office/drawing/2014/main" id="{93067EED-8898-FE4E-8EFF-6931CCFDF9F4}"/>
+                <a16:creationId xmlns="" xmlns:a16="http://schemas.microsoft.com/office/drawing/2014/main" id="{93067EED-8898-FE4E-8EFF-6931CCFDF9F4}"/>
               </a:ext>
             </a:extLst>
           </p:cNvPr>
@@ -2962,7 +2964,7 @@
           <p:cNvPr id="6" name="Slide Number Placeholder 5">
             <a:extLst>
               <a:ext uri="{FF2B5EF4-FFF2-40B4-BE49-F238E27FC236}">
-                <a16:creationId xmlns:a16="http://schemas.microsoft.com/office/drawing/2014/main" id="{95E26E33-67F4-2F4D-9D2A-A16349DA6735}"/>
+                <a16:creationId xmlns="" xmlns:a16="http://schemas.microsoft.com/office/drawing/2014/main" id="{95E26E33-67F4-2F4D-9D2A-A16349DA6735}"/>
               </a:ext>
             </a:extLst>
           </p:cNvPr>
@@ -3021,7 +3023,7 @@
           <p:cNvPr id="2" name="Title 1">
             <a:extLst>
               <a:ext uri="{FF2B5EF4-FFF2-40B4-BE49-F238E27FC236}">
-                <a16:creationId xmlns:a16="http://schemas.microsoft.com/office/drawing/2014/main" id="{5CF26B5C-15DB-3B4D-847A-2EFB77C69C8B}"/>
+                <a16:creationId xmlns="" xmlns:a16="http://schemas.microsoft.com/office/drawing/2014/main" id="{5CF26B5C-15DB-3B4D-847A-2EFB77C69C8B}"/>
               </a:ext>
             </a:extLst>
           </p:cNvPr>
@@ -3050,7 +3052,7 @@
           <p:cNvPr id="3" name="Content Placeholder 2">
             <a:extLst>
               <a:ext uri="{FF2B5EF4-FFF2-40B4-BE49-F238E27FC236}">
-                <a16:creationId xmlns:a16="http://schemas.microsoft.com/office/drawing/2014/main" id="{B0C45586-C308-FD4C-B20F-062383303405}"/>
+                <a16:creationId xmlns="" xmlns:a16="http://schemas.microsoft.com/office/drawing/2014/main" id="{B0C45586-C308-FD4C-B20F-062383303405}"/>
               </a:ext>
             </a:extLst>
           </p:cNvPr>
@@ -3113,7 +3115,7 @@
           <p:cNvPr id="4" name="Content Placeholder 3">
             <a:extLst>
               <a:ext uri="{FF2B5EF4-FFF2-40B4-BE49-F238E27FC236}">
-                <a16:creationId xmlns:a16="http://schemas.microsoft.com/office/drawing/2014/main" id="{AAE72505-B2B6-B74D-83F2-5AA594BC7C0E}"/>
+                <a16:creationId xmlns="" xmlns:a16="http://schemas.microsoft.com/office/drawing/2014/main" id="{AAE72505-B2B6-B74D-83F2-5AA594BC7C0E}"/>
               </a:ext>
             </a:extLst>
           </p:cNvPr>
@@ -3176,7 +3178,7 @@
           <p:cNvPr id="5" name="Date Placeholder 4">
             <a:extLst>
               <a:ext uri="{FF2B5EF4-FFF2-40B4-BE49-F238E27FC236}">
-                <a16:creationId xmlns:a16="http://schemas.microsoft.com/office/drawing/2014/main" id="{8F6757C2-009E-5546-8D7B-88FDBAD8A735}"/>
+                <a16:creationId xmlns="" xmlns:a16="http://schemas.microsoft.com/office/drawing/2014/main" id="{8F6757C2-009E-5546-8D7B-88FDBAD8A735}"/>
               </a:ext>
             </a:extLst>
           </p:cNvPr>
@@ -3194,7 +3196,7 @@
           <a:p>
             <a:fld id="{1FBE2C08-0BB8-E84C-876D-46D9639D5D58}" type="datetimeFigureOut">
               <a:rPr lang="sk-SK" smtClean="0"/>
-              <a:t>15.11.18</a:t>
+              <a:t>19.11.2018</a:t>
             </a:fld>
             <a:endParaRPr lang="sk-SK"/>
           </a:p>
@@ -3205,7 +3207,7 @@
           <p:cNvPr id="6" name="Footer Placeholder 5">
             <a:extLst>
               <a:ext uri="{FF2B5EF4-FFF2-40B4-BE49-F238E27FC236}">
-                <a16:creationId xmlns:a16="http://schemas.microsoft.com/office/drawing/2014/main" id="{E4EDF91B-9C37-DC4B-9D06-D7597E37B7E2}"/>
+                <a16:creationId xmlns="" xmlns:a16="http://schemas.microsoft.com/office/drawing/2014/main" id="{E4EDF91B-9C37-DC4B-9D06-D7597E37B7E2}"/>
               </a:ext>
             </a:extLst>
           </p:cNvPr>
@@ -3230,7 +3232,7 @@
           <p:cNvPr id="7" name="Slide Number Placeholder 6">
             <a:extLst>
               <a:ext uri="{FF2B5EF4-FFF2-40B4-BE49-F238E27FC236}">
-                <a16:creationId xmlns:a16="http://schemas.microsoft.com/office/drawing/2014/main" id="{B56C9627-D6DC-F14C-8FA5-A095003DC83F}"/>
+                <a16:creationId xmlns="" xmlns:a16="http://schemas.microsoft.com/office/drawing/2014/main" id="{B56C9627-D6DC-F14C-8FA5-A095003DC83F}"/>
               </a:ext>
             </a:extLst>
           </p:cNvPr>
@@ -3289,7 +3291,7 @@
           <p:cNvPr id="2" name="Title 1">
             <a:extLst>
               <a:ext uri="{FF2B5EF4-FFF2-40B4-BE49-F238E27FC236}">
-                <a16:creationId xmlns:a16="http://schemas.microsoft.com/office/drawing/2014/main" id="{E5F3327B-F1EB-D248-BDD3-EAD9083F7410}"/>
+                <a16:creationId xmlns="" xmlns:a16="http://schemas.microsoft.com/office/drawing/2014/main" id="{E5F3327B-F1EB-D248-BDD3-EAD9083F7410}"/>
               </a:ext>
             </a:extLst>
           </p:cNvPr>
@@ -3323,7 +3325,7 @@
           <p:cNvPr id="3" name="Text Placeholder 2">
             <a:extLst>
               <a:ext uri="{FF2B5EF4-FFF2-40B4-BE49-F238E27FC236}">
-                <a16:creationId xmlns:a16="http://schemas.microsoft.com/office/drawing/2014/main" id="{CE5ABD22-5B17-244A-995C-75CF01D8DE69}"/>
+                <a16:creationId xmlns="" xmlns:a16="http://schemas.microsoft.com/office/drawing/2014/main" id="{CE5ABD22-5B17-244A-995C-75CF01D8DE69}"/>
               </a:ext>
             </a:extLst>
           </p:cNvPr>
@@ -3394,7 +3396,7 @@
           <p:cNvPr id="4" name="Content Placeholder 3">
             <a:extLst>
               <a:ext uri="{FF2B5EF4-FFF2-40B4-BE49-F238E27FC236}">
-                <a16:creationId xmlns:a16="http://schemas.microsoft.com/office/drawing/2014/main" id="{4A6B3C42-156E-7047-9857-1DBF7BEFE8AE}"/>
+                <a16:creationId xmlns="" xmlns:a16="http://schemas.microsoft.com/office/drawing/2014/main" id="{4A6B3C42-156E-7047-9857-1DBF7BEFE8AE}"/>
               </a:ext>
             </a:extLst>
           </p:cNvPr>
@@ -3457,7 +3459,7 @@
           <p:cNvPr id="5" name="Text Placeholder 4">
             <a:extLst>
               <a:ext uri="{FF2B5EF4-FFF2-40B4-BE49-F238E27FC236}">
-                <a16:creationId xmlns:a16="http://schemas.microsoft.com/office/drawing/2014/main" id="{EECF4E8E-BE2E-8D4B-9C64-841D3A382D1B}"/>
+                <a16:creationId xmlns="" xmlns:a16="http://schemas.microsoft.com/office/drawing/2014/main" id="{EECF4E8E-BE2E-8D4B-9C64-841D3A382D1B}"/>
               </a:ext>
             </a:extLst>
           </p:cNvPr>
@@ -3528,7 +3530,7 @@
           <p:cNvPr id="6" name="Content Placeholder 5">
             <a:extLst>
               <a:ext uri="{FF2B5EF4-FFF2-40B4-BE49-F238E27FC236}">
-                <a16:creationId xmlns:a16="http://schemas.microsoft.com/office/drawing/2014/main" id="{E59ED7D4-7F62-BF43-9EC6-E5F51C0638CC}"/>
+                <a16:creationId xmlns="" xmlns:a16="http://schemas.microsoft.com/office/drawing/2014/main" id="{E59ED7D4-7F62-BF43-9EC6-E5F51C0638CC}"/>
               </a:ext>
             </a:extLst>
           </p:cNvPr>
@@ -3591,7 +3593,7 @@
           <p:cNvPr id="7" name="Date Placeholder 6">
             <a:extLst>
               <a:ext uri="{FF2B5EF4-FFF2-40B4-BE49-F238E27FC236}">
-                <a16:creationId xmlns:a16="http://schemas.microsoft.com/office/drawing/2014/main" id="{C79E8096-F4BB-7042-90DB-E40AC478E2FF}"/>
+                <a16:creationId xmlns="" xmlns:a16="http://schemas.microsoft.com/office/drawing/2014/main" id="{C79E8096-F4BB-7042-90DB-E40AC478E2FF}"/>
               </a:ext>
             </a:extLst>
           </p:cNvPr>
@@ -3609,7 +3611,7 @@
           <a:p>
             <a:fld id="{1FBE2C08-0BB8-E84C-876D-46D9639D5D58}" type="datetimeFigureOut">
               <a:rPr lang="sk-SK" smtClean="0"/>
-              <a:t>15.11.18</a:t>
+              <a:t>19.11.2018</a:t>
             </a:fld>
             <a:endParaRPr lang="sk-SK"/>
           </a:p>
@@ -3620,7 +3622,7 @@
           <p:cNvPr id="8" name="Footer Placeholder 7">
             <a:extLst>
               <a:ext uri="{FF2B5EF4-FFF2-40B4-BE49-F238E27FC236}">
-                <a16:creationId xmlns:a16="http://schemas.microsoft.com/office/drawing/2014/main" id="{843371F1-E263-7846-981F-20E6D76EFB36}"/>
+                <a16:creationId xmlns="" xmlns:a16="http://schemas.microsoft.com/office/drawing/2014/main" id="{843371F1-E263-7846-981F-20E6D76EFB36}"/>
               </a:ext>
             </a:extLst>
           </p:cNvPr>
@@ -3645,7 +3647,7 @@
           <p:cNvPr id="9" name="Slide Number Placeholder 8">
             <a:extLst>
               <a:ext uri="{FF2B5EF4-FFF2-40B4-BE49-F238E27FC236}">
-                <a16:creationId xmlns:a16="http://schemas.microsoft.com/office/drawing/2014/main" id="{12AC45C5-3093-954D-82FB-90FDE248ED13}"/>
+                <a16:creationId xmlns="" xmlns:a16="http://schemas.microsoft.com/office/drawing/2014/main" id="{12AC45C5-3093-954D-82FB-90FDE248ED13}"/>
               </a:ext>
             </a:extLst>
           </p:cNvPr>
@@ -3704,7 +3706,7 @@
           <p:cNvPr id="2" name="Title 1">
             <a:extLst>
               <a:ext uri="{FF2B5EF4-FFF2-40B4-BE49-F238E27FC236}">
-                <a16:creationId xmlns:a16="http://schemas.microsoft.com/office/drawing/2014/main" id="{D1263F8F-B6A9-A543-84E8-63FC4CED894B}"/>
+                <a16:creationId xmlns="" xmlns:a16="http://schemas.microsoft.com/office/drawing/2014/main" id="{D1263F8F-B6A9-A543-84E8-63FC4CED894B}"/>
               </a:ext>
             </a:extLst>
           </p:cNvPr>
@@ -3733,7 +3735,7 @@
           <p:cNvPr id="3" name="Date Placeholder 2">
             <a:extLst>
               <a:ext uri="{FF2B5EF4-FFF2-40B4-BE49-F238E27FC236}">
-                <a16:creationId xmlns:a16="http://schemas.microsoft.com/office/drawing/2014/main" id="{702566ED-4CB9-AE41-9DCD-8B02B820400E}"/>
+                <a16:creationId xmlns="" xmlns:a16="http://schemas.microsoft.com/office/drawing/2014/main" id="{702566ED-4CB9-AE41-9DCD-8B02B820400E}"/>
               </a:ext>
             </a:extLst>
           </p:cNvPr>
@@ -3751,7 +3753,7 @@
           <a:p>
             <a:fld id="{1FBE2C08-0BB8-E84C-876D-46D9639D5D58}" type="datetimeFigureOut">
               <a:rPr lang="sk-SK" smtClean="0"/>
-              <a:t>15.11.18</a:t>
+              <a:t>19.11.2018</a:t>
             </a:fld>
             <a:endParaRPr lang="sk-SK"/>
           </a:p>
@@ -3762,7 +3764,7 @@
           <p:cNvPr id="4" name="Footer Placeholder 3">
             <a:extLst>
               <a:ext uri="{FF2B5EF4-FFF2-40B4-BE49-F238E27FC236}">
-                <a16:creationId xmlns:a16="http://schemas.microsoft.com/office/drawing/2014/main" id="{8061290F-6666-E347-B99D-7445AD220184}"/>
+                <a16:creationId xmlns="" xmlns:a16="http://schemas.microsoft.com/office/drawing/2014/main" id="{8061290F-6666-E347-B99D-7445AD220184}"/>
               </a:ext>
             </a:extLst>
           </p:cNvPr>
@@ -3787,7 +3789,7 @@
           <p:cNvPr id="5" name="Slide Number Placeholder 4">
             <a:extLst>
               <a:ext uri="{FF2B5EF4-FFF2-40B4-BE49-F238E27FC236}">
-                <a16:creationId xmlns:a16="http://schemas.microsoft.com/office/drawing/2014/main" id="{7B970161-FBF7-CC4B-9766-2F6494CFDF1D}"/>
+                <a16:creationId xmlns="" xmlns:a16="http://schemas.microsoft.com/office/drawing/2014/main" id="{7B970161-FBF7-CC4B-9766-2F6494CFDF1D}"/>
               </a:ext>
             </a:extLst>
           </p:cNvPr>
@@ -3846,7 +3848,7 @@
           <p:cNvPr id="2" name="Date Placeholder 1">
             <a:extLst>
               <a:ext uri="{FF2B5EF4-FFF2-40B4-BE49-F238E27FC236}">
-                <a16:creationId xmlns:a16="http://schemas.microsoft.com/office/drawing/2014/main" id="{B25166C2-CD08-FB46-9190-3C3BF9F9A740}"/>
+                <a16:creationId xmlns="" xmlns:a16="http://schemas.microsoft.com/office/drawing/2014/main" id="{B25166C2-CD08-FB46-9190-3C3BF9F9A740}"/>
               </a:ext>
             </a:extLst>
           </p:cNvPr>
@@ -3864,7 +3866,7 @@
           <a:p>
             <a:fld id="{1FBE2C08-0BB8-E84C-876D-46D9639D5D58}" type="datetimeFigureOut">
               <a:rPr lang="sk-SK" smtClean="0"/>
-              <a:t>15.11.18</a:t>
+              <a:t>19.11.2018</a:t>
             </a:fld>
             <a:endParaRPr lang="sk-SK"/>
           </a:p>
@@ -3875,7 +3877,7 @@
           <p:cNvPr id="3" name="Footer Placeholder 2">
             <a:extLst>
               <a:ext uri="{FF2B5EF4-FFF2-40B4-BE49-F238E27FC236}">
-                <a16:creationId xmlns:a16="http://schemas.microsoft.com/office/drawing/2014/main" id="{9A9078E2-BA4C-E04D-9B88-FBE6A99CE04A}"/>
+                <a16:creationId xmlns="" xmlns:a16="http://schemas.microsoft.com/office/drawing/2014/main" id="{9A9078E2-BA4C-E04D-9B88-FBE6A99CE04A}"/>
               </a:ext>
             </a:extLst>
           </p:cNvPr>
@@ -3900,7 +3902,7 @@
           <p:cNvPr id="4" name="Slide Number Placeholder 3">
             <a:extLst>
               <a:ext uri="{FF2B5EF4-FFF2-40B4-BE49-F238E27FC236}">
-                <a16:creationId xmlns:a16="http://schemas.microsoft.com/office/drawing/2014/main" id="{73F76773-0CA0-0E40-8005-194677AD92F6}"/>
+                <a16:creationId xmlns="" xmlns:a16="http://schemas.microsoft.com/office/drawing/2014/main" id="{73F76773-0CA0-0E40-8005-194677AD92F6}"/>
               </a:ext>
             </a:extLst>
           </p:cNvPr>
@@ -3959,7 +3961,7 @@
           <p:cNvPr id="2" name="Title 1">
             <a:extLst>
               <a:ext uri="{FF2B5EF4-FFF2-40B4-BE49-F238E27FC236}">
-                <a16:creationId xmlns:a16="http://schemas.microsoft.com/office/drawing/2014/main" id="{EF0C28A8-47A8-F148-AE96-FF33EE4AFBDD}"/>
+                <a16:creationId xmlns="" xmlns:a16="http://schemas.microsoft.com/office/drawing/2014/main" id="{EF0C28A8-47A8-F148-AE96-FF33EE4AFBDD}"/>
               </a:ext>
             </a:extLst>
           </p:cNvPr>
@@ -3997,7 +3999,7 @@
           <p:cNvPr id="3" name="Content Placeholder 2">
             <a:extLst>
               <a:ext uri="{FF2B5EF4-FFF2-40B4-BE49-F238E27FC236}">
-                <a16:creationId xmlns:a16="http://schemas.microsoft.com/office/drawing/2014/main" id="{0F8F5976-82F2-9147-8A23-2E1BB6A85D55}"/>
+                <a16:creationId xmlns="" xmlns:a16="http://schemas.microsoft.com/office/drawing/2014/main" id="{0F8F5976-82F2-9147-8A23-2E1BB6A85D55}"/>
               </a:ext>
             </a:extLst>
           </p:cNvPr>
@@ -4088,7 +4090,7 @@
           <p:cNvPr id="4" name="Text Placeholder 3">
             <a:extLst>
               <a:ext uri="{FF2B5EF4-FFF2-40B4-BE49-F238E27FC236}">
-                <a16:creationId xmlns:a16="http://schemas.microsoft.com/office/drawing/2014/main" id="{82CE4030-1340-3C44-AC49-9226404ABDB2}"/>
+                <a16:creationId xmlns="" xmlns:a16="http://schemas.microsoft.com/office/drawing/2014/main" id="{82CE4030-1340-3C44-AC49-9226404ABDB2}"/>
               </a:ext>
             </a:extLst>
           </p:cNvPr>
@@ -4159,7 +4161,7 @@
           <p:cNvPr id="5" name="Date Placeholder 4">
             <a:extLst>
               <a:ext uri="{FF2B5EF4-FFF2-40B4-BE49-F238E27FC236}">
-                <a16:creationId xmlns:a16="http://schemas.microsoft.com/office/drawing/2014/main" id="{8CC712DF-0A8D-3B46-91B5-FDD9BE51B8F9}"/>
+                <a16:creationId xmlns="" xmlns:a16="http://schemas.microsoft.com/office/drawing/2014/main" id="{8CC712DF-0A8D-3B46-91B5-FDD9BE51B8F9}"/>
               </a:ext>
             </a:extLst>
           </p:cNvPr>
@@ -4177,7 +4179,7 @@
           <a:p>
             <a:fld id="{1FBE2C08-0BB8-E84C-876D-46D9639D5D58}" type="datetimeFigureOut">
               <a:rPr lang="sk-SK" smtClean="0"/>
-              <a:t>15.11.18</a:t>
+              <a:t>19.11.2018</a:t>
             </a:fld>
             <a:endParaRPr lang="sk-SK"/>
           </a:p>
@@ -4188,7 +4190,7 @@
           <p:cNvPr id="6" name="Footer Placeholder 5">
             <a:extLst>
               <a:ext uri="{FF2B5EF4-FFF2-40B4-BE49-F238E27FC236}">
-                <a16:creationId xmlns:a16="http://schemas.microsoft.com/office/drawing/2014/main" id="{2081E78E-7F95-1743-AEF8-EDF01260049F}"/>
+                <a16:creationId xmlns="" xmlns:a16="http://schemas.microsoft.com/office/drawing/2014/main" id="{2081E78E-7F95-1743-AEF8-EDF01260049F}"/>
               </a:ext>
             </a:extLst>
           </p:cNvPr>
@@ -4213,7 +4215,7 @@
           <p:cNvPr id="7" name="Slide Number Placeholder 6">
             <a:extLst>
               <a:ext uri="{FF2B5EF4-FFF2-40B4-BE49-F238E27FC236}">
-                <a16:creationId xmlns:a16="http://schemas.microsoft.com/office/drawing/2014/main" id="{44C2F203-0575-DD40-AB10-4FA1C862C749}"/>
+                <a16:creationId xmlns="" xmlns:a16="http://schemas.microsoft.com/office/drawing/2014/main" id="{44C2F203-0575-DD40-AB10-4FA1C862C749}"/>
               </a:ext>
             </a:extLst>
           </p:cNvPr>
@@ -4272,7 +4274,7 @@
           <p:cNvPr id="2" name="Title 1">
             <a:extLst>
               <a:ext uri="{FF2B5EF4-FFF2-40B4-BE49-F238E27FC236}">
-                <a16:creationId xmlns:a16="http://schemas.microsoft.com/office/drawing/2014/main" id="{CD4D72C6-9DB9-1345-A3DC-605287855B06}"/>
+                <a16:creationId xmlns="" xmlns:a16="http://schemas.microsoft.com/office/drawing/2014/main" id="{CD4D72C6-9DB9-1345-A3DC-605287855B06}"/>
               </a:ext>
             </a:extLst>
           </p:cNvPr>
@@ -4310,7 +4312,7 @@
           <p:cNvPr id="3" name="Picture Placeholder 2">
             <a:extLst>
               <a:ext uri="{FF2B5EF4-FFF2-40B4-BE49-F238E27FC236}">
-                <a16:creationId xmlns:a16="http://schemas.microsoft.com/office/drawing/2014/main" id="{F097BE24-5AA5-484A-8E49-EFD9CE2F4605}"/>
+                <a16:creationId xmlns="" xmlns:a16="http://schemas.microsoft.com/office/drawing/2014/main" id="{F097BE24-5AA5-484A-8E49-EFD9CE2F4605}"/>
               </a:ext>
             </a:extLst>
           </p:cNvPr>
@@ -4377,7 +4379,7 @@
           <p:cNvPr id="4" name="Text Placeholder 3">
             <a:extLst>
               <a:ext uri="{FF2B5EF4-FFF2-40B4-BE49-F238E27FC236}">
-                <a16:creationId xmlns:a16="http://schemas.microsoft.com/office/drawing/2014/main" id="{433E6C4C-F5EC-6248-A495-A720BD4200C2}"/>
+                <a16:creationId xmlns="" xmlns:a16="http://schemas.microsoft.com/office/drawing/2014/main" id="{433E6C4C-F5EC-6248-A495-A720BD4200C2}"/>
               </a:ext>
             </a:extLst>
           </p:cNvPr>
@@ -4448,7 +4450,7 @@
           <p:cNvPr id="5" name="Date Placeholder 4">
             <a:extLst>
               <a:ext uri="{FF2B5EF4-FFF2-40B4-BE49-F238E27FC236}">
-                <a16:creationId xmlns:a16="http://schemas.microsoft.com/office/drawing/2014/main" id="{7DDA419D-75C7-A349-B3C4-B564E3B34553}"/>
+                <a16:creationId xmlns="" xmlns:a16="http://schemas.microsoft.com/office/drawing/2014/main" id="{7DDA419D-75C7-A349-B3C4-B564E3B34553}"/>
               </a:ext>
             </a:extLst>
           </p:cNvPr>
@@ -4466,7 +4468,7 @@
           <a:p>
             <a:fld id="{1FBE2C08-0BB8-E84C-876D-46D9639D5D58}" type="datetimeFigureOut">
               <a:rPr lang="sk-SK" smtClean="0"/>
-              <a:t>15.11.18</a:t>
+              <a:t>19.11.2018</a:t>
             </a:fld>
             <a:endParaRPr lang="sk-SK"/>
           </a:p>
@@ -4477,7 +4479,7 @@
           <p:cNvPr id="6" name="Footer Placeholder 5">
             <a:extLst>
               <a:ext uri="{FF2B5EF4-FFF2-40B4-BE49-F238E27FC236}">
-                <a16:creationId xmlns:a16="http://schemas.microsoft.com/office/drawing/2014/main" id="{8FF54FC4-4CBE-0146-8071-7FD180E035A0}"/>
+                <a16:creationId xmlns="" xmlns:a16="http://schemas.microsoft.com/office/drawing/2014/main" id="{8FF54FC4-4CBE-0146-8071-7FD180E035A0}"/>
               </a:ext>
             </a:extLst>
           </p:cNvPr>
@@ -4502,7 +4504,7 @@
           <p:cNvPr id="7" name="Slide Number Placeholder 6">
             <a:extLst>
               <a:ext uri="{FF2B5EF4-FFF2-40B4-BE49-F238E27FC236}">
-                <a16:creationId xmlns:a16="http://schemas.microsoft.com/office/drawing/2014/main" id="{26EF496C-334D-DA4B-A806-C3EB4A0DAC27}"/>
+                <a16:creationId xmlns="" xmlns:a16="http://schemas.microsoft.com/office/drawing/2014/main" id="{26EF496C-334D-DA4B-A806-C3EB4A0DAC27}"/>
               </a:ext>
             </a:extLst>
           </p:cNvPr>
@@ -4566,7 +4568,7 @@
           <p:cNvPr id="2" name="Title Placeholder 1">
             <a:extLst>
               <a:ext uri="{FF2B5EF4-FFF2-40B4-BE49-F238E27FC236}">
-                <a16:creationId xmlns:a16="http://schemas.microsoft.com/office/drawing/2014/main" id="{60575AC7-4958-BE41-A827-739239C04C6D}"/>
+                <a16:creationId xmlns="" xmlns:a16="http://schemas.microsoft.com/office/drawing/2014/main" id="{60575AC7-4958-BE41-A827-739239C04C6D}"/>
               </a:ext>
             </a:extLst>
           </p:cNvPr>
@@ -4605,7 +4607,7 @@
           <p:cNvPr id="3" name="Text Placeholder 2">
             <a:extLst>
               <a:ext uri="{FF2B5EF4-FFF2-40B4-BE49-F238E27FC236}">
-                <a16:creationId xmlns:a16="http://schemas.microsoft.com/office/drawing/2014/main" id="{07C4432B-9E8B-3647-97AE-B500E5492914}"/>
+                <a16:creationId xmlns="" xmlns:a16="http://schemas.microsoft.com/office/drawing/2014/main" id="{07C4432B-9E8B-3647-97AE-B500E5492914}"/>
               </a:ext>
             </a:extLst>
           </p:cNvPr>
@@ -4673,7 +4675,7 @@
           <p:cNvPr id="4" name="Date Placeholder 3">
             <a:extLst>
               <a:ext uri="{FF2B5EF4-FFF2-40B4-BE49-F238E27FC236}">
-                <a16:creationId xmlns:a16="http://schemas.microsoft.com/office/drawing/2014/main" id="{7E65E286-9E43-6C43-9AFD-7CB5EA8B5A8E}"/>
+                <a16:creationId xmlns="" xmlns:a16="http://schemas.microsoft.com/office/drawing/2014/main" id="{7E65E286-9E43-6C43-9AFD-7CB5EA8B5A8E}"/>
               </a:ext>
             </a:extLst>
           </p:cNvPr>
@@ -4709,7 +4711,7 @@
           <a:p>
             <a:fld id="{1FBE2C08-0BB8-E84C-876D-46D9639D5D58}" type="datetimeFigureOut">
               <a:rPr lang="sk-SK" smtClean="0"/>
-              <a:t>15.11.18</a:t>
+              <a:t>19.11.2018</a:t>
             </a:fld>
             <a:endParaRPr lang="sk-SK"/>
           </a:p>
@@ -4720,7 +4722,7 @@
           <p:cNvPr id="5" name="Footer Placeholder 4">
             <a:extLst>
               <a:ext uri="{FF2B5EF4-FFF2-40B4-BE49-F238E27FC236}">
-                <a16:creationId xmlns:a16="http://schemas.microsoft.com/office/drawing/2014/main" id="{7AD26FDD-670F-9241-8B2F-61CDEAC7EA7B}"/>
+                <a16:creationId xmlns="" xmlns:a16="http://schemas.microsoft.com/office/drawing/2014/main" id="{7AD26FDD-670F-9241-8B2F-61CDEAC7EA7B}"/>
               </a:ext>
             </a:extLst>
           </p:cNvPr>
@@ -4763,7 +4765,7 @@
           <p:cNvPr id="6" name="Slide Number Placeholder 5">
             <a:extLst>
               <a:ext uri="{FF2B5EF4-FFF2-40B4-BE49-F238E27FC236}">
-                <a16:creationId xmlns:a16="http://schemas.microsoft.com/office/drawing/2014/main" id="{53AE3014-4EC0-354B-A77B-614366BCE359}"/>
+                <a16:creationId xmlns="" xmlns:a16="http://schemas.microsoft.com/office/drawing/2014/main" id="{53AE3014-4EC0-354B-A77B-614366BCE359}"/>
               </a:ext>
             </a:extLst>
           </p:cNvPr>
@@ -5139,10 +5141,10 @@
           <p:cNvPr id="8" name="Rectangle 7">
             <a:extLst>
               <a:ext uri="{FF2B5EF4-FFF2-40B4-BE49-F238E27FC236}">
-                <a16:creationId xmlns:a16="http://schemas.microsoft.com/office/drawing/2014/main" id="{86197D16-FE75-4A0E-A0C9-28C0F04A43DF}"/>
+                <a16:creationId xmlns="" xmlns:a16="http://schemas.microsoft.com/office/drawing/2014/main" id="{86197D16-FE75-4A0E-A0C9-28C0F04A43DF}"/>
               </a:ext>
               <a:ext uri="{C183D7F6-B498-43B3-948B-1728B52AA6E4}">
-                <adec:decorative xmlns:adec="http://schemas.microsoft.com/office/drawing/2017/decorative" val="1"/>
+                <adec:decorative xmlns="" xmlns:adec="http://schemas.microsoft.com/office/drawing/2017/decorative" val="1"/>
               </a:ext>
             </a:extLst>
           </p:cNvPr>
@@ -5152,7 +5154,7 @@
           <p:nvPr>
             <p:extLst>
               <p:ext uri="{386F3935-93C4-4BCD-93E2-E3B085C9AB24}">
-                <p16:designElem xmlns:p16="http://schemas.microsoft.com/office/powerpoint/2015/main" val="1"/>
+                <p16:designElem xmlns="" xmlns:p16="http://schemas.microsoft.com/office/powerpoint/2015/main" val="1"/>
               </p:ext>
             </p:extLst>
           </p:nvPr>
@@ -5224,10 +5226,10 @@
           <p:cNvPr id="10" name="Picture 9">
             <a:extLst>
               <a:ext uri="{FF2B5EF4-FFF2-40B4-BE49-F238E27FC236}">
-                <a16:creationId xmlns:a16="http://schemas.microsoft.com/office/drawing/2014/main" id="{FA8FCEC6-4B30-4FF2-8B32-504BEAEA3A16}"/>
+                <a16:creationId xmlns="" xmlns:a16="http://schemas.microsoft.com/office/drawing/2014/main" id="{FA8FCEC6-4B30-4FF2-8B32-504BEAEA3A16}"/>
               </a:ext>
               <a:ext uri="{C183D7F6-B498-43B3-948B-1728B52AA6E4}">
-                <adec:decorative xmlns:adec="http://schemas.microsoft.com/office/drawing/2017/decorative" val="1"/>
+                <adec:decorative xmlns="" xmlns:adec="http://schemas.microsoft.com/office/drawing/2017/decorative" val="1"/>
               </a:ext>
             </a:extLst>
           </p:cNvPr>
@@ -5237,7 +5239,7 @@
           <p:nvPr>
             <p:extLst>
               <p:ext uri="{386F3935-93C4-4BCD-93E2-E3B085C9AB24}">
-                <p16:designElem xmlns:p16="http://schemas.microsoft.com/office/powerpoint/2015/main" val="1"/>
+                <p16:designElem xmlns="" xmlns:p16="http://schemas.microsoft.com/office/powerpoint/2015/main" val="1"/>
               </p:ext>
             </p:extLst>
           </p:nvPr>
@@ -5313,7 +5315,7 @@
           <p:cNvPr id="2" name="Title 1">
             <a:extLst>
               <a:ext uri="{FF2B5EF4-FFF2-40B4-BE49-F238E27FC236}">
-                <a16:creationId xmlns:a16="http://schemas.microsoft.com/office/drawing/2014/main" id="{FFF7733A-2828-C84E-B574-B35F840820F7}"/>
+                <a16:creationId xmlns="" xmlns:a16="http://schemas.microsoft.com/office/drawing/2014/main" id="{FFF7733A-2828-C84E-B574-B35F840820F7}"/>
               </a:ext>
             </a:extLst>
           </p:cNvPr>
@@ -5368,6 +5370,17 @@
                 <a:cs typeface="+mj-cs"/>
               </a:rPr>
             </a:br>
+            <a:r>
+              <a:rPr lang="en-US" sz="6600" kern="1200" dirty="0">
+                <a:solidFill>
+                  <a:srgbClr val="FFFFFF"/>
+                </a:solidFill>
+                <a:latin typeface="+mj-lt"/>
+                <a:ea typeface="+mj-ea"/>
+                <a:cs typeface="+mj-cs"/>
+              </a:rPr>
+              <a:t/>
+            </a:r>
             <a:br>
               <a:rPr lang="en-US" sz="6600" kern="1200" dirty="0">
                 <a:solidFill>
@@ -5397,7 +5410,7 @@
           <p:cNvPr id="3" name="Subtitle 2">
             <a:extLst>
               <a:ext uri="{FF2B5EF4-FFF2-40B4-BE49-F238E27FC236}">
-                <a16:creationId xmlns:a16="http://schemas.microsoft.com/office/drawing/2014/main" id="{CAB60546-F51F-5442-8802-C4549CE85A99}"/>
+                <a16:creationId xmlns="" xmlns:a16="http://schemas.microsoft.com/office/drawing/2014/main" id="{CAB60546-F51F-5442-8802-C4549CE85A99}"/>
               </a:ext>
             </a:extLst>
           </p:cNvPr>
@@ -5573,10 +5586,10 @@
           <p:cNvPr id="11" name="Rectangle 10">
             <a:extLst>
               <a:ext uri="{FF2B5EF4-FFF2-40B4-BE49-F238E27FC236}">
-                <a16:creationId xmlns:a16="http://schemas.microsoft.com/office/drawing/2014/main" id="{86197D16-FE75-4A0E-A0C9-28C0F04A43DF}"/>
+                <a16:creationId xmlns="" xmlns:a16="http://schemas.microsoft.com/office/drawing/2014/main" id="{86197D16-FE75-4A0E-A0C9-28C0F04A43DF}"/>
               </a:ext>
               <a:ext uri="{C183D7F6-B498-43B3-948B-1728B52AA6E4}">
-                <adec:decorative xmlns:adec="http://schemas.microsoft.com/office/drawing/2017/decorative" val="1"/>
+                <adec:decorative xmlns="" xmlns:adec="http://schemas.microsoft.com/office/drawing/2017/decorative" val="1"/>
               </a:ext>
             </a:extLst>
           </p:cNvPr>
@@ -5586,7 +5599,7 @@
           <p:nvPr>
             <p:extLst>
               <p:ext uri="{386F3935-93C4-4BCD-93E2-E3B085C9AB24}">
-                <p16:designElem xmlns:p16="http://schemas.microsoft.com/office/powerpoint/2015/main" val="1"/>
+                <p16:designElem xmlns="" xmlns:p16="http://schemas.microsoft.com/office/powerpoint/2015/main" val="1"/>
               </p:ext>
             </p:extLst>
           </p:nvPr>
@@ -5658,10 +5671,10 @@
           <p:cNvPr id="13" name="Picture 12">
             <a:extLst>
               <a:ext uri="{FF2B5EF4-FFF2-40B4-BE49-F238E27FC236}">
-                <a16:creationId xmlns:a16="http://schemas.microsoft.com/office/drawing/2014/main" id="{FA8FCEC6-4B30-4FF2-8B32-504BEAEA3A16}"/>
+                <a16:creationId xmlns="" xmlns:a16="http://schemas.microsoft.com/office/drawing/2014/main" id="{FA8FCEC6-4B30-4FF2-8B32-504BEAEA3A16}"/>
               </a:ext>
               <a:ext uri="{C183D7F6-B498-43B3-948B-1728B52AA6E4}">
-                <adec:decorative xmlns:adec="http://schemas.microsoft.com/office/drawing/2017/decorative" val="1"/>
+                <adec:decorative xmlns="" xmlns:adec="http://schemas.microsoft.com/office/drawing/2017/decorative" val="1"/>
               </a:ext>
             </a:extLst>
           </p:cNvPr>
@@ -5671,7 +5684,7 @@
           <p:nvPr>
             <p:extLst>
               <p:ext uri="{386F3935-93C4-4BCD-93E2-E3B085C9AB24}">
-                <p16:designElem xmlns:p16="http://schemas.microsoft.com/office/powerpoint/2015/main" val="1"/>
+                <p16:designElem xmlns="" xmlns:p16="http://schemas.microsoft.com/office/powerpoint/2015/main" val="1"/>
               </p:ext>
             </p:extLst>
           </p:nvPr>
@@ -5747,7 +5760,7 @@
           <p:cNvPr id="5" name="Title 4">
             <a:extLst>
               <a:ext uri="{FF2B5EF4-FFF2-40B4-BE49-F238E27FC236}">
-                <a16:creationId xmlns:a16="http://schemas.microsoft.com/office/drawing/2014/main" id="{F40F19E3-E377-114E-A404-8D44578D0FD5}"/>
+                <a16:creationId xmlns="" xmlns:a16="http://schemas.microsoft.com/office/drawing/2014/main" id="{F40F19E3-E377-114E-A404-8D44578D0FD5}"/>
               </a:ext>
             </a:extLst>
           </p:cNvPr>
@@ -5789,7 +5802,7 @@
           <p:cNvPr id="6" name="Text Placeholder 5">
             <a:extLst>
               <a:ext uri="{FF2B5EF4-FFF2-40B4-BE49-F238E27FC236}">
-                <a16:creationId xmlns:a16="http://schemas.microsoft.com/office/drawing/2014/main" id="{7C13148C-25A9-C844-901B-31385A75D977}"/>
+                <a16:creationId xmlns="" xmlns:a16="http://schemas.microsoft.com/office/drawing/2014/main" id="{7C13148C-25A9-C844-901B-31385A75D977}"/>
               </a:ext>
             </a:extLst>
           </p:cNvPr>
@@ -5883,7 +5896,7 @@
           <p:cNvPr id="4" name="Title 3">
             <a:extLst>
               <a:ext uri="{FF2B5EF4-FFF2-40B4-BE49-F238E27FC236}">
-                <a16:creationId xmlns:a16="http://schemas.microsoft.com/office/drawing/2014/main" id="{194B4932-5102-7C4E-9552-DE7FC7FB708F}"/>
+                <a16:creationId xmlns="" xmlns:a16="http://schemas.microsoft.com/office/drawing/2014/main" id="{194B4932-5102-7C4E-9552-DE7FC7FB708F}"/>
               </a:ext>
             </a:extLst>
           </p:cNvPr>
@@ -5911,7 +5924,7 @@
           <p:cNvPr id="5" name="Content Placeholder 4">
             <a:extLst>
               <a:ext uri="{FF2B5EF4-FFF2-40B4-BE49-F238E27FC236}">
-                <a16:creationId xmlns:a16="http://schemas.microsoft.com/office/drawing/2014/main" id="{CD8CE6FB-D12F-814E-9D35-160DD81E77FB}"/>
+                <a16:creationId xmlns="" xmlns:a16="http://schemas.microsoft.com/office/drawing/2014/main" id="{CD8CE6FB-D12F-814E-9D35-160DD81E77FB}"/>
               </a:ext>
             </a:extLst>
           </p:cNvPr>
@@ -6147,7 +6160,7 @@
           <p:cNvPr id="2" name="Title 1">
             <a:extLst>
               <a:ext uri="{FF2B5EF4-FFF2-40B4-BE49-F238E27FC236}">
-                <a16:creationId xmlns:a16="http://schemas.microsoft.com/office/drawing/2014/main" id="{1479231E-23D7-A043-9563-FC8107E8EA01}"/>
+                <a16:creationId xmlns="" xmlns:a16="http://schemas.microsoft.com/office/drawing/2014/main" id="{1479231E-23D7-A043-9563-FC8107E8EA01}"/>
               </a:ext>
             </a:extLst>
           </p:cNvPr>
@@ -6175,7 +6188,7 @@
           <p:cNvPr id="3" name="Content Placeholder 2">
             <a:extLst>
               <a:ext uri="{FF2B5EF4-FFF2-40B4-BE49-F238E27FC236}">
-                <a16:creationId xmlns:a16="http://schemas.microsoft.com/office/drawing/2014/main" id="{28585406-D39D-4A42-8DB6-0F03A43C6F0C}"/>
+                <a16:creationId xmlns="" xmlns:a16="http://schemas.microsoft.com/office/drawing/2014/main" id="{28585406-D39D-4A42-8DB6-0F03A43C6F0C}"/>
               </a:ext>
             </a:extLst>
           </p:cNvPr>
@@ -6434,7 +6447,7 @@
           <p:cNvPr id="2" name="Title 1">
             <a:extLst>
               <a:ext uri="{FF2B5EF4-FFF2-40B4-BE49-F238E27FC236}">
-                <a16:creationId xmlns:a16="http://schemas.microsoft.com/office/drawing/2014/main" id="{6A4E4E31-50FA-D74B-B381-3D109ECE9EDC}"/>
+                <a16:creationId xmlns="" xmlns:a16="http://schemas.microsoft.com/office/drawing/2014/main" id="{6A4E4E31-50FA-D74B-B381-3D109ECE9EDC}"/>
               </a:ext>
             </a:extLst>
           </p:cNvPr>
@@ -6463,7 +6476,7 @@
           <p:cNvPr id="3" name="Content Placeholder 2">
             <a:extLst>
               <a:ext uri="{FF2B5EF4-FFF2-40B4-BE49-F238E27FC236}">
-                <a16:creationId xmlns:a16="http://schemas.microsoft.com/office/drawing/2014/main" id="{19C6187D-3213-0F41-944E-99CA393FBCCF}"/>
+                <a16:creationId xmlns="" xmlns:a16="http://schemas.microsoft.com/office/drawing/2014/main" id="{19C6187D-3213-0F41-944E-99CA393FBCCF}"/>
               </a:ext>
             </a:extLst>
           </p:cNvPr>
@@ -6705,7 +6718,7 @@
           <p:cNvPr id="4" name="Picture 3">
             <a:extLst>
               <a:ext uri="{FF2B5EF4-FFF2-40B4-BE49-F238E27FC236}">
-                <a16:creationId xmlns:a16="http://schemas.microsoft.com/office/drawing/2014/main" id="{2DC80958-6CF5-9848-8BCC-DBB387F87B01}"/>
+                <a16:creationId xmlns="" xmlns:a16="http://schemas.microsoft.com/office/drawing/2014/main" id="{2DC80958-6CF5-9848-8BCC-DBB387F87B01}"/>
               </a:ext>
             </a:extLst>
           </p:cNvPr>
@@ -6765,7 +6778,7 @@
           <p:cNvPr id="2" name="Title 1">
             <a:extLst>
               <a:ext uri="{FF2B5EF4-FFF2-40B4-BE49-F238E27FC236}">
-                <a16:creationId xmlns:a16="http://schemas.microsoft.com/office/drawing/2014/main" id="{ADF30C6A-4211-2842-A21B-6FFB3EE598E2}"/>
+                <a16:creationId xmlns="" xmlns:a16="http://schemas.microsoft.com/office/drawing/2014/main" id="{ADF30C6A-4211-2842-A21B-6FFB3EE598E2}"/>
               </a:ext>
             </a:extLst>
           </p:cNvPr>
@@ -6794,7 +6807,7 @@
           <p:cNvPr id="3" name="Content Placeholder 2">
             <a:extLst>
               <a:ext uri="{FF2B5EF4-FFF2-40B4-BE49-F238E27FC236}">
-                <a16:creationId xmlns:a16="http://schemas.microsoft.com/office/drawing/2014/main" id="{3C492376-F4A1-5749-8D22-C80139E44522}"/>
+                <a16:creationId xmlns="" xmlns:a16="http://schemas.microsoft.com/office/drawing/2014/main" id="{3C492376-F4A1-5749-8D22-C80139E44522}"/>
               </a:ext>
             </a:extLst>
           </p:cNvPr>
@@ -7001,7 +7014,7 @@
           <p:cNvPr id="63" name="Picture 62">
             <a:extLst>
               <a:ext uri="{FF2B5EF4-FFF2-40B4-BE49-F238E27FC236}">
-                <a16:creationId xmlns:a16="http://schemas.microsoft.com/office/drawing/2014/main" id="{0C5290F6-06F6-6646-A016-47474B69D045}"/>
+                <a16:creationId xmlns="" xmlns:a16="http://schemas.microsoft.com/office/drawing/2014/main" id="{0C5290F6-06F6-6646-A016-47474B69D045}"/>
               </a:ext>
             </a:extLst>
           </p:cNvPr>
@@ -7031,7 +7044,7 @@
           <p:cNvPr id="65" name="Straight Arrow Connector 64">
             <a:extLst>
               <a:ext uri="{FF2B5EF4-FFF2-40B4-BE49-F238E27FC236}">
-                <a16:creationId xmlns:a16="http://schemas.microsoft.com/office/drawing/2014/main" id="{5A52D207-B8D7-C44E-9292-69C76FD78670}"/>
+                <a16:creationId xmlns="" xmlns:a16="http://schemas.microsoft.com/office/drawing/2014/main" id="{5A52D207-B8D7-C44E-9292-69C76FD78670}"/>
               </a:ext>
             </a:extLst>
           </p:cNvPr>
@@ -7072,7 +7085,7 @@
           <p:cNvPr id="72" name="Straight Arrow Connector 71">
             <a:extLst>
               <a:ext uri="{FF2B5EF4-FFF2-40B4-BE49-F238E27FC236}">
-                <a16:creationId xmlns:a16="http://schemas.microsoft.com/office/drawing/2014/main" id="{D85B1BE8-9930-B64B-879E-F0FAFC884BAA}"/>
+                <a16:creationId xmlns="" xmlns:a16="http://schemas.microsoft.com/office/drawing/2014/main" id="{D85B1BE8-9930-B64B-879E-F0FAFC884BAA}"/>
               </a:ext>
             </a:extLst>
           </p:cNvPr>
@@ -7113,7 +7126,7 @@
           <p:cNvPr id="75" name="Straight Arrow Connector 74">
             <a:extLst>
               <a:ext uri="{FF2B5EF4-FFF2-40B4-BE49-F238E27FC236}">
-                <a16:creationId xmlns:a16="http://schemas.microsoft.com/office/drawing/2014/main" id="{C2240D5C-8C8C-D44A-9304-F304C42449DC}"/>
+                <a16:creationId xmlns="" xmlns:a16="http://schemas.microsoft.com/office/drawing/2014/main" id="{C2240D5C-8C8C-D44A-9304-F304C42449DC}"/>
               </a:ext>
             </a:extLst>
           </p:cNvPr>
@@ -7154,7 +7167,7 @@
           <p:cNvPr id="80" name="Straight Arrow Connector 79">
             <a:extLst>
               <a:ext uri="{FF2B5EF4-FFF2-40B4-BE49-F238E27FC236}">
-                <a16:creationId xmlns:a16="http://schemas.microsoft.com/office/drawing/2014/main" id="{58C9797E-1965-A640-933A-B01A64CF9887}"/>
+                <a16:creationId xmlns="" xmlns:a16="http://schemas.microsoft.com/office/drawing/2014/main" id="{58C9797E-1965-A640-933A-B01A64CF9887}"/>
               </a:ext>
             </a:extLst>
           </p:cNvPr>
@@ -7195,7 +7208,7 @@
           <p:cNvPr id="84" name="Straight Arrow Connector 83">
             <a:extLst>
               <a:ext uri="{FF2B5EF4-FFF2-40B4-BE49-F238E27FC236}">
-                <a16:creationId xmlns:a16="http://schemas.microsoft.com/office/drawing/2014/main" id="{0A8B68BC-B7EB-5640-9BFF-4F0BFD770FCD}"/>
+                <a16:creationId xmlns="" xmlns:a16="http://schemas.microsoft.com/office/drawing/2014/main" id="{0A8B68BC-B7EB-5640-9BFF-4F0BFD770FCD}"/>
               </a:ext>
             </a:extLst>
           </p:cNvPr>
@@ -7236,7 +7249,7 @@
           <p:cNvPr id="85" name="Straight Arrow Connector 84">
             <a:extLst>
               <a:ext uri="{FF2B5EF4-FFF2-40B4-BE49-F238E27FC236}">
-                <a16:creationId xmlns:a16="http://schemas.microsoft.com/office/drawing/2014/main" id="{F5B3506B-5AF7-A346-BB8A-C17273545E6C}"/>
+                <a16:creationId xmlns="" xmlns:a16="http://schemas.microsoft.com/office/drawing/2014/main" id="{F5B3506B-5AF7-A346-BB8A-C17273545E6C}"/>
               </a:ext>
             </a:extLst>
           </p:cNvPr>
@@ -7307,7 +7320,7 @@
           <p:cNvPr id="4" name="Picture 3">
             <a:extLst>
               <a:ext uri="{FF2B5EF4-FFF2-40B4-BE49-F238E27FC236}">
-                <a16:creationId xmlns:a16="http://schemas.microsoft.com/office/drawing/2014/main" id="{B5659436-A9E3-DA47-8B13-C33D595EE89F}"/>
+                <a16:creationId xmlns="" xmlns:a16="http://schemas.microsoft.com/office/drawing/2014/main" id="{B5659436-A9E3-DA47-8B13-C33D595EE89F}"/>
               </a:ext>
             </a:extLst>
           </p:cNvPr>
@@ -7337,7 +7350,7 @@
           <p:cNvPr id="2" name="Title 1">
             <a:extLst>
               <a:ext uri="{FF2B5EF4-FFF2-40B4-BE49-F238E27FC236}">
-                <a16:creationId xmlns:a16="http://schemas.microsoft.com/office/drawing/2014/main" id="{ADF30C6A-4211-2842-A21B-6FFB3EE598E2}"/>
+                <a16:creationId xmlns="" xmlns:a16="http://schemas.microsoft.com/office/drawing/2014/main" id="{ADF30C6A-4211-2842-A21B-6FFB3EE598E2}"/>
               </a:ext>
             </a:extLst>
           </p:cNvPr>
@@ -7366,7 +7379,7 @@
           <p:cNvPr id="3" name="Content Placeholder 2">
             <a:extLst>
               <a:ext uri="{FF2B5EF4-FFF2-40B4-BE49-F238E27FC236}">
-                <a16:creationId xmlns:a16="http://schemas.microsoft.com/office/drawing/2014/main" id="{3C492376-F4A1-5749-8D22-C80139E44522}"/>
+                <a16:creationId xmlns="" xmlns:a16="http://schemas.microsoft.com/office/drawing/2014/main" id="{3C492376-F4A1-5749-8D22-C80139E44522}"/>
               </a:ext>
             </a:extLst>
           </p:cNvPr>
@@ -7578,7 +7591,7 @@
           <p:cNvPr id="65" name="Straight Arrow Connector 64">
             <a:extLst>
               <a:ext uri="{FF2B5EF4-FFF2-40B4-BE49-F238E27FC236}">
-                <a16:creationId xmlns:a16="http://schemas.microsoft.com/office/drawing/2014/main" id="{5A52D207-B8D7-C44E-9292-69C76FD78670}"/>
+                <a16:creationId xmlns="" xmlns:a16="http://schemas.microsoft.com/office/drawing/2014/main" id="{5A52D207-B8D7-C44E-9292-69C76FD78670}"/>
               </a:ext>
             </a:extLst>
           </p:cNvPr>
@@ -7619,7 +7632,7 @@
           <p:cNvPr id="72" name="Straight Arrow Connector 71">
             <a:extLst>
               <a:ext uri="{FF2B5EF4-FFF2-40B4-BE49-F238E27FC236}">
-                <a16:creationId xmlns:a16="http://schemas.microsoft.com/office/drawing/2014/main" id="{D85B1BE8-9930-B64B-879E-F0FAFC884BAA}"/>
+                <a16:creationId xmlns="" xmlns:a16="http://schemas.microsoft.com/office/drawing/2014/main" id="{D85B1BE8-9930-B64B-879E-F0FAFC884BAA}"/>
               </a:ext>
             </a:extLst>
           </p:cNvPr>
@@ -7660,7 +7673,7 @@
           <p:cNvPr id="15" name="Straight Arrow Connector 14">
             <a:extLst>
               <a:ext uri="{FF2B5EF4-FFF2-40B4-BE49-F238E27FC236}">
-                <a16:creationId xmlns:a16="http://schemas.microsoft.com/office/drawing/2014/main" id="{A9BAE44F-7115-BE45-9BD9-6368FC15CACA}"/>
+                <a16:creationId xmlns="" xmlns:a16="http://schemas.microsoft.com/office/drawing/2014/main" id="{A9BAE44F-7115-BE45-9BD9-6368FC15CACA}"/>
               </a:ext>
             </a:extLst>
           </p:cNvPr>
@@ -7701,7 +7714,7 @@
           <p:cNvPr id="18" name="Straight Arrow Connector 17">
             <a:extLst>
               <a:ext uri="{FF2B5EF4-FFF2-40B4-BE49-F238E27FC236}">
-                <a16:creationId xmlns:a16="http://schemas.microsoft.com/office/drawing/2014/main" id="{A9F5E906-0BDD-844F-8436-F78D64146FE9}"/>
+                <a16:creationId xmlns="" xmlns:a16="http://schemas.microsoft.com/office/drawing/2014/main" id="{A9F5E906-0BDD-844F-8436-F78D64146FE9}"/>
               </a:ext>
             </a:extLst>
           </p:cNvPr>
@@ -7742,7 +7755,7 @@
           <p:cNvPr id="19" name="Straight Arrow Connector 18">
             <a:extLst>
               <a:ext uri="{FF2B5EF4-FFF2-40B4-BE49-F238E27FC236}">
-                <a16:creationId xmlns:a16="http://schemas.microsoft.com/office/drawing/2014/main" id="{83ACD1BD-2015-8943-97FA-07323A0CEB81}"/>
+                <a16:creationId xmlns="" xmlns:a16="http://schemas.microsoft.com/office/drawing/2014/main" id="{83ACD1BD-2015-8943-97FA-07323A0CEB81}"/>
               </a:ext>
             </a:extLst>
           </p:cNvPr>
@@ -7783,7 +7796,7 @@
           <p:cNvPr id="20" name="Straight Arrow Connector 19">
             <a:extLst>
               <a:ext uri="{FF2B5EF4-FFF2-40B4-BE49-F238E27FC236}">
-                <a16:creationId xmlns:a16="http://schemas.microsoft.com/office/drawing/2014/main" id="{B1212E21-96B7-AB45-957E-4B6307923796}"/>
+                <a16:creationId xmlns="" xmlns:a16="http://schemas.microsoft.com/office/drawing/2014/main" id="{B1212E21-96B7-AB45-957E-4B6307923796}"/>
               </a:ext>
             </a:extLst>
           </p:cNvPr>
@@ -7824,7 +7837,7 @@
           <p:cNvPr id="23" name="Straight Arrow Connector 22">
             <a:extLst>
               <a:ext uri="{FF2B5EF4-FFF2-40B4-BE49-F238E27FC236}">
-                <a16:creationId xmlns:a16="http://schemas.microsoft.com/office/drawing/2014/main" id="{80AA2170-DBFF-5E45-A00C-2E3270E9946E}"/>
+                <a16:creationId xmlns="" xmlns:a16="http://schemas.microsoft.com/office/drawing/2014/main" id="{80AA2170-DBFF-5E45-A00C-2E3270E9946E}"/>
               </a:ext>
             </a:extLst>
           </p:cNvPr>
@@ -7865,7 +7878,7 @@
           <p:cNvPr id="25" name="Straight Arrow Connector 24">
             <a:extLst>
               <a:ext uri="{FF2B5EF4-FFF2-40B4-BE49-F238E27FC236}">
-                <a16:creationId xmlns:a16="http://schemas.microsoft.com/office/drawing/2014/main" id="{942E7E7F-6257-5440-8EFA-DBBFF564DB05}"/>
+                <a16:creationId xmlns="" xmlns:a16="http://schemas.microsoft.com/office/drawing/2014/main" id="{942E7E7F-6257-5440-8EFA-DBBFF564DB05}"/>
               </a:ext>
             </a:extLst>
           </p:cNvPr>
@@ -7906,7 +7919,7 @@
           <p:cNvPr id="27" name="Straight Arrow Connector 26">
             <a:extLst>
               <a:ext uri="{FF2B5EF4-FFF2-40B4-BE49-F238E27FC236}">
-                <a16:creationId xmlns:a16="http://schemas.microsoft.com/office/drawing/2014/main" id="{C963AAFB-CB68-744A-997A-3208AE546C08}"/>
+                <a16:creationId xmlns="" xmlns:a16="http://schemas.microsoft.com/office/drawing/2014/main" id="{C963AAFB-CB68-744A-997A-3208AE546C08}"/>
               </a:ext>
             </a:extLst>
           </p:cNvPr>
@@ -7972,42 +7985,12 @@
           <a:chExt cx="0" cy="0"/>
         </a:xfrm>
       </p:grpSpPr>
-      <p:pic>
-        <p:nvPicPr>
-          <p:cNvPr id="4" name="Picture 3">
-            <a:extLst>
-              <a:ext uri="{FF2B5EF4-FFF2-40B4-BE49-F238E27FC236}">
-                <a16:creationId xmlns:a16="http://schemas.microsoft.com/office/drawing/2014/main" id="{B5659436-A9E3-DA47-8B13-C33D595EE89F}"/>
-              </a:ext>
-            </a:extLst>
-          </p:cNvPr>
-          <p:cNvPicPr>
-            <a:picLocks noChangeAspect="1"/>
-          </p:cNvPicPr>
-          <p:nvPr/>
-        </p:nvPicPr>
-        <p:blipFill>
-          <a:blip r:embed="rId2"/>
-          <a:stretch>
-            <a:fillRect/>
-          </a:stretch>
-        </p:blipFill>
-        <p:spPr>
-          <a:xfrm>
-            <a:off x="5746098" y="1825625"/>
-            <a:ext cx="6027228" cy="4100717"/>
-          </a:xfrm>
-          <a:prstGeom prst="rect">
-            <a:avLst/>
-          </a:prstGeom>
-        </p:spPr>
-      </p:pic>
       <p:sp>
         <p:nvSpPr>
           <p:cNvPr id="2" name="Title 1">
             <a:extLst>
               <a:ext uri="{FF2B5EF4-FFF2-40B4-BE49-F238E27FC236}">
-                <a16:creationId xmlns:a16="http://schemas.microsoft.com/office/drawing/2014/main" id="{ADF30C6A-4211-2842-A21B-6FFB3EE598E2}"/>
+                <a16:creationId xmlns="" xmlns:a16="http://schemas.microsoft.com/office/drawing/2014/main" id="{ADF30C6A-4211-2842-A21B-6FFB3EE598E2}"/>
               </a:ext>
             </a:extLst>
           </p:cNvPr>
@@ -8036,7 +8019,7 @@
           <p:cNvPr id="3" name="Content Placeholder 2">
             <a:extLst>
               <a:ext uri="{FF2B5EF4-FFF2-40B4-BE49-F238E27FC236}">
-                <a16:creationId xmlns:a16="http://schemas.microsoft.com/office/drawing/2014/main" id="{3C492376-F4A1-5749-8D22-C80139E44522}"/>
+                <a16:creationId xmlns="" xmlns:a16="http://schemas.microsoft.com/office/drawing/2014/main" id="{3C492376-F4A1-5749-8D22-C80139E44522}"/>
               </a:ext>
             </a:extLst>
           </p:cNvPr>
@@ -8054,20 +8037,36 @@
           </a:xfrm>
         </p:spPr>
         <p:txBody>
-          <a:bodyPr/>
+          <a:bodyPr>
+            <a:normAutofit fontScale="85000" lnSpcReduction="20000"/>
+          </a:bodyPr>
           <a:lstStyle/>
           <a:p>
             <a:r>
-              <a:rPr lang="sk-SK" dirty="0" err="1"/>
+              <a:rPr lang="sk-SK" dirty="0" smtClean="0"/>
               <a:t>sequential</a:t>
             </a:r>
-            <a:endParaRPr lang="sk-SK" dirty="0"/>
+            <a:endParaRPr lang="en-US" dirty="0" smtClean="0"/>
           </a:p>
           <a:p>
             <a:pPr marL="0" indent="0">
               <a:buNone/>
             </a:pPr>
             <a:r>
+              <a:rPr lang="en-US" dirty="0"/>
+              <a:t>It runs each task in series but stops whenever </a:t>
+            </a:r>
+            <a:r>
+              <a:rPr lang="en-US" b="1" dirty="0"/>
+              <a:t>any of the functions were successful</a:t>
+            </a:r>
+            <a:endParaRPr lang="sk-SK" b="1" dirty="0"/>
+          </a:p>
+          <a:p>
+            <a:pPr marL="0" indent="0">
+              <a:buNone/>
+            </a:pPr>
+            <a:r>
               <a:rPr lang="sk-SK" dirty="0" err="1"/>
               <a:t>Use</a:t>
             </a:r>
@@ -8086,212 +8085,128 @@
           </a:p>
           <a:p>
             <a:r>
-              <a:rPr lang="sk-SK" dirty="0" err="1"/>
-              <a:t>you</a:t>
-            </a:r>
-            <a:r>
-              <a:rPr lang="sk-SK" dirty="0"/>
-              <a:t> </a:t>
-            </a:r>
-            <a:r>
-              <a:rPr lang="sk-SK" dirty="0" err="1"/>
-              <a:t>have</a:t>
-            </a:r>
-            <a:r>
-              <a:rPr lang="sk-SK" dirty="0"/>
-              <a:t> more </a:t>
-            </a:r>
-            <a:r>
-              <a:rPr lang="sk-SK" dirty="0" err="1"/>
-              <a:t>alternatives</a:t>
-            </a:r>
-            <a:r>
-              <a:rPr lang="sk-SK" dirty="0"/>
-              <a:t> to </a:t>
-            </a:r>
-            <a:r>
-              <a:rPr lang="sk-SK" dirty="0" err="1"/>
-              <a:t>perform</a:t>
-            </a:r>
-            <a:r>
-              <a:rPr lang="sk-SK" dirty="0"/>
-              <a:t> </a:t>
-            </a:r>
-            <a:r>
-              <a:rPr lang="sk-SK" dirty="0" err="1"/>
-              <a:t>the</a:t>
-            </a:r>
-            <a:r>
-              <a:rPr lang="sk-SK" dirty="0"/>
-              <a:t> </a:t>
-            </a:r>
-            <a:r>
-              <a:rPr lang="sk-SK" dirty="0" err="1"/>
-              <a:t>task</a:t>
-            </a:r>
-            <a:r>
-              <a:rPr lang="sk-SK" dirty="0"/>
-              <a:t> and </a:t>
-            </a:r>
-            <a:r>
-              <a:rPr lang="sk-SK" dirty="0" err="1"/>
-              <a:t>first</a:t>
-            </a:r>
-            <a:r>
-              <a:rPr lang="sk-SK" dirty="0"/>
-              <a:t> </a:t>
-            </a:r>
-            <a:r>
-              <a:rPr lang="sk-SK" dirty="0" err="1"/>
-              <a:t>succesfull</a:t>
-            </a:r>
-            <a:r>
-              <a:rPr lang="sk-SK" dirty="0"/>
-              <a:t> </a:t>
-            </a:r>
-            <a:r>
-              <a:rPr lang="sk-SK" dirty="0" err="1"/>
-              <a:t>is</a:t>
-            </a:r>
-            <a:r>
-              <a:rPr lang="sk-SK" dirty="0"/>
-              <a:t> </a:t>
-            </a:r>
-            <a:r>
-              <a:rPr lang="sk-SK" dirty="0" err="1"/>
+              <a:rPr lang="sk-SK" dirty="0"/>
+              <a:t>you have more alternatives to perform the task and first </a:t>
+            </a:r>
+            <a:r>
+              <a:rPr lang="sk-SK" dirty="0" smtClean="0"/>
+              <a:t>succesfull </a:t>
+            </a:r>
+            <a:r>
+              <a:rPr lang="sk-SK" dirty="0"/>
+              <a:t>is </a:t>
+            </a:r>
+            <a:r>
+              <a:rPr lang="sk-SK" dirty="0" smtClean="0"/>
               <a:t>enough</a:t>
             </a:r>
-            <a:r>
-              <a:rPr lang="sk-SK" dirty="0"/>
-              <a:t> </a:t>
-            </a:r>
-          </a:p>
-          <a:p>
-            <a:r>
-              <a:rPr lang="sk-SK" dirty="0" err="1"/>
-              <a:t>next</a:t>
-            </a:r>
-            <a:r>
-              <a:rPr lang="sk-SK" dirty="0"/>
-              <a:t> </a:t>
-            </a:r>
-            <a:r>
-              <a:rPr lang="sk-SK" dirty="0" err="1"/>
-              <a:t>task</a:t>
-            </a:r>
-            <a:r>
-              <a:rPr lang="sk-SK" dirty="0"/>
-              <a:t> </a:t>
-            </a:r>
-            <a:r>
-              <a:rPr lang="sk-SK" dirty="0" err="1"/>
-              <a:t>gets</a:t>
-            </a:r>
-            <a:r>
-              <a:rPr lang="sk-SK" dirty="0"/>
-              <a:t> </a:t>
-            </a:r>
-            <a:r>
-              <a:rPr lang="sk-SK" dirty="0" err="1"/>
-              <a:t>data</a:t>
-            </a:r>
-            <a:r>
-              <a:rPr lang="sk-SK" dirty="0"/>
-              <a:t> </a:t>
-            </a:r>
-            <a:r>
-              <a:rPr lang="sk-SK" dirty="0" err="1"/>
-              <a:t>from</a:t>
-            </a:r>
-            <a:r>
-              <a:rPr lang="sk-SK" b="1" i="1" dirty="0"/>
-              <a:t> </a:t>
-            </a:r>
-            <a:r>
-              <a:rPr lang="sk-SK" i="1" dirty="0" err="1"/>
-              <a:t>returned</a:t>
-            </a:r>
-            <a:r>
-              <a:rPr lang="sk-SK" dirty="0"/>
-              <a:t> </a:t>
-            </a:r>
-            <a:r>
-              <a:rPr lang="sk-SK" dirty="0" err="1"/>
-              <a:t>from</a:t>
-            </a:r>
-            <a:r>
-              <a:rPr lang="sk-SK" dirty="0"/>
-              <a:t> </a:t>
-            </a:r>
-            <a:r>
-              <a:rPr lang="sk-SK" dirty="0" err="1"/>
-              <a:t>previous</a:t>
-            </a:r>
-            <a:r>
-              <a:rPr lang="sk-SK" dirty="0"/>
-              <a:t> </a:t>
-            </a:r>
-            <a:r>
-              <a:rPr lang="sk-SK" dirty="0" err="1"/>
-              <a:t>task</a:t>
-            </a:r>
-            <a:endParaRPr lang="sk-SK" dirty="0"/>
-          </a:p>
-          <a:p>
-            <a:r>
-              <a:rPr lang="sk-SK" dirty="0" err="1"/>
-              <a:t>final</a:t>
-            </a:r>
-            <a:r>
-              <a:rPr lang="sk-SK" dirty="0"/>
-              <a:t> </a:t>
-            </a:r>
-            <a:r>
-              <a:rPr lang="sk-SK" dirty="0" err="1"/>
-              <a:t>callback</a:t>
-            </a:r>
-            <a:r>
-              <a:rPr lang="sk-SK" dirty="0"/>
-              <a:t> </a:t>
-            </a:r>
-            <a:r>
-              <a:rPr lang="sk-SK" dirty="0" err="1"/>
-              <a:t>gets</a:t>
-            </a:r>
-            <a:r>
-              <a:rPr lang="sk-SK" dirty="0"/>
-              <a:t> </a:t>
-            </a:r>
-            <a:r>
-              <a:rPr lang="sk-SK" dirty="0" err="1"/>
-              <a:t>data</a:t>
-            </a:r>
-            <a:r>
-              <a:rPr lang="sk-SK" dirty="0"/>
-              <a:t> of </a:t>
-            </a:r>
-            <a:r>
-              <a:rPr lang="sk-SK" dirty="0" err="1"/>
-              <a:t>last</a:t>
-            </a:r>
-            <a:r>
-              <a:rPr lang="sk-SK" dirty="0"/>
-              <a:t> </a:t>
-            </a:r>
-            <a:r>
-              <a:rPr lang="sk-SK" dirty="0" err="1"/>
-              <a:t>task</a:t>
+            <a:endParaRPr lang="en-US" dirty="0" smtClean="0"/>
+          </a:p>
+          <a:p>
+            <a:r>
+              <a:rPr lang="en-US" dirty="0" smtClean="0"/>
+              <a:t>If one of the tasks were successful, the callback will be passed the </a:t>
+            </a:r>
+            <a:r>
+              <a:rPr lang="en-US" b="1" dirty="0" smtClean="0"/>
+              <a:t>result of the successful task</a:t>
+            </a:r>
+          </a:p>
+          <a:p>
+            <a:r>
+              <a:rPr lang="en-US" dirty="0" smtClean="0"/>
+              <a:t>if all fail, </a:t>
+            </a:r>
+            <a:r>
+              <a:rPr lang="en-US" dirty="0" err="1" smtClean="0"/>
+              <a:t>cb</a:t>
+            </a:r>
+            <a:r>
+              <a:rPr lang="en-US" dirty="0" smtClean="0"/>
+              <a:t> will be called with error of last attempt </a:t>
             </a:r>
             <a:endParaRPr lang="sk-SK" dirty="0"/>
           </a:p>
         </p:txBody>
       </p:sp>
+      <p:pic>
+        <p:nvPicPr>
+          <p:cNvPr id="7" name="Picture 6"/>
+          <p:cNvPicPr>
+            <a:picLocks noChangeAspect="1"/>
+          </p:cNvPicPr>
+          <p:nvPr/>
+        </p:nvPicPr>
+        <p:blipFill>
+          <a:blip r:embed="rId2"/>
+          <a:stretch>
+            <a:fillRect/>
+          </a:stretch>
+        </p:blipFill>
+        <p:spPr>
+          <a:xfrm>
+            <a:off x="5204919" y="1126268"/>
+            <a:ext cx="6760385" cy="802279"/>
+          </a:xfrm>
+          <a:prstGeom prst="rect">
+            <a:avLst/>
+          </a:prstGeom>
+        </p:spPr>
+      </p:pic>
+      <p:pic>
+        <p:nvPicPr>
+          <p:cNvPr id="8" name="Picture 7"/>
+          <p:cNvPicPr>
+            <a:picLocks noChangeAspect="1"/>
+          </p:cNvPicPr>
+          <p:nvPr/>
+        </p:nvPicPr>
+        <p:blipFill>
+          <a:blip r:embed="rId3"/>
+          <a:stretch>
+            <a:fillRect/>
+          </a:stretch>
+        </p:blipFill>
+        <p:spPr>
+          <a:xfrm>
+            <a:off x="5204919" y="1897724"/>
+            <a:ext cx="4721329" cy="4310063"/>
+          </a:xfrm>
+          <a:prstGeom prst="rect">
+            <a:avLst/>
+          </a:prstGeom>
+        </p:spPr>
+      </p:pic>
+      <p:pic>
+        <p:nvPicPr>
+          <p:cNvPr id="10" name="Picture 9"/>
+          <p:cNvPicPr>
+            <a:picLocks noChangeAspect="1"/>
+          </p:cNvPicPr>
+          <p:nvPr/>
+        </p:nvPicPr>
+        <p:blipFill>
+          <a:blip r:embed="rId4"/>
+          <a:stretch>
+            <a:fillRect/>
+          </a:stretch>
+        </p:blipFill>
+        <p:spPr>
+          <a:xfrm>
+            <a:off x="9795510" y="1897724"/>
+            <a:ext cx="2169794" cy="4310063"/>
+          </a:xfrm>
+          <a:prstGeom prst="rect">
+            <a:avLst/>
+          </a:prstGeom>
+        </p:spPr>
+      </p:pic>
       <p:cxnSp>
         <p:nvCxnSpPr>
-          <p:cNvPr id="65" name="Straight Arrow Connector 64">
-            <a:extLst>
-              <a:ext uri="{FF2B5EF4-FFF2-40B4-BE49-F238E27FC236}">
-                <a16:creationId xmlns:a16="http://schemas.microsoft.com/office/drawing/2014/main" id="{5A52D207-B8D7-C44E-9292-69C76FD78670}"/>
+          <p:cNvPr id="21" name="Straight Arrow Connector 20">
+            <a:extLst>
+              <a:ext uri="{FF2B5EF4-FFF2-40B4-BE49-F238E27FC236}">
+                <a16:creationId xmlns="" xmlns:a16="http://schemas.microsoft.com/office/drawing/2014/main" id="{637BD554-5E98-5448-90EA-2619807A9C4D}"/>
               </a:ext>
             </a:extLst>
           </p:cNvPr>
@@ -8302,8 +8217,8 @@
         </p:nvCxnSpPr>
         <p:spPr>
           <a:xfrm>
-            <a:off x="6944195" y="2483980"/>
-            <a:ext cx="0" cy="226469"/>
+            <a:off x="6712527" y="3435560"/>
+            <a:ext cx="0" cy="346731"/>
           </a:xfrm>
           <a:prstGeom prst="straightConnector1">
             <a:avLst/>
@@ -8329,10 +8244,10 @@
       </p:cxnSp>
       <p:cxnSp>
         <p:nvCxnSpPr>
-          <p:cNvPr id="72" name="Straight Arrow Connector 71">
-            <a:extLst>
-              <a:ext uri="{FF2B5EF4-FFF2-40B4-BE49-F238E27FC236}">
-                <a16:creationId xmlns:a16="http://schemas.microsoft.com/office/drawing/2014/main" id="{D85B1BE8-9930-B64B-879E-F0FAFC884BAA}"/>
+          <p:cNvPr id="22" name="Straight Arrow Connector 21">
+            <a:extLst>
+              <a:ext uri="{FF2B5EF4-FFF2-40B4-BE49-F238E27FC236}">
+                <a16:creationId xmlns="" xmlns:a16="http://schemas.microsoft.com/office/drawing/2014/main" id="{A521D01F-9D63-394F-A8B1-0EF331923544}"/>
               </a:ext>
             </a:extLst>
           </p:cNvPr>
@@ -8342,9 +8257,9 @@
           <p:nvPr/>
         </p:nvCxnSpPr>
         <p:spPr>
-          <a:xfrm>
-            <a:off x="6925515" y="2497476"/>
-            <a:ext cx="1737455" cy="0"/>
+          <a:xfrm flipV="1">
+            <a:off x="11337397" y="1511996"/>
+            <a:ext cx="0" cy="1923565"/>
           </a:xfrm>
           <a:prstGeom prst="straightConnector1">
             <a:avLst/>
@@ -8370,10 +8285,10 @@
       </p:cxnSp>
       <p:cxnSp>
         <p:nvCxnSpPr>
-          <p:cNvPr id="15" name="Straight Arrow Connector 14">
-            <a:extLst>
-              <a:ext uri="{FF2B5EF4-FFF2-40B4-BE49-F238E27FC236}">
-                <a16:creationId xmlns:a16="http://schemas.microsoft.com/office/drawing/2014/main" id="{A9BAE44F-7115-BE45-9BD9-6368FC15CACA}"/>
+          <p:cNvPr id="24" name="Straight Arrow Connector 23">
+            <a:extLst>
+              <a:ext uri="{FF2B5EF4-FFF2-40B4-BE49-F238E27FC236}">
+                <a16:creationId xmlns="" xmlns:a16="http://schemas.microsoft.com/office/drawing/2014/main" id="{8F6156F9-B8EB-F64D-9431-815B589502CF}"/>
               </a:ext>
             </a:extLst>
           </p:cNvPr>
@@ -8383,9 +8298,9 @@
           <p:nvPr/>
         </p:nvCxnSpPr>
         <p:spPr>
-          <a:xfrm flipV="1">
-            <a:off x="8662970" y="2352418"/>
-            <a:ext cx="0" cy="165104"/>
+          <a:xfrm>
+            <a:off x="6712527" y="3435560"/>
+            <a:ext cx="4641273" cy="1"/>
           </a:xfrm>
           <a:prstGeom prst="straightConnector1">
             <a:avLst/>
@@ -8411,10 +8326,10 @@
       </p:cxnSp>
       <p:cxnSp>
         <p:nvCxnSpPr>
-          <p:cNvPr id="18" name="Straight Arrow Connector 17">
-            <a:extLst>
-              <a:ext uri="{FF2B5EF4-FFF2-40B4-BE49-F238E27FC236}">
-                <a16:creationId xmlns:a16="http://schemas.microsoft.com/office/drawing/2014/main" id="{A9F5E906-0BDD-844F-8436-F78D64146FE9}"/>
+          <p:cNvPr id="28" name="Straight Arrow Connector 27">
+            <a:extLst>
+              <a:ext uri="{FF2B5EF4-FFF2-40B4-BE49-F238E27FC236}">
+                <a16:creationId xmlns="" xmlns:a16="http://schemas.microsoft.com/office/drawing/2014/main" id="{8F6156F9-B8EB-F64D-9431-815B589502CF}"/>
               </a:ext>
             </a:extLst>
           </p:cNvPr>
@@ -8425,219 +8340,14 @@
         </p:nvCxnSpPr>
         <p:spPr>
           <a:xfrm>
-            <a:off x="6563477" y="2978360"/>
-            <a:ext cx="0" cy="226469"/>
-          </a:xfrm>
-          <a:prstGeom prst="straightConnector1">
-            <a:avLst/>
-          </a:prstGeom>
-          <a:ln w="38100">
-            <a:tailEnd type="triangle"/>
-          </a:ln>
-        </p:spPr>
-        <p:style>
-          <a:lnRef idx="1">
-            <a:schemeClr val="accent1"/>
-          </a:lnRef>
-          <a:fillRef idx="0">
-            <a:schemeClr val="accent1"/>
-          </a:fillRef>
-          <a:effectRef idx="0">
-            <a:schemeClr val="accent1"/>
-          </a:effectRef>
-          <a:fontRef idx="minor">
-            <a:schemeClr val="tx1"/>
-          </a:fontRef>
-        </p:style>
-      </p:cxnSp>
-      <p:cxnSp>
-        <p:nvCxnSpPr>
-          <p:cNvPr id="19" name="Straight Arrow Connector 18">
-            <a:extLst>
-              <a:ext uri="{FF2B5EF4-FFF2-40B4-BE49-F238E27FC236}">
-                <a16:creationId xmlns:a16="http://schemas.microsoft.com/office/drawing/2014/main" id="{83ACD1BD-2015-8943-97FA-07323A0CEB81}"/>
-              </a:ext>
-            </a:extLst>
-          </p:cNvPr>
-          <p:cNvCxnSpPr>
-            <a:cxnSpLocks/>
-          </p:cNvCxnSpPr>
-          <p:nvPr/>
-        </p:nvCxnSpPr>
-        <p:spPr>
-          <a:xfrm>
-            <a:off x="6544797" y="2991856"/>
-            <a:ext cx="3097246" cy="0"/>
+            <a:off x="11052810" y="1511996"/>
+            <a:ext cx="284587" cy="0"/>
           </a:xfrm>
           <a:prstGeom prst="straightConnector1">
             <a:avLst/>
           </a:prstGeom>
           <a:ln w="38100">
             <a:tailEnd type="none"/>
-          </a:ln>
-        </p:spPr>
-        <p:style>
-          <a:lnRef idx="1">
-            <a:schemeClr val="accent1"/>
-          </a:lnRef>
-          <a:fillRef idx="0">
-            <a:schemeClr val="accent1"/>
-          </a:fillRef>
-          <a:effectRef idx="0">
-            <a:schemeClr val="accent1"/>
-          </a:effectRef>
-          <a:fontRef idx="minor">
-            <a:schemeClr val="tx1"/>
-          </a:fontRef>
-        </p:style>
-      </p:cxnSp>
-      <p:cxnSp>
-        <p:nvCxnSpPr>
-          <p:cNvPr id="20" name="Straight Arrow Connector 19">
-            <a:extLst>
-              <a:ext uri="{FF2B5EF4-FFF2-40B4-BE49-F238E27FC236}">
-                <a16:creationId xmlns:a16="http://schemas.microsoft.com/office/drawing/2014/main" id="{B1212E21-96B7-AB45-957E-4B6307923796}"/>
-              </a:ext>
-            </a:extLst>
-          </p:cNvPr>
-          <p:cNvCxnSpPr>
-            <a:cxnSpLocks/>
-          </p:cNvCxnSpPr>
-          <p:nvPr/>
-        </p:nvCxnSpPr>
-        <p:spPr>
-          <a:xfrm flipV="1">
-            <a:off x="9642043" y="2926985"/>
-            <a:ext cx="0" cy="86106"/>
-          </a:xfrm>
-          <a:prstGeom prst="straightConnector1">
-            <a:avLst/>
-          </a:prstGeom>
-          <a:ln w="38100">
-            <a:tailEnd type="none"/>
-          </a:ln>
-        </p:spPr>
-        <p:style>
-          <a:lnRef idx="1">
-            <a:schemeClr val="accent1"/>
-          </a:lnRef>
-          <a:fillRef idx="0">
-            <a:schemeClr val="accent1"/>
-          </a:fillRef>
-          <a:effectRef idx="0">
-            <a:schemeClr val="accent1"/>
-          </a:effectRef>
-          <a:fontRef idx="minor">
-            <a:schemeClr val="tx1"/>
-          </a:fontRef>
-        </p:style>
-      </p:cxnSp>
-      <p:cxnSp>
-        <p:nvCxnSpPr>
-          <p:cNvPr id="23" name="Straight Arrow Connector 22">
-            <a:extLst>
-              <a:ext uri="{FF2B5EF4-FFF2-40B4-BE49-F238E27FC236}">
-                <a16:creationId xmlns:a16="http://schemas.microsoft.com/office/drawing/2014/main" id="{80AA2170-DBFF-5E45-A00C-2E3270E9946E}"/>
-              </a:ext>
-            </a:extLst>
-          </p:cNvPr>
-          <p:cNvCxnSpPr>
-            <a:cxnSpLocks/>
-          </p:cNvCxnSpPr>
-          <p:nvPr/>
-        </p:nvCxnSpPr>
-        <p:spPr>
-          <a:xfrm>
-            <a:off x="7380978" y="3565294"/>
-            <a:ext cx="1544491" cy="8268"/>
-          </a:xfrm>
-          <a:prstGeom prst="straightConnector1">
-            <a:avLst/>
-          </a:prstGeom>
-          <a:ln w="38100">
-            <a:tailEnd type="none"/>
-          </a:ln>
-        </p:spPr>
-        <p:style>
-          <a:lnRef idx="1">
-            <a:schemeClr val="accent1"/>
-          </a:lnRef>
-          <a:fillRef idx="0">
-            <a:schemeClr val="accent1"/>
-          </a:fillRef>
-          <a:effectRef idx="0">
-            <a:schemeClr val="accent1"/>
-          </a:effectRef>
-          <a:fontRef idx="minor">
-            <a:schemeClr val="tx1"/>
-          </a:fontRef>
-        </p:style>
-      </p:cxnSp>
-      <p:cxnSp>
-        <p:nvCxnSpPr>
-          <p:cNvPr id="25" name="Straight Arrow Connector 24">
-            <a:extLst>
-              <a:ext uri="{FF2B5EF4-FFF2-40B4-BE49-F238E27FC236}">
-                <a16:creationId xmlns:a16="http://schemas.microsoft.com/office/drawing/2014/main" id="{942E7E7F-6257-5440-8EFA-DBBFF564DB05}"/>
-              </a:ext>
-            </a:extLst>
-          </p:cNvPr>
-          <p:cNvCxnSpPr>
-            <a:cxnSpLocks/>
-          </p:cNvCxnSpPr>
-          <p:nvPr/>
-        </p:nvCxnSpPr>
-        <p:spPr>
-          <a:xfrm flipV="1">
-            <a:off x="8933633" y="3439075"/>
-            <a:ext cx="0" cy="158979"/>
-          </a:xfrm>
-          <a:prstGeom prst="straightConnector1">
-            <a:avLst/>
-          </a:prstGeom>
-          <a:ln w="38100">
-            <a:tailEnd type="none"/>
-          </a:ln>
-        </p:spPr>
-        <p:style>
-          <a:lnRef idx="1">
-            <a:schemeClr val="accent1"/>
-          </a:lnRef>
-          <a:fillRef idx="0">
-            <a:schemeClr val="accent1"/>
-          </a:fillRef>
-          <a:effectRef idx="0">
-            <a:schemeClr val="accent1"/>
-          </a:effectRef>
-          <a:fontRef idx="minor">
-            <a:schemeClr val="tx1"/>
-          </a:fontRef>
-        </p:style>
-      </p:cxnSp>
-      <p:cxnSp>
-        <p:nvCxnSpPr>
-          <p:cNvPr id="27" name="Straight Arrow Connector 26">
-            <a:extLst>
-              <a:ext uri="{FF2B5EF4-FFF2-40B4-BE49-F238E27FC236}">
-                <a16:creationId xmlns:a16="http://schemas.microsoft.com/office/drawing/2014/main" id="{C963AAFB-CB68-744A-997A-3208AE546C08}"/>
-              </a:ext>
-            </a:extLst>
-          </p:cNvPr>
-          <p:cNvCxnSpPr>
-            <a:cxnSpLocks/>
-          </p:cNvCxnSpPr>
-          <p:nvPr/>
-        </p:nvCxnSpPr>
-        <p:spPr>
-          <a:xfrm>
-            <a:off x="7401478" y="3543379"/>
-            <a:ext cx="0" cy="226469"/>
-          </a:xfrm>
-          <a:prstGeom prst="straightConnector1">
-            <a:avLst/>
-          </a:prstGeom>
-          <a:ln w="38100">
-            <a:tailEnd type="triangle"/>
           </a:ln>
         </p:spPr>
         <p:style>
@@ -8690,7 +8400,7 @@
           <p:cNvPr id="2" name="Title 1">
             <a:extLst>
               <a:ext uri="{FF2B5EF4-FFF2-40B4-BE49-F238E27FC236}">
-                <a16:creationId xmlns:a16="http://schemas.microsoft.com/office/drawing/2014/main" id="{F057260D-E91C-334F-9E54-363E9FA33F53}"/>
+                <a16:creationId xmlns="" xmlns:a16="http://schemas.microsoft.com/office/drawing/2014/main" id="{F057260D-E91C-334F-9E54-363E9FA33F53}"/>
               </a:ext>
             </a:extLst>
           </p:cNvPr>
@@ -8719,7 +8429,7 @@
           <p:cNvPr id="3" name="Content Placeholder 2">
             <a:extLst>
               <a:ext uri="{FF2B5EF4-FFF2-40B4-BE49-F238E27FC236}">
-                <a16:creationId xmlns:a16="http://schemas.microsoft.com/office/drawing/2014/main" id="{1866C83B-565E-EA43-8FA9-9BFE13044359}"/>
+                <a16:creationId xmlns="" xmlns:a16="http://schemas.microsoft.com/office/drawing/2014/main" id="{1866C83B-565E-EA43-8FA9-9BFE13044359}"/>
               </a:ext>
             </a:extLst>
           </p:cNvPr>
@@ -8961,7 +8671,7 @@
           <p:cNvPr id="4" name="Content Placeholder 3">
             <a:extLst>
               <a:ext uri="{FF2B5EF4-FFF2-40B4-BE49-F238E27FC236}">
-                <a16:creationId xmlns:a16="http://schemas.microsoft.com/office/drawing/2014/main" id="{9240BAAA-EE27-9C4D-AC00-400A442F5AF4}"/>
+                <a16:creationId xmlns="" xmlns:a16="http://schemas.microsoft.com/office/drawing/2014/main" id="{9240BAAA-EE27-9C4D-AC00-400A442F5AF4}"/>
               </a:ext>
             </a:extLst>
           </p:cNvPr>
@@ -8988,7 +8698,7 @@
           <p:cNvPr id="6" name="TextBox 5">
             <a:extLst>
               <a:ext uri="{FF2B5EF4-FFF2-40B4-BE49-F238E27FC236}">
-                <a16:creationId xmlns:a16="http://schemas.microsoft.com/office/drawing/2014/main" id="{19F6667E-1916-DE4C-9AC8-15C0399099C2}"/>
+                <a16:creationId xmlns="" xmlns:a16="http://schemas.microsoft.com/office/drawing/2014/main" id="{19F6667E-1916-DE4C-9AC8-15C0399099C2}"/>
               </a:ext>
             </a:extLst>
           </p:cNvPr>
@@ -9064,7 +8774,7 @@
           <p:cNvPr id="8" name="Picture 7">
             <a:extLst>
               <a:ext uri="{FF2B5EF4-FFF2-40B4-BE49-F238E27FC236}">
-                <a16:creationId xmlns:a16="http://schemas.microsoft.com/office/drawing/2014/main" id="{53686C05-2428-FB4B-B500-BFDD4FD70B31}"/>
+                <a16:creationId xmlns="" xmlns:a16="http://schemas.microsoft.com/office/drawing/2014/main" id="{53686C05-2428-FB4B-B500-BFDD4FD70B31}"/>
               </a:ext>
             </a:extLst>
           </p:cNvPr>
@@ -9094,7 +8804,7 @@
           <p:cNvPr id="10" name="Right Arrow 9">
             <a:extLst>
               <a:ext uri="{FF2B5EF4-FFF2-40B4-BE49-F238E27FC236}">
-                <a16:creationId xmlns:a16="http://schemas.microsoft.com/office/drawing/2014/main" id="{8C88075C-D4F4-8641-AE41-C5A041BE172F}"/>
+                <a16:creationId xmlns="" xmlns:a16="http://schemas.microsoft.com/office/drawing/2014/main" id="{8C88075C-D4F4-8641-AE41-C5A041BE172F}"/>
               </a:ext>
             </a:extLst>
           </p:cNvPr>
@@ -9140,7 +8850,7 @@
           <p:cNvPr id="11" name="Right Arrow 10">
             <a:extLst>
               <a:ext uri="{FF2B5EF4-FFF2-40B4-BE49-F238E27FC236}">
-                <a16:creationId xmlns:a16="http://schemas.microsoft.com/office/drawing/2014/main" id="{C13726CF-DC37-DD4B-A0C7-F2771387E5F9}"/>
+                <a16:creationId xmlns="" xmlns:a16="http://schemas.microsoft.com/office/drawing/2014/main" id="{C13726CF-DC37-DD4B-A0C7-F2771387E5F9}"/>
               </a:ext>
             </a:extLst>
           </p:cNvPr>
@@ -9186,7 +8896,7 @@
           <p:cNvPr id="15" name="Straight Connector 14">
             <a:extLst>
               <a:ext uri="{FF2B5EF4-FFF2-40B4-BE49-F238E27FC236}">
-                <a16:creationId xmlns:a16="http://schemas.microsoft.com/office/drawing/2014/main" id="{0480869E-7783-C248-B5ED-CA05A1F718EE}"/>
+                <a16:creationId xmlns="" xmlns:a16="http://schemas.microsoft.com/office/drawing/2014/main" id="{0480869E-7783-C248-B5ED-CA05A1F718EE}"/>
               </a:ext>
             </a:extLst>
           </p:cNvPr>
@@ -9225,7 +8935,7 @@
           <p:cNvPr id="16" name="Straight Connector 15">
             <a:extLst>
               <a:ext uri="{FF2B5EF4-FFF2-40B4-BE49-F238E27FC236}">
-                <a16:creationId xmlns:a16="http://schemas.microsoft.com/office/drawing/2014/main" id="{EF51FD5B-AAAD-8A4B-8C55-097DA8207F5C}"/>
+                <a16:creationId xmlns="" xmlns:a16="http://schemas.microsoft.com/office/drawing/2014/main" id="{EF51FD5B-AAAD-8A4B-8C55-097DA8207F5C}"/>
               </a:ext>
             </a:extLst>
           </p:cNvPr>
@@ -9264,7 +8974,7 @@
           <p:cNvPr id="19" name="Straight Arrow Connector 18">
             <a:extLst>
               <a:ext uri="{FF2B5EF4-FFF2-40B4-BE49-F238E27FC236}">
-                <a16:creationId xmlns:a16="http://schemas.microsoft.com/office/drawing/2014/main" id="{EBDE264B-DA47-DC43-AC55-89BEAE1F6AFC}"/>
+                <a16:creationId xmlns="" xmlns:a16="http://schemas.microsoft.com/office/drawing/2014/main" id="{EBDE264B-DA47-DC43-AC55-89BEAE1F6AFC}"/>
               </a:ext>
             </a:extLst>
           </p:cNvPr>
@@ -9303,7 +9013,7 @@
           <p:cNvPr id="22" name="Straight Connector 21">
             <a:extLst>
               <a:ext uri="{FF2B5EF4-FFF2-40B4-BE49-F238E27FC236}">
-                <a16:creationId xmlns:a16="http://schemas.microsoft.com/office/drawing/2014/main" id="{0D3D86EE-803F-8C4A-8304-0305FAF8299E}"/>
+                <a16:creationId xmlns="" xmlns:a16="http://schemas.microsoft.com/office/drawing/2014/main" id="{0D3D86EE-803F-8C4A-8304-0305FAF8299E}"/>
               </a:ext>
             </a:extLst>
           </p:cNvPr>
@@ -9342,7 +9052,7 @@
           <p:cNvPr id="24" name="Straight Connector 23">
             <a:extLst>
               <a:ext uri="{FF2B5EF4-FFF2-40B4-BE49-F238E27FC236}">
-                <a16:creationId xmlns:a16="http://schemas.microsoft.com/office/drawing/2014/main" id="{98E2FD2B-07E9-664E-A338-AF181C9A92CF}"/>
+                <a16:creationId xmlns="" xmlns:a16="http://schemas.microsoft.com/office/drawing/2014/main" id="{98E2FD2B-07E9-664E-A338-AF181C9A92CF}"/>
               </a:ext>
             </a:extLst>
           </p:cNvPr>
@@ -9381,7 +9091,7 @@
           <p:cNvPr id="27" name="Straight Connector 26">
             <a:extLst>
               <a:ext uri="{FF2B5EF4-FFF2-40B4-BE49-F238E27FC236}">
-                <a16:creationId xmlns:a16="http://schemas.microsoft.com/office/drawing/2014/main" id="{C0E6940D-7A0D-8A41-9297-C617A78B4F03}"/>
+                <a16:creationId xmlns="" xmlns:a16="http://schemas.microsoft.com/office/drawing/2014/main" id="{C0E6940D-7A0D-8A41-9297-C617A78B4F03}"/>
               </a:ext>
             </a:extLst>
           </p:cNvPr>
@@ -9420,7 +9130,7 @@
           <p:cNvPr id="32" name="Straight Arrow Connector 31">
             <a:extLst>
               <a:ext uri="{FF2B5EF4-FFF2-40B4-BE49-F238E27FC236}">
-                <a16:creationId xmlns:a16="http://schemas.microsoft.com/office/drawing/2014/main" id="{C1DD1CD8-BE1F-6740-8FD8-5B4BD507FBF3}"/>
+                <a16:creationId xmlns="" xmlns:a16="http://schemas.microsoft.com/office/drawing/2014/main" id="{C1DD1CD8-BE1F-6740-8FD8-5B4BD507FBF3}"/>
               </a:ext>
             </a:extLst>
           </p:cNvPr>
@@ -9461,7 +9171,7 @@
           <p:cNvPr id="34" name="Straight Connector 33">
             <a:extLst>
               <a:ext uri="{FF2B5EF4-FFF2-40B4-BE49-F238E27FC236}">
-                <a16:creationId xmlns:a16="http://schemas.microsoft.com/office/drawing/2014/main" id="{DFC028CB-029D-E948-B24C-6252CEC65EC9}"/>
+                <a16:creationId xmlns="" xmlns:a16="http://schemas.microsoft.com/office/drawing/2014/main" id="{DFC028CB-029D-E948-B24C-6252CEC65EC9}"/>
               </a:ext>
             </a:extLst>
           </p:cNvPr>
@@ -9500,7 +9210,7 @@
           <p:cNvPr id="38" name="TextBox 37">
             <a:extLst>
               <a:ext uri="{FF2B5EF4-FFF2-40B4-BE49-F238E27FC236}">
-                <a16:creationId xmlns:a16="http://schemas.microsoft.com/office/drawing/2014/main" id="{05703DA6-A3E5-B148-AA3D-52EC164C2B1E}"/>
+                <a16:creationId xmlns="" xmlns:a16="http://schemas.microsoft.com/office/drawing/2014/main" id="{05703DA6-A3E5-B148-AA3D-52EC164C2B1E}"/>
               </a:ext>
             </a:extLst>
           </p:cNvPr>
@@ -9550,7 +9260,7 @@
           <p:cNvPr id="39" name="Right Arrow 38">
             <a:extLst>
               <a:ext uri="{FF2B5EF4-FFF2-40B4-BE49-F238E27FC236}">
-                <a16:creationId xmlns:a16="http://schemas.microsoft.com/office/drawing/2014/main" id="{8BC93963-3F59-074D-AA98-6ACAB0C2D00B}"/>
+                <a16:creationId xmlns="" xmlns:a16="http://schemas.microsoft.com/office/drawing/2014/main" id="{8BC93963-3F59-074D-AA98-6ACAB0C2D00B}"/>
               </a:ext>
             </a:extLst>
           </p:cNvPr>
@@ -9596,7 +9306,7 @@
           <p:cNvPr id="40" name="Rectangle 39">
             <a:extLst>
               <a:ext uri="{FF2B5EF4-FFF2-40B4-BE49-F238E27FC236}">
-                <a16:creationId xmlns:a16="http://schemas.microsoft.com/office/drawing/2014/main" id="{09123028-A115-9343-A10B-4BBC41A7D441}"/>
+                <a16:creationId xmlns="" xmlns:a16="http://schemas.microsoft.com/office/drawing/2014/main" id="{09123028-A115-9343-A10B-4BBC41A7D441}"/>
               </a:ext>
             </a:extLst>
           </p:cNvPr>
@@ -9673,7 +9383,7 @@
           <p:cNvPr id="2" name="Title 1">
             <a:extLst>
               <a:ext uri="{FF2B5EF4-FFF2-40B4-BE49-F238E27FC236}">
-                <a16:creationId xmlns:a16="http://schemas.microsoft.com/office/drawing/2014/main" id="{ADF30C6A-4211-2842-A21B-6FFB3EE598E2}"/>
+                <a16:creationId xmlns="" xmlns:a16="http://schemas.microsoft.com/office/drawing/2014/main" id="{ADF30C6A-4211-2842-A21B-6FFB3EE598E2}"/>
               </a:ext>
             </a:extLst>
           </p:cNvPr>
@@ -9702,7 +9412,7 @@
           <p:cNvPr id="3" name="Content Placeholder 2">
             <a:extLst>
               <a:ext uri="{FF2B5EF4-FFF2-40B4-BE49-F238E27FC236}">
-                <a16:creationId xmlns:a16="http://schemas.microsoft.com/office/drawing/2014/main" id="{3C492376-F4A1-5749-8D22-C80139E44522}"/>
+                <a16:creationId xmlns="" xmlns:a16="http://schemas.microsoft.com/office/drawing/2014/main" id="{3C492376-F4A1-5749-8D22-C80139E44522}"/>
               </a:ext>
             </a:extLst>
           </p:cNvPr>
@@ -9919,7 +9629,7 @@
           <p:cNvPr id="5" name="Picture 4">
             <a:extLst>
               <a:ext uri="{FF2B5EF4-FFF2-40B4-BE49-F238E27FC236}">
-                <a16:creationId xmlns:a16="http://schemas.microsoft.com/office/drawing/2014/main" id="{DD76E666-172A-6E4E-A5A0-F2278A7DF0A4}"/>
+                <a16:creationId xmlns="" xmlns:a16="http://schemas.microsoft.com/office/drawing/2014/main" id="{DD76E666-172A-6E4E-A5A0-F2278A7DF0A4}"/>
               </a:ext>
             </a:extLst>
           </p:cNvPr>
@@ -9979,7 +9689,7 @@
           <p:cNvPr id="7" name="Picture 6">
             <a:extLst>
               <a:ext uri="{FF2B5EF4-FFF2-40B4-BE49-F238E27FC236}">
-                <a16:creationId xmlns:a16="http://schemas.microsoft.com/office/drawing/2014/main" id="{90AE0EEC-45F0-7047-8C3E-1B88800F350C}"/>
+                <a16:creationId xmlns="" xmlns:a16="http://schemas.microsoft.com/office/drawing/2014/main" id="{90AE0EEC-45F0-7047-8C3E-1B88800F350C}"/>
               </a:ext>
             </a:extLst>
           </p:cNvPr>
@@ -10009,7 +9719,7 @@
           <p:cNvPr id="5" name="Picture 4">
             <a:extLst>
               <a:ext uri="{FF2B5EF4-FFF2-40B4-BE49-F238E27FC236}">
-                <a16:creationId xmlns:a16="http://schemas.microsoft.com/office/drawing/2014/main" id="{47DF2759-C379-BF45-94BF-ECD61167882B}"/>
+                <a16:creationId xmlns="" xmlns:a16="http://schemas.microsoft.com/office/drawing/2014/main" id="{47DF2759-C379-BF45-94BF-ECD61167882B}"/>
               </a:ext>
             </a:extLst>
           </p:cNvPr>
@@ -10039,7 +9749,7 @@
           <p:cNvPr id="2" name="Title 1">
             <a:extLst>
               <a:ext uri="{FF2B5EF4-FFF2-40B4-BE49-F238E27FC236}">
-                <a16:creationId xmlns:a16="http://schemas.microsoft.com/office/drawing/2014/main" id="{09164DCF-3E22-504A-A67D-9649EDB73E5D}"/>
+                <a16:creationId xmlns="" xmlns:a16="http://schemas.microsoft.com/office/drawing/2014/main" id="{09164DCF-3E22-504A-A67D-9649EDB73E5D}"/>
               </a:ext>
             </a:extLst>
           </p:cNvPr>
@@ -10068,7 +9778,7 @@
           <p:cNvPr id="3" name="Content Placeholder 2">
             <a:extLst>
               <a:ext uri="{FF2B5EF4-FFF2-40B4-BE49-F238E27FC236}">
-                <a16:creationId xmlns:a16="http://schemas.microsoft.com/office/drawing/2014/main" id="{8764F468-E58D-1345-92A2-3660169C25F7}"/>
+                <a16:creationId xmlns="" xmlns:a16="http://schemas.microsoft.com/office/drawing/2014/main" id="{8764F468-E58D-1345-92A2-3660169C25F7}"/>
               </a:ext>
             </a:extLst>
           </p:cNvPr>
@@ -10202,7 +9912,7 @@
           <p:cNvPr id="6" name="Picture 5">
             <a:extLst>
               <a:ext uri="{FF2B5EF4-FFF2-40B4-BE49-F238E27FC236}">
-                <a16:creationId xmlns:a16="http://schemas.microsoft.com/office/drawing/2014/main" id="{2C334839-A4E7-2D4E-89D0-04EC31EB8658}"/>
+                <a16:creationId xmlns="" xmlns:a16="http://schemas.microsoft.com/office/drawing/2014/main" id="{2C334839-A4E7-2D4E-89D0-04EC31EB8658}"/>
               </a:ext>
             </a:extLst>
           </p:cNvPr>
@@ -10262,7 +9972,7 @@
           <p:cNvPr id="2" name="Title 1">
             <a:extLst>
               <a:ext uri="{FF2B5EF4-FFF2-40B4-BE49-F238E27FC236}">
-                <a16:creationId xmlns:a16="http://schemas.microsoft.com/office/drawing/2014/main" id="{F115C12B-ED24-B04B-ACE5-7A5E7A08F2E3}"/>
+                <a16:creationId xmlns="" xmlns:a16="http://schemas.microsoft.com/office/drawing/2014/main" id="{F115C12B-ED24-B04B-ACE5-7A5E7A08F2E3}"/>
               </a:ext>
             </a:extLst>
           </p:cNvPr>
@@ -10290,7 +10000,7 @@
           <p:cNvPr id="5" name="Text Placeholder 4">
             <a:extLst>
               <a:ext uri="{FF2B5EF4-FFF2-40B4-BE49-F238E27FC236}">
-                <a16:creationId xmlns:a16="http://schemas.microsoft.com/office/drawing/2014/main" id="{EEFA8D2E-8F7A-0E44-BB69-ACF2853F3596}"/>
+                <a16:creationId xmlns="" xmlns:a16="http://schemas.microsoft.com/office/drawing/2014/main" id="{EEFA8D2E-8F7A-0E44-BB69-ACF2853F3596}"/>
               </a:ext>
             </a:extLst>
           </p:cNvPr>
@@ -10326,7 +10036,7 @@
           <p:cNvPr id="3" name="Content Placeholder 2">
             <a:extLst>
               <a:ext uri="{FF2B5EF4-FFF2-40B4-BE49-F238E27FC236}">
-                <a16:creationId xmlns:a16="http://schemas.microsoft.com/office/drawing/2014/main" id="{EA61E7F3-DFA6-FD4F-B06A-F1910F823F92}"/>
+                <a16:creationId xmlns="" xmlns:a16="http://schemas.microsoft.com/office/drawing/2014/main" id="{EA61E7F3-DFA6-FD4F-B06A-F1910F823F92}"/>
               </a:ext>
             </a:extLst>
           </p:cNvPr>
@@ -10557,7 +10267,7 @@
           <p:cNvPr id="6" name="Text Placeholder 5">
             <a:extLst>
               <a:ext uri="{FF2B5EF4-FFF2-40B4-BE49-F238E27FC236}">
-                <a16:creationId xmlns:a16="http://schemas.microsoft.com/office/drawing/2014/main" id="{3B32AC6C-86D7-2147-81EC-7CC2129328F4}"/>
+                <a16:creationId xmlns="" xmlns:a16="http://schemas.microsoft.com/office/drawing/2014/main" id="{3B32AC6C-86D7-2147-81EC-7CC2129328F4}"/>
               </a:ext>
             </a:extLst>
           </p:cNvPr>
@@ -10593,7 +10303,7 @@
           <p:cNvPr id="4" name="Content Placeholder 3">
             <a:extLst>
               <a:ext uri="{FF2B5EF4-FFF2-40B4-BE49-F238E27FC236}">
-                <a16:creationId xmlns:a16="http://schemas.microsoft.com/office/drawing/2014/main" id="{AB3AD7F2-4944-8147-B8F4-602005E9310C}"/>
+                <a16:creationId xmlns="" xmlns:a16="http://schemas.microsoft.com/office/drawing/2014/main" id="{AB3AD7F2-4944-8147-B8F4-602005E9310C}"/>
               </a:ext>
             </a:extLst>
           </p:cNvPr>
@@ -10607,7 +10317,7 @@
         <p:spPr/>
         <p:txBody>
           <a:bodyPr>
-            <a:normAutofit fontScale="77500" lnSpcReduction="20000"/>
+            <a:normAutofit/>
           </a:bodyPr>
           <a:lstStyle/>
           <a:p>
@@ -10724,7 +10434,7 @@
           <p:cNvPr id="7" name="Picture 6">
             <a:extLst>
               <a:ext uri="{FF2B5EF4-FFF2-40B4-BE49-F238E27FC236}">
-                <a16:creationId xmlns:a16="http://schemas.microsoft.com/office/drawing/2014/main" id="{90AE0EEC-45F0-7047-8C3E-1B88800F350C}"/>
+                <a16:creationId xmlns="" xmlns:a16="http://schemas.microsoft.com/office/drawing/2014/main" id="{90AE0EEC-45F0-7047-8C3E-1B88800F350C}"/>
               </a:ext>
             </a:extLst>
           </p:cNvPr>
@@ -10754,7 +10464,7 @@
           <p:cNvPr id="5" name="Picture 4">
             <a:extLst>
               <a:ext uri="{FF2B5EF4-FFF2-40B4-BE49-F238E27FC236}">
-                <a16:creationId xmlns:a16="http://schemas.microsoft.com/office/drawing/2014/main" id="{47DF2759-C379-BF45-94BF-ECD61167882B}"/>
+                <a16:creationId xmlns="" xmlns:a16="http://schemas.microsoft.com/office/drawing/2014/main" id="{47DF2759-C379-BF45-94BF-ECD61167882B}"/>
               </a:ext>
             </a:extLst>
           </p:cNvPr>
@@ -10784,7 +10494,7 @@
           <p:cNvPr id="2" name="Title 1">
             <a:extLst>
               <a:ext uri="{FF2B5EF4-FFF2-40B4-BE49-F238E27FC236}">
-                <a16:creationId xmlns:a16="http://schemas.microsoft.com/office/drawing/2014/main" id="{09164DCF-3E22-504A-A67D-9649EDB73E5D}"/>
+                <a16:creationId xmlns="" xmlns:a16="http://schemas.microsoft.com/office/drawing/2014/main" id="{09164DCF-3E22-504A-A67D-9649EDB73E5D}"/>
               </a:ext>
             </a:extLst>
           </p:cNvPr>
@@ -10813,7 +10523,7 @@
           <p:cNvPr id="3" name="Content Placeholder 2">
             <a:extLst>
               <a:ext uri="{FF2B5EF4-FFF2-40B4-BE49-F238E27FC236}">
-                <a16:creationId xmlns:a16="http://schemas.microsoft.com/office/drawing/2014/main" id="{8764F468-E58D-1345-92A2-3660169C25F7}"/>
+                <a16:creationId xmlns="" xmlns:a16="http://schemas.microsoft.com/office/drawing/2014/main" id="{8764F468-E58D-1345-92A2-3660169C25F7}"/>
               </a:ext>
             </a:extLst>
           </p:cNvPr>
@@ -11124,7 +10834,7 @@
           <p:cNvPr id="4" name="Picture 3">
             <a:extLst>
               <a:ext uri="{FF2B5EF4-FFF2-40B4-BE49-F238E27FC236}">
-                <a16:creationId xmlns:a16="http://schemas.microsoft.com/office/drawing/2014/main" id="{366FBD38-4386-0644-B6EF-8C582EB9A558}"/>
+                <a16:creationId xmlns="" xmlns:a16="http://schemas.microsoft.com/office/drawing/2014/main" id="{366FBD38-4386-0644-B6EF-8C582EB9A558}"/>
               </a:ext>
             </a:extLst>
           </p:cNvPr>
@@ -11154,7 +10864,7 @@
           <p:cNvPr id="8" name="Straight Arrow Connector 7">
             <a:extLst>
               <a:ext uri="{FF2B5EF4-FFF2-40B4-BE49-F238E27FC236}">
-                <a16:creationId xmlns:a16="http://schemas.microsoft.com/office/drawing/2014/main" id="{23DCEFF0-26E8-7A43-8772-BDA41B01581C}"/>
+                <a16:creationId xmlns="" xmlns:a16="http://schemas.microsoft.com/office/drawing/2014/main" id="{23DCEFF0-26E8-7A43-8772-BDA41B01581C}"/>
               </a:ext>
             </a:extLst>
           </p:cNvPr>
@@ -11195,7 +10905,7 @@
           <p:cNvPr id="9" name="Straight Arrow Connector 8">
             <a:extLst>
               <a:ext uri="{FF2B5EF4-FFF2-40B4-BE49-F238E27FC236}">
-                <a16:creationId xmlns:a16="http://schemas.microsoft.com/office/drawing/2014/main" id="{637BD554-5E98-5448-90EA-2619807A9C4D}"/>
+                <a16:creationId xmlns="" xmlns:a16="http://schemas.microsoft.com/office/drawing/2014/main" id="{637BD554-5E98-5448-90EA-2619807A9C4D}"/>
               </a:ext>
             </a:extLst>
           </p:cNvPr>
@@ -11236,7 +10946,7 @@
           <p:cNvPr id="10" name="Straight Arrow Connector 9">
             <a:extLst>
               <a:ext uri="{FF2B5EF4-FFF2-40B4-BE49-F238E27FC236}">
-                <a16:creationId xmlns:a16="http://schemas.microsoft.com/office/drawing/2014/main" id="{A521D01F-9D63-394F-A8B1-0EF331923544}"/>
+                <a16:creationId xmlns="" xmlns:a16="http://schemas.microsoft.com/office/drawing/2014/main" id="{A521D01F-9D63-394F-A8B1-0EF331923544}"/>
               </a:ext>
             </a:extLst>
           </p:cNvPr>
@@ -11277,7 +10987,7 @@
           <p:cNvPr id="14" name="Straight Arrow Connector 13">
             <a:extLst>
               <a:ext uri="{FF2B5EF4-FFF2-40B4-BE49-F238E27FC236}">
-                <a16:creationId xmlns:a16="http://schemas.microsoft.com/office/drawing/2014/main" id="{8F6156F9-B8EB-F64D-9431-815B589502CF}"/>
+                <a16:creationId xmlns="" xmlns:a16="http://schemas.microsoft.com/office/drawing/2014/main" id="{8F6156F9-B8EB-F64D-9431-815B589502CF}"/>
               </a:ext>
             </a:extLst>
           </p:cNvPr>
@@ -11348,7 +11058,7 @@
           <p:cNvPr id="2" name="Title 1">
             <a:extLst>
               <a:ext uri="{FF2B5EF4-FFF2-40B4-BE49-F238E27FC236}">
-                <a16:creationId xmlns:a16="http://schemas.microsoft.com/office/drawing/2014/main" id="{DD19143B-021A-2344-A8B5-B2E9B11BE1F9}"/>
+                <a16:creationId xmlns="" xmlns:a16="http://schemas.microsoft.com/office/drawing/2014/main" id="{DD19143B-021A-2344-A8B5-B2E9B11BE1F9}"/>
               </a:ext>
             </a:extLst>
           </p:cNvPr>
@@ -11381,7 +11091,7 @@
           <p:cNvPr id="3" name="Content Placeholder 2">
             <a:extLst>
               <a:ext uri="{FF2B5EF4-FFF2-40B4-BE49-F238E27FC236}">
-                <a16:creationId xmlns:a16="http://schemas.microsoft.com/office/drawing/2014/main" id="{B1E93393-FCAA-434B-9344-B7A29EB4DF3B}"/>
+                <a16:creationId xmlns="" xmlns:a16="http://schemas.microsoft.com/office/drawing/2014/main" id="{B1E93393-FCAA-434B-9344-B7A29EB4DF3B}"/>
               </a:ext>
             </a:extLst>
           </p:cNvPr>
@@ -11463,7 +11173,7 @@
           <p:cNvPr id="4" name="Content Placeholder 3">
             <a:extLst>
               <a:ext uri="{FF2B5EF4-FFF2-40B4-BE49-F238E27FC236}">
-                <a16:creationId xmlns:a16="http://schemas.microsoft.com/office/drawing/2014/main" id="{642588E1-69D3-614A-90F2-3B271701D790}"/>
+                <a16:creationId xmlns="" xmlns:a16="http://schemas.microsoft.com/office/drawing/2014/main" id="{642588E1-69D3-614A-90F2-3B271701D790}"/>
               </a:ext>
             </a:extLst>
           </p:cNvPr>
@@ -11518,7 +11228,7 @@
           <p:cNvPr id="2" name="Title 1">
             <a:extLst>
               <a:ext uri="{FF2B5EF4-FFF2-40B4-BE49-F238E27FC236}">
-                <a16:creationId xmlns:a16="http://schemas.microsoft.com/office/drawing/2014/main" id="{991D6CD8-67B7-EC4E-8138-B85B37FDF7E1}"/>
+                <a16:creationId xmlns="" xmlns:a16="http://schemas.microsoft.com/office/drawing/2014/main" id="{991D6CD8-67B7-EC4E-8138-B85B37FDF7E1}"/>
               </a:ext>
             </a:extLst>
           </p:cNvPr>
@@ -11547,7 +11257,7 @@
           <p:cNvPr id="3" name="Content Placeholder 2">
             <a:extLst>
               <a:ext uri="{FF2B5EF4-FFF2-40B4-BE49-F238E27FC236}">
-                <a16:creationId xmlns:a16="http://schemas.microsoft.com/office/drawing/2014/main" id="{24DF67C4-F951-E44A-8D1D-85DC4430F700}"/>
+                <a16:creationId xmlns="" xmlns:a16="http://schemas.microsoft.com/office/drawing/2014/main" id="{24DF67C4-F951-E44A-8D1D-85DC4430F700}"/>
               </a:ext>
             </a:extLst>
           </p:cNvPr>
@@ -11617,7 +11327,7 @@
           <p:cNvPr id="4" name="Content Placeholder 3">
             <a:extLst>
               <a:ext uri="{FF2B5EF4-FFF2-40B4-BE49-F238E27FC236}">
-                <a16:creationId xmlns:a16="http://schemas.microsoft.com/office/drawing/2014/main" id="{9D6934BF-C802-C546-A6D1-2B8563BD0289}"/>
+                <a16:creationId xmlns="" xmlns:a16="http://schemas.microsoft.com/office/drawing/2014/main" id="{9D6934BF-C802-C546-A6D1-2B8563BD0289}"/>
               </a:ext>
             </a:extLst>
           </p:cNvPr>
@@ -11672,7 +11382,7 @@
           <p:cNvPr id="2" name="Title 1">
             <a:extLst>
               <a:ext uri="{FF2B5EF4-FFF2-40B4-BE49-F238E27FC236}">
-                <a16:creationId xmlns:a16="http://schemas.microsoft.com/office/drawing/2014/main" id="{C7E8623F-7E0D-D248-B928-1C49AA90FEA9}"/>
+                <a16:creationId xmlns="" xmlns:a16="http://schemas.microsoft.com/office/drawing/2014/main" id="{C7E8623F-7E0D-D248-B928-1C49AA90FEA9}"/>
               </a:ext>
             </a:extLst>
           </p:cNvPr>
@@ -11736,7 +11446,7 @@
           <p:cNvPr id="6" name="Picture 5">
             <a:extLst>
               <a:ext uri="{FF2B5EF4-FFF2-40B4-BE49-F238E27FC236}">
-                <a16:creationId xmlns:a16="http://schemas.microsoft.com/office/drawing/2014/main" id="{A56C07FC-BFE9-0B46-B3EE-86409BFCDF04}"/>
+                <a16:creationId xmlns="" xmlns:a16="http://schemas.microsoft.com/office/drawing/2014/main" id="{A56C07FC-BFE9-0B46-B3EE-86409BFCDF04}"/>
               </a:ext>
             </a:extLst>
           </p:cNvPr>
@@ -11765,7 +11475,7 @@
           <p:cNvPr id="4" name="Content Placeholder 11">
             <a:extLst>
               <a:ext uri="{FF2B5EF4-FFF2-40B4-BE49-F238E27FC236}">
-                <a16:creationId xmlns:a16="http://schemas.microsoft.com/office/drawing/2014/main" id="{EDA2BF5F-6FC9-0E40-870E-6EDEE8D03E31}"/>
+                <a16:creationId xmlns="" xmlns:a16="http://schemas.microsoft.com/office/drawing/2014/main" id="{EDA2BF5F-6FC9-0E40-870E-6EDEE8D03E31}"/>
               </a:ext>
             </a:extLst>
           </p:cNvPr>
@@ -12005,7 +11715,7 @@
           <p:cNvPr id="2" name="Title 1">
             <a:extLst>
               <a:ext uri="{FF2B5EF4-FFF2-40B4-BE49-F238E27FC236}">
-                <a16:creationId xmlns:a16="http://schemas.microsoft.com/office/drawing/2014/main" id="{49042A59-4DC4-1943-8443-F29C1703E2FD}"/>
+                <a16:creationId xmlns="" xmlns:a16="http://schemas.microsoft.com/office/drawing/2014/main" id="{49042A59-4DC4-1943-8443-F29C1703E2FD}"/>
               </a:ext>
             </a:extLst>
           </p:cNvPr>
@@ -12063,7 +11773,7 @@
           <p:cNvPr id="12" name="Content Placeholder 11">
             <a:extLst>
               <a:ext uri="{FF2B5EF4-FFF2-40B4-BE49-F238E27FC236}">
-                <a16:creationId xmlns:a16="http://schemas.microsoft.com/office/drawing/2014/main" id="{B5D5895B-A808-A346-84E8-04822198ECDA}"/>
+                <a16:creationId xmlns="" xmlns:a16="http://schemas.microsoft.com/office/drawing/2014/main" id="{B5D5895B-A808-A346-84E8-04822198ECDA}"/>
               </a:ext>
             </a:extLst>
           </p:cNvPr>
@@ -12226,7 +11936,7 @@
           <p:cNvPr id="7" name="Picture 6">
             <a:extLst>
               <a:ext uri="{FF2B5EF4-FFF2-40B4-BE49-F238E27FC236}">
-                <a16:creationId xmlns:a16="http://schemas.microsoft.com/office/drawing/2014/main" id="{AEE31E5D-BD7A-4046-9403-D620DB4BC825}"/>
+                <a16:creationId xmlns="" xmlns:a16="http://schemas.microsoft.com/office/drawing/2014/main" id="{AEE31E5D-BD7A-4046-9403-D620DB4BC825}"/>
               </a:ext>
             </a:extLst>
           </p:cNvPr>
@@ -12286,7 +11996,7 @@
           <p:cNvPr id="2" name="Title 1">
             <a:extLst>
               <a:ext uri="{FF2B5EF4-FFF2-40B4-BE49-F238E27FC236}">
-                <a16:creationId xmlns:a16="http://schemas.microsoft.com/office/drawing/2014/main" id="{84D994EB-5CE3-954B-B3F3-759BB3CE18E4}"/>
+                <a16:creationId xmlns="" xmlns:a16="http://schemas.microsoft.com/office/drawing/2014/main" id="{84D994EB-5CE3-954B-B3F3-759BB3CE18E4}"/>
               </a:ext>
             </a:extLst>
           </p:cNvPr>
@@ -12334,7 +12044,7 @@
           <p:cNvPr id="6" name="Picture 5">
             <a:extLst>
               <a:ext uri="{FF2B5EF4-FFF2-40B4-BE49-F238E27FC236}">
-                <a16:creationId xmlns:a16="http://schemas.microsoft.com/office/drawing/2014/main" id="{87432370-212D-7242-BD0B-E15500127317}"/>
+                <a16:creationId xmlns="" xmlns:a16="http://schemas.microsoft.com/office/drawing/2014/main" id="{87432370-212D-7242-BD0B-E15500127317}"/>
               </a:ext>
             </a:extLst>
           </p:cNvPr>
@@ -12364,7 +12074,7 @@
           <p:cNvPr id="7" name="Content Placeholder 11">
             <a:extLst>
               <a:ext uri="{FF2B5EF4-FFF2-40B4-BE49-F238E27FC236}">
-                <a16:creationId xmlns:a16="http://schemas.microsoft.com/office/drawing/2014/main" id="{35F927A7-CC5B-D644-922A-713D8EB9EDB7}"/>
+                <a16:creationId xmlns="" xmlns:a16="http://schemas.microsoft.com/office/drawing/2014/main" id="{35F927A7-CC5B-D644-922A-713D8EB9EDB7}"/>
               </a:ext>
             </a:extLst>
           </p:cNvPr>
@@ -12563,10 +12273,10 @@
           <p:cNvPr id="9" name="Rectangle 8">
             <a:extLst>
               <a:ext uri="{FF2B5EF4-FFF2-40B4-BE49-F238E27FC236}">
-                <a16:creationId xmlns:a16="http://schemas.microsoft.com/office/drawing/2014/main" id="{86197D16-FE75-4A0E-A0C9-28C0F04A43DF}"/>
+                <a16:creationId xmlns="" xmlns:a16="http://schemas.microsoft.com/office/drawing/2014/main" id="{86197D16-FE75-4A0E-A0C9-28C0F04A43DF}"/>
               </a:ext>
               <a:ext uri="{C183D7F6-B498-43B3-948B-1728B52AA6E4}">
-                <adec:decorative xmlns:adec="http://schemas.microsoft.com/office/drawing/2017/decorative" val="1"/>
+                <adec:decorative xmlns="" xmlns:adec="http://schemas.microsoft.com/office/drawing/2017/decorative" val="1"/>
               </a:ext>
             </a:extLst>
           </p:cNvPr>
@@ -12576,7 +12286,7 @@
           <p:nvPr>
             <p:extLst>
               <p:ext uri="{386F3935-93C4-4BCD-93E2-E3B085C9AB24}">
-                <p16:designElem xmlns:p16="http://schemas.microsoft.com/office/powerpoint/2015/main" val="1"/>
+                <p16:designElem xmlns="" xmlns:p16="http://schemas.microsoft.com/office/powerpoint/2015/main" val="1"/>
               </p:ext>
             </p:extLst>
           </p:nvPr>
@@ -12648,10 +12358,10 @@
           <p:cNvPr id="11" name="Picture 10">
             <a:extLst>
               <a:ext uri="{FF2B5EF4-FFF2-40B4-BE49-F238E27FC236}">
-                <a16:creationId xmlns:a16="http://schemas.microsoft.com/office/drawing/2014/main" id="{FA8FCEC6-4B30-4FF2-8B32-504BEAEA3A16}"/>
+                <a16:creationId xmlns="" xmlns:a16="http://schemas.microsoft.com/office/drawing/2014/main" id="{FA8FCEC6-4B30-4FF2-8B32-504BEAEA3A16}"/>
               </a:ext>
               <a:ext uri="{C183D7F6-B498-43B3-948B-1728B52AA6E4}">
-                <adec:decorative xmlns:adec="http://schemas.microsoft.com/office/drawing/2017/decorative" val="1"/>
+                <adec:decorative xmlns="" xmlns:adec="http://schemas.microsoft.com/office/drawing/2017/decorative" val="1"/>
               </a:ext>
             </a:extLst>
           </p:cNvPr>
@@ -12661,7 +12371,7 @@
           <p:nvPr>
             <p:extLst>
               <p:ext uri="{386F3935-93C4-4BCD-93E2-E3B085C9AB24}">
-                <p16:designElem xmlns:p16="http://schemas.microsoft.com/office/powerpoint/2015/main" val="1"/>
+                <p16:designElem xmlns="" xmlns:p16="http://schemas.microsoft.com/office/powerpoint/2015/main" val="1"/>
               </p:ext>
             </p:extLst>
           </p:nvPr>
@@ -12737,7 +12447,7 @@
           <p:cNvPr id="2" name="Title 1">
             <a:extLst>
               <a:ext uri="{FF2B5EF4-FFF2-40B4-BE49-F238E27FC236}">
-                <a16:creationId xmlns:a16="http://schemas.microsoft.com/office/drawing/2014/main" id="{37CB84FA-7A4C-5D46-B176-205A8BD9847D}"/>
+                <a16:creationId xmlns="" xmlns:a16="http://schemas.microsoft.com/office/drawing/2014/main" id="{37CB84FA-7A4C-5D46-B176-205A8BD9847D}"/>
               </a:ext>
             </a:extLst>
           </p:cNvPr>
@@ -12777,7 +12487,7 @@
           <p:cNvPr id="4" name="Subtitle 3">
             <a:extLst>
               <a:ext uri="{FF2B5EF4-FFF2-40B4-BE49-F238E27FC236}">
-                <a16:creationId xmlns:a16="http://schemas.microsoft.com/office/drawing/2014/main" id="{14975031-40D3-B645-80C0-6E0CF99F4B06}"/>
+                <a16:creationId xmlns="" xmlns:a16="http://schemas.microsoft.com/office/drawing/2014/main" id="{14975031-40D3-B645-80C0-6E0CF99F4B06}"/>
               </a:ext>
             </a:extLst>
           </p:cNvPr>
@@ -12844,7 +12554,7 @@
           <p:cNvPr id="2" name="Title 1">
             <a:extLst>
               <a:ext uri="{FF2B5EF4-FFF2-40B4-BE49-F238E27FC236}">
-                <a16:creationId xmlns:a16="http://schemas.microsoft.com/office/drawing/2014/main" id="{D8365A42-2FD8-D542-987C-36C5666C5CC3}"/>
+                <a16:creationId xmlns="" xmlns:a16="http://schemas.microsoft.com/office/drawing/2014/main" id="{D8365A42-2FD8-D542-987C-36C5666C5CC3}"/>
               </a:ext>
             </a:extLst>
           </p:cNvPr>
@@ -12873,7 +12583,7 @@
           <p:cNvPr id="3" name="Content Placeholder 2">
             <a:extLst>
               <a:ext uri="{FF2B5EF4-FFF2-40B4-BE49-F238E27FC236}">
-                <a16:creationId xmlns:a16="http://schemas.microsoft.com/office/drawing/2014/main" id="{82D8CE50-11B0-A941-8FDD-27C2B0F9D11F}"/>
+                <a16:creationId xmlns="" xmlns:a16="http://schemas.microsoft.com/office/drawing/2014/main" id="{82D8CE50-11B0-A941-8FDD-27C2B0F9D11F}"/>
               </a:ext>
             </a:extLst>
           </p:cNvPr>
@@ -13282,7 +12992,7 @@
           <p:cNvPr id="2" name="Title 1">
             <a:extLst>
               <a:ext uri="{FF2B5EF4-FFF2-40B4-BE49-F238E27FC236}">
-                <a16:creationId xmlns:a16="http://schemas.microsoft.com/office/drawing/2014/main" id="{09CF91EA-3764-0443-A20A-CAD4E92B4054}"/>
+                <a16:creationId xmlns="" xmlns:a16="http://schemas.microsoft.com/office/drawing/2014/main" id="{09CF91EA-3764-0443-A20A-CAD4E92B4054}"/>
               </a:ext>
             </a:extLst>
           </p:cNvPr>
@@ -13319,7 +13029,7 @@
           <p:cNvPr id="3" name="Content Placeholder 2">
             <a:extLst>
               <a:ext uri="{FF2B5EF4-FFF2-40B4-BE49-F238E27FC236}">
-                <a16:creationId xmlns:a16="http://schemas.microsoft.com/office/drawing/2014/main" id="{FBD96D53-DB5F-1C40-BADA-74829EB71412}"/>
+                <a16:creationId xmlns="" xmlns:a16="http://schemas.microsoft.com/office/drawing/2014/main" id="{FBD96D53-DB5F-1C40-BADA-74829EB71412}"/>
               </a:ext>
             </a:extLst>
           </p:cNvPr>
@@ -13526,7 +13236,7 @@
           <p:cNvPr id="4" name="Rectangle 3">
             <a:extLst>
               <a:ext uri="{FF2B5EF4-FFF2-40B4-BE49-F238E27FC236}">
-                <a16:creationId xmlns:a16="http://schemas.microsoft.com/office/drawing/2014/main" id="{1C6A298A-29AD-514D-B7A5-33B4947A7B88}"/>
+                <a16:creationId xmlns="" xmlns:a16="http://schemas.microsoft.com/office/drawing/2014/main" id="{1C6A298A-29AD-514D-B7A5-33B4947A7B88}"/>
               </a:ext>
             </a:extLst>
           </p:cNvPr>
@@ -13630,7 +13340,7 @@
           <p:cNvPr id="2" name="Title 1">
             <a:extLst>
               <a:ext uri="{FF2B5EF4-FFF2-40B4-BE49-F238E27FC236}">
-                <a16:creationId xmlns:a16="http://schemas.microsoft.com/office/drawing/2014/main" id="{37CB84FA-7A4C-5D46-B176-205A8BD9847D}"/>
+                <a16:creationId xmlns="" xmlns:a16="http://schemas.microsoft.com/office/drawing/2014/main" id="{37CB84FA-7A4C-5D46-B176-205A8BD9847D}"/>
               </a:ext>
             </a:extLst>
           </p:cNvPr>
@@ -13662,7 +13372,7 @@
           <p:cNvPr id="3" name="Content Placeholder 2">
             <a:extLst>
               <a:ext uri="{FF2B5EF4-FFF2-40B4-BE49-F238E27FC236}">
-                <a16:creationId xmlns:a16="http://schemas.microsoft.com/office/drawing/2014/main" id="{5FA9DB8E-61F5-2147-9387-3E6541CEEB4F}"/>
+                <a16:creationId xmlns="" xmlns:a16="http://schemas.microsoft.com/office/drawing/2014/main" id="{5FA9DB8E-61F5-2147-9387-3E6541CEEB4F}"/>
               </a:ext>
             </a:extLst>
           </p:cNvPr>
@@ -14110,7 +13820,7 @@
           <p:cNvPr id="4" name="Rectangle 3">
             <a:extLst>
               <a:ext uri="{FF2B5EF4-FFF2-40B4-BE49-F238E27FC236}">
-                <a16:creationId xmlns:a16="http://schemas.microsoft.com/office/drawing/2014/main" id="{8B52814C-9B5E-E041-8004-CB14775962D8}"/>
+                <a16:creationId xmlns="" xmlns:a16="http://schemas.microsoft.com/office/drawing/2014/main" id="{8B52814C-9B5E-E041-8004-CB14775962D8}"/>
               </a:ext>
             </a:extLst>
           </p:cNvPr>
@@ -14234,7 +13944,7 @@
           <p:cNvPr id="2" name="Title 1">
             <a:extLst>
               <a:ext uri="{FF2B5EF4-FFF2-40B4-BE49-F238E27FC236}">
-                <a16:creationId xmlns:a16="http://schemas.microsoft.com/office/drawing/2014/main" id="{BF5CFD06-14AC-C74B-AD4A-11576D5990AF}"/>
+                <a16:creationId xmlns="" xmlns:a16="http://schemas.microsoft.com/office/drawing/2014/main" id="{BF5CFD06-14AC-C74B-AD4A-11576D5990AF}"/>
               </a:ext>
             </a:extLst>
           </p:cNvPr>
@@ -14298,7 +14008,7 @@
           <p:cNvPr id="4" name="Content Placeholder 3">
             <a:extLst>
               <a:ext uri="{FF2B5EF4-FFF2-40B4-BE49-F238E27FC236}">
-                <a16:creationId xmlns:a16="http://schemas.microsoft.com/office/drawing/2014/main" id="{4E398FCB-2CFA-9744-852E-455DC3611497}"/>
+                <a16:creationId xmlns="" xmlns:a16="http://schemas.microsoft.com/office/drawing/2014/main" id="{4E398FCB-2CFA-9744-852E-455DC3611497}"/>
               </a:ext>
             </a:extLst>
           </p:cNvPr>
@@ -14335,7 +14045,7 @@
           <p:cNvPr id="5" name="Rectangle 4">
             <a:extLst>
               <a:ext uri="{FF2B5EF4-FFF2-40B4-BE49-F238E27FC236}">
-                <a16:creationId xmlns:a16="http://schemas.microsoft.com/office/drawing/2014/main" id="{95A7FC1E-3F4F-FF41-BD52-26F6DEBFB905}"/>
+                <a16:creationId xmlns="" xmlns:a16="http://schemas.microsoft.com/office/drawing/2014/main" id="{95A7FC1E-3F4F-FF41-BD52-26F6DEBFB905}"/>
               </a:ext>
             </a:extLst>
           </p:cNvPr>
@@ -14501,7 +14211,7 @@
           <p:cNvPr id="6" name="Picture 5">
             <a:extLst>
               <a:ext uri="{FF2B5EF4-FFF2-40B4-BE49-F238E27FC236}">
-                <a16:creationId xmlns:a16="http://schemas.microsoft.com/office/drawing/2014/main" id="{EAC3EBBC-B719-964E-A5AE-2E1B2727EC64}"/>
+                <a16:creationId xmlns="" xmlns:a16="http://schemas.microsoft.com/office/drawing/2014/main" id="{EAC3EBBC-B719-964E-A5AE-2E1B2727EC64}"/>
               </a:ext>
             </a:extLst>
           </p:cNvPr>
@@ -14531,7 +14241,7 @@
           <p:cNvPr id="7" name="Picture 6">
             <a:extLst>
               <a:ext uri="{FF2B5EF4-FFF2-40B4-BE49-F238E27FC236}">
-                <a16:creationId xmlns:a16="http://schemas.microsoft.com/office/drawing/2014/main" id="{002DD5BA-B08F-5242-BCDF-82DDED176325}"/>
+                <a16:creationId xmlns="" xmlns:a16="http://schemas.microsoft.com/office/drawing/2014/main" id="{002DD5BA-B08F-5242-BCDF-82DDED176325}"/>
               </a:ext>
             </a:extLst>
           </p:cNvPr>
@@ -14561,7 +14271,7 @@
           <p:cNvPr id="8" name="TextBox 7">
             <a:extLst>
               <a:ext uri="{FF2B5EF4-FFF2-40B4-BE49-F238E27FC236}">
-                <a16:creationId xmlns:a16="http://schemas.microsoft.com/office/drawing/2014/main" id="{E38E3BCF-67A4-A74A-AF72-054EEC83614A}"/>
+                <a16:creationId xmlns="" xmlns:a16="http://schemas.microsoft.com/office/drawing/2014/main" id="{E38E3BCF-67A4-A74A-AF72-054EEC83614A}"/>
               </a:ext>
             </a:extLst>
           </p:cNvPr>
@@ -14701,7 +14411,7 @@
           <p:cNvPr id="10" name="Rectangle 9">
             <a:extLst>
               <a:ext uri="{FF2B5EF4-FFF2-40B4-BE49-F238E27FC236}">
-                <a16:creationId xmlns:a16="http://schemas.microsoft.com/office/drawing/2014/main" id="{5033B24F-155A-5E4A-A251-E1E4B51E696C}"/>
+                <a16:creationId xmlns="" xmlns:a16="http://schemas.microsoft.com/office/drawing/2014/main" id="{5033B24F-155A-5E4A-A251-E1E4B51E696C}"/>
               </a:ext>
             </a:extLst>
           </p:cNvPr>
@@ -14902,7 +14612,7 @@
           <p:cNvPr id="11" name="Picture 10">
             <a:extLst>
               <a:ext uri="{FF2B5EF4-FFF2-40B4-BE49-F238E27FC236}">
-                <a16:creationId xmlns:a16="http://schemas.microsoft.com/office/drawing/2014/main" id="{1240FCAF-A44E-D647-A262-5F75C424220A}"/>
+                <a16:creationId xmlns="" xmlns:a16="http://schemas.microsoft.com/office/drawing/2014/main" id="{1240FCAF-A44E-D647-A262-5F75C424220A}"/>
               </a:ext>
             </a:extLst>
           </p:cNvPr>
@@ -14962,7 +14672,7 @@
           <p:cNvPr id="2" name="Title 1">
             <a:extLst>
               <a:ext uri="{FF2B5EF4-FFF2-40B4-BE49-F238E27FC236}">
-                <a16:creationId xmlns:a16="http://schemas.microsoft.com/office/drawing/2014/main" id="{96E6E154-A0B1-6340-824C-21C9EAC9D2D4}"/>
+                <a16:creationId xmlns="" xmlns:a16="http://schemas.microsoft.com/office/drawing/2014/main" id="{96E6E154-A0B1-6340-824C-21C9EAC9D2D4}"/>
               </a:ext>
             </a:extLst>
           </p:cNvPr>
@@ -15012,7 +14722,7 @@
           <p:cNvPr id="3" name="Content Placeholder 2">
             <a:extLst>
               <a:ext uri="{FF2B5EF4-FFF2-40B4-BE49-F238E27FC236}">
-                <a16:creationId xmlns:a16="http://schemas.microsoft.com/office/drawing/2014/main" id="{87057BB0-AED8-4743-A766-6DC6D84C0A41}"/>
+                <a16:creationId xmlns="" xmlns:a16="http://schemas.microsoft.com/office/drawing/2014/main" id="{87057BB0-AED8-4743-A766-6DC6D84C0A41}"/>
               </a:ext>
             </a:extLst>
           </p:cNvPr>
@@ -15042,7 +14752,7 @@
           <p:cNvPr id="6" name="Picture 5">
             <a:extLst>
               <a:ext uri="{FF2B5EF4-FFF2-40B4-BE49-F238E27FC236}">
-                <a16:creationId xmlns:a16="http://schemas.microsoft.com/office/drawing/2014/main" id="{E5BCFD9D-EE16-A442-A5F3-CE8DBB7731A5}"/>
+                <a16:creationId xmlns="" xmlns:a16="http://schemas.microsoft.com/office/drawing/2014/main" id="{E5BCFD9D-EE16-A442-A5F3-CE8DBB7731A5}"/>
               </a:ext>
             </a:extLst>
           </p:cNvPr>
@@ -15072,7 +14782,7 @@
           <p:cNvPr id="10" name="Picture 9">
             <a:extLst>
               <a:ext uri="{FF2B5EF4-FFF2-40B4-BE49-F238E27FC236}">
-                <a16:creationId xmlns:a16="http://schemas.microsoft.com/office/drawing/2014/main" id="{56528CEA-F6BD-2A47-BD86-6AB4FE328396}"/>
+                <a16:creationId xmlns="" xmlns:a16="http://schemas.microsoft.com/office/drawing/2014/main" id="{56528CEA-F6BD-2A47-BD86-6AB4FE328396}"/>
               </a:ext>
             </a:extLst>
           </p:cNvPr>
@@ -15132,7 +14842,7 @@
           <p:cNvPr id="2" name="Title 1">
             <a:extLst>
               <a:ext uri="{FF2B5EF4-FFF2-40B4-BE49-F238E27FC236}">
-                <a16:creationId xmlns:a16="http://schemas.microsoft.com/office/drawing/2014/main" id="{96E6E154-A0B1-6340-824C-21C9EAC9D2D4}"/>
+                <a16:creationId xmlns="" xmlns:a16="http://schemas.microsoft.com/office/drawing/2014/main" id="{96E6E154-A0B1-6340-824C-21C9EAC9D2D4}"/>
               </a:ext>
             </a:extLst>
           </p:cNvPr>
@@ -15185,7 +14895,7 @@
           <p:cNvPr id="3" name="Content Placeholder 2">
             <a:extLst>
               <a:ext uri="{FF2B5EF4-FFF2-40B4-BE49-F238E27FC236}">
-                <a16:creationId xmlns:a16="http://schemas.microsoft.com/office/drawing/2014/main" id="{87057BB0-AED8-4743-A766-6DC6D84C0A41}"/>
+                <a16:creationId xmlns="" xmlns:a16="http://schemas.microsoft.com/office/drawing/2014/main" id="{87057BB0-AED8-4743-A766-6DC6D84C0A41}"/>
               </a:ext>
             </a:extLst>
           </p:cNvPr>
@@ -15215,7 +14925,7 @@
           <p:cNvPr id="6" name="Picture 5">
             <a:extLst>
               <a:ext uri="{FF2B5EF4-FFF2-40B4-BE49-F238E27FC236}">
-                <a16:creationId xmlns:a16="http://schemas.microsoft.com/office/drawing/2014/main" id="{E5BCFD9D-EE16-A442-A5F3-CE8DBB7731A5}"/>
+                <a16:creationId xmlns="" xmlns:a16="http://schemas.microsoft.com/office/drawing/2014/main" id="{E5BCFD9D-EE16-A442-A5F3-CE8DBB7731A5}"/>
               </a:ext>
             </a:extLst>
           </p:cNvPr>
@@ -15245,7 +14955,7 @@
           <p:cNvPr id="4" name="Picture 3">
             <a:extLst>
               <a:ext uri="{FF2B5EF4-FFF2-40B4-BE49-F238E27FC236}">
-                <a16:creationId xmlns:a16="http://schemas.microsoft.com/office/drawing/2014/main" id="{C105C3C9-575D-4E40-8C86-AD9480F540C6}"/>
+                <a16:creationId xmlns="" xmlns:a16="http://schemas.microsoft.com/office/drawing/2014/main" id="{C105C3C9-575D-4E40-8C86-AD9480F540C6}"/>
               </a:ext>
             </a:extLst>
           </p:cNvPr>
@@ -15275,7 +14985,7 @@
           <p:cNvPr id="5" name="Rectangle 4">
             <a:extLst>
               <a:ext uri="{FF2B5EF4-FFF2-40B4-BE49-F238E27FC236}">
-                <a16:creationId xmlns:a16="http://schemas.microsoft.com/office/drawing/2014/main" id="{62A2862F-C286-674A-9FEE-11137187DDE6}"/>
+                <a16:creationId xmlns="" xmlns:a16="http://schemas.microsoft.com/office/drawing/2014/main" id="{62A2862F-C286-674A-9FEE-11137187DDE6}"/>
               </a:ext>
             </a:extLst>
           </p:cNvPr>
@@ -15372,7 +15082,7 @@
           <p:cNvPr id="2" name="Title 1">
             <a:extLst>
               <a:ext uri="{FF2B5EF4-FFF2-40B4-BE49-F238E27FC236}">
-                <a16:creationId xmlns:a16="http://schemas.microsoft.com/office/drawing/2014/main" id="{96E6E154-A0B1-6340-824C-21C9EAC9D2D4}"/>
+                <a16:creationId xmlns="" xmlns:a16="http://schemas.microsoft.com/office/drawing/2014/main" id="{96E6E154-A0B1-6340-824C-21C9EAC9D2D4}"/>
               </a:ext>
             </a:extLst>
           </p:cNvPr>
@@ -15414,7 +15124,7 @@
           <p:cNvPr id="3" name="Content Placeholder 2">
             <a:extLst>
               <a:ext uri="{FF2B5EF4-FFF2-40B4-BE49-F238E27FC236}">
-                <a16:creationId xmlns:a16="http://schemas.microsoft.com/office/drawing/2014/main" id="{87057BB0-AED8-4743-A766-6DC6D84C0A41}"/>
+                <a16:creationId xmlns="" xmlns:a16="http://schemas.microsoft.com/office/drawing/2014/main" id="{87057BB0-AED8-4743-A766-6DC6D84C0A41}"/>
               </a:ext>
             </a:extLst>
           </p:cNvPr>
@@ -15444,7 +15154,7 @@
           <p:cNvPr id="6" name="Picture 5">
             <a:extLst>
               <a:ext uri="{FF2B5EF4-FFF2-40B4-BE49-F238E27FC236}">
-                <a16:creationId xmlns:a16="http://schemas.microsoft.com/office/drawing/2014/main" id="{E5BCFD9D-EE16-A442-A5F3-CE8DBB7731A5}"/>
+                <a16:creationId xmlns="" xmlns:a16="http://schemas.microsoft.com/office/drawing/2014/main" id="{E5BCFD9D-EE16-A442-A5F3-CE8DBB7731A5}"/>
               </a:ext>
             </a:extLst>
           </p:cNvPr>
@@ -15474,7 +15184,7 @@
           <p:cNvPr id="5" name="Rectangle 4">
             <a:extLst>
               <a:ext uri="{FF2B5EF4-FFF2-40B4-BE49-F238E27FC236}">
-                <a16:creationId xmlns:a16="http://schemas.microsoft.com/office/drawing/2014/main" id="{62A2862F-C286-674A-9FEE-11137187DDE6}"/>
+                <a16:creationId xmlns="" xmlns:a16="http://schemas.microsoft.com/office/drawing/2014/main" id="{62A2862F-C286-674A-9FEE-11137187DDE6}"/>
               </a:ext>
             </a:extLst>
           </p:cNvPr>
@@ -15541,7 +15251,7 @@
           <p:cNvPr id="7" name="Picture 6">
             <a:extLst>
               <a:ext uri="{FF2B5EF4-FFF2-40B4-BE49-F238E27FC236}">
-                <a16:creationId xmlns:a16="http://schemas.microsoft.com/office/drawing/2014/main" id="{70A00F13-D6BE-CB4B-8EBE-24935FFBA698}"/>
+                <a16:creationId xmlns="" xmlns:a16="http://schemas.microsoft.com/office/drawing/2014/main" id="{70A00F13-D6BE-CB4B-8EBE-24935FFBA698}"/>
               </a:ext>
             </a:extLst>
           </p:cNvPr>
@@ -15601,7 +15311,7 @@
           <p:cNvPr id="2" name="Title 1">
             <a:extLst>
               <a:ext uri="{FF2B5EF4-FFF2-40B4-BE49-F238E27FC236}">
-                <a16:creationId xmlns:a16="http://schemas.microsoft.com/office/drawing/2014/main" id="{A7533E2B-BD5F-A84C-A02C-C7245C1D6B4F}"/>
+                <a16:creationId xmlns="" xmlns:a16="http://schemas.microsoft.com/office/drawing/2014/main" id="{A7533E2B-BD5F-A84C-A02C-C7245C1D6B4F}"/>
               </a:ext>
             </a:extLst>
           </p:cNvPr>
@@ -15633,7 +15343,7 @@
           <p:cNvPr id="3" name="Content Placeholder 2">
             <a:extLst>
               <a:ext uri="{FF2B5EF4-FFF2-40B4-BE49-F238E27FC236}">
-                <a16:creationId xmlns:a16="http://schemas.microsoft.com/office/drawing/2014/main" id="{07A9A46A-A6DA-C841-96CB-942C482703B2}"/>
+                <a16:creationId xmlns="" xmlns:a16="http://schemas.microsoft.com/office/drawing/2014/main" id="{07A9A46A-A6DA-C841-96CB-942C482703B2}"/>
               </a:ext>
             </a:extLst>
           </p:cNvPr>
@@ -16397,7 +16107,7 @@
           <p:cNvPr id="4" name="Rectangle 3">
             <a:extLst>
               <a:ext uri="{FF2B5EF4-FFF2-40B4-BE49-F238E27FC236}">
-                <a16:creationId xmlns:a16="http://schemas.microsoft.com/office/drawing/2014/main" id="{458A01D0-07B0-7F42-A2FD-FE17AACAC7B1}"/>
+                <a16:creationId xmlns="" xmlns:a16="http://schemas.microsoft.com/office/drawing/2014/main" id="{458A01D0-07B0-7F42-A2FD-FE17AACAC7B1}"/>
               </a:ext>
             </a:extLst>
           </p:cNvPr>
@@ -16521,7 +16231,7 @@
           <p:cNvPr id="2" name="Title 1">
             <a:extLst>
               <a:ext uri="{FF2B5EF4-FFF2-40B4-BE49-F238E27FC236}">
-                <a16:creationId xmlns:a16="http://schemas.microsoft.com/office/drawing/2014/main" id="{F5135D41-CBDA-6A4F-A6D7-527F050ABC34}"/>
+                <a16:creationId xmlns="" xmlns:a16="http://schemas.microsoft.com/office/drawing/2014/main" id="{F5135D41-CBDA-6A4F-A6D7-527F050ABC34}"/>
               </a:ext>
             </a:extLst>
           </p:cNvPr>
@@ -16538,12 +16248,8 @@
           <a:lstStyle/>
           <a:p>
             <a:r>
-              <a:rPr lang="sk-SK" dirty="0" err="1"/>
-              <a:t>Callbacks</a:t>
-            </a:r>
-            <a:r>
-              <a:rPr lang="sk-SK" dirty="0"/>
-              <a:t> (-)</a:t>
+              <a:rPr lang="sk-SK" dirty="0"/>
+              <a:t>callback hell</a:t>
             </a:r>
           </a:p>
         </p:txBody>
@@ -16553,7 +16259,7 @@
           <p:cNvPr id="3" name="Content Placeholder 2">
             <a:extLst>
               <a:ext uri="{FF2B5EF4-FFF2-40B4-BE49-F238E27FC236}">
-                <a16:creationId xmlns:a16="http://schemas.microsoft.com/office/drawing/2014/main" id="{40BBF5CF-2814-4242-BC78-0A4BA67122B5}"/>
+                <a16:creationId xmlns="" xmlns:a16="http://schemas.microsoft.com/office/drawing/2014/main" id="{40BBF5CF-2814-4242-BC78-0A4BA67122B5}"/>
               </a:ext>
             </a:extLst>
           </p:cNvPr>
@@ -16567,617 +16273,213 @@
         <p:spPr/>
         <p:txBody>
           <a:bodyPr>
-            <a:normAutofit fontScale="92500"/>
+            <a:normAutofit fontScale="92500" lnSpcReduction="20000"/>
           </a:bodyPr>
           <a:lstStyle/>
           <a:p>
             <a:r>
-              <a:rPr lang="sk-SK" dirty="0" err="1"/>
-              <a:t>callback</a:t>
-            </a:r>
-            <a:r>
-              <a:rPr lang="sk-SK" dirty="0"/>
-              <a:t> </a:t>
-            </a:r>
-            <a:r>
-              <a:rPr lang="sk-SK" dirty="0" err="1"/>
-              <a:t>hell</a:t>
+              <a:rPr lang="sk-SK" dirty="0" smtClean="0"/>
+              <a:t>with </a:t>
+            </a:r>
+            <a:r>
+              <a:rPr lang="sk-SK" dirty="0"/>
+              <a:t>callback </a:t>
+            </a:r>
+            <a:r>
+              <a:rPr lang="sk-SK" b="1" dirty="0"/>
+              <a:t>we </a:t>
+            </a:r>
+            <a:r>
+              <a:rPr lang="sk-SK" b="1" i="1" dirty="0"/>
+              <a:t>trust</a:t>
+            </a:r>
+            <a:r>
+              <a:rPr lang="sk-SK" b="1" dirty="0"/>
+              <a:t> the 3rd party</a:t>
+            </a:r>
+            <a:r>
+              <a:rPr lang="sk-SK" dirty="0"/>
+              <a:t> (the one who calls our function) to</a:t>
+            </a:r>
+          </a:p>
+          <a:p>
+            <a:pPr lvl="1"/>
+            <a:r>
+              <a:rPr lang="sk-SK" dirty="0"/>
+              <a:t>call us </a:t>
+            </a:r>
+            <a:r>
+              <a:rPr lang="sk-SK" b="1" dirty="0"/>
+              <a:t>only once </a:t>
+            </a:r>
+            <a:endParaRPr lang="en-US" dirty="0"/>
+          </a:p>
+          <a:p>
+            <a:pPr lvl="2"/>
+            <a:r>
+              <a:rPr lang="sk-SK" dirty="0" smtClean="0"/>
+              <a:t>but </a:t>
+            </a:r>
+            <a:r>
+              <a:rPr lang="sk-SK" dirty="0"/>
+              <a:t>it can call us multiple times, </a:t>
+            </a:r>
+            <a:endParaRPr lang="en-US" dirty="0" smtClean="0"/>
+          </a:p>
+          <a:p>
+            <a:pPr lvl="2"/>
+            <a:r>
+              <a:rPr lang="sk-SK" dirty="0" smtClean="0"/>
+              <a:t>or </a:t>
+            </a:r>
+            <a:r>
+              <a:rPr lang="sk-SK" dirty="0"/>
+              <a:t>not at </a:t>
+            </a:r>
+            <a:r>
+              <a:rPr lang="sk-SK" dirty="0" smtClean="0"/>
+              <a:t>all</a:t>
             </a:r>
             <a:endParaRPr lang="sk-SK" dirty="0"/>
           </a:p>
           <a:p>
             <a:pPr lvl="1"/>
             <a:r>
-              <a:rPr lang="sk-SK" dirty="0" err="1"/>
-              <a:t>order</a:t>
-            </a:r>
-            <a:r>
-              <a:rPr lang="sk-SK" dirty="0"/>
-              <a:t> of </a:t>
-            </a:r>
-            <a:r>
-              <a:rPr lang="sk-SK" dirty="0" err="1"/>
-              <a:t>code</a:t>
-            </a:r>
-            <a:r>
-              <a:rPr lang="sk-SK" dirty="0"/>
-              <a:t> </a:t>
-            </a:r>
-            <a:r>
-              <a:rPr lang="sk-SK" dirty="0" err="1"/>
-              <a:t>is</a:t>
-            </a:r>
-            <a:r>
-              <a:rPr lang="sk-SK" dirty="0"/>
-              <a:t> </a:t>
-            </a:r>
-            <a:r>
-              <a:rPr lang="sk-SK" dirty="0" err="1"/>
-              <a:t>not</a:t>
-            </a:r>
-            <a:r>
-              <a:rPr lang="sk-SK" dirty="0"/>
-              <a:t> </a:t>
-            </a:r>
-            <a:r>
-              <a:rPr lang="sk-SK" dirty="0" err="1"/>
-              <a:t>sequential</a:t>
+              <a:rPr lang="sk-SK" dirty="0"/>
+              <a:t>call us </a:t>
+            </a:r>
+            <a:r>
+              <a:rPr lang="sk-SK" b="1" dirty="0"/>
+              <a:t>in the async or sync</a:t>
+            </a:r>
+            <a:r>
+              <a:rPr lang="sk-SK" dirty="0"/>
+              <a:t> </a:t>
+            </a:r>
+            <a:r>
+              <a:rPr lang="sk-SK" dirty="0" smtClean="0"/>
+              <a:t>fashion</a:t>
+            </a:r>
+            <a:r>
+              <a:rPr lang="en-US" dirty="0" smtClean="0"/>
+              <a:t>,</a:t>
+            </a:r>
+            <a:r>
+              <a:rPr lang="sk-SK" dirty="0" smtClean="0"/>
+              <a:t> </a:t>
+            </a:r>
+            <a:r>
+              <a:rPr lang="sk-SK" dirty="0"/>
+              <a:t>but not </a:t>
+            </a:r>
+            <a:r>
+              <a:rPr lang="sk-SK" dirty="0" smtClean="0"/>
+              <a:t>sy</a:t>
+            </a:r>
+            <a:r>
+              <a:rPr lang="en-US" dirty="0" smtClean="0"/>
+              <a:t>n</a:t>
+            </a:r>
+            <a:r>
+              <a:rPr lang="sk-SK" dirty="0" smtClean="0"/>
+              <a:t>c </a:t>
+            </a:r>
+            <a:r>
+              <a:rPr lang="sk-SK" dirty="0"/>
+              <a:t>one time and async second time </a:t>
+            </a:r>
+          </a:p>
+          <a:p>
+            <a:pPr lvl="1"/>
+            <a:r>
+              <a:rPr lang="sk-SK" dirty="0"/>
+              <a:t>solvable with some boilerplate code but </a:t>
+            </a:r>
+            <a:r>
+              <a:rPr lang="sk-SK" dirty="0" smtClean="0"/>
+              <a:t>clutter</a:t>
+            </a:r>
+            <a:endParaRPr lang="en-US" dirty="0" smtClean="0"/>
+          </a:p>
+          <a:p>
+            <a:r>
+              <a:rPr lang="sk-SK" dirty="0" smtClean="0"/>
+              <a:t>order </a:t>
+            </a:r>
+            <a:r>
+              <a:rPr lang="sk-SK" dirty="0"/>
+              <a:t>of code is not sequential</a:t>
+            </a:r>
+          </a:p>
+          <a:p>
+            <a:r>
+              <a:rPr lang="sk-SK" dirty="0"/>
+              <a:t>hardcoded continuations (names of next functions)</a:t>
+            </a:r>
+          </a:p>
+          <a:p>
+            <a:r>
+              <a:rPr lang="sk-SK" dirty="0"/>
+              <a:t>error handling </a:t>
+            </a:r>
+            <a:r>
+              <a:rPr lang="sk-SK" dirty="0" smtClean="0"/>
+              <a:t>paths</a:t>
+            </a:r>
+            <a:r>
+              <a:rPr lang="en-US" dirty="0" smtClean="0"/>
+              <a:t> complicate the code</a:t>
+            </a:r>
+          </a:p>
+          <a:p>
+            <a:r>
+              <a:rPr lang="en-US" dirty="0" smtClean="0"/>
+              <a:t>error handling of sync parts of </a:t>
+            </a:r>
+            <a:r>
+              <a:rPr lang="en-US" dirty="0" err="1" smtClean="0"/>
+              <a:t>async</a:t>
+            </a:r>
+            <a:r>
+              <a:rPr lang="en-US" dirty="0" smtClean="0"/>
+              <a:t>. functions (</a:t>
+            </a:r>
+            <a:r>
+              <a:rPr lang="en-US" dirty="0" err="1" smtClean="0"/>
+              <a:t>writeFile</a:t>
+            </a:r>
+            <a:r>
+              <a:rPr lang="en-US" dirty="0" smtClean="0"/>
+              <a:t> and encoding)</a:t>
             </a:r>
             <a:endParaRPr lang="sk-SK" dirty="0"/>
           </a:p>
           <a:p>
-            <a:pPr lvl="1"/>
-            <a:r>
-              <a:rPr lang="sk-SK" dirty="0" err="1"/>
-              <a:t>hardcoded</a:t>
-            </a:r>
-            <a:r>
-              <a:rPr lang="sk-SK" dirty="0"/>
-              <a:t> </a:t>
-            </a:r>
-            <a:r>
-              <a:rPr lang="sk-SK" dirty="0" err="1"/>
-              <a:t>continuations</a:t>
-            </a:r>
-            <a:r>
-              <a:rPr lang="sk-SK" dirty="0"/>
-              <a:t> (</a:t>
-            </a:r>
-            <a:r>
-              <a:rPr lang="sk-SK" dirty="0" err="1"/>
-              <a:t>names</a:t>
-            </a:r>
-            <a:r>
-              <a:rPr lang="sk-SK" dirty="0"/>
-              <a:t> of </a:t>
-            </a:r>
-            <a:r>
-              <a:rPr lang="sk-SK" dirty="0" err="1"/>
-              <a:t>next</a:t>
-            </a:r>
-            <a:r>
-              <a:rPr lang="sk-SK" dirty="0"/>
-              <a:t> </a:t>
-            </a:r>
-            <a:r>
-              <a:rPr lang="sk-SK" dirty="0" err="1"/>
-              <a:t>functions</a:t>
-            </a:r>
-            <a:r>
-              <a:rPr lang="sk-SK" dirty="0"/>
-              <a:t>)</a:t>
-            </a:r>
-          </a:p>
-          <a:p>
-            <a:pPr lvl="1"/>
-            <a:r>
-              <a:rPr lang="sk-SK" dirty="0" err="1"/>
-              <a:t>error</a:t>
-            </a:r>
-            <a:r>
-              <a:rPr lang="sk-SK" dirty="0"/>
-              <a:t> </a:t>
-            </a:r>
-            <a:r>
-              <a:rPr lang="sk-SK" dirty="0" err="1"/>
-              <a:t>handling</a:t>
-            </a:r>
-            <a:r>
-              <a:rPr lang="sk-SK" dirty="0"/>
-              <a:t> </a:t>
-            </a:r>
-            <a:r>
-              <a:rPr lang="sk-SK" dirty="0" err="1"/>
-              <a:t>paths</a:t>
+            <a:r>
+              <a:rPr lang="sk-SK" dirty="0"/>
+              <a:t>cluttered code </a:t>
+            </a:r>
+            <a:r>
+              <a:rPr lang="sk-SK" i="1" dirty="0"/>
+              <a:t>hard to reason</a:t>
+            </a:r>
+            <a:r>
+              <a:rPr lang="sk-SK" dirty="0"/>
+              <a:t> about</a:t>
+            </a:r>
+          </a:p>
+          <a:p>
+            <a:r>
+              <a:rPr lang="sk-SK" dirty="0"/>
+              <a:t>... indentation ... is just side effect not helping previous real </a:t>
+            </a:r>
+            <a:r>
+              <a:rPr lang="sk-SK" dirty="0" smtClean="0"/>
+              <a:t>problems</a:t>
             </a:r>
             <a:endParaRPr lang="sk-SK" dirty="0"/>
           </a:p>
           <a:p>
-            <a:pPr lvl="1"/>
-            <a:r>
-              <a:rPr lang="sk-SK" dirty="0" err="1"/>
-              <a:t>cluttered</a:t>
-            </a:r>
-            <a:r>
-              <a:rPr lang="sk-SK" dirty="0"/>
-              <a:t> </a:t>
-            </a:r>
-            <a:r>
-              <a:rPr lang="sk-SK" dirty="0" err="1"/>
-              <a:t>code</a:t>
-            </a:r>
-            <a:r>
-              <a:rPr lang="sk-SK" dirty="0"/>
-              <a:t> </a:t>
-            </a:r>
-            <a:r>
-              <a:rPr lang="sk-SK" i="1" dirty="0" err="1"/>
-              <a:t>hard</a:t>
-            </a:r>
-            <a:r>
-              <a:rPr lang="sk-SK" i="1" dirty="0"/>
-              <a:t> to </a:t>
-            </a:r>
-            <a:r>
-              <a:rPr lang="sk-SK" i="1" dirty="0" err="1"/>
-              <a:t>reason</a:t>
-            </a:r>
-            <a:r>
-              <a:rPr lang="sk-SK" dirty="0"/>
-              <a:t> </a:t>
-            </a:r>
-            <a:r>
-              <a:rPr lang="sk-SK" dirty="0" err="1"/>
-              <a:t>about</a:t>
-            </a:r>
-            <a:endParaRPr lang="sk-SK" dirty="0"/>
-          </a:p>
-          <a:p>
-            <a:pPr lvl="1"/>
-            <a:r>
-              <a:rPr lang="sk-SK" dirty="0"/>
-              <a:t>... </a:t>
-            </a:r>
-            <a:r>
-              <a:rPr lang="sk-SK" dirty="0" err="1"/>
-              <a:t>indentation</a:t>
-            </a:r>
-            <a:r>
-              <a:rPr lang="sk-SK" dirty="0"/>
-              <a:t> ... </a:t>
-            </a:r>
-            <a:r>
-              <a:rPr lang="sk-SK" dirty="0" err="1"/>
-              <a:t>is</a:t>
-            </a:r>
-            <a:r>
-              <a:rPr lang="sk-SK" dirty="0"/>
-              <a:t> just </a:t>
-            </a:r>
-            <a:r>
-              <a:rPr lang="sk-SK" dirty="0" err="1"/>
-              <a:t>side</a:t>
-            </a:r>
-            <a:r>
-              <a:rPr lang="sk-SK" dirty="0"/>
-              <a:t> </a:t>
-            </a:r>
-            <a:r>
-              <a:rPr lang="sk-SK" dirty="0" err="1"/>
-              <a:t>effect</a:t>
-            </a:r>
-            <a:r>
-              <a:rPr lang="sk-SK" dirty="0"/>
-              <a:t> </a:t>
-            </a:r>
-            <a:r>
-              <a:rPr lang="sk-SK" dirty="0" err="1"/>
-              <a:t>not</a:t>
-            </a:r>
-            <a:r>
-              <a:rPr lang="sk-SK" dirty="0"/>
-              <a:t> </a:t>
-            </a:r>
-            <a:r>
-              <a:rPr lang="sk-SK" dirty="0" err="1"/>
-              <a:t>helping</a:t>
-            </a:r>
-            <a:r>
-              <a:rPr lang="sk-SK" dirty="0"/>
-              <a:t> </a:t>
-            </a:r>
-            <a:r>
-              <a:rPr lang="sk-SK" dirty="0" err="1"/>
-              <a:t>previous</a:t>
-            </a:r>
-            <a:r>
-              <a:rPr lang="sk-SK" dirty="0"/>
-              <a:t> </a:t>
-            </a:r>
-            <a:r>
-              <a:rPr lang="sk-SK" dirty="0" err="1"/>
-              <a:t>real</a:t>
-            </a:r>
-            <a:r>
-              <a:rPr lang="sk-SK" dirty="0"/>
-              <a:t> </a:t>
-            </a:r>
-            <a:r>
-              <a:rPr lang="sk-SK" dirty="0" err="1"/>
-              <a:t>problems</a:t>
-            </a:r>
-            <a:endParaRPr lang="sk-SK" dirty="0"/>
-          </a:p>
-          <a:p>
-            <a:pPr lvl="1"/>
-            <a:endParaRPr lang="sk-SK" dirty="0"/>
-          </a:p>
-          <a:p>
-            <a:r>
-              <a:rPr lang="sk-SK" dirty="0" err="1"/>
-              <a:t>with</a:t>
-            </a:r>
-            <a:r>
-              <a:rPr lang="sk-SK" dirty="0"/>
-              <a:t> </a:t>
-            </a:r>
-            <a:r>
-              <a:rPr lang="sk-SK" dirty="0" err="1"/>
-              <a:t>callback</a:t>
-            </a:r>
-            <a:r>
-              <a:rPr lang="sk-SK" dirty="0"/>
-              <a:t> </a:t>
-            </a:r>
-            <a:r>
-              <a:rPr lang="sk-SK" dirty="0" err="1"/>
-              <a:t>we</a:t>
-            </a:r>
-            <a:r>
-              <a:rPr lang="sk-SK" dirty="0"/>
-              <a:t> </a:t>
-            </a:r>
-            <a:r>
-              <a:rPr lang="sk-SK" i="1" dirty="0"/>
-              <a:t>trust</a:t>
-            </a:r>
-            <a:r>
-              <a:rPr lang="sk-SK" dirty="0"/>
-              <a:t> </a:t>
-            </a:r>
-            <a:r>
-              <a:rPr lang="sk-SK" dirty="0" err="1"/>
-              <a:t>the</a:t>
-            </a:r>
-            <a:r>
-              <a:rPr lang="sk-SK" dirty="0"/>
-              <a:t> 3rd party (</a:t>
-            </a:r>
-            <a:r>
-              <a:rPr lang="sk-SK" dirty="0" err="1"/>
-              <a:t>the</a:t>
-            </a:r>
-            <a:r>
-              <a:rPr lang="sk-SK" dirty="0"/>
-              <a:t> </a:t>
-            </a:r>
-            <a:r>
-              <a:rPr lang="sk-SK" dirty="0" err="1"/>
-              <a:t>one</a:t>
-            </a:r>
-            <a:r>
-              <a:rPr lang="sk-SK" dirty="0"/>
-              <a:t> </a:t>
-            </a:r>
-            <a:r>
-              <a:rPr lang="sk-SK" dirty="0" err="1"/>
-              <a:t>who</a:t>
-            </a:r>
-            <a:r>
-              <a:rPr lang="sk-SK" dirty="0"/>
-              <a:t> </a:t>
-            </a:r>
-            <a:r>
-              <a:rPr lang="sk-SK" dirty="0" err="1"/>
-              <a:t>calls</a:t>
-            </a:r>
-            <a:r>
-              <a:rPr lang="sk-SK" dirty="0"/>
-              <a:t> </a:t>
-            </a:r>
-            <a:r>
-              <a:rPr lang="sk-SK" dirty="0" err="1"/>
-              <a:t>our</a:t>
-            </a:r>
-            <a:r>
-              <a:rPr lang="sk-SK" dirty="0"/>
-              <a:t> </a:t>
-            </a:r>
-            <a:r>
-              <a:rPr lang="sk-SK" dirty="0" err="1"/>
-              <a:t>function</a:t>
-            </a:r>
-            <a:r>
-              <a:rPr lang="sk-SK" dirty="0"/>
-              <a:t>) to</a:t>
-            </a:r>
-          </a:p>
-          <a:p>
-            <a:pPr lvl="1"/>
-            <a:r>
-              <a:rPr lang="sk-SK" dirty="0" err="1"/>
-              <a:t>call</a:t>
-            </a:r>
-            <a:r>
-              <a:rPr lang="sk-SK" dirty="0"/>
-              <a:t> </a:t>
-            </a:r>
-            <a:r>
-              <a:rPr lang="sk-SK" dirty="0" err="1"/>
-              <a:t>us</a:t>
-            </a:r>
-            <a:r>
-              <a:rPr lang="sk-SK" dirty="0"/>
-              <a:t> </a:t>
-            </a:r>
-            <a:r>
-              <a:rPr lang="sk-SK" dirty="0" err="1"/>
-              <a:t>only</a:t>
-            </a:r>
-            <a:r>
-              <a:rPr lang="sk-SK" dirty="0"/>
-              <a:t> </a:t>
-            </a:r>
-            <a:r>
-              <a:rPr lang="sk-SK" dirty="0" err="1"/>
-              <a:t>once</a:t>
-            </a:r>
-            <a:r>
-              <a:rPr lang="sk-SK" dirty="0"/>
-              <a:t> (</a:t>
-            </a:r>
-            <a:r>
-              <a:rPr lang="sk-SK" dirty="0" err="1"/>
-              <a:t>but</a:t>
-            </a:r>
-            <a:r>
-              <a:rPr lang="sk-SK" dirty="0"/>
-              <a:t> </a:t>
-            </a:r>
-            <a:r>
-              <a:rPr lang="sk-SK" dirty="0" err="1"/>
-              <a:t>it</a:t>
-            </a:r>
-            <a:r>
-              <a:rPr lang="sk-SK" dirty="0"/>
-              <a:t> </a:t>
-            </a:r>
-            <a:r>
-              <a:rPr lang="sk-SK" dirty="0" err="1"/>
-              <a:t>can</a:t>
-            </a:r>
-            <a:r>
-              <a:rPr lang="sk-SK" dirty="0"/>
-              <a:t> </a:t>
-            </a:r>
-            <a:r>
-              <a:rPr lang="sk-SK" dirty="0" err="1"/>
-              <a:t>call</a:t>
-            </a:r>
-            <a:r>
-              <a:rPr lang="sk-SK" dirty="0"/>
-              <a:t> </a:t>
-            </a:r>
-            <a:r>
-              <a:rPr lang="sk-SK" dirty="0" err="1"/>
-              <a:t>us</a:t>
-            </a:r>
-            <a:r>
-              <a:rPr lang="sk-SK" dirty="0"/>
-              <a:t> </a:t>
-            </a:r>
-            <a:r>
-              <a:rPr lang="sk-SK" dirty="0" err="1"/>
-              <a:t>multiple</a:t>
-            </a:r>
-            <a:r>
-              <a:rPr lang="sk-SK" dirty="0"/>
-              <a:t> </a:t>
-            </a:r>
-            <a:r>
-              <a:rPr lang="sk-SK" dirty="0" err="1"/>
-              <a:t>times</a:t>
-            </a:r>
-            <a:r>
-              <a:rPr lang="sk-SK" dirty="0"/>
-              <a:t>, or </a:t>
-            </a:r>
-            <a:r>
-              <a:rPr lang="sk-SK" dirty="0" err="1"/>
-              <a:t>not</a:t>
-            </a:r>
-            <a:r>
-              <a:rPr lang="sk-SK" dirty="0"/>
-              <a:t> at </a:t>
-            </a:r>
-            <a:r>
-              <a:rPr lang="sk-SK" dirty="0" err="1"/>
-              <a:t>all</a:t>
-            </a:r>
-            <a:r>
-              <a:rPr lang="sk-SK" dirty="0"/>
-              <a:t>)</a:t>
-            </a:r>
-          </a:p>
-          <a:p>
-            <a:pPr lvl="1"/>
-            <a:r>
-              <a:rPr lang="sk-SK" dirty="0" err="1"/>
-              <a:t>call</a:t>
-            </a:r>
-            <a:r>
-              <a:rPr lang="sk-SK" dirty="0"/>
-              <a:t> </a:t>
-            </a:r>
-            <a:r>
-              <a:rPr lang="sk-SK" dirty="0" err="1"/>
-              <a:t>us</a:t>
-            </a:r>
-            <a:r>
-              <a:rPr lang="sk-SK" dirty="0"/>
-              <a:t> in </a:t>
-            </a:r>
-            <a:r>
-              <a:rPr lang="sk-SK" dirty="0" err="1"/>
-              <a:t>the</a:t>
-            </a:r>
-            <a:r>
-              <a:rPr lang="sk-SK" dirty="0"/>
-              <a:t> </a:t>
-            </a:r>
-            <a:r>
-              <a:rPr lang="sk-SK" dirty="0" err="1"/>
-              <a:t>async</a:t>
-            </a:r>
-            <a:r>
-              <a:rPr lang="sk-SK" dirty="0"/>
-              <a:t> or </a:t>
-            </a:r>
-            <a:r>
-              <a:rPr lang="sk-SK" dirty="0" err="1"/>
-              <a:t>sync</a:t>
-            </a:r>
-            <a:r>
-              <a:rPr lang="sk-SK" dirty="0"/>
-              <a:t> </a:t>
-            </a:r>
-            <a:r>
-              <a:rPr lang="sk-SK" dirty="0" err="1"/>
-              <a:t>fashion</a:t>
-            </a:r>
-            <a:r>
-              <a:rPr lang="sk-SK" dirty="0"/>
-              <a:t> </a:t>
-            </a:r>
-            <a:r>
-              <a:rPr lang="sk-SK" dirty="0" err="1"/>
-              <a:t>but</a:t>
-            </a:r>
-            <a:r>
-              <a:rPr lang="sk-SK" dirty="0"/>
-              <a:t> </a:t>
-            </a:r>
-            <a:r>
-              <a:rPr lang="sk-SK" dirty="0" err="1"/>
-              <a:t>not</a:t>
-            </a:r>
-            <a:r>
-              <a:rPr lang="sk-SK" dirty="0"/>
-              <a:t> </a:t>
-            </a:r>
-            <a:r>
-              <a:rPr lang="sk-SK" dirty="0" err="1"/>
-              <a:t>snyc</a:t>
-            </a:r>
-            <a:r>
-              <a:rPr lang="sk-SK" dirty="0"/>
-              <a:t> </a:t>
-            </a:r>
-            <a:r>
-              <a:rPr lang="sk-SK" dirty="0" err="1"/>
-              <a:t>one</a:t>
-            </a:r>
-            <a:r>
-              <a:rPr lang="sk-SK" dirty="0"/>
-              <a:t> </a:t>
-            </a:r>
-            <a:r>
-              <a:rPr lang="sk-SK" dirty="0" err="1"/>
-              <a:t>time</a:t>
-            </a:r>
-            <a:r>
-              <a:rPr lang="sk-SK" dirty="0"/>
-              <a:t> and </a:t>
-            </a:r>
-            <a:r>
-              <a:rPr lang="sk-SK" dirty="0" err="1"/>
-              <a:t>async</a:t>
-            </a:r>
-            <a:r>
-              <a:rPr lang="sk-SK" dirty="0"/>
-              <a:t> </a:t>
-            </a:r>
-            <a:r>
-              <a:rPr lang="sk-SK" dirty="0" err="1"/>
-              <a:t>second</a:t>
-            </a:r>
-            <a:r>
-              <a:rPr lang="sk-SK" dirty="0"/>
-              <a:t> </a:t>
-            </a:r>
-            <a:r>
-              <a:rPr lang="sk-SK" dirty="0" err="1"/>
-              <a:t>time</a:t>
-            </a:r>
-            <a:r>
-              <a:rPr lang="sk-SK" dirty="0"/>
-              <a:t> </a:t>
-            </a:r>
-          </a:p>
-          <a:p>
-            <a:pPr lvl="1"/>
-            <a:r>
-              <a:rPr lang="sk-SK" dirty="0" err="1"/>
-              <a:t>solvable</a:t>
-            </a:r>
-            <a:r>
-              <a:rPr lang="sk-SK" dirty="0"/>
-              <a:t> </a:t>
-            </a:r>
-            <a:r>
-              <a:rPr lang="sk-SK" dirty="0" err="1"/>
-              <a:t>with</a:t>
-            </a:r>
-            <a:r>
-              <a:rPr lang="sk-SK" dirty="0"/>
-              <a:t> </a:t>
-            </a:r>
-            <a:r>
-              <a:rPr lang="sk-SK" dirty="0" err="1"/>
-              <a:t>some</a:t>
-            </a:r>
-            <a:r>
-              <a:rPr lang="sk-SK" dirty="0"/>
-              <a:t> </a:t>
-            </a:r>
-            <a:r>
-              <a:rPr lang="sk-SK" dirty="0" err="1"/>
-              <a:t>boilerplate</a:t>
-            </a:r>
-            <a:r>
-              <a:rPr lang="sk-SK" dirty="0"/>
-              <a:t> </a:t>
-            </a:r>
-            <a:r>
-              <a:rPr lang="sk-SK" dirty="0" err="1"/>
-              <a:t>code</a:t>
-            </a:r>
-            <a:r>
-              <a:rPr lang="sk-SK" dirty="0"/>
-              <a:t> </a:t>
-            </a:r>
-            <a:r>
-              <a:rPr lang="sk-SK" dirty="0" err="1"/>
-              <a:t>but</a:t>
-            </a:r>
-            <a:r>
-              <a:rPr lang="sk-SK" dirty="0"/>
-              <a:t> </a:t>
-            </a:r>
-            <a:r>
-              <a:rPr lang="sk-SK" dirty="0" err="1"/>
-              <a:t>clutter</a:t>
-            </a:r>
             <a:endParaRPr lang="sk-SK" dirty="0"/>
           </a:p>
           <a:p>
@@ -17224,7 +16526,7 @@
           <p:cNvPr id="2" name="Title 1">
             <a:extLst>
               <a:ext uri="{FF2B5EF4-FFF2-40B4-BE49-F238E27FC236}">
-                <a16:creationId xmlns:a16="http://schemas.microsoft.com/office/drawing/2014/main" id="{C514FC5C-D7A4-EA44-B27C-2CAB45996D12}"/>
+                <a16:creationId xmlns="" xmlns:a16="http://schemas.microsoft.com/office/drawing/2014/main" id="{C514FC5C-D7A4-EA44-B27C-2CAB45996D12}"/>
               </a:ext>
             </a:extLst>
           </p:cNvPr>
@@ -17253,7 +16555,7 @@
           <p:cNvPr id="4" name="Content Placeholder 3">
             <a:extLst>
               <a:ext uri="{FF2B5EF4-FFF2-40B4-BE49-F238E27FC236}">
-                <a16:creationId xmlns:a16="http://schemas.microsoft.com/office/drawing/2014/main" id="{1F4C33E0-2A7A-F447-9A7C-258A335D9E69}"/>
+                <a16:creationId xmlns="" xmlns:a16="http://schemas.microsoft.com/office/drawing/2014/main" id="{1F4C33E0-2A7A-F447-9A7C-258A335D9E69}"/>
               </a:ext>
             </a:extLst>
           </p:cNvPr>
@@ -17285,7 +16587,7 @@
           <p:cNvPr id="8" name="Content Placeholder 7">
             <a:extLst>
               <a:ext uri="{FF2B5EF4-FFF2-40B4-BE49-F238E27FC236}">
-                <a16:creationId xmlns:a16="http://schemas.microsoft.com/office/drawing/2014/main" id="{AFCE264E-411D-1340-9B0D-DC6E4CA62202}"/>
+                <a16:creationId xmlns="" xmlns:a16="http://schemas.microsoft.com/office/drawing/2014/main" id="{AFCE264E-411D-1340-9B0D-DC6E4CA62202}"/>
               </a:ext>
             </a:extLst>
           </p:cNvPr>
@@ -17298,13 +16600,13 @@
         </p:nvSpPr>
         <p:spPr>
           <a:xfrm>
-            <a:off x="838200" y="3331993"/>
-            <a:ext cx="5181600" cy="3175311"/>
+            <a:off x="838200" y="2754917"/>
+            <a:ext cx="5859780" cy="3752388"/>
           </a:xfrm>
         </p:spPr>
         <p:txBody>
           <a:bodyPr>
-            <a:normAutofit lnSpcReduction="10000"/>
+            <a:normAutofit/>
           </a:bodyPr>
           <a:lstStyle/>
           <a:p>
@@ -17316,20 +16618,16 @@
               <a:t>prečo je </a:t>
             </a:r>
             <a:r>
-              <a:rPr lang="sk-SK" dirty="0" err="1"/>
-              <a:t>takato</a:t>
-            </a:r>
-            <a:r>
-              <a:rPr lang="sk-SK" dirty="0"/>
-              <a:t> </a:t>
-            </a:r>
-            <a:r>
-              <a:rPr lang="sk-SK" dirty="0" err="1"/>
-              <a:t>async</a:t>
-            </a:r>
-            <a:r>
-              <a:rPr lang="sk-SK" dirty="0"/>
-              <a:t> funkcia problém (ozaj v skratke):</a:t>
+              <a:rPr lang="en-US" dirty="0" err="1" smtClean="0"/>
+              <a:t>tak</a:t>
+            </a:r>
+            <a:r>
+              <a:rPr lang="sk-SK" dirty="0" smtClean="0"/>
+              <a:t>áto </a:t>
+            </a:r>
+            <a:r>
+              <a:rPr lang="sk-SK" dirty="0"/>
+              <a:t>async funkcia problém (ozaj v skratke):</a:t>
             </a:r>
           </a:p>
           <a:p>
@@ -17415,7 +16713,7 @@
           <p:cNvPr id="5" name="Rectangle 4">
             <a:extLst>
               <a:ext uri="{FF2B5EF4-FFF2-40B4-BE49-F238E27FC236}">
-                <a16:creationId xmlns:a16="http://schemas.microsoft.com/office/drawing/2014/main" id="{1634A19E-BC69-E241-B789-491DAEE180C6}"/>
+                <a16:creationId xmlns="" xmlns:a16="http://schemas.microsoft.com/office/drawing/2014/main" id="{1634A19E-BC69-E241-B789-491DAEE180C6}"/>
               </a:ext>
             </a:extLst>
           </p:cNvPr>
@@ -17461,7 +16759,7 @@
           <p:cNvPr id="7" name="Picture 6">
             <a:extLst>
               <a:ext uri="{FF2B5EF4-FFF2-40B4-BE49-F238E27FC236}">
-                <a16:creationId xmlns:a16="http://schemas.microsoft.com/office/drawing/2014/main" id="{F5302874-00A0-A846-AC80-4192603C6F69}"/>
+                <a16:creationId xmlns="" xmlns:a16="http://schemas.microsoft.com/office/drawing/2014/main" id="{F5302874-00A0-A846-AC80-4192603C6F69}"/>
               </a:ext>
             </a:extLst>
           </p:cNvPr>
@@ -17478,7 +16776,7 @@
         </p:blipFill>
         <p:spPr>
           <a:xfrm>
-            <a:off x="838200" y="1920843"/>
+            <a:off x="838200" y="1429353"/>
             <a:ext cx="6026727" cy="1180995"/>
           </a:xfrm>
           <a:prstGeom prst="rect">
@@ -17491,7 +16789,7 @@
           <p:cNvPr id="9" name="Picture 8">
             <a:extLst>
               <a:ext uri="{FF2B5EF4-FFF2-40B4-BE49-F238E27FC236}">
-                <a16:creationId xmlns:a16="http://schemas.microsoft.com/office/drawing/2014/main" id="{0A956968-3E61-5943-B3E7-3A5F9B93D958}"/>
+                <a16:creationId xmlns="" xmlns:a16="http://schemas.microsoft.com/office/drawing/2014/main" id="{0A956968-3E61-5943-B3E7-3A5F9B93D958}"/>
               </a:ext>
             </a:extLst>
           </p:cNvPr>
@@ -17521,7 +16819,7 @@
           <p:cNvPr id="11" name="Straight Connector 10">
             <a:extLst>
               <a:ext uri="{FF2B5EF4-FFF2-40B4-BE49-F238E27FC236}">
-                <a16:creationId xmlns:a16="http://schemas.microsoft.com/office/drawing/2014/main" id="{B50D1A7D-16C0-574D-B2F5-5C2314B32C67}"/>
+                <a16:creationId xmlns="" xmlns:a16="http://schemas.microsoft.com/office/drawing/2014/main" id="{B50D1A7D-16C0-574D-B2F5-5C2314B32C67}"/>
               </a:ext>
             </a:extLst>
           </p:cNvPr>
@@ -17532,7 +16830,7 @@
         </p:nvCxnSpPr>
         <p:spPr>
           <a:xfrm flipV="1">
-            <a:off x="138545" y="1920843"/>
+            <a:off x="166351" y="1473576"/>
             <a:ext cx="554181" cy="1081152"/>
           </a:xfrm>
           <a:prstGeom prst="line">
@@ -17564,7 +16862,7 @@
           <p:cNvPr id="12" name="Straight Connector 11">
             <a:extLst>
               <a:ext uri="{FF2B5EF4-FFF2-40B4-BE49-F238E27FC236}">
-                <a16:creationId xmlns:a16="http://schemas.microsoft.com/office/drawing/2014/main" id="{FABA836D-2CD1-EE48-8DC3-37813C1E34AE}"/>
+                <a16:creationId xmlns="" xmlns:a16="http://schemas.microsoft.com/office/drawing/2014/main" id="{FABA836D-2CD1-EE48-8DC3-37813C1E34AE}"/>
               </a:ext>
             </a:extLst>
           </p:cNvPr>
@@ -17575,7 +16873,7 @@
         </p:nvCxnSpPr>
         <p:spPr>
           <a:xfrm flipH="1" flipV="1">
-            <a:off x="138545" y="1920843"/>
+            <a:off x="166351" y="1473576"/>
             <a:ext cx="554181" cy="1081152"/>
           </a:xfrm>
           <a:prstGeom prst="line">
@@ -17637,7 +16935,7 @@
           <p:cNvPr id="2" name="Title 1">
             <a:extLst>
               <a:ext uri="{FF2B5EF4-FFF2-40B4-BE49-F238E27FC236}">
-                <a16:creationId xmlns:a16="http://schemas.microsoft.com/office/drawing/2014/main" id="{C514FC5C-D7A4-EA44-B27C-2CAB45996D12}"/>
+                <a16:creationId xmlns="" xmlns:a16="http://schemas.microsoft.com/office/drawing/2014/main" id="{C514FC5C-D7A4-EA44-B27C-2CAB45996D12}"/>
               </a:ext>
             </a:extLst>
           </p:cNvPr>
@@ -17701,7 +16999,7 @@
           <p:cNvPr id="6" name="Content Placeholder 5">
             <a:extLst>
               <a:ext uri="{FF2B5EF4-FFF2-40B4-BE49-F238E27FC236}">
-                <a16:creationId xmlns:a16="http://schemas.microsoft.com/office/drawing/2014/main" id="{1499EE9B-ED18-D343-A731-CA3330C822BF}"/>
+                <a16:creationId xmlns="" xmlns:a16="http://schemas.microsoft.com/office/drawing/2014/main" id="{1499EE9B-ED18-D343-A731-CA3330C822BF}"/>
               </a:ext>
             </a:extLst>
           </p:cNvPr>
@@ -18220,7 +17518,7 @@
           <p:cNvPr id="12" name="Picture 11">
             <a:extLst>
               <a:ext uri="{FF2B5EF4-FFF2-40B4-BE49-F238E27FC236}">
-                <a16:creationId xmlns:a16="http://schemas.microsoft.com/office/drawing/2014/main" id="{94252646-9886-D549-ACCC-11D8C10FD8C5}"/>
+                <a16:creationId xmlns="" xmlns:a16="http://schemas.microsoft.com/office/drawing/2014/main" id="{94252646-9886-D549-ACCC-11D8C10FD8C5}"/>
               </a:ext>
             </a:extLst>
           </p:cNvPr>
@@ -18250,7 +17548,7 @@
           <p:cNvPr id="11" name="Picture 10">
             <a:extLst>
               <a:ext uri="{FF2B5EF4-FFF2-40B4-BE49-F238E27FC236}">
-                <a16:creationId xmlns:a16="http://schemas.microsoft.com/office/drawing/2014/main" id="{F9F411EA-B027-D942-BAB4-E82547C1747D}"/>
+                <a16:creationId xmlns="" xmlns:a16="http://schemas.microsoft.com/office/drawing/2014/main" id="{F9F411EA-B027-D942-BAB4-E82547C1747D}"/>
               </a:ext>
             </a:extLst>
           </p:cNvPr>
@@ -18280,7 +17578,7 @@
           <p:cNvPr id="8" name="Picture 7">
             <a:extLst>
               <a:ext uri="{FF2B5EF4-FFF2-40B4-BE49-F238E27FC236}">
-                <a16:creationId xmlns:a16="http://schemas.microsoft.com/office/drawing/2014/main" id="{F5B377C5-3012-944D-BC8E-23BC88318E10}"/>
+                <a16:creationId xmlns="" xmlns:a16="http://schemas.microsoft.com/office/drawing/2014/main" id="{F5B377C5-3012-944D-BC8E-23BC88318E10}"/>
               </a:ext>
             </a:extLst>
           </p:cNvPr>
@@ -18310,7 +17608,7 @@
           <p:cNvPr id="2" name="Title 1">
             <a:extLst>
               <a:ext uri="{FF2B5EF4-FFF2-40B4-BE49-F238E27FC236}">
-                <a16:creationId xmlns:a16="http://schemas.microsoft.com/office/drawing/2014/main" id="{2F7DADED-8710-2240-B856-CEB05DBC4016}"/>
+                <a16:creationId xmlns="" xmlns:a16="http://schemas.microsoft.com/office/drawing/2014/main" id="{2F7DADED-8710-2240-B856-CEB05DBC4016}"/>
               </a:ext>
             </a:extLst>
           </p:cNvPr>
@@ -18323,8 +17621,8 @@
         </p:nvSpPr>
         <p:spPr>
           <a:xfrm>
-            <a:off x="408607" y="767047"/>
-            <a:ext cx="3276702" cy="1325563"/>
+            <a:off x="274320" y="365125"/>
+            <a:ext cx="3625285" cy="1818005"/>
           </a:xfrm>
         </p:spPr>
         <p:txBody>
@@ -18334,8 +17632,12 @@
           <a:lstStyle/>
           <a:p>
             <a:r>
-              <a:rPr lang="sk-SK" sz="2400" dirty="0" err="1"/>
+              <a:rPr lang="sk-SK" dirty="0" err="1"/>
               <a:t>solutions</a:t>
+            </a:r>
+            <a:r>
+              <a:rPr lang="sk-SK" sz="2400" dirty="0"/>
+              <a:t/>
             </a:r>
             <a:br>
               <a:rPr lang="sk-SK" sz="2400" dirty="0"/>
@@ -18372,7 +17674,7 @@
           <p:cNvPr id="5" name="Content Placeholder 4">
             <a:extLst>
               <a:ext uri="{FF2B5EF4-FFF2-40B4-BE49-F238E27FC236}">
-                <a16:creationId xmlns:a16="http://schemas.microsoft.com/office/drawing/2014/main" id="{DE5228EF-F1C4-C047-882E-F1211C497443}"/>
+                <a16:creationId xmlns="" xmlns:a16="http://schemas.microsoft.com/office/drawing/2014/main" id="{DE5228EF-F1C4-C047-882E-F1211C497443}"/>
               </a:ext>
             </a:extLst>
           </p:cNvPr>
@@ -18404,7 +17706,7 @@
           <p:cNvPr id="6" name="Picture 5">
             <a:extLst>
               <a:ext uri="{FF2B5EF4-FFF2-40B4-BE49-F238E27FC236}">
-                <a16:creationId xmlns:a16="http://schemas.microsoft.com/office/drawing/2014/main" id="{1204C8D1-35A2-E240-9191-BEC3948B3F66}"/>
+                <a16:creationId xmlns="" xmlns:a16="http://schemas.microsoft.com/office/drawing/2014/main" id="{1204C8D1-35A2-E240-9191-BEC3948B3F66}"/>
               </a:ext>
             </a:extLst>
           </p:cNvPr>
@@ -18434,7 +17736,7 @@
           <p:cNvPr id="7" name="Picture 6">
             <a:extLst>
               <a:ext uri="{FF2B5EF4-FFF2-40B4-BE49-F238E27FC236}">
-                <a16:creationId xmlns:a16="http://schemas.microsoft.com/office/drawing/2014/main" id="{6959610F-825D-4E4A-B0CC-F411C7C93E76}"/>
+                <a16:creationId xmlns="" xmlns:a16="http://schemas.microsoft.com/office/drawing/2014/main" id="{6959610F-825D-4E4A-B0CC-F411C7C93E76}"/>
               </a:ext>
             </a:extLst>
           </p:cNvPr>
@@ -18464,7 +17766,7 @@
           <p:cNvPr id="9" name="Picture 8">
             <a:extLst>
               <a:ext uri="{FF2B5EF4-FFF2-40B4-BE49-F238E27FC236}">
-                <a16:creationId xmlns:a16="http://schemas.microsoft.com/office/drawing/2014/main" id="{D99E62AB-4923-594A-AB19-B85B15D4F93D}"/>
+                <a16:creationId xmlns="" xmlns:a16="http://schemas.microsoft.com/office/drawing/2014/main" id="{D99E62AB-4923-594A-AB19-B85B15D4F93D}"/>
               </a:ext>
             </a:extLst>
           </p:cNvPr>
@@ -18494,7 +17796,7 @@
           <p:cNvPr id="10" name="Picture 9">
             <a:extLst>
               <a:ext uri="{FF2B5EF4-FFF2-40B4-BE49-F238E27FC236}">
-                <a16:creationId xmlns:a16="http://schemas.microsoft.com/office/drawing/2014/main" id="{5846D4B3-1F3E-654E-944E-ACBC5DCFBE41}"/>
+                <a16:creationId xmlns="" xmlns:a16="http://schemas.microsoft.com/office/drawing/2014/main" id="{5846D4B3-1F3E-654E-944E-ACBC5DCFBE41}"/>
               </a:ext>
             </a:extLst>
           </p:cNvPr>
@@ -18519,6 +17821,144 @@
           </a:prstGeom>
         </p:spPr>
       </p:pic>
+      <p:sp>
+        <p:nvSpPr>
+          <p:cNvPr id="3" name="Rectangle 2"/>
+          <p:cNvSpPr/>
+          <p:nvPr/>
+        </p:nvSpPr>
+        <p:spPr>
+          <a:xfrm>
+            <a:off x="194310" y="2651760"/>
+            <a:ext cx="4709160" cy="3989070"/>
+          </a:xfrm>
+          <a:prstGeom prst="rect">
+            <a:avLst/>
+          </a:prstGeom>
+          <a:noFill/>
+          <a:ln>
+            <a:solidFill>
+              <a:srgbClr val="FF0000"/>
+            </a:solidFill>
+          </a:ln>
+        </p:spPr>
+        <p:style>
+          <a:lnRef idx="2">
+            <a:schemeClr val="accent1">
+              <a:shade val="50000"/>
+            </a:schemeClr>
+          </a:lnRef>
+          <a:fillRef idx="1">
+            <a:schemeClr val="accent1"/>
+          </a:fillRef>
+          <a:effectRef idx="0">
+            <a:schemeClr val="accent1"/>
+          </a:effectRef>
+          <a:fontRef idx="minor">
+            <a:schemeClr val="lt1"/>
+          </a:fontRef>
+        </p:style>
+        <p:txBody>
+          <a:bodyPr rtlCol="0" anchor="ctr"/>
+          <a:lstStyle/>
+          <a:p>
+            <a:pPr algn="ctr"/>
+            <a:endParaRPr lang="sk-SK"/>
+          </a:p>
+        </p:txBody>
+      </p:sp>
+      <p:sp>
+        <p:nvSpPr>
+          <p:cNvPr id="13" name="Rectangle 12"/>
+          <p:cNvSpPr/>
+          <p:nvPr/>
+        </p:nvSpPr>
+        <p:spPr>
+          <a:xfrm>
+            <a:off x="7078980" y="2651760"/>
+            <a:ext cx="4709160" cy="3989070"/>
+          </a:xfrm>
+          <a:prstGeom prst="rect">
+            <a:avLst/>
+          </a:prstGeom>
+          <a:noFill/>
+          <a:ln>
+            <a:solidFill>
+              <a:schemeClr val="accent6"/>
+            </a:solidFill>
+          </a:ln>
+        </p:spPr>
+        <p:style>
+          <a:lnRef idx="2">
+            <a:schemeClr val="accent1">
+              <a:shade val="50000"/>
+            </a:schemeClr>
+          </a:lnRef>
+          <a:fillRef idx="1">
+            <a:schemeClr val="accent1"/>
+          </a:fillRef>
+          <a:effectRef idx="0">
+            <a:schemeClr val="accent1"/>
+          </a:effectRef>
+          <a:fontRef idx="minor">
+            <a:schemeClr val="lt1"/>
+          </a:fontRef>
+        </p:style>
+        <p:txBody>
+          <a:bodyPr rtlCol="0" anchor="ctr"/>
+          <a:lstStyle/>
+          <a:p>
+            <a:pPr algn="ctr"/>
+            <a:endParaRPr lang="sk-SK"/>
+          </a:p>
+        </p:txBody>
+      </p:sp>
+      <p:sp>
+        <p:nvSpPr>
+          <p:cNvPr id="14" name="Rectangle 13"/>
+          <p:cNvSpPr/>
+          <p:nvPr/>
+        </p:nvSpPr>
+        <p:spPr>
+          <a:xfrm>
+            <a:off x="3899606" y="212060"/>
+            <a:ext cx="4421434" cy="2301154"/>
+          </a:xfrm>
+          <a:prstGeom prst="rect">
+            <a:avLst/>
+          </a:prstGeom>
+          <a:noFill/>
+          <a:ln>
+            <a:solidFill>
+              <a:srgbClr val="FF0000"/>
+            </a:solidFill>
+          </a:ln>
+        </p:spPr>
+        <p:style>
+          <a:lnRef idx="2">
+            <a:schemeClr val="accent1">
+              <a:shade val="50000"/>
+            </a:schemeClr>
+          </a:lnRef>
+          <a:fillRef idx="1">
+            <a:schemeClr val="accent1"/>
+          </a:fillRef>
+          <a:effectRef idx="0">
+            <a:schemeClr val="accent1"/>
+          </a:effectRef>
+          <a:fontRef idx="minor">
+            <a:schemeClr val="lt1"/>
+          </a:fontRef>
+        </p:style>
+        <p:txBody>
+          <a:bodyPr rtlCol="0" anchor="ctr"/>
+          <a:lstStyle/>
+          <a:p>
+            <a:pPr algn="ctr"/>
+            <a:endParaRPr lang="sk-SK"/>
+          </a:p>
+        </p:txBody>
+      </p:sp>
     </p:spTree>
     <p:extLst>
       <p:ext uri="{BB962C8B-B14F-4D97-AF65-F5344CB8AC3E}">
@@ -18562,10 +18002,10 @@
           <p:cNvPr id="8" name="Rectangle 7">
             <a:extLst>
               <a:ext uri="{FF2B5EF4-FFF2-40B4-BE49-F238E27FC236}">
-                <a16:creationId xmlns:a16="http://schemas.microsoft.com/office/drawing/2014/main" id="{86197D16-FE75-4A0E-A0C9-28C0F04A43DF}"/>
+                <a16:creationId xmlns="" xmlns:a16="http://schemas.microsoft.com/office/drawing/2014/main" id="{86197D16-FE75-4A0E-A0C9-28C0F04A43DF}"/>
               </a:ext>
               <a:ext uri="{C183D7F6-B498-43B3-948B-1728B52AA6E4}">
-                <adec:decorative xmlns:adec="http://schemas.microsoft.com/office/drawing/2017/decorative" val="1"/>
+                <adec:decorative xmlns="" xmlns:adec="http://schemas.microsoft.com/office/drawing/2017/decorative" val="1"/>
               </a:ext>
             </a:extLst>
           </p:cNvPr>
@@ -18575,7 +18015,7 @@
           <p:nvPr>
             <p:extLst>
               <p:ext uri="{386F3935-93C4-4BCD-93E2-E3B085C9AB24}">
-                <p16:designElem xmlns:p16="http://schemas.microsoft.com/office/powerpoint/2015/main" val="1"/>
+                <p16:designElem xmlns="" xmlns:p16="http://schemas.microsoft.com/office/powerpoint/2015/main" val="1"/>
               </p:ext>
             </p:extLst>
           </p:nvPr>
@@ -18647,10 +18087,10 @@
           <p:cNvPr id="10" name="Picture 9">
             <a:extLst>
               <a:ext uri="{FF2B5EF4-FFF2-40B4-BE49-F238E27FC236}">
-                <a16:creationId xmlns:a16="http://schemas.microsoft.com/office/drawing/2014/main" id="{FA8FCEC6-4B30-4FF2-8B32-504BEAEA3A16}"/>
+                <a16:creationId xmlns="" xmlns:a16="http://schemas.microsoft.com/office/drawing/2014/main" id="{FA8FCEC6-4B30-4FF2-8B32-504BEAEA3A16}"/>
               </a:ext>
               <a:ext uri="{C183D7F6-B498-43B3-948B-1728B52AA6E4}">
-                <adec:decorative xmlns:adec="http://schemas.microsoft.com/office/drawing/2017/decorative" val="1"/>
+                <adec:decorative xmlns="" xmlns:adec="http://schemas.microsoft.com/office/drawing/2017/decorative" val="1"/>
               </a:ext>
             </a:extLst>
           </p:cNvPr>
@@ -18660,7 +18100,7 @@
           <p:nvPr>
             <p:extLst>
               <p:ext uri="{386F3935-93C4-4BCD-93E2-E3B085C9AB24}">
-                <p16:designElem xmlns:p16="http://schemas.microsoft.com/office/powerpoint/2015/main" val="1"/>
+                <p16:designElem xmlns="" xmlns:p16="http://schemas.microsoft.com/office/powerpoint/2015/main" val="1"/>
               </p:ext>
             </p:extLst>
           </p:nvPr>
@@ -18736,7 +18176,7 @@
           <p:cNvPr id="2" name="Title 1">
             <a:extLst>
               <a:ext uri="{FF2B5EF4-FFF2-40B4-BE49-F238E27FC236}">
-                <a16:creationId xmlns:a16="http://schemas.microsoft.com/office/drawing/2014/main" id="{A1C45E2B-04F8-3D4B-9F0E-48560A39F3DE}"/>
+                <a16:creationId xmlns="" xmlns:a16="http://schemas.microsoft.com/office/drawing/2014/main" id="{A1C45E2B-04F8-3D4B-9F0E-48560A39F3DE}"/>
               </a:ext>
             </a:extLst>
           </p:cNvPr>
@@ -18783,7 +18223,7 @@
           <p:cNvPr id="3" name="Content Placeholder 2">
             <a:extLst>
               <a:ext uri="{FF2B5EF4-FFF2-40B4-BE49-F238E27FC236}">
-                <a16:creationId xmlns:a16="http://schemas.microsoft.com/office/drawing/2014/main" id="{DFA92177-0EA7-8144-BFD2-A4677F40B83E}"/>
+                <a16:creationId xmlns="" xmlns:a16="http://schemas.microsoft.com/office/drawing/2014/main" id="{DFA92177-0EA7-8144-BFD2-A4677F40B83E}"/>
               </a:ext>
             </a:extLst>
           </p:cNvPr>
@@ -18806,6 +18246,17 @@
           </a:bodyPr>
           <a:lstStyle/>
           <a:p>
+            <a:r>
+              <a:rPr lang="sk-SK" sz="1800" kern="1200" dirty="0" smtClean="0">
+                <a:solidFill>
+                  <a:srgbClr val="000000"/>
+                </a:solidFill>
+                <a:latin typeface="+mn-lt"/>
+                <a:ea typeface="+mn-ea"/>
+                <a:cs typeface="+mn-cs"/>
+              </a:rPr>
+              <a:t>The World will stop</a:t>
+            </a:r>
             <a:endParaRPr lang="en-US" sz="1800" kern="1200" dirty="0">
               <a:solidFill>
                 <a:srgbClr val="000000"/>
@@ -18852,7 +18303,7 @@
           <p:cNvPr id="9" name="Title 8">
             <a:extLst>
               <a:ext uri="{FF2B5EF4-FFF2-40B4-BE49-F238E27FC236}">
-                <a16:creationId xmlns:a16="http://schemas.microsoft.com/office/drawing/2014/main" id="{2DF96CBD-7FD3-8042-A7CF-9950BE3E102C}"/>
+                <a16:creationId xmlns="" xmlns:a16="http://schemas.microsoft.com/office/drawing/2014/main" id="{2DF96CBD-7FD3-8042-A7CF-9950BE3E102C}"/>
               </a:ext>
             </a:extLst>
           </p:cNvPr>
@@ -18889,7 +18340,7 @@
           <p:cNvPr id="10" name="Content Placeholder 9">
             <a:extLst>
               <a:ext uri="{FF2B5EF4-FFF2-40B4-BE49-F238E27FC236}">
-                <a16:creationId xmlns:a16="http://schemas.microsoft.com/office/drawing/2014/main" id="{7A12FB1A-78B3-5C45-B436-B3FA7C1C488F}"/>
+                <a16:creationId xmlns="" xmlns:a16="http://schemas.microsoft.com/office/drawing/2014/main" id="{7A12FB1A-78B3-5C45-B436-B3FA7C1C488F}"/>
               </a:ext>
             </a:extLst>
           </p:cNvPr>
@@ -19313,7 +18764,7 @@
           <p:cNvPr id="2" name="Title 1">
             <a:extLst>
               <a:ext uri="{FF2B5EF4-FFF2-40B4-BE49-F238E27FC236}">
-                <a16:creationId xmlns:a16="http://schemas.microsoft.com/office/drawing/2014/main" id="{AA807ADD-1CA8-D749-8848-E83A93FFB0DB}"/>
+                <a16:creationId xmlns="" xmlns:a16="http://schemas.microsoft.com/office/drawing/2014/main" id="{AA807ADD-1CA8-D749-8848-E83A93FFB0DB}"/>
               </a:ext>
             </a:extLst>
           </p:cNvPr>
@@ -19345,7 +18796,7 @@
           <p:cNvPr id="3" name="Content Placeholder 2">
             <a:extLst>
               <a:ext uri="{FF2B5EF4-FFF2-40B4-BE49-F238E27FC236}">
-                <a16:creationId xmlns:a16="http://schemas.microsoft.com/office/drawing/2014/main" id="{C0908B1C-F0D1-A44B-8417-FA342D94906A}"/>
+                <a16:creationId xmlns="" xmlns:a16="http://schemas.microsoft.com/office/drawing/2014/main" id="{C0908B1C-F0D1-A44B-8417-FA342D94906A}"/>
               </a:ext>
             </a:extLst>
           </p:cNvPr>
@@ -19862,7 +19313,7 @@
           <p:cNvPr id="2" name="Title 1">
             <a:extLst>
               <a:ext uri="{FF2B5EF4-FFF2-40B4-BE49-F238E27FC236}">
-                <a16:creationId xmlns:a16="http://schemas.microsoft.com/office/drawing/2014/main" id="{7328FB63-B3B6-2442-A9B9-A20DBE27DD3B}"/>
+                <a16:creationId xmlns="" xmlns:a16="http://schemas.microsoft.com/office/drawing/2014/main" id="{7328FB63-B3B6-2442-A9B9-A20DBE27DD3B}"/>
               </a:ext>
             </a:extLst>
           </p:cNvPr>
@@ -19890,6 +19341,10 @@
               <a:rPr lang="sk-SK" dirty="0" err="1"/>
               <a:t>Concurrency</a:t>
             </a:r>
+            <a:r>
+              <a:rPr lang="sk-SK" dirty="0"/>
+              <a:t/>
+            </a:r>
             <a:br>
               <a:rPr lang="sk-SK" dirty="0"/>
             </a:br>
@@ -19902,7 +19357,7 @@
           <p:cNvPr id="3" name="Content Placeholder 2">
             <a:extLst>
               <a:ext uri="{FF2B5EF4-FFF2-40B4-BE49-F238E27FC236}">
-                <a16:creationId xmlns:a16="http://schemas.microsoft.com/office/drawing/2014/main" id="{E3E1FA18-DF11-064E-AF24-C90ACD367FFB}"/>
+                <a16:creationId xmlns="" xmlns:a16="http://schemas.microsoft.com/office/drawing/2014/main" id="{E3E1FA18-DF11-064E-AF24-C90ACD367FFB}"/>
               </a:ext>
             </a:extLst>
           </p:cNvPr>
@@ -20373,7 +19828,7 @@
           <p:cNvPr id="7" name="Straight Arrow Connector 6">
             <a:extLst>
               <a:ext uri="{FF2B5EF4-FFF2-40B4-BE49-F238E27FC236}">
-                <a16:creationId xmlns:a16="http://schemas.microsoft.com/office/drawing/2014/main" id="{27ECF420-06F3-7A47-8C18-9996B8340756}"/>
+                <a16:creationId xmlns="" xmlns:a16="http://schemas.microsoft.com/office/drawing/2014/main" id="{27ECF420-06F3-7A47-8C18-9996B8340756}"/>
               </a:ext>
             </a:extLst>
           </p:cNvPr>
@@ -20419,7 +19874,7 @@
           <p:cNvPr id="8" name="Rectangle 7">
             <a:extLst>
               <a:ext uri="{FF2B5EF4-FFF2-40B4-BE49-F238E27FC236}">
-                <a16:creationId xmlns:a16="http://schemas.microsoft.com/office/drawing/2014/main" id="{6DDFD07F-F556-7B46-BD65-46D8F9CE94B8}"/>
+                <a16:creationId xmlns="" xmlns:a16="http://schemas.microsoft.com/office/drawing/2014/main" id="{6DDFD07F-F556-7B46-BD65-46D8F9CE94B8}"/>
               </a:ext>
             </a:extLst>
           </p:cNvPr>
@@ -20481,7 +19936,7 @@
           <p:cNvPr id="9" name="Rectangle 8">
             <a:extLst>
               <a:ext uri="{FF2B5EF4-FFF2-40B4-BE49-F238E27FC236}">
-                <a16:creationId xmlns:a16="http://schemas.microsoft.com/office/drawing/2014/main" id="{62EB4A98-B9F9-7746-B764-11F6BF488966}"/>
+                <a16:creationId xmlns="" xmlns:a16="http://schemas.microsoft.com/office/drawing/2014/main" id="{62EB4A98-B9F9-7746-B764-11F6BF488966}"/>
               </a:ext>
             </a:extLst>
           </p:cNvPr>
@@ -20547,7 +20002,7 @@
           <p:cNvPr id="14" name="Rectangle 13">
             <a:extLst>
               <a:ext uri="{FF2B5EF4-FFF2-40B4-BE49-F238E27FC236}">
-                <a16:creationId xmlns:a16="http://schemas.microsoft.com/office/drawing/2014/main" id="{97CBD9A4-1D2E-674D-8C9C-8698548F71E4}"/>
+                <a16:creationId xmlns="" xmlns:a16="http://schemas.microsoft.com/office/drawing/2014/main" id="{97CBD9A4-1D2E-674D-8C9C-8698548F71E4}"/>
               </a:ext>
             </a:extLst>
           </p:cNvPr>
@@ -20610,7 +20065,7 @@
           <p:cNvPr id="19" name="Straight Arrow Connector 18">
             <a:extLst>
               <a:ext uri="{FF2B5EF4-FFF2-40B4-BE49-F238E27FC236}">
-                <a16:creationId xmlns:a16="http://schemas.microsoft.com/office/drawing/2014/main" id="{3EC00992-5EDB-7340-8337-13E017276206}"/>
+                <a16:creationId xmlns="" xmlns:a16="http://schemas.microsoft.com/office/drawing/2014/main" id="{3EC00992-5EDB-7340-8337-13E017276206}"/>
               </a:ext>
             </a:extLst>
           </p:cNvPr>
@@ -20653,7 +20108,7 @@
           <p:cNvPr id="20" name="Straight Arrow Connector 19">
             <a:extLst>
               <a:ext uri="{FF2B5EF4-FFF2-40B4-BE49-F238E27FC236}">
-                <a16:creationId xmlns:a16="http://schemas.microsoft.com/office/drawing/2014/main" id="{D0CDA72A-E985-D944-A787-E386FF0D3AFD}"/>
+                <a16:creationId xmlns="" xmlns:a16="http://schemas.microsoft.com/office/drawing/2014/main" id="{D0CDA72A-E985-D944-A787-E386FF0D3AFD}"/>
               </a:ext>
             </a:extLst>
           </p:cNvPr>
@@ -20694,7 +20149,7 @@
           <p:cNvPr id="22" name="Straight Arrow Connector 21">
             <a:extLst>
               <a:ext uri="{FF2B5EF4-FFF2-40B4-BE49-F238E27FC236}">
-                <a16:creationId xmlns:a16="http://schemas.microsoft.com/office/drawing/2014/main" id="{D369805C-82D1-654E-A9E2-9EAF0EDAE7C5}"/>
+                <a16:creationId xmlns="" xmlns:a16="http://schemas.microsoft.com/office/drawing/2014/main" id="{D369805C-82D1-654E-A9E2-9EAF0EDAE7C5}"/>
               </a:ext>
             </a:extLst>
           </p:cNvPr>
@@ -20736,7 +20191,7 @@
           <p:cNvPr id="28" name="Rectangle 27">
             <a:extLst>
               <a:ext uri="{FF2B5EF4-FFF2-40B4-BE49-F238E27FC236}">
-                <a16:creationId xmlns:a16="http://schemas.microsoft.com/office/drawing/2014/main" id="{508D7896-EA64-2B48-9CCC-9C6CB89F8BD9}"/>
+                <a16:creationId xmlns="" xmlns:a16="http://schemas.microsoft.com/office/drawing/2014/main" id="{508D7896-EA64-2B48-9CCC-9C6CB89F8BD9}"/>
               </a:ext>
             </a:extLst>
           </p:cNvPr>
@@ -20795,7 +20250,7 @@
           <p:cNvPr id="29" name="TextBox 28">
             <a:extLst>
               <a:ext uri="{FF2B5EF4-FFF2-40B4-BE49-F238E27FC236}">
-                <a16:creationId xmlns:a16="http://schemas.microsoft.com/office/drawing/2014/main" id="{CF3A3BA6-A308-B842-AE0C-E783B163F5E1}"/>
+                <a16:creationId xmlns="" xmlns:a16="http://schemas.microsoft.com/office/drawing/2014/main" id="{CF3A3BA6-A308-B842-AE0C-E783B163F5E1}"/>
               </a:ext>
             </a:extLst>
           </p:cNvPr>
@@ -20839,7 +20294,7 @@
           <p:cNvPr id="34" name="TextBox 33">
             <a:extLst>
               <a:ext uri="{FF2B5EF4-FFF2-40B4-BE49-F238E27FC236}">
-                <a16:creationId xmlns:a16="http://schemas.microsoft.com/office/drawing/2014/main" id="{D7BD5BA7-5B00-6842-BDD5-042A313F4B61}"/>
+                <a16:creationId xmlns="" xmlns:a16="http://schemas.microsoft.com/office/drawing/2014/main" id="{D7BD5BA7-5B00-6842-BDD5-042A313F4B61}"/>
               </a:ext>
             </a:extLst>
           </p:cNvPr>
@@ -20886,7 +20341,7 @@
           <p:cNvPr id="40" name="Rectangle 39">
             <a:extLst>
               <a:ext uri="{FF2B5EF4-FFF2-40B4-BE49-F238E27FC236}">
-                <a16:creationId xmlns:a16="http://schemas.microsoft.com/office/drawing/2014/main" id="{197E94BA-68FA-FF41-B2F5-FB359DC6CF42}"/>
+                <a16:creationId xmlns="" xmlns:a16="http://schemas.microsoft.com/office/drawing/2014/main" id="{197E94BA-68FA-FF41-B2F5-FB359DC6CF42}"/>
               </a:ext>
             </a:extLst>
           </p:cNvPr>
@@ -20948,7 +20403,7 @@
           <p:cNvPr id="41" name="Rectangle 40">
             <a:extLst>
               <a:ext uri="{FF2B5EF4-FFF2-40B4-BE49-F238E27FC236}">
-                <a16:creationId xmlns:a16="http://schemas.microsoft.com/office/drawing/2014/main" id="{1E0834A7-DAB5-4A48-BA28-D1B2AA934558}"/>
+                <a16:creationId xmlns="" xmlns:a16="http://schemas.microsoft.com/office/drawing/2014/main" id="{1E0834A7-DAB5-4A48-BA28-D1B2AA934558}"/>
               </a:ext>
             </a:extLst>
           </p:cNvPr>
@@ -21011,7 +20466,7 @@
           <p:cNvPr id="56" name="Rectangle 55">
             <a:extLst>
               <a:ext uri="{FF2B5EF4-FFF2-40B4-BE49-F238E27FC236}">
-                <a16:creationId xmlns:a16="http://schemas.microsoft.com/office/drawing/2014/main" id="{62DBB3D0-A7A4-C54B-80AB-6317043FC46F}"/>
+                <a16:creationId xmlns="" xmlns:a16="http://schemas.microsoft.com/office/drawing/2014/main" id="{62DBB3D0-A7A4-C54B-80AB-6317043FC46F}"/>
               </a:ext>
             </a:extLst>
           </p:cNvPr>
@@ -21076,7 +20531,7 @@
           <p:cNvPr id="73" name="Straight Arrow Connector 72">
             <a:extLst>
               <a:ext uri="{FF2B5EF4-FFF2-40B4-BE49-F238E27FC236}">
-                <a16:creationId xmlns:a16="http://schemas.microsoft.com/office/drawing/2014/main" id="{E3AD4AAA-7DB6-1940-AC8C-74BE92C2F661}"/>
+                <a16:creationId xmlns="" xmlns:a16="http://schemas.microsoft.com/office/drawing/2014/main" id="{E3AD4AAA-7DB6-1940-AC8C-74BE92C2F661}"/>
               </a:ext>
             </a:extLst>
           </p:cNvPr>
@@ -21118,7 +20573,7 @@
           <p:cNvPr id="79" name="Straight Arrow Connector 78">
             <a:extLst>
               <a:ext uri="{FF2B5EF4-FFF2-40B4-BE49-F238E27FC236}">
-                <a16:creationId xmlns:a16="http://schemas.microsoft.com/office/drawing/2014/main" id="{21EFEB2B-CD45-2A41-9E7F-0E7291999938}"/>
+                <a16:creationId xmlns="" xmlns:a16="http://schemas.microsoft.com/office/drawing/2014/main" id="{21EFEB2B-CD45-2A41-9E7F-0E7291999938}"/>
               </a:ext>
             </a:extLst>
           </p:cNvPr>
@@ -21164,7 +20619,7 @@
           <p:cNvPr id="80" name="Rectangle 79">
             <a:extLst>
               <a:ext uri="{FF2B5EF4-FFF2-40B4-BE49-F238E27FC236}">
-                <a16:creationId xmlns:a16="http://schemas.microsoft.com/office/drawing/2014/main" id="{0B736338-27E7-1849-BF20-374DD2622BC2}"/>
+                <a16:creationId xmlns="" xmlns:a16="http://schemas.microsoft.com/office/drawing/2014/main" id="{0B736338-27E7-1849-BF20-374DD2622BC2}"/>
               </a:ext>
             </a:extLst>
           </p:cNvPr>
@@ -21226,7 +20681,7 @@
           <p:cNvPr id="81" name="Rectangle 80">
             <a:extLst>
               <a:ext uri="{FF2B5EF4-FFF2-40B4-BE49-F238E27FC236}">
-                <a16:creationId xmlns:a16="http://schemas.microsoft.com/office/drawing/2014/main" id="{A1E0F4E6-C70E-3D43-8557-4CE53C2FA347}"/>
+                <a16:creationId xmlns="" xmlns:a16="http://schemas.microsoft.com/office/drawing/2014/main" id="{A1E0F4E6-C70E-3D43-8557-4CE53C2FA347}"/>
               </a:ext>
             </a:extLst>
           </p:cNvPr>
@@ -21289,7 +20744,7 @@
           <p:cNvPr id="82" name="Rectangle 81">
             <a:extLst>
               <a:ext uri="{FF2B5EF4-FFF2-40B4-BE49-F238E27FC236}">
-                <a16:creationId xmlns:a16="http://schemas.microsoft.com/office/drawing/2014/main" id="{6E5907AF-886D-B54A-ADFA-C5F2655D591E}"/>
+                <a16:creationId xmlns="" xmlns:a16="http://schemas.microsoft.com/office/drawing/2014/main" id="{6E5907AF-886D-B54A-ADFA-C5F2655D591E}"/>
               </a:ext>
             </a:extLst>
           </p:cNvPr>
@@ -21354,7 +20809,7 @@
           <p:cNvPr id="83" name="Rectangle 82">
             <a:extLst>
               <a:ext uri="{FF2B5EF4-FFF2-40B4-BE49-F238E27FC236}">
-                <a16:creationId xmlns:a16="http://schemas.microsoft.com/office/drawing/2014/main" id="{BF51D7DE-AEEA-9845-BA32-B8D4E7BB4BED}"/>
+                <a16:creationId xmlns="" xmlns:a16="http://schemas.microsoft.com/office/drawing/2014/main" id="{BF51D7DE-AEEA-9845-BA32-B8D4E7BB4BED}"/>
               </a:ext>
             </a:extLst>
           </p:cNvPr>
@@ -21417,7 +20872,7 @@
           <p:cNvPr id="84" name="Rectangle 83">
             <a:extLst>
               <a:ext uri="{FF2B5EF4-FFF2-40B4-BE49-F238E27FC236}">
-                <a16:creationId xmlns:a16="http://schemas.microsoft.com/office/drawing/2014/main" id="{A3ABFF16-0A04-E34E-93C5-AC02008732B5}"/>
+                <a16:creationId xmlns="" xmlns:a16="http://schemas.microsoft.com/office/drawing/2014/main" id="{A3ABFF16-0A04-E34E-93C5-AC02008732B5}"/>
               </a:ext>
             </a:extLst>
           </p:cNvPr>
@@ -21482,7 +20937,7 @@
           <p:cNvPr id="85" name="Rectangle 84">
             <a:extLst>
               <a:ext uri="{FF2B5EF4-FFF2-40B4-BE49-F238E27FC236}">
-                <a16:creationId xmlns:a16="http://schemas.microsoft.com/office/drawing/2014/main" id="{F5D60BC1-E1DC-C548-8414-A97BBF58EF2E}"/>
+                <a16:creationId xmlns="" xmlns:a16="http://schemas.microsoft.com/office/drawing/2014/main" id="{F5D60BC1-E1DC-C548-8414-A97BBF58EF2E}"/>
               </a:ext>
             </a:extLst>
           </p:cNvPr>
@@ -21545,7 +21000,7 @@
           <p:cNvPr id="86" name="Rectangle 85">
             <a:extLst>
               <a:ext uri="{FF2B5EF4-FFF2-40B4-BE49-F238E27FC236}">
-                <a16:creationId xmlns:a16="http://schemas.microsoft.com/office/drawing/2014/main" id="{E481B0D0-E3C5-7D42-9F7D-937603D21D7C}"/>
+                <a16:creationId xmlns="" xmlns:a16="http://schemas.microsoft.com/office/drawing/2014/main" id="{E481B0D0-E3C5-7D42-9F7D-937603D21D7C}"/>
               </a:ext>
             </a:extLst>
           </p:cNvPr>
@@ -21608,7 +21063,7 @@
           <p:cNvPr id="87" name="Straight Arrow Connector 86">
             <a:extLst>
               <a:ext uri="{FF2B5EF4-FFF2-40B4-BE49-F238E27FC236}">
-                <a16:creationId xmlns:a16="http://schemas.microsoft.com/office/drawing/2014/main" id="{2BDF1109-8B84-5745-B740-5B96FDACE38B}"/>
+                <a16:creationId xmlns="" xmlns:a16="http://schemas.microsoft.com/office/drawing/2014/main" id="{2BDF1109-8B84-5745-B740-5B96FDACE38B}"/>
               </a:ext>
             </a:extLst>
           </p:cNvPr>
@@ -21651,7 +21106,7 @@
           <p:cNvPr id="88" name="Straight Arrow Connector 87">
             <a:extLst>
               <a:ext uri="{FF2B5EF4-FFF2-40B4-BE49-F238E27FC236}">
-                <a16:creationId xmlns:a16="http://schemas.microsoft.com/office/drawing/2014/main" id="{BC738CDF-7BB1-2C47-A400-F8BF52EE5668}"/>
+                <a16:creationId xmlns="" xmlns:a16="http://schemas.microsoft.com/office/drawing/2014/main" id="{BC738CDF-7BB1-2C47-A400-F8BF52EE5668}"/>
               </a:ext>
             </a:extLst>
           </p:cNvPr>
@@ -21692,7 +21147,7 @@
           <p:cNvPr id="89" name="Straight Arrow Connector 88">
             <a:extLst>
               <a:ext uri="{FF2B5EF4-FFF2-40B4-BE49-F238E27FC236}">
-                <a16:creationId xmlns:a16="http://schemas.microsoft.com/office/drawing/2014/main" id="{AC098CF3-6B44-6C4C-B382-F44E1D40DFC7}"/>
+                <a16:creationId xmlns="" xmlns:a16="http://schemas.microsoft.com/office/drawing/2014/main" id="{AC098CF3-6B44-6C4C-B382-F44E1D40DFC7}"/>
               </a:ext>
             </a:extLst>
           </p:cNvPr>
@@ -21733,7 +21188,7 @@
           <p:cNvPr id="90" name="Rectangle 89">
             <a:extLst>
               <a:ext uri="{FF2B5EF4-FFF2-40B4-BE49-F238E27FC236}">
-                <a16:creationId xmlns:a16="http://schemas.microsoft.com/office/drawing/2014/main" id="{60BE0528-06F1-5346-AD95-B94144D22D08}"/>
+                <a16:creationId xmlns="" xmlns:a16="http://schemas.microsoft.com/office/drawing/2014/main" id="{60BE0528-06F1-5346-AD95-B94144D22D08}"/>
               </a:ext>
             </a:extLst>
           </p:cNvPr>
@@ -21792,7 +21247,7 @@
           <p:cNvPr id="91" name="TextBox 90">
             <a:extLst>
               <a:ext uri="{FF2B5EF4-FFF2-40B4-BE49-F238E27FC236}">
-                <a16:creationId xmlns:a16="http://schemas.microsoft.com/office/drawing/2014/main" id="{92BF646B-54D3-C942-9100-01F8AA80143D}"/>
+                <a16:creationId xmlns="" xmlns:a16="http://schemas.microsoft.com/office/drawing/2014/main" id="{92BF646B-54D3-C942-9100-01F8AA80143D}"/>
               </a:ext>
             </a:extLst>
           </p:cNvPr>
@@ -21836,7 +21291,7 @@
           <p:cNvPr id="93" name="Rectangle 92">
             <a:extLst>
               <a:ext uri="{FF2B5EF4-FFF2-40B4-BE49-F238E27FC236}">
-                <a16:creationId xmlns:a16="http://schemas.microsoft.com/office/drawing/2014/main" id="{1B6070E7-A9B3-2D4B-8051-2A08F67279D3}"/>
+                <a16:creationId xmlns="" xmlns:a16="http://schemas.microsoft.com/office/drawing/2014/main" id="{1B6070E7-A9B3-2D4B-8051-2A08F67279D3}"/>
               </a:ext>
             </a:extLst>
           </p:cNvPr>
@@ -21898,7 +21353,7 @@
           <p:cNvPr id="94" name="Rectangle 93">
             <a:extLst>
               <a:ext uri="{FF2B5EF4-FFF2-40B4-BE49-F238E27FC236}">
-                <a16:creationId xmlns:a16="http://schemas.microsoft.com/office/drawing/2014/main" id="{1B68215E-CECE-0444-8366-CECD511EC732}"/>
+                <a16:creationId xmlns="" xmlns:a16="http://schemas.microsoft.com/office/drawing/2014/main" id="{1B68215E-CECE-0444-8366-CECD511EC732}"/>
               </a:ext>
             </a:extLst>
           </p:cNvPr>
@@ -21961,7 +21416,7 @@
           <p:cNvPr id="95" name="Rectangle 94">
             <a:extLst>
               <a:ext uri="{FF2B5EF4-FFF2-40B4-BE49-F238E27FC236}">
-                <a16:creationId xmlns:a16="http://schemas.microsoft.com/office/drawing/2014/main" id="{CC2FE416-9DBA-7F42-A4A8-DE8CB4B64BDE}"/>
+                <a16:creationId xmlns="" xmlns:a16="http://schemas.microsoft.com/office/drawing/2014/main" id="{CC2FE416-9DBA-7F42-A4A8-DE8CB4B64BDE}"/>
               </a:ext>
             </a:extLst>
           </p:cNvPr>
@@ -22026,7 +21481,7 @@
           <p:cNvPr id="96" name="Rectangle 95">
             <a:extLst>
               <a:ext uri="{FF2B5EF4-FFF2-40B4-BE49-F238E27FC236}">
-                <a16:creationId xmlns:a16="http://schemas.microsoft.com/office/drawing/2014/main" id="{4FB559B7-8073-BB4C-9BD1-688936B7C738}"/>
+                <a16:creationId xmlns="" xmlns:a16="http://schemas.microsoft.com/office/drawing/2014/main" id="{4FB559B7-8073-BB4C-9BD1-688936B7C738}"/>
               </a:ext>
             </a:extLst>
           </p:cNvPr>
@@ -22089,7 +21544,7 @@
           <p:cNvPr id="97" name="Rectangle 96">
             <a:extLst>
               <a:ext uri="{FF2B5EF4-FFF2-40B4-BE49-F238E27FC236}">
-                <a16:creationId xmlns:a16="http://schemas.microsoft.com/office/drawing/2014/main" id="{6A5997F6-9FDE-394B-9372-71DD227C4E47}"/>
+                <a16:creationId xmlns="" xmlns:a16="http://schemas.microsoft.com/office/drawing/2014/main" id="{6A5997F6-9FDE-394B-9372-71DD227C4E47}"/>
               </a:ext>
             </a:extLst>
           </p:cNvPr>
@@ -22154,7 +21609,7 @@
           <p:cNvPr id="98" name="Rectangle 97">
             <a:extLst>
               <a:ext uri="{FF2B5EF4-FFF2-40B4-BE49-F238E27FC236}">
-                <a16:creationId xmlns:a16="http://schemas.microsoft.com/office/drawing/2014/main" id="{11BB7626-ED07-0647-8E94-D80D39E0952D}"/>
+                <a16:creationId xmlns="" xmlns:a16="http://schemas.microsoft.com/office/drawing/2014/main" id="{11BB7626-ED07-0647-8E94-D80D39E0952D}"/>
               </a:ext>
             </a:extLst>
           </p:cNvPr>
@@ -22216,7 +21671,7 @@
           <p:cNvPr id="99" name="Rectangle 98">
             <a:extLst>
               <a:ext uri="{FF2B5EF4-FFF2-40B4-BE49-F238E27FC236}">
-                <a16:creationId xmlns:a16="http://schemas.microsoft.com/office/drawing/2014/main" id="{4104460B-43C0-CE4B-B981-25FA7BF2488E}"/>
+                <a16:creationId xmlns="" xmlns:a16="http://schemas.microsoft.com/office/drawing/2014/main" id="{4104460B-43C0-CE4B-B981-25FA7BF2488E}"/>
               </a:ext>
             </a:extLst>
           </p:cNvPr>
@@ -22279,7 +21734,7 @@
           <p:cNvPr id="100" name="Rectangle 99">
             <a:extLst>
               <a:ext uri="{FF2B5EF4-FFF2-40B4-BE49-F238E27FC236}">
-                <a16:creationId xmlns:a16="http://schemas.microsoft.com/office/drawing/2014/main" id="{D1B403D1-9882-0A40-BD00-6FE73B8B2DDD}"/>
+                <a16:creationId xmlns="" xmlns:a16="http://schemas.microsoft.com/office/drawing/2014/main" id="{D1B403D1-9882-0A40-BD00-6FE73B8B2DDD}"/>
               </a:ext>
             </a:extLst>
           </p:cNvPr>
@@ -22342,7 +21797,7 @@
           <p:cNvPr id="103" name="Rectangle 102">
             <a:extLst>
               <a:ext uri="{FF2B5EF4-FFF2-40B4-BE49-F238E27FC236}">
-                <a16:creationId xmlns:a16="http://schemas.microsoft.com/office/drawing/2014/main" id="{7CA8F93E-7546-AE4D-8DBE-F3C1A62510EB}"/>
+                <a16:creationId xmlns="" xmlns:a16="http://schemas.microsoft.com/office/drawing/2014/main" id="{7CA8F93E-7546-AE4D-8DBE-F3C1A62510EB}"/>
               </a:ext>
             </a:extLst>
           </p:cNvPr>
@@ -22407,7 +21862,7 @@
           <p:cNvPr id="104" name="Straight Arrow Connector 103">
             <a:extLst>
               <a:ext uri="{FF2B5EF4-FFF2-40B4-BE49-F238E27FC236}">
-                <a16:creationId xmlns:a16="http://schemas.microsoft.com/office/drawing/2014/main" id="{6E5AC471-431A-9445-8906-775671AC71FD}"/>
+                <a16:creationId xmlns="" xmlns:a16="http://schemas.microsoft.com/office/drawing/2014/main" id="{6E5AC471-431A-9445-8906-775671AC71FD}"/>
               </a:ext>
             </a:extLst>
           </p:cNvPr>
@@ -22449,7 +21904,7 @@
           <p:cNvPr id="108" name="Straight Arrow Connector 107">
             <a:extLst>
               <a:ext uri="{FF2B5EF4-FFF2-40B4-BE49-F238E27FC236}">
-                <a16:creationId xmlns:a16="http://schemas.microsoft.com/office/drawing/2014/main" id="{610C3FAA-252A-8049-B33B-00FDB391D8D1}"/>
+                <a16:creationId xmlns="" xmlns:a16="http://schemas.microsoft.com/office/drawing/2014/main" id="{610C3FAA-252A-8049-B33B-00FDB391D8D1}"/>
               </a:ext>
             </a:extLst>
           </p:cNvPr>
@@ -22490,7 +21945,7 @@
           <p:cNvPr id="109" name="Rectangle 108">
             <a:extLst>
               <a:ext uri="{FF2B5EF4-FFF2-40B4-BE49-F238E27FC236}">
-                <a16:creationId xmlns:a16="http://schemas.microsoft.com/office/drawing/2014/main" id="{FF26CE69-2CF1-A442-BAE2-2668400C645C}"/>
+                <a16:creationId xmlns="" xmlns:a16="http://schemas.microsoft.com/office/drawing/2014/main" id="{FF26CE69-2CF1-A442-BAE2-2668400C645C}"/>
               </a:ext>
             </a:extLst>
           </p:cNvPr>
@@ -22553,7 +22008,7 @@
           <p:cNvPr id="113" name="Straight Arrow Connector 112">
             <a:extLst>
               <a:ext uri="{FF2B5EF4-FFF2-40B4-BE49-F238E27FC236}">
-                <a16:creationId xmlns:a16="http://schemas.microsoft.com/office/drawing/2014/main" id="{602894E7-2FF5-D74F-90C1-AE11284E9DCF}"/>
+                <a16:creationId xmlns="" xmlns:a16="http://schemas.microsoft.com/office/drawing/2014/main" id="{602894E7-2FF5-D74F-90C1-AE11284E9DCF}"/>
               </a:ext>
             </a:extLst>
           </p:cNvPr>
@@ -22596,7 +22051,7 @@
           <p:cNvPr id="117" name="Straight Arrow Connector 116">
             <a:extLst>
               <a:ext uri="{FF2B5EF4-FFF2-40B4-BE49-F238E27FC236}">
-                <a16:creationId xmlns:a16="http://schemas.microsoft.com/office/drawing/2014/main" id="{C5D9D653-3018-7D49-8F04-4917A0B46017}"/>
+                <a16:creationId xmlns="" xmlns:a16="http://schemas.microsoft.com/office/drawing/2014/main" id="{C5D9D653-3018-7D49-8F04-4917A0B46017}"/>
               </a:ext>
             </a:extLst>
           </p:cNvPr>
@@ -22637,7 +22092,7 @@
           <p:cNvPr id="126" name="Rectangle 125">
             <a:extLst>
               <a:ext uri="{FF2B5EF4-FFF2-40B4-BE49-F238E27FC236}">
-                <a16:creationId xmlns:a16="http://schemas.microsoft.com/office/drawing/2014/main" id="{3076CD7E-462F-FF47-9948-2BE64080DB58}"/>
+                <a16:creationId xmlns="" xmlns:a16="http://schemas.microsoft.com/office/drawing/2014/main" id="{3076CD7E-462F-FF47-9948-2BE64080DB58}"/>
               </a:ext>
             </a:extLst>
           </p:cNvPr>
@@ -22700,7 +22155,7 @@
           <p:cNvPr id="127" name="Rectangle 126">
             <a:extLst>
               <a:ext uri="{FF2B5EF4-FFF2-40B4-BE49-F238E27FC236}">
-                <a16:creationId xmlns:a16="http://schemas.microsoft.com/office/drawing/2014/main" id="{7E1CAD7D-ECB7-F140-93DD-6A0AB8991D12}"/>
+                <a16:creationId xmlns="" xmlns:a16="http://schemas.microsoft.com/office/drawing/2014/main" id="{7E1CAD7D-ECB7-F140-93DD-6A0AB8991D12}"/>
               </a:ext>
             </a:extLst>
           </p:cNvPr>
@@ -22763,7 +22218,7 @@
           <p:cNvPr id="128" name="Rectangle 127">
             <a:extLst>
               <a:ext uri="{FF2B5EF4-FFF2-40B4-BE49-F238E27FC236}">
-                <a16:creationId xmlns:a16="http://schemas.microsoft.com/office/drawing/2014/main" id="{26097695-7C2B-014D-8986-77CFE209BB43}"/>
+                <a16:creationId xmlns="" xmlns:a16="http://schemas.microsoft.com/office/drawing/2014/main" id="{26097695-7C2B-014D-8986-77CFE209BB43}"/>
               </a:ext>
             </a:extLst>
           </p:cNvPr>
@@ -22828,7 +22283,7 @@
           <p:cNvPr id="131" name="TextBox 130">
             <a:extLst>
               <a:ext uri="{FF2B5EF4-FFF2-40B4-BE49-F238E27FC236}">
-                <a16:creationId xmlns:a16="http://schemas.microsoft.com/office/drawing/2014/main" id="{71824D83-B55C-0F4E-8A16-F3469B01CF28}"/>
+                <a16:creationId xmlns="" xmlns:a16="http://schemas.microsoft.com/office/drawing/2014/main" id="{71824D83-B55C-0F4E-8A16-F3469B01CF28}"/>
               </a:ext>
             </a:extLst>
           </p:cNvPr>
@@ -22872,7 +22327,7 @@
           <p:cNvPr id="132" name="TextBox 131">
             <a:extLst>
               <a:ext uri="{FF2B5EF4-FFF2-40B4-BE49-F238E27FC236}">
-                <a16:creationId xmlns:a16="http://schemas.microsoft.com/office/drawing/2014/main" id="{A3C47910-6DA3-2742-93A8-ECC745F0CB77}"/>
+                <a16:creationId xmlns="" xmlns:a16="http://schemas.microsoft.com/office/drawing/2014/main" id="{A3C47910-6DA3-2742-93A8-ECC745F0CB77}"/>
               </a:ext>
             </a:extLst>
           </p:cNvPr>
@@ -22924,7 +22379,7 @@
           <p:cNvPr id="133" name="TextBox 132">
             <a:extLst>
               <a:ext uri="{FF2B5EF4-FFF2-40B4-BE49-F238E27FC236}">
-                <a16:creationId xmlns:a16="http://schemas.microsoft.com/office/drawing/2014/main" id="{2DC25E48-47EA-D848-8D93-7380B6A8BAA9}"/>
+                <a16:creationId xmlns="" xmlns:a16="http://schemas.microsoft.com/office/drawing/2014/main" id="{2DC25E48-47EA-D848-8D93-7380B6A8BAA9}"/>
               </a:ext>
             </a:extLst>
           </p:cNvPr>
@@ -22972,7 +22427,7 @@
           <p:cNvPr id="134" name="TextBox 133">
             <a:extLst>
               <a:ext uri="{FF2B5EF4-FFF2-40B4-BE49-F238E27FC236}">
-                <a16:creationId xmlns:a16="http://schemas.microsoft.com/office/drawing/2014/main" id="{5B3C0D4E-F897-FA43-B574-A402BCF0A73F}"/>
+                <a16:creationId xmlns="" xmlns:a16="http://schemas.microsoft.com/office/drawing/2014/main" id="{5B3C0D4E-F897-FA43-B574-A402BCF0A73F}"/>
               </a:ext>
             </a:extLst>
           </p:cNvPr>
@@ -23020,7 +22475,7 @@
           <p:cNvPr id="136" name="Content Placeholder 2">
             <a:extLst>
               <a:ext uri="{FF2B5EF4-FFF2-40B4-BE49-F238E27FC236}">
-                <a16:creationId xmlns:a16="http://schemas.microsoft.com/office/drawing/2014/main" id="{67FBF4D6-9697-8047-A2B0-9358231A1060}"/>
+                <a16:creationId xmlns="" xmlns:a16="http://schemas.microsoft.com/office/drawing/2014/main" id="{67FBF4D6-9697-8047-A2B0-9358231A1060}"/>
               </a:ext>
             </a:extLst>
           </p:cNvPr>
@@ -23246,7 +22701,7 @@
           <p:cNvPr id="109" name="Picture 108">
             <a:extLst>
               <a:ext uri="{FF2B5EF4-FFF2-40B4-BE49-F238E27FC236}">
-                <a16:creationId xmlns:a16="http://schemas.microsoft.com/office/drawing/2014/main" id="{F9F6BF7B-B168-664A-A970-0C1E42C4276A}"/>
+                <a16:creationId xmlns="" xmlns:a16="http://schemas.microsoft.com/office/drawing/2014/main" id="{F9F6BF7B-B168-664A-A970-0C1E42C4276A}"/>
               </a:ext>
             </a:extLst>
           </p:cNvPr>
@@ -23276,7 +22731,7 @@
           <p:cNvPr id="2" name="Title 1">
             <a:extLst>
               <a:ext uri="{FF2B5EF4-FFF2-40B4-BE49-F238E27FC236}">
-                <a16:creationId xmlns:a16="http://schemas.microsoft.com/office/drawing/2014/main" id="{518B23F4-5379-1E41-AABD-C727780D00EC}"/>
+                <a16:creationId xmlns="" xmlns:a16="http://schemas.microsoft.com/office/drawing/2014/main" id="{518B23F4-5379-1E41-AABD-C727780D00EC}"/>
               </a:ext>
             </a:extLst>
           </p:cNvPr>
@@ -23409,7 +22864,7 @@
           <p:cNvPr id="54" name="Picture 53">
             <a:extLst>
               <a:ext uri="{FF2B5EF4-FFF2-40B4-BE49-F238E27FC236}">
-                <a16:creationId xmlns:a16="http://schemas.microsoft.com/office/drawing/2014/main" id="{C9772794-6AE6-E749-8ECE-C5DA14B4462B}"/>
+                <a16:creationId xmlns="" xmlns:a16="http://schemas.microsoft.com/office/drawing/2014/main" id="{C9772794-6AE6-E749-8ECE-C5DA14B4462B}"/>
               </a:ext>
             </a:extLst>
           </p:cNvPr>
@@ -23439,7 +22894,7 @@
           <p:cNvPr id="70" name="Picture 69">
             <a:extLst>
               <a:ext uri="{FF2B5EF4-FFF2-40B4-BE49-F238E27FC236}">
-                <a16:creationId xmlns:a16="http://schemas.microsoft.com/office/drawing/2014/main" id="{395E9C19-9EBC-314D-AF5C-1DBF7DE94CF6}"/>
+                <a16:creationId xmlns="" xmlns:a16="http://schemas.microsoft.com/office/drawing/2014/main" id="{395E9C19-9EBC-314D-AF5C-1DBF7DE94CF6}"/>
               </a:ext>
             </a:extLst>
           </p:cNvPr>
@@ -23469,7 +22924,7 @@
           <p:cNvPr id="107" name="Picture 106">
             <a:extLst>
               <a:ext uri="{FF2B5EF4-FFF2-40B4-BE49-F238E27FC236}">
-                <a16:creationId xmlns:a16="http://schemas.microsoft.com/office/drawing/2014/main" id="{C15A0166-CADD-F842-BAF9-18EF44CFC131}"/>
+                <a16:creationId xmlns="" xmlns:a16="http://schemas.microsoft.com/office/drawing/2014/main" id="{C15A0166-CADD-F842-BAF9-18EF44CFC131}"/>
               </a:ext>
             </a:extLst>
           </p:cNvPr>
@@ -23499,7 +22954,7 @@
           <p:cNvPr id="104" name="Picture 103">
             <a:extLst>
               <a:ext uri="{FF2B5EF4-FFF2-40B4-BE49-F238E27FC236}">
-                <a16:creationId xmlns:a16="http://schemas.microsoft.com/office/drawing/2014/main" id="{149E4FC2-6296-F144-8EA5-D46B8998B9EB}"/>
+                <a16:creationId xmlns="" xmlns:a16="http://schemas.microsoft.com/office/drawing/2014/main" id="{149E4FC2-6296-F144-8EA5-D46B8998B9EB}"/>
               </a:ext>
             </a:extLst>
           </p:cNvPr>
@@ -23529,7 +22984,7 @@
           <p:cNvPr id="108" name="Picture 107">
             <a:extLst>
               <a:ext uri="{FF2B5EF4-FFF2-40B4-BE49-F238E27FC236}">
-                <a16:creationId xmlns:a16="http://schemas.microsoft.com/office/drawing/2014/main" id="{7426FBA3-71CB-F14F-AE6E-8656C975DFC1}"/>
+                <a16:creationId xmlns="" xmlns:a16="http://schemas.microsoft.com/office/drawing/2014/main" id="{7426FBA3-71CB-F14F-AE6E-8656C975DFC1}"/>
               </a:ext>
             </a:extLst>
           </p:cNvPr>
@@ -23559,7 +23014,7 @@
           <p:cNvPr id="3" name="Rectangle 2">
             <a:extLst>
               <a:ext uri="{FF2B5EF4-FFF2-40B4-BE49-F238E27FC236}">
-                <a16:creationId xmlns:a16="http://schemas.microsoft.com/office/drawing/2014/main" id="{86583986-05E9-5C41-A53B-4189B2E935FC}"/>
+                <a16:creationId xmlns="" xmlns:a16="http://schemas.microsoft.com/office/drawing/2014/main" id="{86583986-05E9-5C41-A53B-4189B2E935FC}"/>
               </a:ext>
             </a:extLst>
           </p:cNvPr>
@@ -23614,7 +23069,7 @@
           <p:cNvPr id="10" name="Rectangle 9">
             <a:extLst>
               <a:ext uri="{FF2B5EF4-FFF2-40B4-BE49-F238E27FC236}">
-                <a16:creationId xmlns:a16="http://schemas.microsoft.com/office/drawing/2014/main" id="{AB7F3DC1-AD1B-D241-BD00-3E96AFCE1C96}"/>
+                <a16:creationId xmlns="" xmlns:a16="http://schemas.microsoft.com/office/drawing/2014/main" id="{AB7F3DC1-AD1B-D241-BD00-3E96AFCE1C96}"/>
               </a:ext>
             </a:extLst>
           </p:cNvPr>
@@ -23699,7 +23154,7 @@
           <p:cNvPr id="2" name="Title 1">
             <a:extLst>
               <a:ext uri="{FF2B5EF4-FFF2-40B4-BE49-F238E27FC236}">
-                <a16:creationId xmlns:a16="http://schemas.microsoft.com/office/drawing/2014/main" id="{052F0C5F-0625-824A-AB53-4DA9E93957A0}"/>
+                <a16:creationId xmlns="" xmlns:a16="http://schemas.microsoft.com/office/drawing/2014/main" id="{052F0C5F-0625-824A-AB53-4DA9E93957A0}"/>
               </a:ext>
             </a:extLst>
           </p:cNvPr>
@@ -23736,7 +23191,7 @@
           <p:cNvPr id="3" name="Content Placeholder 2">
             <a:extLst>
               <a:ext uri="{FF2B5EF4-FFF2-40B4-BE49-F238E27FC236}">
-                <a16:creationId xmlns:a16="http://schemas.microsoft.com/office/drawing/2014/main" id="{34B979AA-7902-4444-9776-16810E5E38DD}"/>
+                <a16:creationId xmlns="" xmlns:a16="http://schemas.microsoft.com/office/drawing/2014/main" id="{34B979AA-7902-4444-9776-16810E5E38DD}"/>
               </a:ext>
             </a:extLst>
           </p:cNvPr>
@@ -24125,7 +23580,7 @@
           <p:cNvPr id="2" name="Title 1">
             <a:extLst>
               <a:ext uri="{FF2B5EF4-FFF2-40B4-BE49-F238E27FC236}">
-                <a16:creationId xmlns:a16="http://schemas.microsoft.com/office/drawing/2014/main" id="{EB9040C1-3C9C-8E40-BF05-8B860D3C55F2}"/>
+                <a16:creationId xmlns="" xmlns:a16="http://schemas.microsoft.com/office/drawing/2014/main" id="{EB9040C1-3C9C-8E40-BF05-8B860D3C55F2}"/>
               </a:ext>
             </a:extLst>
           </p:cNvPr>
@@ -24170,7 +23625,7 @@
           <p:cNvPr id="3" name="Content Placeholder 2">
             <a:extLst>
               <a:ext uri="{FF2B5EF4-FFF2-40B4-BE49-F238E27FC236}">
-                <a16:creationId xmlns:a16="http://schemas.microsoft.com/office/drawing/2014/main" id="{361D53FB-A653-E640-A1D4-13333EDD9A58}"/>
+                <a16:creationId xmlns="" xmlns:a16="http://schemas.microsoft.com/office/drawing/2014/main" id="{361D53FB-A653-E640-A1D4-13333EDD9A58}"/>
               </a:ext>
             </a:extLst>
           </p:cNvPr>
@@ -24212,6 +23667,90 @@
 </file>
 
 <file path=ppt/slides/slide44.xml><?xml version="1.0" encoding="utf-8"?>
+<p:sld xmlns:a="http://schemas.openxmlformats.org/drawingml/2006/main" xmlns:r="http://schemas.openxmlformats.org/officeDocument/2006/relationships" xmlns:p="http://schemas.openxmlformats.org/presentationml/2006/main">
+  <p:cSld>
+    <p:spTree>
+      <p:nvGrpSpPr>
+        <p:cNvPr id="1" name=""/>
+        <p:cNvGrpSpPr/>
+        <p:nvPr/>
+      </p:nvGrpSpPr>
+      <p:grpSpPr>
+        <a:xfrm>
+          <a:off x="0" y="0"/>
+          <a:ext cx="0" cy="0"/>
+          <a:chOff x="0" y="0"/>
+          <a:chExt cx="0" cy="0"/>
+        </a:xfrm>
+      </p:grpSpPr>
+      <p:sp>
+        <p:nvSpPr>
+          <p:cNvPr id="2" name="Title 1"/>
+          <p:cNvSpPr>
+            <a:spLocks noGrp="1"/>
+          </p:cNvSpPr>
+          <p:nvPr>
+            <p:ph type="title"/>
+          </p:nvPr>
+        </p:nvSpPr>
+        <p:spPr/>
+        <p:txBody>
+          <a:bodyPr/>
+          <a:lstStyle/>
+          <a:p>
+            <a:r>
+              <a:rPr lang="sk-SK" dirty="0" smtClean="0"/>
+              <a:t>cargo</a:t>
+            </a:r>
+            <a:endParaRPr lang="sk-SK" dirty="0"/>
+          </a:p>
+        </p:txBody>
+      </p:sp>
+      <p:sp>
+        <p:nvSpPr>
+          <p:cNvPr id="3" name="Content Placeholder 2"/>
+          <p:cNvSpPr>
+            <a:spLocks noGrp="1"/>
+          </p:cNvSpPr>
+          <p:nvPr>
+            <p:ph idx="1"/>
+          </p:nvPr>
+        </p:nvSpPr>
+        <p:spPr/>
+        <p:txBody>
+          <a:bodyPr/>
+          <a:lstStyle/>
+          <a:p>
+            <a:r>
+              <a:rPr lang="sk-SK" dirty="0" smtClean="0"/>
+              <a:t>split data to chunks, use cargo</a:t>
+            </a:r>
+          </a:p>
+          <a:p>
+            <a:r>
+              <a:rPr lang="sk-SK" dirty="0"/>
+              <a:t>TODO: sample</a:t>
+            </a:r>
+          </a:p>
+          <a:p>
+            <a:endParaRPr lang="sk-SK" dirty="0"/>
+          </a:p>
+        </p:txBody>
+      </p:sp>
+    </p:spTree>
+    <p:extLst>
+      <p:ext uri="{BB962C8B-B14F-4D97-AF65-F5344CB8AC3E}">
+        <p14:creationId xmlns:p14="http://schemas.microsoft.com/office/powerpoint/2010/main" val="2063366134"/>
+      </p:ext>
+    </p:extLst>
+  </p:cSld>
+  <p:clrMapOvr>
+    <a:masterClrMapping/>
+  </p:clrMapOvr>
+</p:sld>
+</file>
+
+<file path=ppt/slides/slide45.xml><?xml version="1.0" encoding="utf-8"?>
 <p:sld xmlns:a="http://schemas.openxmlformats.org/drawingml/2006/main" xmlns:r="http://schemas.openxmlformats.org/officeDocument/2006/relationships" xmlns:p="http://schemas.openxmlformats.org/presentationml/2006/main">
   <p:cSld>
     <p:bg>
@@ -24241,10 +23780,10 @@
           <p:cNvPr id="9" name="Rectangle 8">
             <a:extLst>
               <a:ext uri="{FF2B5EF4-FFF2-40B4-BE49-F238E27FC236}">
-                <a16:creationId xmlns:a16="http://schemas.microsoft.com/office/drawing/2014/main" id="{86197D16-FE75-4A0E-A0C9-28C0F04A43DF}"/>
+                <a16:creationId xmlns="" xmlns:a16="http://schemas.microsoft.com/office/drawing/2014/main" id="{86197D16-FE75-4A0E-A0C9-28C0F04A43DF}"/>
               </a:ext>
               <a:ext uri="{C183D7F6-B498-43B3-948B-1728B52AA6E4}">
-                <adec:decorative xmlns:adec="http://schemas.microsoft.com/office/drawing/2017/decorative" val="1"/>
+                <adec:decorative xmlns="" xmlns:adec="http://schemas.microsoft.com/office/drawing/2017/decorative" val="1"/>
               </a:ext>
             </a:extLst>
           </p:cNvPr>
@@ -24254,7 +23793,7 @@
           <p:nvPr>
             <p:extLst>
               <p:ext uri="{386F3935-93C4-4BCD-93E2-E3B085C9AB24}">
-                <p16:designElem xmlns:p16="http://schemas.microsoft.com/office/powerpoint/2015/main" val="1"/>
+                <p16:designElem xmlns="" xmlns:p16="http://schemas.microsoft.com/office/powerpoint/2015/main" val="1"/>
               </p:ext>
             </p:extLst>
           </p:nvPr>
@@ -24326,10 +23865,10 @@
           <p:cNvPr id="11" name="Picture 10">
             <a:extLst>
               <a:ext uri="{FF2B5EF4-FFF2-40B4-BE49-F238E27FC236}">
-                <a16:creationId xmlns:a16="http://schemas.microsoft.com/office/drawing/2014/main" id="{FA8FCEC6-4B30-4FF2-8B32-504BEAEA3A16}"/>
+                <a16:creationId xmlns="" xmlns:a16="http://schemas.microsoft.com/office/drawing/2014/main" id="{FA8FCEC6-4B30-4FF2-8B32-504BEAEA3A16}"/>
               </a:ext>
               <a:ext uri="{C183D7F6-B498-43B3-948B-1728B52AA6E4}">
-                <adec:decorative xmlns:adec="http://schemas.microsoft.com/office/drawing/2017/decorative" val="1"/>
+                <adec:decorative xmlns="" xmlns:adec="http://schemas.microsoft.com/office/drawing/2017/decorative" val="1"/>
               </a:ext>
             </a:extLst>
           </p:cNvPr>
@@ -24339,7 +23878,7 @@
           <p:nvPr>
             <p:extLst>
               <p:ext uri="{386F3935-93C4-4BCD-93E2-E3B085C9AB24}">
-                <p16:designElem xmlns:p16="http://schemas.microsoft.com/office/powerpoint/2015/main" val="1"/>
+                <p16:designElem xmlns="" xmlns:p16="http://schemas.microsoft.com/office/powerpoint/2015/main" val="1"/>
               </p:ext>
             </p:extLst>
           </p:nvPr>
@@ -24415,7 +23954,7 @@
           <p:cNvPr id="2" name="Title 1">
             <a:extLst>
               <a:ext uri="{FF2B5EF4-FFF2-40B4-BE49-F238E27FC236}">
-                <a16:creationId xmlns:a16="http://schemas.microsoft.com/office/drawing/2014/main" id="{7BA1CD5D-E614-D04E-88C6-A578CE3EC428}"/>
+                <a16:creationId xmlns="" xmlns:a16="http://schemas.microsoft.com/office/drawing/2014/main" id="{7BA1CD5D-E614-D04E-88C6-A578CE3EC428}"/>
               </a:ext>
             </a:extLst>
           </p:cNvPr>
@@ -24455,7 +23994,7 @@
           <p:cNvPr id="4" name="Subtitle 3">
             <a:extLst>
               <a:ext uri="{FF2B5EF4-FFF2-40B4-BE49-F238E27FC236}">
-                <a16:creationId xmlns:a16="http://schemas.microsoft.com/office/drawing/2014/main" id="{CD33EA23-E754-F24E-BDEB-E08E03AA4DD3}"/>
+                <a16:creationId xmlns="" xmlns:a16="http://schemas.microsoft.com/office/drawing/2014/main" id="{CD33EA23-E754-F24E-BDEB-E08E03AA4DD3}"/>
               </a:ext>
             </a:extLst>
           </p:cNvPr>
@@ -24500,7 +24039,7 @@
 </p:sld>
 </file>
 
-<file path=ppt/slides/slide45.xml><?xml version="1.0" encoding="utf-8"?>
+<file path=ppt/slides/slide46.xml><?xml version="1.0" encoding="utf-8"?>
 <p:sld xmlns:a="http://schemas.openxmlformats.org/drawingml/2006/main" xmlns:r="http://schemas.openxmlformats.org/officeDocument/2006/relationships" xmlns:p="http://schemas.openxmlformats.org/presentationml/2006/main">
   <p:cSld>
     <p:spTree>
@@ -24522,7 +24061,7 @@
           <p:cNvPr id="2" name="Title 1">
             <a:extLst>
               <a:ext uri="{FF2B5EF4-FFF2-40B4-BE49-F238E27FC236}">
-                <a16:creationId xmlns:a16="http://schemas.microsoft.com/office/drawing/2014/main" id="{B39EC168-638C-B04F-BCD9-F30AEAAEF61E}"/>
+                <a16:creationId xmlns="" xmlns:a16="http://schemas.microsoft.com/office/drawing/2014/main" id="{B39EC168-638C-B04F-BCD9-F30AEAAEF61E}"/>
               </a:ext>
             </a:extLst>
           </p:cNvPr>
@@ -24551,7 +24090,7 @@
           <p:cNvPr id="3" name="Content Placeholder 2">
             <a:extLst>
               <a:ext uri="{FF2B5EF4-FFF2-40B4-BE49-F238E27FC236}">
-                <a16:creationId xmlns:a16="http://schemas.microsoft.com/office/drawing/2014/main" id="{CBCF133E-5CB9-FB41-80D0-A8C7DE497B05}"/>
+                <a16:creationId xmlns="" xmlns:a16="http://schemas.microsoft.com/office/drawing/2014/main" id="{CBCF133E-5CB9-FB41-80D0-A8C7DE497B05}"/>
               </a:ext>
             </a:extLst>
           </p:cNvPr>
@@ -24584,7 +24123,7 @@
 </p:sld>
 </file>
 
-<file path=ppt/slides/slide46.xml><?xml version="1.0" encoding="utf-8"?>
+<file path=ppt/slides/slide47.xml><?xml version="1.0" encoding="utf-8"?>
 <p:sld xmlns:a="http://schemas.openxmlformats.org/drawingml/2006/main" xmlns:r="http://schemas.openxmlformats.org/officeDocument/2006/relationships" xmlns:p="http://schemas.openxmlformats.org/presentationml/2006/main">
   <p:cSld>
     <p:bg>
@@ -24614,10 +24153,10 @@
           <p:cNvPr id="9" name="Rectangle 8">
             <a:extLst>
               <a:ext uri="{FF2B5EF4-FFF2-40B4-BE49-F238E27FC236}">
-                <a16:creationId xmlns:a16="http://schemas.microsoft.com/office/drawing/2014/main" id="{23962611-DFD5-4092-AAFD-559E3DFCE2C9}"/>
+                <a16:creationId xmlns="" xmlns:a16="http://schemas.microsoft.com/office/drawing/2014/main" id="{23962611-DFD5-4092-AAFD-559E3DFCE2C9}"/>
               </a:ext>
               <a:ext uri="{C183D7F6-B498-43B3-948B-1728B52AA6E4}">
-                <adec:decorative xmlns:adec="http://schemas.microsoft.com/office/drawing/2017/decorative" val="1"/>
+                <adec:decorative xmlns="" xmlns:adec="http://schemas.microsoft.com/office/drawing/2017/decorative" val="1"/>
               </a:ext>
             </a:extLst>
           </p:cNvPr>
@@ -24627,7 +24166,7 @@
           <p:nvPr>
             <p:extLst>
               <p:ext uri="{386F3935-93C4-4BCD-93E2-E3B085C9AB24}">
-                <p16:designElem xmlns:p16="http://schemas.microsoft.com/office/powerpoint/2015/main" val="1"/>
+                <p16:designElem xmlns="" xmlns:p16="http://schemas.microsoft.com/office/powerpoint/2015/main" val="1"/>
               </p:ext>
             </p:extLst>
           </p:nvPr>
@@ -24699,10 +24238,10 @@
           <p:cNvPr id="11" name="Picture 10">
             <a:extLst>
               <a:ext uri="{FF2B5EF4-FFF2-40B4-BE49-F238E27FC236}">
-                <a16:creationId xmlns:a16="http://schemas.microsoft.com/office/drawing/2014/main" id="{2270F1FA-0425-408F-9861-80BF5AFB276D}"/>
+                <a16:creationId xmlns="" xmlns:a16="http://schemas.microsoft.com/office/drawing/2014/main" id="{2270F1FA-0425-408F-9861-80BF5AFB276D}"/>
               </a:ext>
               <a:ext uri="{C183D7F6-B498-43B3-948B-1728B52AA6E4}">
-                <adec:decorative xmlns:adec="http://schemas.microsoft.com/office/drawing/2017/decorative" val="1"/>
+                <adec:decorative xmlns="" xmlns:adec="http://schemas.microsoft.com/office/drawing/2017/decorative" val="1"/>
               </a:ext>
             </a:extLst>
           </p:cNvPr>
@@ -24712,7 +24251,7 @@
           <p:nvPr>
             <p:extLst>
               <p:ext uri="{386F3935-93C4-4BCD-93E2-E3B085C9AB24}">
-                <p16:designElem xmlns:p16="http://schemas.microsoft.com/office/powerpoint/2015/main" val="1"/>
+                <p16:designElem xmlns="" xmlns:p16="http://schemas.microsoft.com/office/powerpoint/2015/main" val="1"/>
               </p:ext>
             </p:extLst>
           </p:nvPr>
@@ -24744,7 +24283,7 @@
           <p:cNvPr id="2" name="Title 1">
             <a:extLst>
               <a:ext uri="{FF2B5EF4-FFF2-40B4-BE49-F238E27FC236}">
-                <a16:creationId xmlns:a16="http://schemas.microsoft.com/office/drawing/2014/main" id="{D2148CCB-7333-264D-A085-91CC020B2EAF}"/>
+                <a16:creationId xmlns="" xmlns:a16="http://schemas.microsoft.com/office/drawing/2014/main" id="{D2148CCB-7333-264D-A085-91CC020B2EAF}"/>
               </a:ext>
             </a:extLst>
           </p:cNvPr>
@@ -24787,7 +24326,7 @@
           <p:cNvPr id="4" name="Text Placeholder 3">
             <a:extLst>
               <a:ext uri="{FF2B5EF4-FFF2-40B4-BE49-F238E27FC236}">
-                <a16:creationId xmlns:a16="http://schemas.microsoft.com/office/drawing/2014/main" id="{39BDE236-79F4-4A4C-95E3-43388E9C4A10}"/>
+                <a16:creationId xmlns="" xmlns:a16="http://schemas.microsoft.com/office/drawing/2014/main" id="{39BDE236-79F4-4A4C-95E3-43388E9C4A10}"/>
               </a:ext>
             </a:extLst>
           </p:cNvPr>
@@ -24826,521 +24365,6 @@
     <p:extLst>
       <p:ext uri="{BB962C8B-B14F-4D97-AF65-F5344CB8AC3E}">
         <p14:creationId xmlns:p14="http://schemas.microsoft.com/office/powerpoint/2010/main" val="3236835782"/>
-      </p:ext>
-    </p:extLst>
-  </p:cSld>
-  <p:clrMapOvr>
-    <a:masterClrMapping/>
-  </p:clrMapOvr>
-</p:sld>
-</file>
-
-<file path=ppt/slides/slide47.xml><?xml version="1.0" encoding="utf-8"?>
-<p:sld xmlns:a="http://schemas.openxmlformats.org/drawingml/2006/main" xmlns:r="http://schemas.openxmlformats.org/officeDocument/2006/relationships" xmlns:p="http://schemas.openxmlformats.org/presentationml/2006/main">
-  <p:cSld>
-    <p:spTree>
-      <p:nvGrpSpPr>
-        <p:cNvPr id="1" name=""/>
-        <p:cNvGrpSpPr/>
-        <p:nvPr/>
-      </p:nvGrpSpPr>
-      <p:grpSpPr>
-        <a:xfrm>
-          <a:off x="0" y="0"/>
-          <a:ext cx="0" cy="0"/>
-          <a:chOff x="0" y="0"/>
-          <a:chExt cx="0" cy="0"/>
-        </a:xfrm>
-      </p:grpSpPr>
-      <p:sp>
-        <p:nvSpPr>
-          <p:cNvPr id="2" name="Title 1">
-            <a:extLst>
-              <a:ext uri="{FF2B5EF4-FFF2-40B4-BE49-F238E27FC236}">
-                <a16:creationId xmlns:a16="http://schemas.microsoft.com/office/drawing/2014/main" id="{1F352AD7-A1F3-A448-BC0D-9C5FF946AFBA}"/>
-              </a:ext>
-            </a:extLst>
-          </p:cNvPr>
-          <p:cNvSpPr>
-            <a:spLocks noGrp="1"/>
-          </p:cNvSpPr>
-          <p:nvPr>
-            <p:ph type="title"/>
-          </p:nvPr>
-        </p:nvSpPr>
-        <p:spPr/>
-        <p:txBody>
-          <a:bodyPr/>
-          <a:lstStyle/>
-          <a:p>
-            <a:r>
-              <a:rPr lang="sk-SK" dirty="0" err="1"/>
-              <a:t>setTimeout</a:t>
-            </a:r>
-            <a:r>
-              <a:rPr lang="sk-SK" dirty="0"/>
-              <a:t> </a:t>
-            </a:r>
-            <a:r>
-              <a:rPr lang="sk-SK" dirty="0" err="1"/>
-              <a:t>timers</a:t>
-            </a:r>
-            <a:r>
-              <a:rPr lang="sk-SK" dirty="0"/>
-              <a:t> in </a:t>
-            </a:r>
-            <a:r>
-              <a:rPr lang="sk-SK" dirty="0" err="1"/>
-              <a:t>browsers</a:t>
-            </a:r>
-            <a:r>
-              <a:rPr lang="sk-SK" dirty="0"/>
-              <a:t> </a:t>
-            </a:r>
-            <a:r>
-              <a:rPr lang="sk-SK" dirty="0" err="1"/>
-              <a:t>vs</a:t>
-            </a:r>
-            <a:r>
-              <a:rPr lang="sk-SK" dirty="0"/>
-              <a:t>. </a:t>
-            </a:r>
-            <a:r>
-              <a:rPr lang="sk-SK" dirty="0" err="1"/>
-              <a:t>node</a:t>
-            </a:r>
-            <a:endParaRPr lang="sk-SK" dirty="0"/>
-          </a:p>
-        </p:txBody>
-      </p:sp>
-      <p:sp>
-        <p:nvSpPr>
-          <p:cNvPr id="3" name="Content Placeholder 2">
-            <a:extLst>
-              <a:ext uri="{FF2B5EF4-FFF2-40B4-BE49-F238E27FC236}">
-                <a16:creationId xmlns:a16="http://schemas.microsoft.com/office/drawing/2014/main" id="{E86E246F-8699-8B40-BE34-8A4D36B070B6}"/>
-              </a:ext>
-            </a:extLst>
-          </p:cNvPr>
-          <p:cNvSpPr>
-            <a:spLocks noGrp="1"/>
-          </p:cNvSpPr>
-          <p:nvPr>
-            <p:ph idx="1"/>
-          </p:nvPr>
-        </p:nvSpPr>
-        <p:spPr/>
-        <p:txBody>
-          <a:bodyPr/>
-          <a:lstStyle/>
-          <a:p>
-            <a:r>
-              <a:rPr lang="sk-SK" dirty="0" err="1"/>
-              <a:t>it's</a:t>
-            </a:r>
-            <a:r>
-              <a:rPr lang="sk-SK" dirty="0"/>
-              <a:t> </a:t>
-            </a:r>
-            <a:r>
-              <a:rPr lang="sk-SK" dirty="0" err="1"/>
-              <a:t>important</a:t>
-            </a:r>
-            <a:r>
-              <a:rPr lang="sk-SK" dirty="0"/>
-              <a:t> to note </a:t>
-            </a:r>
-            <a:r>
-              <a:rPr lang="sk-SK" dirty="0" err="1"/>
-              <a:t>that</a:t>
-            </a:r>
-            <a:r>
-              <a:rPr lang="sk-SK" dirty="0"/>
-              <a:t> </a:t>
-            </a:r>
-            <a:r>
-              <a:rPr lang="sk-SK" dirty="0" err="1"/>
-              <a:t>setTimeout</a:t>
-            </a:r>
-            <a:r>
-              <a:rPr lang="sk-SK" dirty="0"/>
-              <a:t>(..) </a:t>
-            </a:r>
-            <a:r>
-              <a:rPr lang="sk-SK" dirty="0" err="1"/>
-              <a:t>doesn't</a:t>
-            </a:r>
-            <a:r>
-              <a:rPr lang="sk-SK" dirty="0"/>
-              <a:t> </a:t>
-            </a:r>
-            <a:r>
-              <a:rPr lang="sk-SK" dirty="0" err="1"/>
-              <a:t>put</a:t>
-            </a:r>
-            <a:r>
-              <a:rPr lang="sk-SK" dirty="0"/>
-              <a:t> </a:t>
-            </a:r>
-            <a:r>
-              <a:rPr lang="sk-SK" dirty="0" err="1"/>
-              <a:t>your</a:t>
-            </a:r>
-            <a:r>
-              <a:rPr lang="sk-SK" dirty="0"/>
-              <a:t> </a:t>
-            </a:r>
-            <a:r>
-              <a:rPr lang="sk-SK" dirty="0" err="1"/>
-              <a:t>callback</a:t>
-            </a:r>
-            <a:r>
-              <a:rPr lang="sk-SK" dirty="0"/>
-              <a:t> on </a:t>
-            </a:r>
-            <a:r>
-              <a:rPr lang="sk-SK" dirty="0" err="1"/>
-              <a:t>the</a:t>
-            </a:r>
-            <a:r>
-              <a:rPr lang="sk-SK" dirty="0"/>
-              <a:t> </a:t>
-            </a:r>
-            <a:r>
-              <a:rPr lang="sk-SK" dirty="0" err="1"/>
-              <a:t>event</a:t>
-            </a:r>
-            <a:r>
-              <a:rPr lang="sk-SK" dirty="0"/>
-              <a:t> </a:t>
-            </a:r>
-            <a:r>
-              <a:rPr lang="sk-SK" dirty="0" err="1"/>
-              <a:t>loop</a:t>
-            </a:r>
-            <a:r>
-              <a:rPr lang="sk-SK" dirty="0"/>
-              <a:t> </a:t>
-            </a:r>
-            <a:r>
-              <a:rPr lang="sk-SK" dirty="0" err="1"/>
-              <a:t>queue</a:t>
-            </a:r>
-            <a:r>
-              <a:rPr lang="sk-SK" dirty="0"/>
-              <a:t>. </a:t>
-            </a:r>
-            <a:r>
-              <a:rPr lang="sk-SK" dirty="0" err="1"/>
-              <a:t>What</a:t>
-            </a:r>
-            <a:r>
-              <a:rPr lang="sk-SK" dirty="0"/>
-              <a:t> </a:t>
-            </a:r>
-            <a:r>
-              <a:rPr lang="sk-SK" dirty="0" err="1"/>
-              <a:t>it</a:t>
-            </a:r>
-            <a:r>
-              <a:rPr lang="sk-SK" dirty="0"/>
-              <a:t> </a:t>
-            </a:r>
-            <a:r>
-              <a:rPr lang="sk-SK" dirty="0" err="1"/>
-              <a:t>does</a:t>
-            </a:r>
-            <a:r>
-              <a:rPr lang="sk-SK" dirty="0"/>
-              <a:t> </a:t>
-            </a:r>
-            <a:r>
-              <a:rPr lang="sk-SK" dirty="0" err="1"/>
-              <a:t>is</a:t>
-            </a:r>
-            <a:r>
-              <a:rPr lang="sk-SK" dirty="0"/>
-              <a:t> set </a:t>
-            </a:r>
-            <a:r>
-              <a:rPr lang="sk-SK" dirty="0" err="1"/>
-              <a:t>up</a:t>
-            </a:r>
-            <a:r>
-              <a:rPr lang="sk-SK" dirty="0"/>
-              <a:t> a </a:t>
-            </a:r>
-            <a:r>
-              <a:rPr lang="sk-SK" dirty="0" err="1"/>
-              <a:t>timer</a:t>
-            </a:r>
-            <a:r>
-              <a:rPr lang="sk-SK" dirty="0"/>
-              <a:t>; </a:t>
-            </a:r>
-            <a:r>
-              <a:rPr lang="sk-SK" dirty="0" err="1"/>
-              <a:t>when</a:t>
-            </a:r>
-            <a:r>
-              <a:rPr lang="sk-SK" dirty="0"/>
-              <a:t> </a:t>
-            </a:r>
-            <a:r>
-              <a:rPr lang="sk-SK" dirty="0" err="1"/>
-              <a:t>the</a:t>
-            </a:r>
-            <a:r>
-              <a:rPr lang="sk-SK" dirty="0"/>
-              <a:t> </a:t>
-            </a:r>
-            <a:r>
-              <a:rPr lang="sk-SK" dirty="0" err="1"/>
-              <a:t>timer</a:t>
-            </a:r>
-            <a:r>
-              <a:rPr lang="sk-SK" dirty="0"/>
-              <a:t> </a:t>
-            </a:r>
-            <a:r>
-              <a:rPr lang="sk-SK" dirty="0" err="1"/>
-              <a:t>expires</a:t>
-            </a:r>
-            <a:r>
-              <a:rPr lang="sk-SK" dirty="0"/>
-              <a:t>, </a:t>
-            </a:r>
-            <a:r>
-              <a:rPr lang="sk-SK" dirty="0" err="1"/>
-              <a:t>the</a:t>
-            </a:r>
-            <a:r>
-              <a:rPr lang="sk-SK" dirty="0"/>
-              <a:t> </a:t>
-            </a:r>
-            <a:r>
-              <a:rPr lang="sk-SK" dirty="0" err="1"/>
-              <a:t>environment</a:t>
-            </a:r>
-            <a:r>
-              <a:rPr lang="sk-SK" dirty="0"/>
-              <a:t> </a:t>
-            </a:r>
-            <a:r>
-              <a:rPr lang="sk-SK" dirty="0" err="1"/>
-              <a:t>places</a:t>
-            </a:r>
-            <a:r>
-              <a:rPr lang="sk-SK" dirty="0"/>
-              <a:t> </a:t>
-            </a:r>
-            <a:r>
-              <a:rPr lang="sk-SK" dirty="0" err="1"/>
-              <a:t>your</a:t>
-            </a:r>
-            <a:r>
-              <a:rPr lang="sk-SK" dirty="0"/>
-              <a:t> </a:t>
-            </a:r>
-            <a:r>
-              <a:rPr lang="sk-SK" dirty="0" err="1"/>
-              <a:t>callback</a:t>
-            </a:r>
-            <a:r>
-              <a:rPr lang="sk-SK" dirty="0"/>
-              <a:t> </a:t>
-            </a:r>
-            <a:r>
-              <a:rPr lang="sk-SK" dirty="0" err="1"/>
-              <a:t>into</a:t>
-            </a:r>
-            <a:r>
-              <a:rPr lang="sk-SK" dirty="0"/>
-              <a:t> </a:t>
-            </a:r>
-            <a:r>
-              <a:rPr lang="sk-SK" dirty="0" err="1"/>
-              <a:t>the</a:t>
-            </a:r>
-            <a:r>
-              <a:rPr lang="sk-SK" dirty="0"/>
-              <a:t> </a:t>
-            </a:r>
-            <a:r>
-              <a:rPr lang="sk-SK" dirty="0" err="1"/>
-              <a:t>event</a:t>
-            </a:r>
-            <a:r>
-              <a:rPr lang="sk-SK" dirty="0"/>
-              <a:t> </a:t>
-            </a:r>
-            <a:r>
-              <a:rPr lang="sk-SK" dirty="0" err="1"/>
-              <a:t>loop</a:t>
-            </a:r>
-            <a:r>
-              <a:rPr lang="sk-SK" dirty="0"/>
-              <a:t>, </a:t>
-            </a:r>
-            <a:r>
-              <a:rPr lang="sk-SK" dirty="0" err="1"/>
-              <a:t>such</a:t>
-            </a:r>
-            <a:r>
-              <a:rPr lang="sk-SK" dirty="0"/>
-              <a:t> </a:t>
-            </a:r>
-            <a:r>
-              <a:rPr lang="sk-SK" dirty="0" err="1"/>
-              <a:t>that</a:t>
-            </a:r>
-            <a:r>
-              <a:rPr lang="sk-SK" dirty="0"/>
-              <a:t> </a:t>
-            </a:r>
-            <a:r>
-              <a:rPr lang="sk-SK" dirty="0" err="1"/>
-              <a:t>some</a:t>
-            </a:r>
-            <a:r>
-              <a:rPr lang="sk-SK" dirty="0"/>
-              <a:t> </a:t>
-            </a:r>
-            <a:r>
-              <a:rPr lang="sk-SK" dirty="0" err="1"/>
-              <a:t>future</a:t>
-            </a:r>
-            <a:r>
-              <a:rPr lang="sk-SK" dirty="0"/>
-              <a:t> </a:t>
-            </a:r>
-            <a:r>
-              <a:rPr lang="sk-SK" dirty="0" err="1"/>
-              <a:t>tick</a:t>
-            </a:r>
-            <a:r>
-              <a:rPr lang="sk-SK" dirty="0"/>
-              <a:t> </a:t>
-            </a:r>
-            <a:r>
-              <a:rPr lang="sk-SK" dirty="0" err="1"/>
-              <a:t>will</a:t>
-            </a:r>
-            <a:r>
-              <a:rPr lang="sk-SK" dirty="0"/>
-              <a:t> </a:t>
-            </a:r>
-            <a:r>
-              <a:rPr lang="sk-SK" dirty="0" err="1"/>
-              <a:t>pick</a:t>
-            </a:r>
-            <a:r>
-              <a:rPr lang="sk-SK" dirty="0"/>
-              <a:t> </a:t>
-            </a:r>
-            <a:r>
-              <a:rPr lang="sk-SK" dirty="0" err="1"/>
-              <a:t>it</a:t>
-            </a:r>
-            <a:r>
-              <a:rPr lang="sk-SK" dirty="0"/>
-              <a:t> </a:t>
-            </a:r>
-            <a:r>
-              <a:rPr lang="sk-SK" dirty="0" err="1"/>
-              <a:t>up</a:t>
-            </a:r>
-            <a:r>
-              <a:rPr lang="sk-SK" dirty="0"/>
-              <a:t> and </a:t>
-            </a:r>
-            <a:r>
-              <a:rPr lang="sk-SK" dirty="0" err="1"/>
-              <a:t>execute</a:t>
-            </a:r>
-            <a:r>
-              <a:rPr lang="sk-SK" dirty="0"/>
-              <a:t> </a:t>
-            </a:r>
-            <a:r>
-              <a:rPr lang="sk-SK" dirty="0" err="1"/>
-              <a:t>it</a:t>
-            </a:r>
-            <a:r>
-              <a:rPr lang="sk-SK" dirty="0"/>
-              <a:t>.</a:t>
-            </a:r>
-          </a:p>
-          <a:p>
-            <a:endParaRPr lang="sk-SK" dirty="0"/>
-          </a:p>
-          <a:p>
-            <a:r>
-              <a:rPr lang="sk-SK" dirty="0">
-                <a:hlinkClick r:id="rId2"/>
-              </a:rPr>
-              <a:t>https://github.com/getify/You-Dont-Know-JS/blob/master/async%20%26%20performance/ch1.md</a:t>
-            </a:r>
-            <a:endParaRPr lang="sk-SK" dirty="0"/>
-          </a:p>
-          <a:p>
-            <a:endParaRPr lang="sk-SK" dirty="0"/>
-          </a:p>
-          <a:p>
-            <a:r>
-              <a:rPr lang="sk-SK" dirty="0"/>
-              <a:t>tak ako to je v </a:t>
-            </a:r>
-            <a:r>
-              <a:rPr lang="sk-SK" dirty="0" err="1"/>
-              <a:t>node</a:t>
-            </a:r>
-            <a:r>
-              <a:rPr lang="sk-SK" dirty="0"/>
-              <a:t> </a:t>
-            </a:r>
-            <a:r>
-              <a:rPr lang="sk-SK" dirty="0" err="1"/>
-              <a:t>su</a:t>
-            </a:r>
-            <a:r>
-              <a:rPr lang="sk-SK" dirty="0"/>
-              <a:t> </a:t>
-            </a:r>
-            <a:r>
-              <a:rPr lang="sk-SK" dirty="0" err="1"/>
-              <a:t>sucastou</a:t>
-            </a:r>
-            <a:r>
-              <a:rPr lang="sk-SK" dirty="0"/>
-              <a:t> </a:t>
-            </a:r>
-            <a:r>
-              <a:rPr lang="sk-SK" dirty="0" err="1"/>
-              <a:t>event</a:t>
-            </a:r>
-            <a:r>
-              <a:rPr lang="sk-SK" dirty="0"/>
-              <a:t> </a:t>
-            </a:r>
-            <a:r>
-              <a:rPr lang="sk-SK" dirty="0" err="1"/>
-              <a:t>loopu</a:t>
-            </a:r>
-            <a:r>
-              <a:rPr lang="sk-SK" dirty="0"/>
-              <a:t> IMHO....</a:t>
-            </a:r>
-          </a:p>
-          <a:p>
-            <a:endParaRPr lang="sk-SK" dirty="0"/>
-          </a:p>
-        </p:txBody>
-      </p:sp>
-    </p:spTree>
-    <p:extLst>
-      <p:ext uri="{BB962C8B-B14F-4D97-AF65-F5344CB8AC3E}">
-        <p14:creationId xmlns:p14="http://schemas.microsoft.com/office/powerpoint/2010/main" val="2523111371"/>
       </p:ext>
     </p:extLst>
   </p:cSld>
@@ -25372,7 +24396,7 @@
           <p:cNvPr id="2" name="Title 1">
             <a:extLst>
               <a:ext uri="{FF2B5EF4-FFF2-40B4-BE49-F238E27FC236}">
-                <a16:creationId xmlns:a16="http://schemas.microsoft.com/office/drawing/2014/main" id="{9048ED92-C6E6-D840-80A7-EDF91DA2E79F}"/>
+                <a16:creationId xmlns="" xmlns:a16="http://schemas.microsoft.com/office/drawing/2014/main" id="{1F352AD7-A1F3-A448-BC0D-9C5FF946AFBA}"/>
               </a:ext>
             </a:extLst>
           </p:cNvPr>
@@ -25389,60 +24413,40 @@
           <a:lstStyle/>
           <a:p>
             <a:r>
-              <a:rPr lang="sk-SK" dirty="0"/>
-              <a:t>ES6 </a:t>
-            </a:r>
-            <a:r>
-              <a:rPr lang="sk-SK" dirty="0" err="1"/>
-              <a:t>now</a:t>
-            </a:r>
-            <a:r>
-              <a:rPr lang="sk-SK" dirty="0"/>
-              <a:t> </a:t>
-            </a:r>
-            <a:r>
-              <a:rPr lang="sk-SK" dirty="0" err="1"/>
-              <a:t>specifies</a:t>
-            </a:r>
-            <a:r>
-              <a:rPr lang="sk-SK" dirty="0"/>
-              <a:t> </a:t>
-            </a:r>
-            <a:r>
-              <a:rPr lang="sk-SK" dirty="0" err="1"/>
-              <a:t>how</a:t>
-            </a:r>
-            <a:r>
-              <a:rPr lang="sk-SK" dirty="0"/>
-              <a:t> </a:t>
-            </a:r>
-            <a:r>
-              <a:rPr lang="sk-SK" dirty="0" err="1"/>
-              <a:t>the</a:t>
-            </a:r>
-            <a:r>
-              <a:rPr lang="sk-SK" dirty="0"/>
-              <a:t> </a:t>
-            </a:r>
-            <a:r>
-              <a:rPr lang="sk-SK" dirty="0" err="1"/>
-              <a:t>event</a:t>
-            </a:r>
-            <a:r>
-              <a:rPr lang="sk-SK" dirty="0"/>
-              <a:t> </a:t>
-            </a:r>
-            <a:r>
-              <a:rPr lang="sk-SK" dirty="0" err="1"/>
-              <a:t>loop</a:t>
-            </a:r>
-            <a:r>
-              <a:rPr lang="sk-SK" dirty="0"/>
-              <a:t> </a:t>
-            </a:r>
-            <a:r>
-              <a:rPr lang="sk-SK" dirty="0" err="1"/>
-              <a:t>works</a:t>
+              <a:rPr lang="sk-SK" dirty="0" err="1"/>
+              <a:t>setTimeout</a:t>
+            </a:r>
+            <a:r>
+              <a:rPr lang="sk-SK" dirty="0"/>
+              <a:t> </a:t>
+            </a:r>
+            <a:r>
+              <a:rPr lang="sk-SK" dirty="0" err="1"/>
+              <a:t>timers</a:t>
+            </a:r>
+            <a:r>
+              <a:rPr lang="sk-SK" dirty="0"/>
+              <a:t> in </a:t>
+            </a:r>
+            <a:r>
+              <a:rPr lang="sk-SK" dirty="0" err="1"/>
+              <a:t>browsers</a:t>
+            </a:r>
+            <a:r>
+              <a:rPr lang="sk-SK" dirty="0"/>
+              <a:t> </a:t>
+            </a:r>
+            <a:r>
+              <a:rPr lang="sk-SK" dirty="0" err="1"/>
+              <a:t>vs</a:t>
+            </a:r>
+            <a:r>
+              <a:rPr lang="sk-SK" dirty="0"/>
+              <a:t>. </a:t>
+            </a:r>
+            <a:r>
+              <a:rPr lang="sk-SK" dirty="0" err="1"/>
+              <a:t>node</a:t>
             </a:r>
             <a:endParaRPr lang="sk-SK" dirty="0"/>
           </a:p>
@@ -25453,7 +24457,7 @@
           <p:cNvPr id="3" name="Content Placeholder 2">
             <a:extLst>
               <a:ext uri="{FF2B5EF4-FFF2-40B4-BE49-F238E27FC236}">
-                <a16:creationId xmlns:a16="http://schemas.microsoft.com/office/drawing/2014/main" id="{1E023160-A9B5-9142-BC3F-ECEC8257C5D9}"/>
+                <a16:creationId xmlns="" xmlns:a16="http://schemas.microsoft.com/office/drawing/2014/main" id="{E86E246F-8699-8B40-BE34-8A4D36B070B6}"/>
               </a:ext>
             </a:extLst>
           </p:cNvPr>
@@ -25470,32 +24474,68 @@
           <a:lstStyle/>
           <a:p>
             <a:r>
-              <a:rPr lang="sk-SK" dirty="0"/>
-              <a:t>ES6 </a:t>
-            </a:r>
-            <a:r>
-              <a:rPr lang="sk-SK" dirty="0" err="1"/>
-              <a:t>now</a:t>
-            </a:r>
-            <a:r>
-              <a:rPr lang="sk-SK" dirty="0"/>
-              <a:t> </a:t>
-            </a:r>
-            <a:r>
-              <a:rPr lang="sk-SK" dirty="0" err="1"/>
-              <a:t>specifies</a:t>
-            </a:r>
-            <a:r>
-              <a:rPr lang="sk-SK" dirty="0"/>
-              <a:t> </a:t>
-            </a:r>
-            <a:r>
-              <a:rPr lang="sk-SK" dirty="0" err="1"/>
-              <a:t>how</a:t>
-            </a:r>
-            <a:r>
-              <a:rPr lang="sk-SK" dirty="0"/>
-              <a:t> </a:t>
+              <a:rPr lang="sk-SK" dirty="0" err="1"/>
+              <a:t>it's</a:t>
+            </a:r>
+            <a:r>
+              <a:rPr lang="sk-SK" dirty="0"/>
+              <a:t> </a:t>
+            </a:r>
+            <a:r>
+              <a:rPr lang="sk-SK" dirty="0" err="1"/>
+              <a:t>important</a:t>
+            </a:r>
+            <a:r>
+              <a:rPr lang="sk-SK" dirty="0"/>
+              <a:t> to note </a:t>
+            </a:r>
+            <a:r>
+              <a:rPr lang="sk-SK" dirty="0" err="1"/>
+              <a:t>that</a:t>
+            </a:r>
+            <a:r>
+              <a:rPr lang="sk-SK" dirty="0"/>
+              <a:t> </a:t>
+            </a:r>
+            <a:r>
+              <a:rPr lang="sk-SK" dirty="0" err="1"/>
+              <a:t>setTimeout</a:t>
+            </a:r>
+            <a:r>
+              <a:rPr lang="sk-SK" dirty="0"/>
+              <a:t>(..) </a:t>
+            </a:r>
+            <a:r>
+              <a:rPr lang="sk-SK" dirty="0" err="1"/>
+              <a:t>doesn't</a:t>
+            </a:r>
+            <a:r>
+              <a:rPr lang="sk-SK" dirty="0"/>
+              <a:t> </a:t>
+            </a:r>
+            <a:r>
+              <a:rPr lang="sk-SK" dirty="0" err="1"/>
+              <a:t>put</a:t>
+            </a:r>
+            <a:r>
+              <a:rPr lang="sk-SK" dirty="0"/>
+              <a:t> </a:t>
+            </a:r>
+            <a:r>
+              <a:rPr lang="sk-SK" dirty="0" err="1"/>
+              <a:t>your</a:t>
+            </a:r>
+            <a:r>
+              <a:rPr lang="sk-SK" dirty="0"/>
+              <a:t> </a:t>
+            </a:r>
+            <a:r>
+              <a:rPr lang="sk-SK" dirty="0" err="1"/>
+              <a:t>callback</a:t>
+            </a:r>
+            <a:r>
+              <a:rPr lang="sk-SK" dirty="0"/>
+              <a:t> on </a:t>
             </a:r>
             <a:r>
               <a:rPr lang="sk-SK" dirty="0" err="1"/>
@@ -25523,7 +24563,87 @@
             </a:r>
             <a:r>
               <a:rPr lang="sk-SK" dirty="0" err="1"/>
-              <a:t>works</a:t>
+              <a:t>queue</a:t>
+            </a:r>
+            <a:r>
+              <a:rPr lang="sk-SK" dirty="0"/>
+              <a:t>. </a:t>
+            </a:r>
+            <a:r>
+              <a:rPr lang="sk-SK" dirty="0" err="1"/>
+              <a:t>What</a:t>
+            </a:r>
+            <a:r>
+              <a:rPr lang="sk-SK" dirty="0"/>
+              <a:t> </a:t>
+            </a:r>
+            <a:r>
+              <a:rPr lang="sk-SK" dirty="0" err="1"/>
+              <a:t>it</a:t>
+            </a:r>
+            <a:r>
+              <a:rPr lang="sk-SK" dirty="0"/>
+              <a:t> </a:t>
+            </a:r>
+            <a:r>
+              <a:rPr lang="sk-SK" dirty="0" err="1"/>
+              <a:t>does</a:t>
+            </a:r>
+            <a:r>
+              <a:rPr lang="sk-SK" dirty="0"/>
+              <a:t> </a:t>
+            </a:r>
+            <a:r>
+              <a:rPr lang="sk-SK" dirty="0" err="1"/>
+              <a:t>is</a:t>
+            </a:r>
+            <a:r>
+              <a:rPr lang="sk-SK" dirty="0"/>
+              <a:t> set </a:t>
+            </a:r>
+            <a:r>
+              <a:rPr lang="sk-SK" dirty="0" err="1"/>
+              <a:t>up</a:t>
+            </a:r>
+            <a:r>
+              <a:rPr lang="sk-SK" dirty="0"/>
+              <a:t> a </a:t>
+            </a:r>
+            <a:r>
+              <a:rPr lang="sk-SK" dirty="0" err="1"/>
+              <a:t>timer</a:t>
+            </a:r>
+            <a:r>
+              <a:rPr lang="sk-SK" dirty="0"/>
+              <a:t>; </a:t>
+            </a:r>
+            <a:r>
+              <a:rPr lang="sk-SK" dirty="0" err="1"/>
+              <a:t>when</a:t>
+            </a:r>
+            <a:r>
+              <a:rPr lang="sk-SK" dirty="0"/>
+              <a:t> </a:t>
+            </a:r>
+            <a:r>
+              <a:rPr lang="sk-SK" dirty="0" err="1"/>
+              <a:t>the</a:t>
+            </a:r>
+            <a:r>
+              <a:rPr lang="sk-SK" dirty="0"/>
+              <a:t> </a:t>
+            </a:r>
+            <a:r>
+              <a:rPr lang="sk-SK" dirty="0" err="1"/>
+              <a:t>timer</a:t>
+            </a:r>
+            <a:r>
+              <a:rPr lang="sk-SK" dirty="0"/>
+              <a:t> </a:t>
+            </a:r>
+            <a:r>
+              <a:rPr lang="sk-SK" dirty="0" err="1"/>
+              <a:t>expires</a:t>
             </a:r>
             <a:r>
               <a:rPr lang="sk-SK" dirty="0"/>
@@ -25531,46 +24651,6 @@
             </a:r>
             <a:r>
               <a:rPr lang="sk-SK" dirty="0" err="1"/>
-              <a:t>which</a:t>
-            </a:r>
-            <a:r>
-              <a:rPr lang="sk-SK" dirty="0"/>
-              <a:t> </a:t>
-            </a:r>
-            <a:r>
-              <a:rPr lang="sk-SK" dirty="0" err="1"/>
-              <a:t>means</a:t>
-            </a:r>
-            <a:r>
-              <a:rPr lang="sk-SK" dirty="0"/>
-              <a:t> </a:t>
-            </a:r>
-            <a:r>
-              <a:rPr lang="sk-SK" dirty="0" err="1"/>
-              <a:t>technically</a:t>
-            </a:r>
-            <a:r>
-              <a:rPr lang="sk-SK" dirty="0"/>
-              <a:t> </a:t>
-            </a:r>
-            <a:r>
-              <a:rPr lang="sk-SK" dirty="0" err="1"/>
-              <a:t>it's</a:t>
-            </a:r>
-            <a:r>
-              <a:rPr lang="sk-SK" dirty="0"/>
-              <a:t> </a:t>
-            </a:r>
-            <a:r>
-              <a:rPr lang="sk-SK" dirty="0" err="1"/>
-              <a:t>within</a:t>
-            </a:r>
-            <a:r>
-              <a:rPr lang="sk-SK" dirty="0"/>
-              <a:t> </a:t>
-            </a:r>
-            <a:r>
-              <a:rPr lang="sk-SK" dirty="0" err="1"/>
               <a:t>the</a:t>
             </a:r>
             <a:r>
@@ -25579,11 +24659,43 @@
             </a:r>
             <a:r>
               <a:rPr lang="sk-SK" dirty="0" err="1"/>
-              <a:t>purview</a:t>
-            </a:r>
-            <a:r>
-              <a:rPr lang="sk-SK" dirty="0"/>
-              <a:t> of </a:t>
+              <a:t>environment</a:t>
+            </a:r>
+            <a:r>
+              <a:rPr lang="sk-SK" dirty="0"/>
+              <a:t> </a:t>
+            </a:r>
+            <a:r>
+              <a:rPr lang="sk-SK" dirty="0" err="1"/>
+              <a:t>places</a:t>
+            </a:r>
+            <a:r>
+              <a:rPr lang="sk-SK" dirty="0"/>
+              <a:t> </a:t>
+            </a:r>
+            <a:r>
+              <a:rPr lang="sk-SK" dirty="0" err="1"/>
+              <a:t>your</a:t>
+            </a:r>
+            <a:r>
+              <a:rPr lang="sk-SK" dirty="0"/>
+              <a:t> </a:t>
+            </a:r>
+            <a:r>
+              <a:rPr lang="sk-SK" dirty="0" err="1"/>
+              <a:t>callback</a:t>
+            </a:r>
+            <a:r>
+              <a:rPr lang="sk-SK" dirty="0"/>
+              <a:t> </a:t>
+            </a:r>
+            <a:r>
+              <a:rPr lang="sk-SK" dirty="0" err="1"/>
+              <a:t>into</a:t>
+            </a:r>
+            <a:r>
+              <a:rPr lang="sk-SK" dirty="0"/>
+              <a:t> </a:t>
             </a:r>
             <a:r>
               <a:rPr lang="sk-SK" dirty="0" err="1"/>
@@ -25591,11 +24703,19 @@
             </a:r>
             <a:r>
               <a:rPr lang="sk-SK" dirty="0"/>
-              <a:t> JS </a:t>
-            </a:r>
-            <a:r>
-              <a:rPr lang="sk-SK" dirty="0" err="1"/>
-              <a:t>engine</a:t>
+              <a:t> </a:t>
+            </a:r>
+            <a:r>
+              <a:rPr lang="sk-SK" dirty="0" err="1"/>
+              <a:t>event</a:t>
+            </a:r>
+            <a:r>
+              <a:rPr lang="sk-SK" dirty="0"/>
+              <a:t> </a:t>
+            </a:r>
+            <a:r>
+              <a:rPr lang="sk-SK" dirty="0" err="1"/>
+              <a:t>loop</a:t>
             </a:r>
             <a:r>
               <a:rPr lang="sk-SK" dirty="0"/>
@@ -25603,239 +24723,132 @@
             </a:r>
             <a:r>
               <a:rPr lang="sk-SK" dirty="0" err="1"/>
-              <a:t>rather</a:t>
-            </a:r>
-            <a:r>
-              <a:rPr lang="sk-SK" dirty="0"/>
-              <a:t> </a:t>
-            </a:r>
-            <a:r>
-              <a:rPr lang="sk-SK" dirty="0" err="1"/>
-              <a:t>than</a:t>
-            </a:r>
-            <a:r>
-              <a:rPr lang="sk-SK" dirty="0"/>
-              <a:t> just </a:t>
-            </a:r>
-            <a:r>
-              <a:rPr lang="sk-SK" dirty="0" err="1"/>
-              <a:t>the</a:t>
-            </a:r>
-            <a:r>
-              <a:rPr lang="sk-SK" dirty="0"/>
-              <a:t> </a:t>
-            </a:r>
-            <a:r>
-              <a:rPr lang="sk-SK" i="1" dirty="0" err="1"/>
-              <a:t>hosting</a:t>
-            </a:r>
-            <a:r>
-              <a:rPr lang="sk-SK" i="1" dirty="0"/>
-              <a:t> </a:t>
-            </a:r>
-            <a:r>
-              <a:rPr lang="sk-SK" i="1" dirty="0" err="1"/>
-              <a:t>environment</a:t>
-            </a:r>
-            <a:r>
-              <a:rPr lang="sk-SK" dirty="0"/>
-              <a:t>. </a:t>
-            </a:r>
-            <a:r>
-              <a:rPr lang="sk-SK" dirty="0" err="1"/>
-              <a:t>One</a:t>
-            </a:r>
-            <a:r>
-              <a:rPr lang="sk-SK" dirty="0"/>
-              <a:t> </a:t>
-            </a:r>
-            <a:r>
-              <a:rPr lang="sk-SK" dirty="0" err="1"/>
-              <a:t>main</a:t>
-            </a:r>
-            <a:r>
-              <a:rPr lang="sk-SK" dirty="0"/>
-              <a:t> </a:t>
-            </a:r>
-            <a:r>
-              <a:rPr lang="sk-SK" dirty="0" err="1"/>
-              <a:t>reason</a:t>
-            </a:r>
-            <a:r>
-              <a:rPr lang="sk-SK" dirty="0"/>
-              <a:t> </a:t>
-            </a:r>
-            <a:r>
-              <a:rPr lang="sk-SK" dirty="0" err="1"/>
-              <a:t>for</a:t>
-            </a:r>
-            <a:r>
-              <a:rPr lang="sk-SK" dirty="0"/>
-              <a:t> </a:t>
-            </a:r>
-            <a:r>
-              <a:rPr lang="sk-SK" dirty="0" err="1"/>
-              <a:t>this</a:t>
-            </a:r>
-            <a:r>
-              <a:rPr lang="sk-SK" dirty="0"/>
-              <a:t> change </a:t>
-            </a:r>
-            <a:r>
-              <a:rPr lang="sk-SK" dirty="0" err="1"/>
-              <a:t>is</a:t>
-            </a:r>
-            <a:r>
-              <a:rPr lang="sk-SK" dirty="0"/>
-              <a:t> </a:t>
-            </a:r>
-            <a:r>
-              <a:rPr lang="sk-SK" dirty="0" err="1"/>
-              <a:t>the</a:t>
-            </a:r>
-            <a:r>
-              <a:rPr lang="sk-SK" dirty="0"/>
-              <a:t> </a:t>
-            </a:r>
-            <a:r>
-              <a:rPr lang="sk-SK" dirty="0" err="1"/>
-              <a:t>introduction</a:t>
-            </a:r>
-            <a:r>
-              <a:rPr lang="sk-SK" dirty="0"/>
-              <a:t> of ES6 </a:t>
-            </a:r>
-            <a:r>
-              <a:rPr lang="sk-SK" dirty="0" err="1"/>
-              <a:t>Promises</a:t>
-            </a:r>
-            <a:r>
-              <a:rPr lang="sk-SK" dirty="0"/>
-              <a:t>, </a:t>
-            </a:r>
-            <a:r>
-              <a:rPr lang="sk-SK" dirty="0" err="1"/>
-              <a:t>which</a:t>
-            </a:r>
-            <a:r>
-              <a:rPr lang="sk-SK" dirty="0"/>
-              <a:t> </a:t>
-            </a:r>
-            <a:r>
-              <a:rPr lang="sk-SK" dirty="0" err="1"/>
-              <a:t>we'll</a:t>
-            </a:r>
-            <a:r>
-              <a:rPr lang="sk-SK" dirty="0"/>
-              <a:t> </a:t>
-            </a:r>
-            <a:r>
-              <a:rPr lang="sk-SK" dirty="0" err="1"/>
-              <a:t>discuss</a:t>
-            </a:r>
-            <a:r>
-              <a:rPr lang="sk-SK" dirty="0"/>
-              <a:t> in </a:t>
-            </a:r>
-            <a:r>
-              <a:rPr lang="sk-SK" dirty="0" err="1"/>
-              <a:t>Chapter</a:t>
-            </a:r>
-            <a:r>
-              <a:rPr lang="sk-SK" dirty="0"/>
-              <a:t> 3, </a:t>
-            </a:r>
-            <a:r>
-              <a:rPr lang="sk-SK" dirty="0" err="1"/>
-              <a:t>because</a:t>
-            </a:r>
-            <a:r>
-              <a:rPr lang="sk-SK" dirty="0"/>
-              <a:t> </a:t>
-            </a:r>
-            <a:r>
-              <a:rPr lang="sk-SK" dirty="0" err="1"/>
-              <a:t>they</a:t>
-            </a:r>
-            <a:r>
-              <a:rPr lang="sk-SK" dirty="0"/>
-              <a:t> </a:t>
-            </a:r>
-            <a:r>
-              <a:rPr lang="sk-SK" dirty="0" err="1"/>
-              <a:t>require</a:t>
-            </a:r>
-            <a:r>
-              <a:rPr lang="sk-SK" dirty="0"/>
-              <a:t> </a:t>
-            </a:r>
-            <a:r>
-              <a:rPr lang="sk-SK" dirty="0" err="1"/>
-              <a:t>the</a:t>
-            </a:r>
-            <a:r>
-              <a:rPr lang="sk-SK" dirty="0"/>
-              <a:t> </a:t>
-            </a:r>
-            <a:r>
-              <a:rPr lang="sk-SK" dirty="0" err="1"/>
-              <a:t>ability</a:t>
-            </a:r>
-            <a:r>
-              <a:rPr lang="sk-SK" dirty="0"/>
-              <a:t> to </a:t>
-            </a:r>
-            <a:r>
-              <a:rPr lang="sk-SK" dirty="0" err="1"/>
-              <a:t>have</a:t>
-            </a:r>
-            <a:r>
-              <a:rPr lang="sk-SK" dirty="0"/>
-              <a:t> </a:t>
-            </a:r>
-            <a:r>
-              <a:rPr lang="sk-SK" dirty="0" err="1"/>
-              <a:t>direct</a:t>
-            </a:r>
-            <a:r>
-              <a:rPr lang="sk-SK" dirty="0"/>
-              <a:t>, </a:t>
-            </a:r>
-            <a:r>
-              <a:rPr lang="sk-SK" dirty="0" err="1"/>
-              <a:t>fine-grained</a:t>
-            </a:r>
-            <a:r>
-              <a:rPr lang="sk-SK" dirty="0"/>
-              <a:t> </a:t>
-            </a:r>
-            <a:r>
-              <a:rPr lang="sk-SK" dirty="0" err="1"/>
-              <a:t>control</a:t>
-            </a:r>
-            <a:r>
-              <a:rPr lang="sk-SK" dirty="0"/>
-              <a:t> over </a:t>
-            </a:r>
-            <a:r>
-              <a:rPr lang="sk-SK" dirty="0" err="1"/>
-              <a:t>scheduling</a:t>
-            </a:r>
-            <a:r>
-              <a:rPr lang="sk-SK" dirty="0"/>
-              <a:t> </a:t>
-            </a:r>
-            <a:r>
-              <a:rPr lang="sk-SK" dirty="0" err="1"/>
-              <a:t>operations</a:t>
-            </a:r>
-            <a:r>
-              <a:rPr lang="sk-SK" dirty="0"/>
-              <a:t> on </a:t>
-            </a:r>
-            <a:r>
-              <a:rPr lang="sk-SK" dirty="0" err="1"/>
-              <a:t>the</a:t>
+              <a:t>such</a:t>
+            </a:r>
+            <a:r>
+              <a:rPr lang="sk-SK" dirty="0"/>
+              <a:t> </a:t>
+            </a:r>
+            <a:r>
+              <a:rPr lang="sk-SK" dirty="0" err="1"/>
+              <a:t>that</a:t>
+            </a:r>
+            <a:r>
+              <a:rPr lang="sk-SK" dirty="0"/>
+              <a:t> </a:t>
+            </a:r>
+            <a:r>
+              <a:rPr lang="sk-SK" dirty="0" err="1"/>
+              <a:t>some</a:t>
+            </a:r>
+            <a:r>
+              <a:rPr lang="sk-SK" dirty="0"/>
+              <a:t> </a:t>
+            </a:r>
+            <a:r>
+              <a:rPr lang="sk-SK" dirty="0" err="1"/>
+              <a:t>future</a:t>
+            </a:r>
+            <a:r>
+              <a:rPr lang="sk-SK" dirty="0"/>
+              <a:t> </a:t>
+            </a:r>
+            <a:r>
+              <a:rPr lang="sk-SK" dirty="0" err="1"/>
+              <a:t>tick</a:t>
+            </a:r>
+            <a:r>
+              <a:rPr lang="sk-SK" dirty="0"/>
+              <a:t> </a:t>
+            </a:r>
+            <a:r>
+              <a:rPr lang="sk-SK" dirty="0" err="1"/>
+              <a:t>will</a:t>
+            </a:r>
+            <a:r>
+              <a:rPr lang="sk-SK" dirty="0"/>
+              <a:t> </a:t>
+            </a:r>
+            <a:r>
+              <a:rPr lang="sk-SK" dirty="0" err="1"/>
+              <a:t>pick</a:t>
+            </a:r>
+            <a:r>
+              <a:rPr lang="sk-SK" dirty="0"/>
+              <a:t> </a:t>
+            </a:r>
+            <a:r>
+              <a:rPr lang="sk-SK" dirty="0" err="1"/>
+              <a:t>it</a:t>
+            </a:r>
+            <a:r>
+              <a:rPr lang="sk-SK" dirty="0"/>
+              <a:t> </a:t>
+            </a:r>
+            <a:r>
+              <a:rPr lang="sk-SK" dirty="0" err="1"/>
+              <a:t>up</a:t>
+            </a:r>
+            <a:r>
+              <a:rPr lang="sk-SK" dirty="0"/>
+              <a:t> and </a:t>
+            </a:r>
+            <a:r>
+              <a:rPr lang="sk-SK" dirty="0" err="1"/>
+              <a:t>execute</a:t>
+            </a:r>
+            <a:r>
+              <a:rPr lang="sk-SK" dirty="0"/>
+              <a:t> </a:t>
+            </a:r>
+            <a:r>
+              <a:rPr lang="sk-SK" dirty="0" err="1"/>
+              <a:t>it</a:t>
+            </a:r>
+            <a:r>
+              <a:rPr lang="sk-SK" dirty="0"/>
+              <a:t>.</a:t>
+            </a:r>
+          </a:p>
+          <a:p>
+            <a:endParaRPr lang="sk-SK" dirty="0"/>
+          </a:p>
+          <a:p>
+            <a:r>
+              <a:rPr lang="sk-SK" dirty="0">
+                <a:hlinkClick r:id="rId2"/>
+              </a:rPr>
+              <a:t>https://github.com/getify/You-Dont-Know-JS/blob/master/async%20%26%20performance/ch1.md</a:t>
+            </a:r>
+            <a:endParaRPr lang="sk-SK" dirty="0"/>
+          </a:p>
+          <a:p>
+            <a:endParaRPr lang="sk-SK" dirty="0"/>
+          </a:p>
+          <a:p>
+            <a:r>
+              <a:rPr lang="sk-SK" dirty="0"/>
+              <a:t>tak ako to je v </a:t>
+            </a:r>
+            <a:r>
+              <a:rPr lang="sk-SK" dirty="0" err="1"/>
+              <a:t>node</a:t>
+            </a:r>
+            <a:r>
+              <a:rPr lang="sk-SK" dirty="0"/>
+              <a:t> </a:t>
+            </a:r>
+            <a:r>
+              <a:rPr lang="sk-SK" dirty="0" err="1"/>
+              <a:t>su</a:t>
+            </a:r>
+            <a:r>
+              <a:rPr lang="sk-SK" dirty="0"/>
+              <a:t> </a:t>
+            </a:r>
+            <a:r>
+              <a:rPr lang="sk-SK" dirty="0" err="1"/>
+              <a:t>sucastou</a:t>
             </a:r>
             <a:r>
               <a:rPr lang="sk-SK" dirty="0"/>
@@ -25851,83 +24864,22 @@
             </a:r>
             <a:r>
               <a:rPr lang="sk-SK" dirty="0" err="1"/>
-              <a:t>loop</a:t>
-            </a:r>
-            <a:r>
-              <a:rPr lang="sk-SK" dirty="0"/>
-              <a:t> </a:t>
-            </a:r>
-            <a:r>
-              <a:rPr lang="sk-SK" dirty="0" err="1"/>
-              <a:t>queue</a:t>
-            </a:r>
-            <a:r>
-              <a:rPr lang="sk-SK" dirty="0"/>
-              <a:t> (</a:t>
-            </a:r>
-            <a:r>
-              <a:rPr lang="sk-SK" dirty="0" err="1"/>
-              <a:t>see</a:t>
-            </a:r>
-            <a:r>
-              <a:rPr lang="sk-SK" dirty="0"/>
-              <a:t> </a:t>
-            </a:r>
-            <a:r>
-              <a:rPr lang="sk-SK" dirty="0" err="1"/>
-              <a:t>the</a:t>
-            </a:r>
-            <a:r>
-              <a:rPr lang="sk-SK" dirty="0"/>
-              <a:t> </a:t>
-            </a:r>
-            <a:r>
-              <a:rPr lang="sk-SK" dirty="0" err="1"/>
-              <a:t>discussion</a:t>
-            </a:r>
-            <a:r>
-              <a:rPr lang="sk-SK" dirty="0"/>
-              <a:t> of </a:t>
-            </a:r>
-            <a:r>
-              <a:rPr lang="sk-SK" dirty="0" err="1"/>
-              <a:t>setTimeout</a:t>
-            </a:r>
-            <a:r>
-              <a:rPr lang="sk-SK" dirty="0"/>
-              <a:t>(..0) in </a:t>
-            </a:r>
-            <a:r>
-              <a:rPr lang="sk-SK" dirty="0" err="1"/>
-              <a:t>the</a:t>
-            </a:r>
-            <a:r>
-              <a:rPr lang="sk-SK" dirty="0"/>
-              <a:t> "</a:t>
-            </a:r>
-            <a:r>
-              <a:rPr lang="sk-SK" dirty="0" err="1"/>
-              <a:t>Cooperation</a:t>
-            </a:r>
-            <a:r>
-              <a:rPr lang="sk-SK" dirty="0"/>
-              <a:t>" </a:t>
-            </a:r>
-            <a:r>
-              <a:rPr lang="sk-SK" dirty="0" err="1"/>
-              <a:t>section</a:t>
-            </a:r>
-            <a:r>
-              <a:rPr lang="sk-SK" dirty="0"/>
-              <a:t>).</a:t>
-            </a:r>
+              <a:t>loopu</a:t>
+            </a:r>
+            <a:r>
+              <a:rPr lang="sk-SK" dirty="0"/>
+              <a:t> IMHO....</a:t>
+            </a:r>
+          </a:p>
+          <a:p>
+            <a:endParaRPr lang="sk-SK" dirty="0"/>
           </a:p>
         </p:txBody>
       </p:sp>
     </p:spTree>
     <p:extLst>
       <p:ext uri="{BB962C8B-B14F-4D97-AF65-F5344CB8AC3E}">
-        <p14:creationId xmlns:p14="http://schemas.microsoft.com/office/powerpoint/2010/main" val="1895474527"/>
+        <p14:creationId xmlns:p14="http://schemas.microsoft.com/office/powerpoint/2010/main" val="2523111371"/>
       </p:ext>
     </p:extLst>
   </p:cSld>
@@ -25959,7 +24911,7 @@
           <p:cNvPr id="2" name="Title 1">
             <a:extLst>
               <a:ext uri="{FF2B5EF4-FFF2-40B4-BE49-F238E27FC236}">
-                <a16:creationId xmlns:a16="http://schemas.microsoft.com/office/drawing/2014/main" id="{F78F9982-8FCC-0C47-BF4D-E321FCF8BCFD}"/>
+                <a16:creationId xmlns="" xmlns:a16="http://schemas.microsoft.com/office/drawing/2014/main" id="{9048ED92-C6E6-D840-80A7-EDF91DA2E79F}"/>
               </a:ext>
             </a:extLst>
           </p:cNvPr>
@@ -25976,6 +24928,1272 @@
           <a:lstStyle/>
           <a:p>
             <a:r>
+              <a:rPr lang="sk-SK" dirty="0"/>
+              <a:t>ES6 </a:t>
+            </a:r>
+            <a:r>
+              <a:rPr lang="sk-SK" dirty="0" err="1"/>
+              <a:t>now</a:t>
+            </a:r>
+            <a:r>
+              <a:rPr lang="sk-SK" dirty="0"/>
+              <a:t> </a:t>
+            </a:r>
+            <a:r>
+              <a:rPr lang="sk-SK" dirty="0" err="1"/>
+              <a:t>specifies</a:t>
+            </a:r>
+            <a:r>
+              <a:rPr lang="sk-SK" dirty="0"/>
+              <a:t> </a:t>
+            </a:r>
+            <a:r>
+              <a:rPr lang="sk-SK" dirty="0" err="1"/>
+              <a:t>how</a:t>
+            </a:r>
+            <a:r>
+              <a:rPr lang="sk-SK" dirty="0"/>
+              <a:t> </a:t>
+            </a:r>
+            <a:r>
+              <a:rPr lang="sk-SK" dirty="0" err="1"/>
+              <a:t>the</a:t>
+            </a:r>
+            <a:r>
+              <a:rPr lang="sk-SK" dirty="0"/>
+              <a:t> </a:t>
+            </a:r>
+            <a:r>
+              <a:rPr lang="sk-SK" dirty="0" err="1"/>
+              <a:t>event</a:t>
+            </a:r>
+            <a:r>
+              <a:rPr lang="sk-SK" dirty="0"/>
+              <a:t> </a:t>
+            </a:r>
+            <a:r>
+              <a:rPr lang="sk-SK" dirty="0" err="1"/>
+              <a:t>loop</a:t>
+            </a:r>
+            <a:r>
+              <a:rPr lang="sk-SK" dirty="0"/>
+              <a:t> </a:t>
+            </a:r>
+            <a:r>
+              <a:rPr lang="sk-SK" dirty="0" err="1"/>
+              <a:t>works</a:t>
+            </a:r>
+            <a:endParaRPr lang="sk-SK" dirty="0"/>
+          </a:p>
+        </p:txBody>
+      </p:sp>
+      <p:sp>
+        <p:nvSpPr>
+          <p:cNvPr id="3" name="Content Placeholder 2">
+            <a:extLst>
+              <a:ext uri="{FF2B5EF4-FFF2-40B4-BE49-F238E27FC236}">
+                <a16:creationId xmlns="" xmlns:a16="http://schemas.microsoft.com/office/drawing/2014/main" id="{1E023160-A9B5-9142-BC3F-ECEC8257C5D9}"/>
+              </a:ext>
+            </a:extLst>
+          </p:cNvPr>
+          <p:cNvSpPr>
+            <a:spLocks noGrp="1"/>
+          </p:cNvSpPr>
+          <p:nvPr>
+            <p:ph idx="1"/>
+          </p:nvPr>
+        </p:nvSpPr>
+        <p:spPr/>
+        <p:txBody>
+          <a:bodyPr/>
+          <a:lstStyle/>
+          <a:p>
+            <a:r>
+              <a:rPr lang="sk-SK" dirty="0"/>
+              <a:t>ES6 </a:t>
+            </a:r>
+            <a:r>
+              <a:rPr lang="sk-SK" dirty="0" err="1"/>
+              <a:t>now</a:t>
+            </a:r>
+            <a:r>
+              <a:rPr lang="sk-SK" dirty="0"/>
+              <a:t> </a:t>
+            </a:r>
+            <a:r>
+              <a:rPr lang="sk-SK" dirty="0" err="1"/>
+              <a:t>specifies</a:t>
+            </a:r>
+            <a:r>
+              <a:rPr lang="sk-SK" dirty="0"/>
+              <a:t> </a:t>
+            </a:r>
+            <a:r>
+              <a:rPr lang="sk-SK" dirty="0" err="1"/>
+              <a:t>how</a:t>
+            </a:r>
+            <a:r>
+              <a:rPr lang="sk-SK" dirty="0"/>
+              <a:t> </a:t>
+            </a:r>
+            <a:r>
+              <a:rPr lang="sk-SK" dirty="0" err="1"/>
+              <a:t>the</a:t>
+            </a:r>
+            <a:r>
+              <a:rPr lang="sk-SK" dirty="0"/>
+              <a:t> </a:t>
+            </a:r>
+            <a:r>
+              <a:rPr lang="sk-SK" dirty="0" err="1"/>
+              <a:t>event</a:t>
+            </a:r>
+            <a:r>
+              <a:rPr lang="sk-SK" dirty="0"/>
+              <a:t> </a:t>
+            </a:r>
+            <a:r>
+              <a:rPr lang="sk-SK" dirty="0" err="1"/>
+              <a:t>loop</a:t>
+            </a:r>
+            <a:r>
+              <a:rPr lang="sk-SK" dirty="0"/>
+              <a:t> </a:t>
+            </a:r>
+            <a:r>
+              <a:rPr lang="sk-SK" dirty="0" err="1"/>
+              <a:t>works</a:t>
+            </a:r>
+            <a:r>
+              <a:rPr lang="sk-SK" dirty="0"/>
+              <a:t>, </a:t>
+            </a:r>
+            <a:r>
+              <a:rPr lang="sk-SK" dirty="0" err="1"/>
+              <a:t>which</a:t>
+            </a:r>
+            <a:r>
+              <a:rPr lang="sk-SK" dirty="0"/>
+              <a:t> </a:t>
+            </a:r>
+            <a:r>
+              <a:rPr lang="sk-SK" dirty="0" err="1"/>
+              <a:t>means</a:t>
+            </a:r>
+            <a:r>
+              <a:rPr lang="sk-SK" dirty="0"/>
+              <a:t> </a:t>
+            </a:r>
+            <a:r>
+              <a:rPr lang="sk-SK" dirty="0" err="1"/>
+              <a:t>technically</a:t>
+            </a:r>
+            <a:r>
+              <a:rPr lang="sk-SK" dirty="0"/>
+              <a:t> </a:t>
+            </a:r>
+            <a:r>
+              <a:rPr lang="sk-SK" dirty="0" err="1"/>
+              <a:t>it's</a:t>
+            </a:r>
+            <a:r>
+              <a:rPr lang="sk-SK" dirty="0"/>
+              <a:t> </a:t>
+            </a:r>
+            <a:r>
+              <a:rPr lang="sk-SK" dirty="0" err="1"/>
+              <a:t>within</a:t>
+            </a:r>
+            <a:r>
+              <a:rPr lang="sk-SK" dirty="0"/>
+              <a:t> </a:t>
+            </a:r>
+            <a:r>
+              <a:rPr lang="sk-SK" dirty="0" err="1"/>
+              <a:t>the</a:t>
+            </a:r>
+            <a:r>
+              <a:rPr lang="sk-SK" dirty="0"/>
+              <a:t> </a:t>
+            </a:r>
+            <a:r>
+              <a:rPr lang="sk-SK" dirty="0" err="1"/>
+              <a:t>purview</a:t>
+            </a:r>
+            <a:r>
+              <a:rPr lang="sk-SK" dirty="0"/>
+              <a:t> of </a:t>
+            </a:r>
+            <a:r>
+              <a:rPr lang="sk-SK" dirty="0" err="1"/>
+              <a:t>the</a:t>
+            </a:r>
+            <a:r>
+              <a:rPr lang="sk-SK" dirty="0"/>
+              <a:t> JS </a:t>
+            </a:r>
+            <a:r>
+              <a:rPr lang="sk-SK" dirty="0" err="1"/>
+              <a:t>engine</a:t>
+            </a:r>
+            <a:r>
+              <a:rPr lang="sk-SK" dirty="0"/>
+              <a:t>, </a:t>
+            </a:r>
+            <a:r>
+              <a:rPr lang="sk-SK" dirty="0" err="1"/>
+              <a:t>rather</a:t>
+            </a:r>
+            <a:r>
+              <a:rPr lang="sk-SK" dirty="0"/>
+              <a:t> </a:t>
+            </a:r>
+            <a:r>
+              <a:rPr lang="sk-SK" dirty="0" err="1"/>
+              <a:t>than</a:t>
+            </a:r>
+            <a:r>
+              <a:rPr lang="sk-SK" dirty="0"/>
+              <a:t> just </a:t>
+            </a:r>
+            <a:r>
+              <a:rPr lang="sk-SK" dirty="0" err="1"/>
+              <a:t>the</a:t>
+            </a:r>
+            <a:r>
+              <a:rPr lang="sk-SK" dirty="0"/>
+              <a:t> </a:t>
+            </a:r>
+            <a:r>
+              <a:rPr lang="sk-SK" i="1" dirty="0" err="1"/>
+              <a:t>hosting</a:t>
+            </a:r>
+            <a:r>
+              <a:rPr lang="sk-SK" i="1" dirty="0"/>
+              <a:t> </a:t>
+            </a:r>
+            <a:r>
+              <a:rPr lang="sk-SK" i="1" dirty="0" err="1"/>
+              <a:t>environment</a:t>
+            </a:r>
+            <a:r>
+              <a:rPr lang="sk-SK" dirty="0"/>
+              <a:t>. </a:t>
+            </a:r>
+            <a:r>
+              <a:rPr lang="sk-SK" dirty="0" err="1"/>
+              <a:t>One</a:t>
+            </a:r>
+            <a:r>
+              <a:rPr lang="sk-SK" dirty="0"/>
+              <a:t> </a:t>
+            </a:r>
+            <a:r>
+              <a:rPr lang="sk-SK" dirty="0" err="1"/>
+              <a:t>main</a:t>
+            </a:r>
+            <a:r>
+              <a:rPr lang="sk-SK" dirty="0"/>
+              <a:t> </a:t>
+            </a:r>
+            <a:r>
+              <a:rPr lang="sk-SK" dirty="0" err="1"/>
+              <a:t>reason</a:t>
+            </a:r>
+            <a:r>
+              <a:rPr lang="sk-SK" dirty="0"/>
+              <a:t> </a:t>
+            </a:r>
+            <a:r>
+              <a:rPr lang="sk-SK" dirty="0" err="1"/>
+              <a:t>for</a:t>
+            </a:r>
+            <a:r>
+              <a:rPr lang="sk-SK" dirty="0"/>
+              <a:t> </a:t>
+            </a:r>
+            <a:r>
+              <a:rPr lang="sk-SK" dirty="0" err="1"/>
+              <a:t>this</a:t>
+            </a:r>
+            <a:r>
+              <a:rPr lang="sk-SK" dirty="0"/>
+              <a:t> change </a:t>
+            </a:r>
+            <a:r>
+              <a:rPr lang="sk-SK" dirty="0" err="1"/>
+              <a:t>is</a:t>
+            </a:r>
+            <a:r>
+              <a:rPr lang="sk-SK" dirty="0"/>
+              <a:t> </a:t>
+            </a:r>
+            <a:r>
+              <a:rPr lang="sk-SK" dirty="0" err="1"/>
+              <a:t>the</a:t>
+            </a:r>
+            <a:r>
+              <a:rPr lang="sk-SK" dirty="0"/>
+              <a:t> </a:t>
+            </a:r>
+            <a:r>
+              <a:rPr lang="sk-SK" dirty="0" err="1"/>
+              <a:t>introduction</a:t>
+            </a:r>
+            <a:r>
+              <a:rPr lang="sk-SK" dirty="0"/>
+              <a:t> of ES6 </a:t>
+            </a:r>
+            <a:r>
+              <a:rPr lang="sk-SK" dirty="0" err="1"/>
+              <a:t>Promises</a:t>
+            </a:r>
+            <a:r>
+              <a:rPr lang="sk-SK" dirty="0"/>
+              <a:t>, </a:t>
+            </a:r>
+            <a:r>
+              <a:rPr lang="sk-SK" dirty="0" err="1"/>
+              <a:t>which</a:t>
+            </a:r>
+            <a:r>
+              <a:rPr lang="sk-SK" dirty="0"/>
+              <a:t> </a:t>
+            </a:r>
+            <a:r>
+              <a:rPr lang="sk-SK" dirty="0" err="1"/>
+              <a:t>we'll</a:t>
+            </a:r>
+            <a:r>
+              <a:rPr lang="sk-SK" dirty="0"/>
+              <a:t> </a:t>
+            </a:r>
+            <a:r>
+              <a:rPr lang="sk-SK" dirty="0" err="1"/>
+              <a:t>discuss</a:t>
+            </a:r>
+            <a:r>
+              <a:rPr lang="sk-SK" dirty="0"/>
+              <a:t> in </a:t>
+            </a:r>
+            <a:r>
+              <a:rPr lang="sk-SK" dirty="0" err="1"/>
+              <a:t>Chapter</a:t>
+            </a:r>
+            <a:r>
+              <a:rPr lang="sk-SK" dirty="0"/>
+              <a:t> 3, </a:t>
+            </a:r>
+            <a:r>
+              <a:rPr lang="sk-SK" dirty="0" err="1"/>
+              <a:t>because</a:t>
+            </a:r>
+            <a:r>
+              <a:rPr lang="sk-SK" dirty="0"/>
+              <a:t> </a:t>
+            </a:r>
+            <a:r>
+              <a:rPr lang="sk-SK" dirty="0" err="1"/>
+              <a:t>they</a:t>
+            </a:r>
+            <a:r>
+              <a:rPr lang="sk-SK" dirty="0"/>
+              <a:t> </a:t>
+            </a:r>
+            <a:r>
+              <a:rPr lang="sk-SK" dirty="0" err="1"/>
+              <a:t>require</a:t>
+            </a:r>
+            <a:r>
+              <a:rPr lang="sk-SK" dirty="0"/>
+              <a:t> </a:t>
+            </a:r>
+            <a:r>
+              <a:rPr lang="sk-SK" dirty="0" err="1"/>
+              <a:t>the</a:t>
+            </a:r>
+            <a:r>
+              <a:rPr lang="sk-SK" dirty="0"/>
+              <a:t> </a:t>
+            </a:r>
+            <a:r>
+              <a:rPr lang="sk-SK" dirty="0" err="1"/>
+              <a:t>ability</a:t>
+            </a:r>
+            <a:r>
+              <a:rPr lang="sk-SK" dirty="0"/>
+              <a:t> to </a:t>
+            </a:r>
+            <a:r>
+              <a:rPr lang="sk-SK" dirty="0" err="1"/>
+              <a:t>have</a:t>
+            </a:r>
+            <a:r>
+              <a:rPr lang="sk-SK" dirty="0"/>
+              <a:t> </a:t>
+            </a:r>
+            <a:r>
+              <a:rPr lang="sk-SK" dirty="0" err="1"/>
+              <a:t>direct</a:t>
+            </a:r>
+            <a:r>
+              <a:rPr lang="sk-SK" dirty="0"/>
+              <a:t>, </a:t>
+            </a:r>
+            <a:r>
+              <a:rPr lang="sk-SK" dirty="0" err="1"/>
+              <a:t>fine-grained</a:t>
+            </a:r>
+            <a:r>
+              <a:rPr lang="sk-SK" dirty="0"/>
+              <a:t> </a:t>
+            </a:r>
+            <a:r>
+              <a:rPr lang="sk-SK" dirty="0" err="1"/>
+              <a:t>control</a:t>
+            </a:r>
+            <a:r>
+              <a:rPr lang="sk-SK" dirty="0"/>
+              <a:t> over </a:t>
+            </a:r>
+            <a:r>
+              <a:rPr lang="sk-SK" dirty="0" err="1"/>
+              <a:t>scheduling</a:t>
+            </a:r>
+            <a:r>
+              <a:rPr lang="sk-SK" dirty="0"/>
+              <a:t> </a:t>
+            </a:r>
+            <a:r>
+              <a:rPr lang="sk-SK" dirty="0" err="1"/>
+              <a:t>operations</a:t>
+            </a:r>
+            <a:r>
+              <a:rPr lang="sk-SK" dirty="0"/>
+              <a:t> on </a:t>
+            </a:r>
+            <a:r>
+              <a:rPr lang="sk-SK" dirty="0" err="1"/>
+              <a:t>the</a:t>
+            </a:r>
+            <a:r>
+              <a:rPr lang="sk-SK" dirty="0"/>
+              <a:t> </a:t>
+            </a:r>
+            <a:r>
+              <a:rPr lang="sk-SK" dirty="0" err="1"/>
+              <a:t>event</a:t>
+            </a:r>
+            <a:r>
+              <a:rPr lang="sk-SK" dirty="0"/>
+              <a:t> </a:t>
+            </a:r>
+            <a:r>
+              <a:rPr lang="sk-SK" dirty="0" err="1"/>
+              <a:t>loop</a:t>
+            </a:r>
+            <a:r>
+              <a:rPr lang="sk-SK" dirty="0"/>
+              <a:t> </a:t>
+            </a:r>
+            <a:r>
+              <a:rPr lang="sk-SK" dirty="0" err="1"/>
+              <a:t>queue</a:t>
+            </a:r>
+            <a:r>
+              <a:rPr lang="sk-SK" dirty="0"/>
+              <a:t> (</a:t>
+            </a:r>
+            <a:r>
+              <a:rPr lang="sk-SK" dirty="0" err="1"/>
+              <a:t>see</a:t>
+            </a:r>
+            <a:r>
+              <a:rPr lang="sk-SK" dirty="0"/>
+              <a:t> </a:t>
+            </a:r>
+            <a:r>
+              <a:rPr lang="sk-SK" dirty="0" err="1"/>
+              <a:t>the</a:t>
+            </a:r>
+            <a:r>
+              <a:rPr lang="sk-SK" dirty="0"/>
+              <a:t> </a:t>
+            </a:r>
+            <a:r>
+              <a:rPr lang="sk-SK" dirty="0" err="1"/>
+              <a:t>discussion</a:t>
+            </a:r>
+            <a:r>
+              <a:rPr lang="sk-SK" dirty="0"/>
+              <a:t> of </a:t>
+            </a:r>
+            <a:r>
+              <a:rPr lang="sk-SK" dirty="0" err="1"/>
+              <a:t>setTimeout</a:t>
+            </a:r>
+            <a:r>
+              <a:rPr lang="sk-SK" dirty="0"/>
+              <a:t>(..0) in </a:t>
+            </a:r>
+            <a:r>
+              <a:rPr lang="sk-SK" dirty="0" err="1"/>
+              <a:t>the</a:t>
+            </a:r>
+            <a:r>
+              <a:rPr lang="sk-SK" dirty="0"/>
+              <a:t> "</a:t>
+            </a:r>
+            <a:r>
+              <a:rPr lang="sk-SK" dirty="0" err="1"/>
+              <a:t>Cooperation</a:t>
+            </a:r>
+            <a:r>
+              <a:rPr lang="sk-SK" dirty="0"/>
+              <a:t>" </a:t>
+            </a:r>
+            <a:r>
+              <a:rPr lang="sk-SK" dirty="0" err="1"/>
+              <a:t>section</a:t>
+            </a:r>
+            <a:r>
+              <a:rPr lang="sk-SK" dirty="0"/>
+              <a:t>).</a:t>
+            </a:r>
+          </a:p>
+        </p:txBody>
+      </p:sp>
+    </p:spTree>
+    <p:extLst>
+      <p:ext uri="{BB962C8B-B14F-4D97-AF65-F5344CB8AC3E}">
+        <p14:creationId xmlns:p14="http://schemas.microsoft.com/office/powerpoint/2010/main" val="1895474527"/>
+      </p:ext>
+    </p:extLst>
+  </p:cSld>
+  <p:clrMapOvr>
+    <a:masterClrMapping/>
+  </p:clrMapOvr>
+</p:sld>
+</file>
+
+<file path=ppt/slides/slide5.xml><?xml version="1.0" encoding="utf-8"?>
+<p:sld xmlns:a="http://schemas.openxmlformats.org/drawingml/2006/main" xmlns:r="http://schemas.openxmlformats.org/officeDocument/2006/relationships" xmlns:p="http://schemas.openxmlformats.org/presentationml/2006/main">
+  <p:cSld>
+    <p:spTree>
+      <p:nvGrpSpPr>
+        <p:cNvPr id="1" name=""/>
+        <p:cNvGrpSpPr/>
+        <p:nvPr/>
+      </p:nvGrpSpPr>
+      <p:grpSpPr>
+        <a:xfrm>
+          <a:off x="0" y="0"/>
+          <a:ext cx="0" cy="0"/>
+          <a:chOff x="0" y="0"/>
+          <a:chExt cx="0" cy="0"/>
+        </a:xfrm>
+      </p:grpSpPr>
+      <p:sp>
+        <p:nvSpPr>
+          <p:cNvPr id="2" name="Title 1">
+            <a:extLst>
+              <a:ext uri="{FF2B5EF4-FFF2-40B4-BE49-F238E27FC236}">
+                <a16:creationId xmlns="" xmlns:a16="http://schemas.microsoft.com/office/drawing/2014/main" id="{28C95095-DEE8-7C43-A366-842E267E98CE}"/>
+              </a:ext>
+            </a:extLst>
+          </p:cNvPr>
+          <p:cNvSpPr>
+            <a:spLocks noGrp="1"/>
+          </p:cNvSpPr>
+          <p:nvPr>
+            <p:ph type="title"/>
+          </p:nvPr>
+        </p:nvSpPr>
+        <p:spPr/>
+        <p:txBody>
+          <a:bodyPr/>
+          <a:lstStyle/>
+          <a:p>
+            <a:r>
+              <a:rPr lang="sk-SK" dirty="0" err="1"/>
+              <a:t>What</a:t>
+            </a:r>
+            <a:r>
+              <a:rPr lang="sk-SK" dirty="0"/>
+              <a:t> </a:t>
+            </a:r>
+            <a:r>
+              <a:rPr lang="sk-SK" dirty="0" err="1"/>
+              <a:t>is</a:t>
+            </a:r>
+            <a:r>
+              <a:rPr lang="sk-SK" dirty="0"/>
+              <a:t> </a:t>
+            </a:r>
+            <a:r>
+              <a:rPr lang="sk-SK" dirty="0" err="1"/>
+              <a:t>async</a:t>
+            </a:r>
+            <a:r>
+              <a:rPr lang="sk-SK" dirty="0"/>
+              <a:t> , </a:t>
+            </a:r>
+            <a:r>
+              <a:rPr lang="sk-SK" dirty="0" err="1"/>
+              <a:t>parallel</a:t>
+            </a:r>
+            <a:r>
+              <a:rPr lang="sk-SK" dirty="0"/>
+              <a:t> and </a:t>
+            </a:r>
+            <a:r>
+              <a:rPr lang="sk-SK" dirty="0" err="1"/>
+              <a:t>concurrency</a:t>
+            </a:r>
+            <a:endParaRPr lang="sk-SK" dirty="0"/>
+          </a:p>
+        </p:txBody>
+      </p:sp>
+      <p:sp>
+        <p:nvSpPr>
+          <p:cNvPr id="3" name="Content Placeholder 2">
+            <a:extLst>
+              <a:ext uri="{FF2B5EF4-FFF2-40B4-BE49-F238E27FC236}">
+                <a16:creationId xmlns="" xmlns:a16="http://schemas.microsoft.com/office/drawing/2014/main" id="{2281AEDE-B73B-274C-9668-BD4B3860B81E}"/>
+              </a:ext>
+            </a:extLst>
+          </p:cNvPr>
+          <p:cNvSpPr>
+            <a:spLocks noGrp="1"/>
+          </p:cNvSpPr>
+          <p:nvPr>
+            <p:ph sz="half" idx="1"/>
+          </p:nvPr>
+        </p:nvSpPr>
+        <p:spPr>
+          <a:xfrm>
+            <a:off x="838200" y="1439501"/>
+            <a:ext cx="5181600" cy="3853045"/>
+          </a:xfrm>
+          <a:ln>
+            <a:solidFill>
+              <a:schemeClr val="accent4"/>
+            </a:solidFill>
+          </a:ln>
+        </p:spPr>
+        <p:txBody>
+          <a:bodyPr>
+            <a:normAutofit/>
+          </a:bodyPr>
+          <a:lstStyle/>
+          <a:p>
+            <a:pPr marL="0" indent="0" algn="ctr">
+              <a:buNone/>
+            </a:pPr>
+            <a:r>
+              <a:rPr lang="sk-SK" b="1" dirty="0" err="1"/>
+              <a:t>Async</a:t>
+            </a:r>
+            <a:r>
+              <a:rPr lang="sk-SK" b="1" dirty="0"/>
+              <a:t> </a:t>
+            </a:r>
+          </a:p>
+          <a:p>
+            <a:r>
+              <a:rPr lang="sk-SK" dirty="0" err="1"/>
+              <a:t>async</a:t>
+            </a:r>
+            <a:r>
+              <a:rPr lang="sk-SK" dirty="0"/>
+              <a:t> </a:t>
+            </a:r>
+            <a:r>
+              <a:rPr lang="sk-SK" dirty="0" err="1"/>
+              <a:t>is</a:t>
+            </a:r>
+            <a:r>
+              <a:rPr lang="sk-SK" dirty="0"/>
+              <a:t> </a:t>
+            </a:r>
+            <a:r>
+              <a:rPr lang="sk-SK" dirty="0" err="1"/>
+              <a:t>about</a:t>
+            </a:r>
+            <a:r>
+              <a:rPr lang="sk-SK" dirty="0"/>
+              <a:t> </a:t>
+            </a:r>
+            <a:r>
+              <a:rPr lang="sk-SK" dirty="0" err="1"/>
+              <a:t>the</a:t>
+            </a:r>
+            <a:r>
+              <a:rPr lang="sk-SK" dirty="0"/>
+              <a:t> </a:t>
+            </a:r>
+            <a:r>
+              <a:rPr lang="sk-SK" b="1" dirty="0" err="1"/>
+              <a:t>gap</a:t>
+            </a:r>
+            <a:r>
+              <a:rPr lang="sk-SK" b="1" dirty="0"/>
+              <a:t> </a:t>
+            </a:r>
+            <a:r>
+              <a:rPr lang="sk-SK" b="1" dirty="0" err="1"/>
+              <a:t>between</a:t>
+            </a:r>
+            <a:r>
+              <a:rPr lang="sk-SK" b="1" dirty="0"/>
+              <a:t> </a:t>
+            </a:r>
+            <a:r>
+              <a:rPr lang="sk-SK" b="1" i="1" dirty="0" err="1"/>
+              <a:t>now</a:t>
+            </a:r>
+            <a:r>
+              <a:rPr lang="sk-SK" b="1" dirty="0"/>
+              <a:t> and </a:t>
+            </a:r>
+            <a:r>
+              <a:rPr lang="sk-SK" b="1" i="1" dirty="0" err="1"/>
+              <a:t>later</a:t>
+            </a:r>
+            <a:endParaRPr lang="sk-SK" b="1" dirty="0"/>
+          </a:p>
+          <a:p>
+            <a:r>
+              <a:rPr lang="sk-SK" dirty="0" err="1"/>
+              <a:t>Implementation</a:t>
+            </a:r>
+            <a:r>
+              <a:rPr lang="sk-SK" dirty="0"/>
+              <a:t>: </a:t>
+            </a:r>
+            <a:r>
+              <a:rPr lang="sk-SK" dirty="0" err="1"/>
+              <a:t>Event</a:t>
+            </a:r>
+            <a:r>
+              <a:rPr lang="sk-SK" dirty="0"/>
+              <a:t> </a:t>
+            </a:r>
+            <a:r>
+              <a:rPr lang="sk-SK" dirty="0" err="1"/>
+              <a:t>loop</a:t>
+            </a:r>
+            <a:endParaRPr lang="sk-SK" dirty="0"/>
+          </a:p>
+          <a:p>
+            <a:r>
+              <a:rPr lang="sk-SK" dirty="0" err="1"/>
+              <a:t>Granularity</a:t>
+            </a:r>
+            <a:r>
+              <a:rPr lang="sk-SK" dirty="0"/>
+              <a:t>: </a:t>
+            </a:r>
+            <a:r>
+              <a:rPr lang="sk-SK" b="1" dirty="0" err="1"/>
+              <a:t>function</a:t>
+            </a:r>
+            <a:r>
+              <a:rPr lang="sk-SK" dirty="0"/>
+              <a:t> </a:t>
+            </a:r>
+            <a:r>
+              <a:rPr lang="sk-SK" dirty="0" err="1"/>
+              <a:t>is</a:t>
+            </a:r>
+            <a:r>
+              <a:rPr lang="sk-SK" dirty="0"/>
+              <a:t> single </a:t>
+            </a:r>
+            <a:r>
+              <a:rPr lang="sk-SK" dirty="0" err="1"/>
+              <a:t>event</a:t>
+            </a:r>
+            <a:r>
+              <a:rPr lang="sk-SK" dirty="0"/>
+              <a:t> </a:t>
+            </a:r>
+            <a:r>
+              <a:rPr lang="sk-SK" dirty="0" err="1"/>
+              <a:t>loop</a:t>
+            </a:r>
+            <a:r>
+              <a:rPr lang="sk-SK" dirty="0"/>
+              <a:t> </a:t>
+            </a:r>
+            <a:r>
+              <a:rPr lang="sk-SK" dirty="0" err="1"/>
+              <a:t>queue</a:t>
+            </a:r>
+            <a:r>
+              <a:rPr lang="sk-SK" dirty="0"/>
+              <a:t> </a:t>
+            </a:r>
+            <a:r>
+              <a:rPr lang="sk-SK" dirty="0" err="1"/>
+              <a:t>entry</a:t>
+            </a:r>
+            <a:endParaRPr lang="sk-SK" dirty="0"/>
+          </a:p>
+          <a:p>
+            <a:pPr marL="0" indent="0">
+              <a:buNone/>
+            </a:pPr>
+            <a:endParaRPr lang="sk-SK" dirty="0"/>
+          </a:p>
+        </p:txBody>
+      </p:sp>
+      <p:sp>
+        <p:nvSpPr>
+          <p:cNvPr id="4" name="Content Placeholder 3">
+            <a:extLst>
+              <a:ext uri="{FF2B5EF4-FFF2-40B4-BE49-F238E27FC236}">
+                <a16:creationId xmlns="" xmlns:a16="http://schemas.microsoft.com/office/drawing/2014/main" id="{5B8EDC94-0584-4842-8E57-E7155145CEDF}"/>
+              </a:ext>
+            </a:extLst>
+          </p:cNvPr>
+          <p:cNvSpPr>
+            <a:spLocks noGrp="1"/>
+          </p:cNvSpPr>
+          <p:nvPr>
+            <p:ph sz="half" idx="2"/>
+          </p:nvPr>
+        </p:nvSpPr>
+        <p:spPr>
+          <a:xfrm>
+            <a:off x="6172200" y="1439500"/>
+            <a:ext cx="5181600" cy="3853045"/>
+          </a:xfrm>
+          <a:ln>
+            <a:solidFill>
+              <a:srgbClr val="002060"/>
+            </a:solidFill>
+          </a:ln>
+        </p:spPr>
+        <p:txBody>
+          <a:bodyPr>
+            <a:normAutofit/>
+          </a:bodyPr>
+          <a:lstStyle/>
+          <a:p>
+            <a:pPr marL="0" indent="0" algn="ctr">
+              <a:buNone/>
+            </a:pPr>
+            <a:r>
+              <a:rPr lang="sk-SK" b="1" dirty="0" err="1"/>
+              <a:t>Parallel</a:t>
+            </a:r>
+            <a:endParaRPr lang="sk-SK" b="1" dirty="0"/>
+          </a:p>
+          <a:p>
+            <a:r>
+              <a:rPr lang="sk-SK" dirty="0" err="1"/>
+              <a:t>things</a:t>
+            </a:r>
+            <a:r>
+              <a:rPr lang="sk-SK" dirty="0"/>
+              <a:t> </a:t>
+            </a:r>
+            <a:r>
+              <a:rPr lang="sk-SK" dirty="0" err="1"/>
+              <a:t>being</a:t>
+            </a:r>
+            <a:r>
+              <a:rPr lang="sk-SK" dirty="0"/>
+              <a:t> </a:t>
+            </a:r>
+            <a:r>
+              <a:rPr lang="sk-SK" dirty="0" err="1"/>
+              <a:t>able</a:t>
+            </a:r>
+            <a:r>
+              <a:rPr lang="sk-SK" dirty="0"/>
+              <a:t> to </a:t>
+            </a:r>
+            <a:r>
+              <a:rPr lang="sk-SK" dirty="0" err="1"/>
+              <a:t>execute</a:t>
+            </a:r>
+            <a:r>
+              <a:rPr lang="sk-SK" dirty="0"/>
+              <a:t> at </a:t>
+            </a:r>
+            <a:r>
+              <a:rPr lang="sk-SK" dirty="0" err="1"/>
+              <a:t>the</a:t>
+            </a:r>
+            <a:r>
+              <a:rPr lang="sk-SK" dirty="0"/>
+              <a:t> </a:t>
+            </a:r>
+            <a:r>
+              <a:rPr lang="sk-SK" dirty="0" err="1"/>
+              <a:t>same</a:t>
+            </a:r>
+            <a:r>
+              <a:rPr lang="sk-SK" dirty="0"/>
+              <a:t> </a:t>
+            </a:r>
+            <a:r>
+              <a:rPr lang="sk-SK" b="1" dirty="0" err="1"/>
+              <a:t>instant</a:t>
+            </a:r>
+            <a:r>
+              <a:rPr lang="sk-SK" b="1" dirty="0"/>
+              <a:t> of </a:t>
+            </a:r>
+            <a:r>
+              <a:rPr lang="sk-SK" b="1" dirty="0" err="1"/>
+              <a:t>time</a:t>
+            </a:r>
+            <a:endParaRPr lang="sk-SK" b="1" i="1" dirty="0"/>
+          </a:p>
+          <a:p>
+            <a:r>
+              <a:rPr lang="sk-SK" dirty="0" err="1"/>
+              <a:t>Implementation</a:t>
+            </a:r>
+            <a:r>
+              <a:rPr lang="sk-SK" dirty="0"/>
+              <a:t>: </a:t>
+            </a:r>
+            <a:r>
+              <a:rPr lang="sk-SK" dirty="0" err="1"/>
+              <a:t>processes</a:t>
+            </a:r>
+            <a:r>
+              <a:rPr lang="sk-SK" dirty="0"/>
+              <a:t>, </a:t>
+            </a:r>
+            <a:r>
+              <a:rPr lang="sk-SK" dirty="0" err="1"/>
+              <a:t>threads</a:t>
+            </a:r>
+            <a:endParaRPr lang="sk-SK" dirty="0"/>
+          </a:p>
+          <a:p>
+            <a:r>
+              <a:rPr lang="sk-SK" dirty="0" err="1"/>
+              <a:t>Granularity</a:t>
+            </a:r>
+            <a:r>
+              <a:rPr lang="sk-SK" dirty="0"/>
+              <a:t>: </a:t>
+            </a:r>
+            <a:r>
+              <a:rPr lang="sk-SK" dirty="0" err="1"/>
+              <a:t>Each</a:t>
+            </a:r>
+            <a:r>
+              <a:rPr lang="sk-SK" dirty="0"/>
+              <a:t> </a:t>
+            </a:r>
+            <a:r>
+              <a:rPr lang="sk-SK" dirty="0" err="1"/>
+              <a:t>statement</a:t>
+            </a:r>
+            <a:r>
+              <a:rPr lang="sk-SK" dirty="0"/>
+              <a:t> </a:t>
+            </a:r>
+            <a:r>
+              <a:rPr lang="sk-SK" dirty="0" err="1"/>
+              <a:t>is</a:t>
+            </a:r>
+            <a:r>
+              <a:rPr lang="sk-SK" dirty="0"/>
+              <a:t> </a:t>
+            </a:r>
+            <a:r>
+              <a:rPr lang="sk-SK" dirty="0" err="1"/>
+              <a:t>broken</a:t>
+            </a:r>
+            <a:r>
+              <a:rPr lang="sk-SK" dirty="0"/>
+              <a:t> to </a:t>
+            </a:r>
+            <a:r>
+              <a:rPr lang="sk-SK" b="1" dirty="0" err="1"/>
+              <a:t>several</a:t>
+            </a:r>
+            <a:r>
+              <a:rPr lang="sk-SK" b="1" dirty="0"/>
+              <a:t> </a:t>
+            </a:r>
+            <a:r>
+              <a:rPr lang="sk-SK" b="1" dirty="0" err="1"/>
+              <a:t>low</a:t>
+            </a:r>
+            <a:r>
+              <a:rPr lang="sk-SK" b="1" dirty="0"/>
+              <a:t>-level </a:t>
+            </a:r>
+            <a:r>
+              <a:rPr lang="sk-SK" b="1" dirty="0" err="1"/>
+              <a:t>operations</a:t>
+            </a:r>
+            <a:r>
+              <a:rPr lang="sk-SK" b="1" dirty="0"/>
+              <a:t> </a:t>
+            </a:r>
+          </a:p>
+          <a:p>
+            <a:endParaRPr lang="sk-SK" dirty="0"/>
+          </a:p>
+          <a:p>
+            <a:endParaRPr lang="sk-SK" dirty="0"/>
+          </a:p>
+        </p:txBody>
+      </p:sp>
+      <p:sp>
+        <p:nvSpPr>
+          <p:cNvPr id="5" name="TextBox 4">
+            <a:extLst>
+              <a:ext uri="{FF2B5EF4-FFF2-40B4-BE49-F238E27FC236}">
+                <a16:creationId xmlns="" xmlns:a16="http://schemas.microsoft.com/office/drawing/2014/main" id="{9B5F3305-BB85-534C-B616-4800AB092A5D}"/>
+              </a:ext>
+            </a:extLst>
+          </p:cNvPr>
+          <p:cNvSpPr txBox="1"/>
+          <p:nvPr/>
+        </p:nvSpPr>
+        <p:spPr>
+          <a:xfrm>
+            <a:off x="856305" y="5464555"/>
+            <a:ext cx="10515601" cy="1200329"/>
+          </a:xfrm>
+          <a:prstGeom prst="rect">
+            <a:avLst/>
+          </a:prstGeom>
+          <a:noFill/>
+          <a:ln>
+            <a:solidFill>
+              <a:schemeClr val="accent6">
+                <a:lumMod val="50000"/>
+              </a:schemeClr>
+            </a:solidFill>
+          </a:ln>
+        </p:spPr>
+        <p:txBody>
+          <a:bodyPr wrap="square" rtlCol="0">
+            <a:spAutoFit/>
+          </a:bodyPr>
+          <a:lstStyle/>
+          <a:p>
+            <a:pPr algn="ctr"/>
+            <a:r>
+              <a:rPr lang="sk-SK" sz="2400" b="1" dirty="0" err="1"/>
+              <a:t>Concurrency</a:t>
+            </a:r>
+            <a:endParaRPr lang="sk-SK" sz="2400" dirty="0"/>
+          </a:p>
+          <a:p>
+            <a:r>
+              <a:rPr lang="sk-SK" sz="2400" dirty="0" err="1"/>
+              <a:t>several</a:t>
+            </a:r>
+            <a:r>
+              <a:rPr lang="sk-SK" sz="2400" dirty="0"/>
+              <a:t> </a:t>
+            </a:r>
+            <a:r>
+              <a:rPr lang="sk-SK" sz="2400" b="1" dirty="0" err="1"/>
+              <a:t>higher</a:t>
+            </a:r>
+            <a:r>
+              <a:rPr lang="sk-SK" sz="2400" b="1" dirty="0"/>
+              <a:t> level </a:t>
+            </a:r>
+            <a:r>
+              <a:rPr lang="sk-SK" sz="2400" i="1" dirty="0"/>
+              <a:t>„</a:t>
+            </a:r>
+            <a:r>
+              <a:rPr lang="sk-SK" sz="2400" i="1" dirty="0" err="1"/>
+              <a:t>tasks</a:t>
+            </a:r>
+            <a:r>
+              <a:rPr lang="sk-SK" sz="2400" i="1" dirty="0"/>
+              <a:t>“</a:t>
+            </a:r>
+            <a:r>
+              <a:rPr lang="sk-SK" sz="2400" dirty="0"/>
+              <a:t> </a:t>
+            </a:r>
+            <a:r>
+              <a:rPr lang="sk-SK" sz="2400" dirty="0" err="1"/>
+              <a:t>occuring</a:t>
+            </a:r>
+            <a:r>
+              <a:rPr lang="sk-SK" sz="2400" dirty="0"/>
+              <a:t> </a:t>
+            </a:r>
+            <a:r>
+              <a:rPr lang="sk-SK" sz="2400" dirty="0" err="1"/>
+              <a:t>within</a:t>
+            </a:r>
+            <a:r>
+              <a:rPr lang="sk-SK" sz="2400" dirty="0"/>
+              <a:t> </a:t>
+            </a:r>
+            <a:r>
+              <a:rPr lang="sk-SK" sz="2400" b="1" dirty="0" err="1"/>
+              <a:t>same</a:t>
+            </a:r>
+            <a:r>
+              <a:rPr lang="sk-SK" sz="2400" b="1" dirty="0"/>
+              <a:t> </a:t>
+            </a:r>
+            <a:r>
+              <a:rPr lang="sk-SK" sz="2400" b="1" dirty="0" err="1"/>
+              <a:t>time</a:t>
+            </a:r>
+            <a:r>
+              <a:rPr lang="sk-SK" sz="2400" b="1" dirty="0"/>
+              <a:t> </a:t>
+            </a:r>
+            <a:r>
+              <a:rPr lang="sk-SK" sz="2400" b="1" dirty="0" err="1"/>
+              <a:t>frame</a:t>
+            </a:r>
+            <a:r>
+              <a:rPr lang="sk-SK" sz="2400" b="1" dirty="0"/>
+              <a:t> </a:t>
+            </a:r>
+            <a:r>
+              <a:rPr lang="sk-SK" sz="2400" dirty="0"/>
+              <a:t>(</a:t>
+            </a:r>
+            <a:r>
+              <a:rPr lang="sk-SK" sz="2400" i="1" dirty="0" err="1"/>
+              <a:t>simultaneously</a:t>
+            </a:r>
+            <a:r>
+              <a:rPr lang="sk-SK" sz="2400" i="1" dirty="0"/>
+              <a:t>)</a:t>
+            </a:r>
+            <a:r>
+              <a:rPr lang="sk-SK" sz="2400" b="1" dirty="0"/>
+              <a:t>. </a:t>
+            </a:r>
+          </a:p>
+          <a:p>
+            <a:r>
+              <a:rPr lang="sk-SK" sz="2400" dirty="0" err="1"/>
+              <a:t>Not</a:t>
+            </a:r>
+            <a:r>
+              <a:rPr lang="sk-SK" sz="2400" dirty="0"/>
+              <a:t> </a:t>
+            </a:r>
+            <a:r>
+              <a:rPr lang="sk-SK" sz="2400" dirty="0" err="1"/>
+              <a:t>necesarilly</a:t>
+            </a:r>
+            <a:r>
+              <a:rPr lang="sk-SK" sz="2400" dirty="0"/>
+              <a:t> in </a:t>
+            </a:r>
+            <a:r>
+              <a:rPr lang="sk-SK" sz="2400" dirty="0" err="1"/>
+              <a:t>the</a:t>
+            </a:r>
+            <a:r>
+              <a:rPr lang="sk-SK" sz="2400" dirty="0"/>
+              <a:t> </a:t>
+            </a:r>
+            <a:r>
+              <a:rPr lang="sk-SK" sz="2400" dirty="0" err="1"/>
+              <a:t>same</a:t>
+            </a:r>
+            <a:r>
+              <a:rPr lang="sk-SK" sz="2400" dirty="0"/>
+              <a:t> </a:t>
+            </a:r>
+            <a:r>
+              <a:rPr lang="sk-SK" sz="2400" dirty="0" err="1"/>
+              <a:t>instant</a:t>
+            </a:r>
+            <a:r>
+              <a:rPr lang="sk-SK" sz="2400" dirty="0"/>
+              <a:t> of </a:t>
+            </a:r>
+            <a:r>
+              <a:rPr lang="sk-SK" sz="2400" dirty="0" err="1"/>
+              <a:t>time</a:t>
+            </a:r>
+            <a:r>
+              <a:rPr lang="sk-SK" sz="2400" dirty="0"/>
+              <a:t> (</a:t>
+            </a:r>
+            <a:r>
+              <a:rPr lang="sk-SK" sz="2400" dirty="0" err="1"/>
+              <a:t>paralell</a:t>
+            </a:r>
+            <a:r>
+              <a:rPr lang="sk-SK" sz="2400" dirty="0"/>
+              <a:t>).</a:t>
+            </a:r>
+          </a:p>
+        </p:txBody>
+      </p:sp>
+    </p:spTree>
+    <p:extLst>
+      <p:ext uri="{BB962C8B-B14F-4D97-AF65-F5344CB8AC3E}">
+        <p14:creationId xmlns:p14="http://schemas.microsoft.com/office/powerpoint/2010/main" val="921636508"/>
+      </p:ext>
+    </p:extLst>
+  </p:cSld>
+  <p:clrMapOvr>
+    <a:masterClrMapping/>
+  </p:clrMapOvr>
+</p:sld>
+</file>
+
+<file path=ppt/slides/slide50.xml><?xml version="1.0" encoding="utf-8"?>
+<p:sld xmlns:a="http://schemas.openxmlformats.org/drawingml/2006/main" xmlns:r="http://schemas.openxmlformats.org/officeDocument/2006/relationships" xmlns:p="http://schemas.openxmlformats.org/presentationml/2006/main">
+  <p:cSld>
+    <p:spTree>
+      <p:nvGrpSpPr>
+        <p:cNvPr id="1" name=""/>
+        <p:cNvGrpSpPr/>
+        <p:nvPr/>
+      </p:nvGrpSpPr>
+      <p:grpSpPr>
+        <a:xfrm>
+          <a:off x="0" y="0"/>
+          <a:ext cx="0" cy="0"/>
+          <a:chOff x="0" y="0"/>
+          <a:chExt cx="0" cy="0"/>
+        </a:xfrm>
+      </p:grpSpPr>
+      <p:sp>
+        <p:nvSpPr>
+          <p:cNvPr id="2" name="Title 1">
+            <a:extLst>
+              <a:ext uri="{FF2B5EF4-FFF2-40B4-BE49-F238E27FC236}">
+                <a16:creationId xmlns="" xmlns:a16="http://schemas.microsoft.com/office/drawing/2014/main" id="{F78F9982-8FCC-0C47-BF4D-E321FCF8BCFD}"/>
+              </a:ext>
+            </a:extLst>
+          </p:cNvPr>
+          <p:cNvSpPr>
+            <a:spLocks noGrp="1"/>
+          </p:cNvSpPr>
+          <p:nvPr>
+            <p:ph type="title"/>
+          </p:nvPr>
+        </p:nvSpPr>
+        <p:spPr/>
+        <p:txBody>
+          <a:bodyPr/>
+          <a:lstStyle/>
+          <a:p>
+            <a:r>
               <a:rPr lang="sk-SK" dirty="0" err="1"/>
               <a:t>Map</a:t>
             </a:r>
@@ -26012,7 +26230,7 @@
           <p:cNvPr id="6" name="Content Placeholder 5">
             <a:extLst>
               <a:ext uri="{FF2B5EF4-FFF2-40B4-BE49-F238E27FC236}">
-                <a16:creationId xmlns:a16="http://schemas.microsoft.com/office/drawing/2014/main" id="{2C6A8435-B95D-254F-8B21-E8DDEFF5D4F9}"/>
+                <a16:creationId xmlns="" xmlns:a16="http://schemas.microsoft.com/office/drawing/2014/main" id="{2C6A8435-B95D-254F-8B21-E8DDEFF5D4F9}"/>
               </a:ext>
             </a:extLst>
           </p:cNvPr>
@@ -26066,7 +26284,7 @@
           <p:cNvPr id="9" name="Picture 8">
             <a:extLst>
               <a:ext uri="{FF2B5EF4-FFF2-40B4-BE49-F238E27FC236}">
-                <a16:creationId xmlns:a16="http://schemas.microsoft.com/office/drawing/2014/main" id="{4AE5097C-2A36-FD41-9861-409229FB0F4C}"/>
+                <a16:creationId xmlns="" xmlns:a16="http://schemas.microsoft.com/office/drawing/2014/main" id="{4AE5097C-2A36-FD41-9861-409229FB0F4C}"/>
               </a:ext>
             </a:extLst>
           </p:cNvPr>
@@ -26096,7 +26314,7 @@
           <p:cNvPr id="10" name="Picture 9">
             <a:extLst>
               <a:ext uri="{FF2B5EF4-FFF2-40B4-BE49-F238E27FC236}">
-                <a16:creationId xmlns:a16="http://schemas.microsoft.com/office/drawing/2014/main" id="{72124CD9-2BB4-7D42-A656-B3000F9B89BC}"/>
+                <a16:creationId xmlns="" xmlns:a16="http://schemas.microsoft.com/office/drawing/2014/main" id="{72124CD9-2BB4-7D42-A656-B3000F9B89BC}"/>
               </a:ext>
             </a:extLst>
           </p:cNvPr>
@@ -26126,7 +26344,7 @@
           <p:cNvPr id="11" name="Picture 10">
             <a:extLst>
               <a:ext uri="{FF2B5EF4-FFF2-40B4-BE49-F238E27FC236}">
-                <a16:creationId xmlns:a16="http://schemas.microsoft.com/office/drawing/2014/main" id="{00D4A959-6DB6-DB48-8252-7250E29DBDB5}"/>
+                <a16:creationId xmlns="" xmlns:a16="http://schemas.microsoft.com/office/drawing/2014/main" id="{00D4A959-6DB6-DB48-8252-7250E29DBDB5}"/>
               </a:ext>
             </a:extLst>
           </p:cNvPr>
@@ -26164,686 +26382,7 @@
 </p:sld>
 </file>
 
-<file path=ppt/slides/slide5.xml><?xml version="1.0" encoding="utf-8"?>
-<p:sld xmlns:a="http://schemas.openxmlformats.org/drawingml/2006/main" xmlns:r="http://schemas.openxmlformats.org/officeDocument/2006/relationships" xmlns:p="http://schemas.openxmlformats.org/presentationml/2006/main">
-  <p:cSld>
-    <p:spTree>
-      <p:nvGrpSpPr>
-        <p:cNvPr id="1" name=""/>
-        <p:cNvGrpSpPr/>
-        <p:nvPr/>
-      </p:nvGrpSpPr>
-      <p:grpSpPr>
-        <a:xfrm>
-          <a:off x="0" y="0"/>
-          <a:ext cx="0" cy="0"/>
-          <a:chOff x="0" y="0"/>
-          <a:chExt cx="0" cy="0"/>
-        </a:xfrm>
-      </p:grpSpPr>
-      <p:sp>
-        <p:nvSpPr>
-          <p:cNvPr id="2" name="Title 1">
-            <a:extLst>
-              <a:ext uri="{FF2B5EF4-FFF2-40B4-BE49-F238E27FC236}">
-                <a16:creationId xmlns:a16="http://schemas.microsoft.com/office/drawing/2014/main" id="{28C95095-DEE8-7C43-A366-842E267E98CE}"/>
-              </a:ext>
-            </a:extLst>
-          </p:cNvPr>
-          <p:cNvSpPr>
-            <a:spLocks noGrp="1"/>
-          </p:cNvSpPr>
-          <p:nvPr>
-            <p:ph type="title"/>
-          </p:nvPr>
-        </p:nvSpPr>
-        <p:spPr/>
-        <p:txBody>
-          <a:bodyPr/>
-          <a:lstStyle/>
-          <a:p>
-            <a:r>
-              <a:rPr lang="sk-SK" dirty="0" err="1"/>
-              <a:t>What</a:t>
-            </a:r>
-            <a:r>
-              <a:rPr lang="sk-SK" dirty="0"/>
-              <a:t> </a:t>
-            </a:r>
-            <a:r>
-              <a:rPr lang="sk-SK" dirty="0" err="1"/>
-              <a:t>is</a:t>
-            </a:r>
-            <a:r>
-              <a:rPr lang="sk-SK" dirty="0"/>
-              <a:t> </a:t>
-            </a:r>
-            <a:r>
-              <a:rPr lang="sk-SK" dirty="0" err="1"/>
-              <a:t>async</a:t>
-            </a:r>
-            <a:r>
-              <a:rPr lang="sk-SK" dirty="0"/>
-              <a:t> , </a:t>
-            </a:r>
-            <a:r>
-              <a:rPr lang="sk-SK" dirty="0" err="1"/>
-              <a:t>parallel</a:t>
-            </a:r>
-            <a:r>
-              <a:rPr lang="sk-SK" dirty="0"/>
-              <a:t> and </a:t>
-            </a:r>
-            <a:r>
-              <a:rPr lang="sk-SK" dirty="0" err="1"/>
-              <a:t>concurrency</a:t>
-            </a:r>
-            <a:endParaRPr lang="sk-SK" dirty="0"/>
-          </a:p>
-        </p:txBody>
-      </p:sp>
-      <p:sp>
-        <p:nvSpPr>
-          <p:cNvPr id="3" name="Content Placeholder 2">
-            <a:extLst>
-              <a:ext uri="{FF2B5EF4-FFF2-40B4-BE49-F238E27FC236}">
-                <a16:creationId xmlns:a16="http://schemas.microsoft.com/office/drawing/2014/main" id="{2281AEDE-B73B-274C-9668-BD4B3860B81E}"/>
-              </a:ext>
-            </a:extLst>
-          </p:cNvPr>
-          <p:cNvSpPr>
-            <a:spLocks noGrp="1"/>
-          </p:cNvSpPr>
-          <p:nvPr>
-            <p:ph sz="half" idx="1"/>
-          </p:nvPr>
-        </p:nvSpPr>
-        <p:spPr>
-          <a:xfrm>
-            <a:off x="838200" y="1439501"/>
-            <a:ext cx="5181600" cy="3853045"/>
-          </a:xfrm>
-          <a:ln>
-            <a:solidFill>
-              <a:schemeClr val="accent4"/>
-            </a:solidFill>
-          </a:ln>
-        </p:spPr>
-        <p:txBody>
-          <a:bodyPr>
-            <a:normAutofit/>
-          </a:bodyPr>
-          <a:lstStyle/>
-          <a:p>
-            <a:pPr marL="0" indent="0" algn="ctr">
-              <a:buNone/>
-            </a:pPr>
-            <a:r>
-              <a:rPr lang="sk-SK" b="1" dirty="0" err="1"/>
-              <a:t>Async</a:t>
-            </a:r>
-            <a:r>
-              <a:rPr lang="sk-SK" b="1" dirty="0"/>
-              <a:t> </a:t>
-            </a:r>
-          </a:p>
-          <a:p>
-            <a:r>
-              <a:rPr lang="sk-SK" dirty="0" err="1"/>
-              <a:t>async</a:t>
-            </a:r>
-            <a:r>
-              <a:rPr lang="sk-SK" dirty="0"/>
-              <a:t> </a:t>
-            </a:r>
-            <a:r>
-              <a:rPr lang="sk-SK" dirty="0" err="1"/>
-              <a:t>is</a:t>
-            </a:r>
-            <a:r>
-              <a:rPr lang="sk-SK" dirty="0"/>
-              <a:t> </a:t>
-            </a:r>
-            <a:r>
-              <a:rPr lang="sk-SK" dirty="0" err="1"/>
-              <a:t>about</a:t>
-            </a:r>
-            <a:r>
-              <a:rPr lang="sk-SK" dirty="0"/>
-              <a:t> </a:t>
-            </a:r>
-            <a:r>
-              <a:rPr lang="sk-SK" dirty="0" err="1"/>
-              <a:t>the</a:t>
-            </a:r>
-            <a:r>
-              <a:rPr lang="sk-SK" dirty="0"/>
-              <a:t> </a:t>
-            </a:r>
-            <a:r>
-              <a:rPr lang="sk-SK" b="1" dirty="0" err="1"/>
-              <a:t>gap</a:t>
-            </a:r>
-            <a:r>
-              <a:rPr lang="sk-SK" b="1" dirty="0"/>
-              <a:t> </a:t>
-            </a:r>
-            <a:r>
-              <a:rPr lang="sk-SK" b="1" dirty="0" err="1"/>
-              <a:t>between</a:t>
-            </a:r>
-            <a:r>
-              <a:rPr lang="sk-SK" b="1" dirty="0"/>
-              <a:t> </a:t>
-            </a:r>
-            <a:r>
-              <a:rPr lang="sk-SK" b="1" i="1" dirty="0" err="1"/>
-              <a:t>now</a:t>
-            </a:r>
-            <a:r>
-              <a:rPr lang="sk-SK" b="1" dirty="0"/>
-              <a:t> and </a:t>
-            </a:r>
-            <a:r>
-              <a:rPr lang="sk-SK" b="1" i="1" dirty="0" err="1"/>
-              <a:t>later</a:t>
-            </a:r>
-            <a:endParaRPr lang="sk-SK" b="1" dirty="0"/>
-          </a:p>
-          <a:p>
-            <a:r>
-              <a:rPr lang="sk-SK" dirty="0" err="1"/>
-              <a:t>Implementation</a:t>
-            </a:r>
-            <a:r>
-              <a:rPr lang="sk-SK" dirty="0"/>
-              <a:t>: </a:t>
-            </a:r>
-            <a:r>
-              <a:rPr lang="sk-SK" dirty="0" err="1"/>
-              <a:t>Event</a:t>
-            </a:r>
-            <a:r>
-              <a:rPr lang="sk-SK" dirty="0"/>
-              <a:t> </a:t>
-            </a:r>
-            <a:r>
-              <a:rPr lang="sk-SK" dirty="0" err="1"/>
-              <a:t>loop</a:t>
-            </a:r>
-            <a:endParaRPr lang="sk-SK" dirty="0"/>
-          </a:p>
-          <a:p>
-            <a:r>
-              <a:rPr lang="sk-SK" dirty="0" err="1"/>
-              <a:t>Granularity</a:t>
-            </a:r>
-            <a:r>
-              <a:rPr lang="sk-SK" dirty="0"/>
-              <a:t>: </a:t>
-            </a:r>
-            <a:r>
-              <a:rPr lang="sk-SK" b="1" dirty="0" err="1"/>
-              <a:t>function</a:t>
-            </a:r>
-            <a:r>
-              <a:rPr lang="sk-SK" dirty="0"/>
-              <a:t> </a:t>
-            </a:r>
-            <a:r>
-              <a:rPr lang="sk-SK" dirty="0" err="1"/>
-              <a:t>is</a:t>
-            </a:r>
-            <a:r>
-              <a:rPr lang="sk-SK" dirty="0"/>
-              <a:t> single </a:t>
-            </a:r>
-            <a:r>
-              <a:rPr lang="sk-SK" dirty="0" err="1"/>
-              <a:t>event</a:t>
-            </a:r>
-            <a:r>
-              <a:rPr lang="sk-SK" dirty="0"/>
-              <a:t> </a:t>
-            </a:r>
-            <a:r>
-              <a:rPr lang="sk-SK" dirty="0" err="1"/>
-              <a:t>loop</a:t>
-            </a:r>
-            <a:r>
-              <a:rPr lang="sk-SK" dirty="0"/>
-              <a:t> </a:t>
-            </a:r>
-            <a:r>
-              <a:rPr lang="sk-SK" dirty="0" err="1"/>
-              <a:t>queue</a:t>
-            </a:r>
-            <a:r>
-              <a:rPr lang="sk-SK" dirty="0"/>
-              <a:t> </a:t>
-            </a:r>
-            <a:r>
-              <a:rPr lang="sk-SK" dirty="0" err="1"/>
-              <a:t>entry</a:t>
-            </a:r>
-            <a:endParaRPr lang="sk-SK" dirty="0"/>
-          </a:p>
-          <a:p>
-            <a:pPr marL="0" indent="0">
-              <a:buNone/>
-            </a:pPr>
-            <a:endParaRPr lang="sk-SK" dirty="0"/>
-          </a:p>
-        </p:txBody>
-      </p:sp>
-      <p:sp>
-        <p:nvSpPr>
-          <p:cNvPr id="4" name="Content Placeholder 3">
-            <a:extLst>
-              <a:ext uri="{FF2B5EF4-FFF2-40B4-BE49-F238E27FC236}">
-                <a16:creationId xmlns:a16="http://schemas.microsoft.com/office/drawing/2014/main" id="{5B8EDC94-0584-4842-8E57-E7155145CEDF}"/>
-              </a:ext>
-            </a:extLst>
-          </p:cNvPr>
-          <p:cNvSpPr>
-            <a:spLocks noGrp="1"/>
-          </p:cNvSpPr>
-          <p:nvPr>
-            <p:ph sz="half" idx="2"/>
-          </p:nvPr>
-        </p:nvSpPr>
-        <p:spPr>
-          <a:xfrm>
-            <a:off x="6172200" y="1439500"/>
-            <a:ext cx="5181600" cy="3853045"/>
-          </a:xfrm>
-          <a:ln>
-            <a:solidFill>
-              <a:srgbClr val="002060"/>
-            </a:solidFill>
-          </a:ln>
-        </p:spPr>
-        <p:txBody>
-          <a:bodyPr>
-            <a:normAutofit/>
-          </a:bodyPr>
-          <a:lstStyle/>
-          <a:p>
-            <a:pPr marL="0" indent="0" algn="ctr">
-              <a:buNone/>
-            </a:pPr>
-            <a:r>
-              <a:rPr lang="sk-SK" b="1" dirty="0" err="1"/>
-              <a:t>Parallel</a:t>
-            </a:r>
-            <a:endParaRPr lang="sk-SK" b="1" dirty="0"/>
-          </a:p>
-          <a:p>
-            <a:r>
-              <a:rPr lang="sk-SK" dirty="0" err="1"/>
-              <a:t>things</a:t>
-            </a:r>
-            <a:r>
-              <a:rPr lang="sk-SK" dirty="0"/>
-              <a:t> </a:t>
-            </a:r>
-            <a:r>
-              <a:rPr lang="sk-SK" dirty="0" err="1"/>
-              <a:t>being</a:t>
-            </a:r>
-            <a:r>
-              <a:rPr lang="sk-SK" dirty="0"/>
-              <a:t> </a:t>
-            </a:r>
-            <a:r>
-              <a:rPr lang="sk-SK" dirty="0" err="1"/>
-              <a:t>able</a:t>
-            </a:r>
-            <a:r>
-              <a:rPr lang="sk-SK" dirty="0"/>
-              <a:t> to </a:t>
-            </a:r>
-            <a:r>
-              <a:rPr lang="sk-SK" dirty="0" err="1"/>
-              <a:t>execute</a:t>
-            </a:r>
-            <a:r>
-              <a:rPr lang="sk-SK" dirty="0"/>
-              <a:t> at </a:t>
-            </a:r>
-            <a:r>
-              <a:rPr lang="sk-SK" dirty="0" err="1"/>
-              <a:t>the</a:t>
-            </a:r>
-            <a:r>
-              <a:rPr lang="sk-SK" dirty="0"/>
-              <a:t> </a:t>
-            </a:r>
-            <a:r>
-              <a:rPr lang="sk-SK" dirty="0" err="1"/>
-              <a:t>same</a:t>
-            </a:r>
-            <a:r>
-              <a:rPr lang="sk-SK" dirty="0"/>
-              <a:t> </a:t>
-            </a:r>
-            <a:r>
-              <a:rPr lang="sk-SK" b="1" dirty="0" err="1"/>
-              <a:t>instant</a:t>
-            </a:r>
-            <a:r>
-              <a:rPr lang="sk-SK" b="1" dirty="0"/>
-              <a:t> of </a:t>
-            </a:r>
-            <a:r>
-              <a:rPr lang="sk-SK" b="1" dirty="0" err="1"/>
-              <a:t>time</a:t>
-            </a:r>
-            <a:endParaRPr lang="sk-SK" b="1" i="1" dirty="0"/>
-          </a:p>
-          <a:p>
-            <a:r>
-              <a:rPr lang="sk-SK" dirty="0" err="1"/>
-              <a:t>Implementation</a:t>
-            </a:r>
-            <a:r>
-              <a:rPr lang="sk-SK" dirty="0"/>
-              <a:t>: </a:t>
-            </a:r>
-            <a:r>
-              <a:rPr lang="sk-SK" dirty="0" err="1"/>
-              <a:t>processes</a:t>
-            </a:r>
-            <a:r>
-              <a:rPr lang="sk-SK" dirty="0"/>
-              <a:t>, </a:t>
-            </a:r>
-            <a:r>
-              <a:rPr lang="sk-SK" dirty="0" err="1"/>
-              <a:t>threads</a:t>
-            </a:r>
-            <a:endParaRPr lang="sk-SK" dirty="0"/>
-          </a:p>
-          <a:p>
-            <a:r>
-              <a:rPr lang="sk-SK" dirty="0" err="1"/>
-              <a:t>Granularity</a:t>
-            </a:r>
-            <a:r>
-              <a:rPr lang="sk-SK" dirty="0"/>
-              <a:t>: </a:t>
-            </a:r>
-            <a:r>
-              <a:rPr lang="sk-SK" dirty="0" err="1"/>
-              <a:t>Each</a:t>
-            </a:r>
-            <a:r>
-              <a:rPr lang="sk-SK" dirty="0"/>
-              <a:t> </a:t>
-            </a:r>
-            <a:r>
-              <a:rPr lang="sk-SK" dirty="0" err="1"/>
-              <a:t>statement</a:t>
-            </a:r>
-            <a:r>
-              <a:rPr lang="sk-SK" dirty="0"/>
-              <a:t> </a:t>
-            </a:r>
-            <a:r>
-              <a:rPr lang="sk-SK" dirty="0" err="1"/>
-              <a:t>is</a:t>
-            </a:r>
-            <a:r>
-              <a:rPr lang="sk-SK" dirty="0"/>
-              <a:t> </a:t>
-            </a:r>
-            <a:r>
-              <a:rPr lang="sk-SK" dirty="0" err="1"/>
-              <a:t>broken</a:t>
-            </a:r>
-            <a:r>
-              <a:rPr lang="sk-SK" dirty="0"/>
-              <a:t> to </a:t>
-            </a:r>
-            <a:r>
-              <a:rPr lang="sk-SK" b="1" dirty="0" err="1"/>
-              <a:t>several</a:t>
-            </a:r>
-            <a:r>
-              <a:rPr lang="sk-SK" b="1" dirty="0"/>
-              <a:t> </a:t>
-            </a:r>
-            <a:r>
-              <a:rPr lang="sk-SK" b="1" dirty="0" err="1"/>
-              <a:t>low</a:t>
-            </a:r>
-            <a:r>
-              <a:rPr lang="sk-SK" b="1" dirty="0"/>
-              <a:t>-level </a:t>
-            </a:r>
-            <a:r>
-              <a:rPr lang="sk-SK" b="1" dirty="0" err="1"/>
-              <a:t>operations</a:t>
-            </a:r>
-            <a:r>
-              <a:rPr lang="sk-SK" b="1" dirty="0"/>
-              <a:t> </a:t>
-            </a:r>
-          </a:p>
-          <a:p>
-            <a:endParaRPr lang="sk-SK" dirty="0"/>
-          </a:p>
-          <a:p>
-            <a:endParaRPr lang="sk-SK" dirty="0"/>
-          </a:p>
-        </p:txBody>
-      </p:sp>
-      <p:sp>
-        <p:nvSpPr>
-          <p:cNvPr id="5" name="TextBox 4">
-            <a:extLst>
-              <a:ext uri="{FF2B5EF4-FFF2-40B4-BE49-F238E27FC236}">
-                <a16:creationId xmlns:a16="http://schemas.microsoft.com/office/drawing/2014/main" id="{9B5F3305-BB85-534C-B616-4800AB092A5D}"/>
-              </a:ext>
-            </a:extLst>
-          </p:cNvPr>
-          <p:cNvSpPr txBox="1"/>
-          <p:nvPr/>
-        </p:nvSpPr>
-        <p:spPr>
-          <a:xfrm>
-            <a:off x="856305" y="5464555"/>
-            <a:ext cx="10515601" cy="1200329"/>
-          </a:xfrm>
-          <a:prstGeom prst="rect">
-            <a:avLst/>
-          </a:prstGeom>
-          <a:noFill/>
-          <a:ln>
-            <a:solidFill>
-              <a:schemeClr val="accent6">
-                <a:lumMod val="50000"/>
-              </a:schemeClr>
-            </a:solidFill>
-          </a:ln>
-        </p:spPr>
-        <p:txBody>
-          <a:bodyPr wrap="square" rtlCol="0">
-            <a:spAutoFit/>
-          </a:bodyPr>
-          <a:lstStyle/>
-          <a:p>
-            <a:pPr algn="ctr"/>
-            <a:r>
-              <a:rPr lang="sk-SK" sz="2400" b="1" dirty="0" err="1"/>
-              <a:t>Concurrency</a:t>
-            </a:r>
-            <a:endParaRPr lang="sk-SK" sz="2400" dirty="0"/>
-          </a:p>
-          <a:p>
-            <a:r>
-              <a:rPr lang="sk-SK" sz="2400" dirty="0" err="1"/>
-              <a:t>several</a:t>
-            </a:r>
-            <a:r>
-              <a:rPr lang="sk-SK" sz="2400" dirty="0"/>
-              <a:t> </a:t>
-            </a:r>
-            <a:r>
-              <a:rPr lang="sk-SK" sz="2400" b="1" dirty="0" err="1"/>
-              <a:t>higher</a:t>
-            </a:r>
-            <a:r>
-              <a:rPr lang="sk-SK" sz="2400" b="1" dirty="0"/>
-              <a:t> level </a:t>
-            </a:r>
-            <a:r>
-              <a:rPr lang="sk-SK" sz="2400" i="1" dirty="0"/>
-              <a:t>„</a:t>
-            </a:r>
-            <a:r>
-              <a:rPr lang="sk-SK" sz="2400" i="1" dirty="0" err="1"/>
-              <a:t>tasks</a:t>
-            </a:r>
-            <a:r>
-              <a:rPr lang="sk-SK" sz="2400" i="1" dirty="0"/>
-              <a:t>“</a:t>
-            </a:r>
-            <a:r>
-              <a:rPr lang="sk-SK" sz="2400" dirty="0"/>
-              <a:t> </a:t>
-            </a:r>
-            <a:r>
-              <a:rPr lang="sk-SK" sz="2400" dirty="0" err="1"/>
-              <a:t>occuring</a:t>
-            </a:r>
-            <a:r>
-              <a:rPr lang="sk-SK" sz="2400" dirty="0"/>
-              <a:t> </a:t>
-            </a:r>
-            <a:r>
-              <a:rPr lang="sk-SK" sz="2400" dirty="0" err="1"/>
-              <a:t>within</a:t>
-            </a:r>
-            <a:r>
-              <a:rPr lang="sk-SK" sz="2400" dirty="0"/>
-              <a:t> </a:t>
-            </a:r>
-            <a:r>
-              <a:rPr lang="sk-SK" sz="2400" b="1" dirty="0" err="1"/>
-              <a:t>same</a:t>
-            </a:r>
-            <a:r>
-              <a:rPr lang="sk-SK" sz="2400" b="1" dirty="0"/>
-              <a:t> </a:t>
-            </a:r>
-            <a:r>
-              <a:rPr lang="sk-SK" sz="2400" b="1" dirty="0" err="1"/>
-              <a:t>time</a:t>
-            </a:r>
-            <a:r>
-              <a:rPr lang="sk-SK" sz="2400" b="1" dirty="0"/>
-              <a:t> </a:t>
-            </a:r>
-            <a:r>
-              <a:rPr lang="sk-SK" sz="2400" b="1" dirty="0" err="1"/>
-              <a:t>frame</a:t>
-            </a:r>
-            <a:r>
-              <a:rPr lang="sk-SK" sz="2400" b="1" dirty="0"/>
-              <a:t> </a:t>
-            </a:r>
-            <a:r>
-              <a:rPr lang="sk-SK" sz="2400" dirty="0"/>
-              <a:t>(</a:t>
-            </a:r>
-            <a:r>
-              <a:rPr lang="sk-SK" sz="2400" i="1" dirty="0" err="1"/>
-              <a:t>simultaneously</a:t>
-            </a:r>
-            <a:r>
-              <a:rPr lang="sk-SK" sz="2400" i="1" dirty="0"/>
-              <a:t>)</a:t>
-            </a:r>
-            <a:r>
-              <a:rPr lang="sk-SK" sz="2400" b="1" dirty="0"/>
-              <a:t>. </a:t>
-            </a:r>
-          </a:p>
-          <a:p>
-            <a:r>
-              <a:rPr lang="sk-SK" sz="2400" dirty="0" err="1"/>
-              <a:t>Not</a:t>
-            </a:r>
-            <a:r>
-              <a:rPr lang="sk-SK" sz="2400" dirty="0"/>
-              <a:t> </a:t>
-            </a:r>
-            <a:r>
-              <a:rPr lang="sk-SK" sz="2400" dirty="0" err="1"/>
-              <a:t>necesarilly</a:t>
-            </a:r>
-            <a:r>
-              <a:rPr lang="sk-SK" sz="2400" dirty="0"/>
-              <a:t> in </a:t>
-            </a:r>
-            <a:r>
-              <a:rPr lang="sk-SK" sz="2400" dirty="0" err="1"/>
-              <a:t>the</a:t>
-            </a:r>
-            <a:r>
-              <a:rPr lang="sk-SK" sz="2400" dirty="0"/>
-              <a:t> </a:t>
-            </a:r>
-            <a:r>
-              <a:rPr lang="sk-SK" sz="2400" dirty="0" err="1"/>
-              <a:t>same</a:t>
-            </a:r>
-            <a:r>
-              <a:rPr lang="sk-SK" sz="2400" dirty="0"/>
-              <a:t> </a:t>
-            </a:r>
-            <a:r>
-              <a:rPr lang="sk-SK" sz="2400" dirty="0" err="1"/>
-              <a:t>instant</a:t>
-            </a:r>
-            <a:r>
-              <a:rPr lang="sk-SK" sz="2400" dirty="0"/>
-              <a:t> of </a:t>
-            </a:r>
-            <a:r>
-              <a:rPr lang="sk-SK" sz="2400" dirty="0" err="1"/>
-              <a:t>time</a:t>
-            </a:r>
-            <a:r>
-              <a:rPr lang="sk-SK" sz="2400" dirty="0"/>
-              <a:t> (</a:t>
-            </a:r>
-            <a:r>
-              <a:rPr lang="sk-SK" sz="2400" dirty="0" err="1"/>
-              <a:t>paralell</a:t>
-            </a:r>
-            <a:r>
-              <a:rPr lang="sk-SK" sz="2400" dirty="0"/>
-              <a:t>).</a:t>
-            </a:r>
-          </a:p>
-        </p:txBody>
-      </p:sp>
-    </p:spTree>
-    <p:extLst>
-      <p:ext uri="{BB962C8B-B14F-4D97-AF65-F5344CB8AC3E}">
-        <p14:creationId xmlns:p14="http://schemas.microsoft.com/office/powerpoint/2010/main" val="921636508"/>
-      </p:ext>
-    </p:extLst>
-  </p:cSld>
-  <p:clrMapOvr>
-    <a:masterClrMapping/>
-  </p:clrMapOvr>
-</p:sld>
-</file>
-
-<file path=ppt/slides/slide50.xml><?xml version="1.0" encoding="utf-8"?>
+<file path=ppt/slides/slide51.xml><?xml version="1.0" encoding="utf-8"?>
 <p:sld xmlns:a="http://schemas.openxmlformats.org/drawingml/2006/main" xmlns:r="http://schemas.openxmlformats.org/officeDocument/2006/relationships" xmlns:p="http://schemas.openxmlformats.org/presentationml/2006/main">
   <p:cSld>
     <p:spTree>
@@ -26954,7 +26493,7 @@
 </p:sld>
 </file>
 
-<file path=ppt/slides/slide51.xml><?xml version="1.0" encoding="utf-8"?>
+<file path=ppt/slides/slide52.xml><?xml version="1.0" encoding="utf-8"?>
 <p:sld xmlns:a="http://schemas.openxmlformats.org/drawingml/2006/main" xmlns:r="http://schemas.openxmlformats.org/officeDocument/2006/relationships" xmlns:p="http://schemas.openxmlformats.org/presentationml/2006/main">
   <p:cSld>
     <p:spTree>
@@ -26976,7 +26515,7 @@
           <p:cNvPr id="2" name="Title 1">
             <a:extLst>
               <a:ext uri="{FF2B5EF4-FFF2-40B4-BE49-F238E27FC236}">
-                <a16:creationId xmlns:a16="http://schemas.microsoft.com/office/drawing/2014/main" id="{F950B402-A55D-494F-9B7D-49DACE6D3ECC}"/>
+                <a16:creationId xmlns="" xmlns:a16="http://schemas.microsoft.com/office/drawing/2014/main" id="{F950B402-A55D-494F-9B7D-49DACE6D3ECC}"/>
               </a:ext>
             </a:extLst>
           </p:cNvPr>
@@ -27001,7 +26540,7 @@
           <p:cNvPr id="3" name="Content Placeholder 2">
             <a:extLst>
               <a:ext uri="{FF2B5EF4-FFF2-40B4-BE49-F238E27FC236}">
-                <a16:creationId xmlns:a16="http://schemas.microsoft.com/office/drawing/2014/main" id="{700CA34F-CEEE-E748-8C93-201018D8AD8F}"/>
+                <a16:creationId xmlns="" xmlns:a16="http://schemas.microsoft.com/office/drawing/2014/main" id="{700CA34F-CEEE-E748-8C93-201018D8AD8F}"/>
               </a:ext>
             </a:extLst>
           </p:cNvPr>
@@ -27029,7 +26568,7 @@
           <p:cNvPr id="4" name="Picture 3">
             <a:extLst>
               <a:ext uri="{FF2B5EF4-FFF2-40B4-BE49-F238E27FC236}">
-                <a16:creationId xmlns:a16="http://schemas.microsoft.com/office/drawing/2014/main" id="{96F1BC61-1463-0A4B-BC1E-D0F66582BE06}"/>
+                <a16:creationId xmlns="" xmlns:a16="http://schemas.microsoft.com/office/drawing/2014/main" id="{96F1BC61-1463-0A4B-BC1E-D0F66582BE06}"/>
               </a:ext>
             </a:extLst>
           </p:cNvPr>
@@ -27067,7 +26606,7 @@
 </p:sld>
 </file>
 
-<file path=ppt/slides/slide52.xml><?xml version="1.0" encoding="utf-8"?>
+<file path=ppt/slides/slide53.xml><?xml version="1.0" encoding="utf-8"?>
 <p:sld xmlns:a="http://schemas.openxmlformats.org/drawingml/2006/main" xmlns:r="http://schemas.openxmlformats.org/officeDocument/2006/relationships" xmlns:p="http://schemas.openxmlformats.org/presentationml/2006/main">
   <p:cSld>
     <p:spTree>
@@ -27202,7 +26741,7 @@
           <p:cNvPr id="2" name="Title 1">
             <a:extLst>
               <a:ext uri="{FF2B5EF4-FFF2-40B4-BE49-F238E27FC236}">
-                <a16:creationId xmlns:a16="http://schemas.microsoft.com/office/drawing/2014/main" id="{FC931769-0EC6-404E-AE80-A250B6480AE0}"/>
+                <a16:creationId xmlns="" xmlns:a16="http://schemas.microsoft.com/office/drawing/2014/main" id="{FC931769-0EC6-404E-AE80-A250B6480AE0}"/>
               </a:ext>
             </a:extLst>
           </p:cNvPr>
@@ -27246,7 +26785,7 @@
           <p:cNvPr id="6" name="Straight Arrow Connector 5">
             <a:extLst>
               <a:ext uri="{FF2B5EF4-FFF2-40B4-BE49-F238E27FC236}">
-                <a16:creationId xmlns:a16="http://schemas.microsoft.com/office/drawing/2014/main" id="{BACF0284-2305-E74F-A109-4A0D2AA6B7EF}"/>
+                <a16:creationId xmlns="" xmlns:a16="http://schemas.microsoft.com/office/drawing/2014/main" id="{BACF0284-2305-E74F-A109-4A0D2AA6B7EF}"/>
               </a:ext>
             </a:extLst>
           </p:cNvPr>
@@ -27292,7 +26831,7 @@
           <p:cNvPr id="12" name="Rectangle 11">
             <a:extLst>
               <a:ext uri="{FF2B5EF4-FFF2-40B4-BE49-F238E27FC236}">
-                <a16:creationId xmlns:a16="http://schemas.microsoft.com/office/drawing/2014/main" id="{922C3D29-F420-D84C-8410-D812370A776A}"/>
+                <a16:creationId xmlns="" xmlns:a16="http://schemas.microsoft.com/office/drawing/2014/main" id="{922C3D29-F420-D84C-8410-D812370A776A}"/>
               </a:ext>
             </a:extLst>
           </p:cNvPr>
@@ -27358,7 +26897,7 @@
           <p:cNvPr id="14" name="Rectangle 13">
             <a:extLst>
               <a:ext uri="{FF2B5EF4-FFF2-40B4-BE49-F238E27FC236}">
-                <a16:creationId xmlns:a16="http://schemas.microsoft.com/office/drawing/2014/main" id="{99C88ECD-BA9C-F84D-A87F-FD3FDB7BAB0C}"/>
+                <a16:creationId xmlns="" xmlns:a16="http://schemas.microsoft.com/office/drawing/2014/main" id="{99C88ECD-BA9C-F84D-A87F-FD3FDB7BAB0C}"/>
               </a:ext>
             </a:extLst>
           </p:cNvPr>
@@ -27424,7 +26963,7 @@
           <p:cNvPr id="16" name="Rectangle 15">
             <a:extLst>
               <a:ext uri="{FF2B5EF4-FFF2-40B4-BE49-F238E27FC236}">
-                <a16:creationId xmlns:a16="http://schemas.microsoft.com/office/drawing/2014/main" id="{ECF587A9-898D-7E40-985B-9B42D166FA8C}"/>
+                <a16:creationId xmlns="" xmlns:a16="http://schemas.microsoft.com/office/drawing/2014/main" id="{ECF587A9-898D-7E40-985B-9B42D166FA8C}"/>
               </a:ext>
             </a:extLst>
           </p:cNvPr>
@@ -27490,7 +27029,7 @@
           <p:cNvPr id="17" name="Rectangle 16">
             <a:extLst>
               <a:ext uri="{FF2B5EF4-FFF2-40B4-BE49-F238E27FC236}">
-                <a16:creationId xmlns:a16="http://schemas.microsoft.com/office/drawing/2014/main" id="{15289423-49D0-6349-BD3A-CB6B03DF7F80}"/>
+                <a16:creationId xmlns="" xmlns:a16="http://schemas.microsoft.com/office/drawing/2014/main" id="{15289423-49D0-6349-BD3A-CB6B03DF7F80}"/>
               </a:ext>
             </a:extLst>
           </p:cNvPr>
@@ -27556,7 +27095,7 @@
           <p:cNvPr id="18" name="Rectangle 17">
             <a:extLst>
               <a:ext uri="{FF2B5EF4-FFF2-40B4-BE49-F238E27FC236}">
-                <a16:creationId xmlns:a16="http://schemas.microsoft.com/office/drawing/2014/main" id="{A4194FE7-1C24-A940-8AF8-807A63C88297}"/>
+                <a16:creationId xmlns="" xmlns:a16="http://schemas.microsoft.com/office/drawing/2014/main" id="{A4194FE7-1C24-A940-8AF8-807A63C88297}"/>
               </a:ext>
             </a:extLst>
           </p:cNvPr>
@@ -27622,7 +27161,7 @@
           <p:cNvPr id="19" name="Rectangle 18">
             <a:extLst>
               <a:ext uri="{FF2B5EF4-FFF2-40B4-BE49-F238E27FC236}">
-                <a16:creationId xmlns:a16="http://schemas.microsoft.com/office/drawing/2014/main" id="{CCF74F70-CAD2-4343-9D0D-4D6B0BC0E4C9}"/>
+                <a16:creationId xmlns="" xmlns:a16="http://schemas.microsoft.com/office/drawing/2014/main" id="{CCF74F70-CAD2-4343-9D0D-4D6B0BC0E4C9}"/>
               </a:ext>
             </a:extLst>
           </p:cNvPr>
@@ -27688,7 +27227,7 @@
           <p:cNvPr id="20" name="Rectangle 19">
             <a:extLst>
               <a:ext uri="{FF2B5EF4-FFF2-40B4-BE49-F238E27FC236}">
-                <a16:creationId xmlns:a16="http://schemas.microsoft.com/office/drawing/2014/main" id="{C1E5C4EE-14AF-BB42-9DE5-FD3F980B5E5A}"/>
+                <a16:creationId xmlns="" xmlns:a16="http://schemas.microsoft.com/office/drawing/2014/main" id="{C1E5C4EE-14AF-BB42-9DE5-FD3F980B5E5A}"/>
               </a:ext>
             </a:extLst>
           </p:cNvPr>
@@ -27754,7 +27293,7 @@
           <p:cNvPr id="21" name="Rectangle 20">
             <a:extLst>
               <a:ext uri="{FF2B5EF4-FFF2-40B4-BE49-F238E27FC236}">
-                <a16:creationId xmlns:a16="http://schemas.microsoft.com/office/drawing/2014/main" id="{90055646-4750-E746-B555-AC91D5A9DFF1}"/>
+                <a16:creationId xmlns="" xmlns:a16="http://schemas.microsoft.com/office/drawing/2014/main" id="{90055646-4750-E746-B555-AC91D5A9DFF1}"/>
               </a:ext>
             </a:extLst>
           </p:cNvPr>
@@ -27820,7 +27359,7 @@
           <p:cNvPr id="29" name="Rectangle 28">
             <a:extLst>
               <a:ext uri="{FF2B5EF4-FFF2-40B4-BE49-F238E27FC236}">
-                <a16:creationId xmlns:a16="http://schemas.microsoft.com/office/drawing/2014/main" id="{BC91FC3C-9519-3145-AD1A-42386248CD78}"/>
+                <a16:creationId xmlns="" xmlns:a16="http://schemas.microsoft.com/office/drawing/2014/main" id="{BC91FC3C-9519-3145-AD1A-42386248CD78}"/>
               </a:ext>
             </a:extLst>
           </p:cNvPr>
@@ -27883,7 +27422,7 @@
           <p:cNvPr id="32" name="TextBox 31">
             <a:extLst>
               <a:ext uri="{FF2B5EF4-FFF2-40B4-BE49-F238E27FC236}">
-                <a16:creationId xmlns:a16="http://schemas.microsoft.com/office/drawing/2014/main" id="{CF8E2542-776D-4145-84AB-2690D0F34E84}"/>
+                <a16:creationId xmlns="" xmlns:a16="http://schemas.microsoft.com/office/drawing/2014/main" id="{CF8E2542-776D-4145-84AB-2690D0F34E84}"/>
               </a:ext>
             </a:extLst>
           </p:cNvPr>
@@ -27923,7 +27462,7 @@
           <p:cNvPr id="33" name="TextBox 32">
             <a:extLst>
               <a:ext uri="{FF2B5EF4-FFF2-40B4-BE49-F238E27FC236}">
-                <a16:creationId xmlns:a16="http://schemas.microsoft.com/office/drawing/2014/main" id="{BB25D2A4-61C1-5D46-900B-9CE810AF0E5D}"/>
+                <a16:creationId xmlns="" xmlns:a16="http://schemas.microsoft.com/office/drawing/2014/main" id="{BB25D2A4-61C1-5D46-900B-9CE810AF0E5D}"/>
               </a:ext>
             </a:extLst>
           </p:cNvPr>
@@ -27967,7 +27506,7 @@
           <p:cNvPr id="34" name="Rectangle 33">
             <a:extLst>
               <a:ext uri="{FF2B5EF4-FFF2-40B4-BE49-F238E27FC236}">
-                <a16:creationId xmlns:a16="http://schemas.microsoft.com/office/drawing/2014/main" id="{EB33A3C2-6BFC-5D4C-81DC-96C45B2AF54C}"/>
+                <a16:creationId xmlns="" xmlns:a16="http://schemas.microsoft.com/office/drawing/2014/main" id="{EB33A3C2-6BFC-5D4C-81DC-96C45B2AF54C}"/>
               </a:ext>
             </a:extLst>
           </p:cNvPr>
@@ -28030,7 +27569,7 @@
           <p:cNvPr id="37" name="Rectangle 36">
             <a:extLst>
               <a:ext uri="{FF2B5EF4-FFF2-40B4-BE49-F238E27FC236}">
-                <a16:creationId xmlns:a16="http://schemas.microsoft.com/office/drawing/2014/main" id="{7027A811-7381-EA4D-AA6E-9911C9BEEB79}"/>
+                <a16:creationId xmlns="" xmlns:a16="http://schemas.microsoft.com/office/drawing/2014/main" id="{7027A811-7381-EA4D-AA6E-9911C9BEEB79}"/>
               </a:ext>
             </a:extLst>
           </p:cNvPr>
@@ -28096,7 +27635,7 @@
           <p:cNvPr id="38" name="Rectangle 37">
             <a:extLst>
               <a:ext uri="{FF2B5EF4-FFF2-40B4-BE49-F238E27FC236}">
-                <a16:creationId xmlns:a16="http://schemas.microsoft.com/office/drawing/2014/main" id="{1E4D89BD-95EE-2E40-9958-86A4E4B14934}"/>
+                <a16:creationId xmlns="" xmlns:a16="http://schemas.microsoft.com/office/drawing/2014/main" id="{1E4D89BD-95EE-2E40-9958-86A4E4B14934}"/>
               </a:ext>
             </a:extLst>
           </p:cNvPr>
@@ -28162,7 +27701,7 @@
           <p:cNvPr id="39" name="Rectangle 38">
             <a:extLst>
               <a:ext uri="{FF2B5EF4-FFF2-40B4-BE49-F238E27FC236}">
-                <a16:creationId xmlns:a16="http://schemas.microsoft.com/office/drawing/2014/main" id="{E097C0EA-35A5-034F-916E-910F28C4F2B5}"/>
+                <a16:creationId xmlns="" xmlns:a16="http://schemas.microsoft.com/office/drawing/2014/main" id="{E097C0EA-35A5-034F-916E-910F28C4F2B5}"/>
               </a:ext>
             </a:extLst>
           </p:cNvPr>
@@ -28228,7 +27767,7 @@
           <p:cNvPr id="41" name="Straight Arrow Connector 40">
             <a:extLst>
               <a:ext uri="{FF2B5EF4-FFF2-40B4-BE49-F238E27FC236}">
-                <a16:creationId xmlns:a16="http://schemas.microsoft.com/office/drawing/2014/main" id="{0A6B92F0-21A7-3A46-8811-F061506CFC0E}"/>
+                <a16:creationId xmlns="" xmlns:a16="http://schemas.microsoft.com/office/drawing/2014/main" id="{0A6B92F0-21A7-3A46-8811-F061506CFC0E}"/>
               </a:ext>
             </a:extLst>
           </p:cNvPr>
@@ -28270,7 +27809,7 @@
           <p:cNvPr id="42" name="Straight Arrow Connector 41">
             <a:extLst>
               <a:ext uri="{FF2B5EF4-FFF2-40B4-BE49-F238E27FC236}">
-                <a16:creationId xmlns:a16="http://schemas.microsoft.com/office/drawing/2014/main" id="{018F99F5-662E-0B4D-B1DA-BFEFB35E33A2}"/>
+                <a16:creationId xmlns="" xmlns:a16="http://schemas.microsoft.com/office/drawing/2014/main" id="{018F99F5-662E-0B4D-B1DA-BFEFB35E33A2}"/>
               </a:ext>
             </a:extLst>
           </p:cNvPr>
@@ -28311,7 +27850,7 @@
           <p:cNvPr id="44" name="Straight Arrow Connector 43">
             <a:extLst>
               <a:ext uri="{FF2B5EF4-FFF2-40B4-BE49-F238E27FC236}">
-                <a16:creationId xmlns:a16="http://schemas.microsoft.com/office/drawing/2014/main" id="{95FF040B-694E-E84D-8B81-13C6783BB44E}"/>
+                <a16:creationId xmlns="" xmlns:a16="http://schemas.microsoft.com/office/drawing/2014/main" id="{95FF040B-694E-E84D-8B81-13C6783BB44E}"/>
               </a:ext>
             </a:extLst>
           </p:cNvPr>
@@ -28353,7 +27892,7 @@
           <p:cNvPr id="48" name="Straight Arrow Connector 47">
             <a:extLst>
               <a:ext uri="{FF2B5EF4-FFF2-40B4-BE49-F238E27FC236}">
-                <a16:creationId xmlns:a16="http://schemas.microsoft.com/office/drawing/2014/main" id="{9A665E1A-F58B-9142-8DD0-058978B444D4}"/>
+                <a16:creationId xmlns="" xmlns:a16="http://schemas.microsoft.com/office/drawing/2014/main" id="{9A665E1A-F58B-9142-8DD0-058978B444D4}"/>
               </a:ext>
             </a:extLst>
           </p:cNvPr>
@@ -28394,7 +27933,7 @@
           <p:cNvPr id="50" name="Rectangle 49">
             <a:extLst>
               <a:ext uri="{FF2B5EF4-FFF2-40B4-BE49-F238E27FC236}">
-                <a16:creationId xmlns:a16="http://schemas.microsoft.com/office/drawing/2014/main" id="{3427E242-2D89-F44F-87F0-97F336EA2197}"/>
+                <a16:creationId xmlns="" xmlns:a16="http://schemas.microsoft.com/office/drawing/2014/main" id="{3427E242-2D89-F44F-87F0-97F336EA2197}"/>
               </a:ext>
             </a:extLst>
           </p:cNvPr>
@@ -28460,7 +27999,7 @@
           <p:cNvPr id="51" name="Rectangle 50">
             <a:extLst>
               <a:ext uri="{FF2B5EF4-FFF2-40B4-BE49-F238E27FC236}">
-                <a16:creationId xmlns:a16="http://schemas.microsoft.com/office/drawing/2014/main" id="{196D1BB9-B13B-484B-907D-C84DA3004FFF}"/>
+                <a16:creationId xmlns="" xmlns:a16="http://schemas.microsoft.com/office/drawing/2014/main" id="{196D1BB9-B13B-484B-907D-C84DA3004FFF}"/>
               </a:ext>
             </a:extLst>
           </p:cNvPr>
@@ -28526,7 +28065,7 @@
           <p:cNvPr id="52" name="Rectangle 51">
             <a:extLst>
               <a:ext uri="{FF2B5EF4-FFF2-40B4-BE49-F238E27FC236}">
-                <a16:creationId xmlns:a16="http://schemas.microsoft.com/office/drawing/2014/main" id="{1B9289CD-AA01-8D45-811D-AF9E4D6D5F5A}"/>
+                <a16:creationId xmlns="" xmlns:a16="http://schemas.microsoft.com/office/drawing/2014/main" id="{1B9289CD-AA01-8D45-811D-AF9E4D6D5F5A}"/>
               </a:ext>
             </a:extLst>
           </p:cNvPr>
@@ -28592,7 +28131,7 @@
           <p:cNvPr id="57" name="TextBox 56">
             <a:extLst>
               <a:ext uri="{FF2B5EF4-FFF2-40B4-BE49-F238E27FC236}">
-                <a16:creationId xmlns:a16="http://schemas.microsoft.com/office/drawing/2014/main" id="{5E8C8131-EAFA-0945-8193-7401CE039882}"/>
+                <a16:creationId xmlns="" xmlns:a16="http://schemas.microsoft.com/office/drawing/2014/main" id="{5E8C8131-EAFA-0945-8193-7401CE039882}"/>
               </a:ext>
             </a:extLst>
           </p:cNvPr>
@@ -28628,7 +28167,7 @@
           <p:cNvPr id="58" name="Picture 57">
             <a:extLst>
               <a:ext uri="{FF2B5EF4-FFF2-40B4-BE49-F238E27FC236}">
-                <a16:creationId xmlns:a16="http://schemas.microsoft.com/office/drawing/2014/main" id="{58E7DFEE-4413-094F-94CA-E09AA3BDFE66}"/>
+                <a16:creationId xmlns="" xmlns:a16="http://schemas.microsoft.com/office/drawing/2014/main" id="{58E7DFEE-4413-094F-94CA-E09AA3BDFE66}"/>
               </a:ext>
             </a:extLst>
           </p:cNvPr>
@@ -28658,7 +28197,7 @@
           <p:cNvPr id="61" name="Straight Arrow Connector 60">
             <a:extLst>
               <a:ext uri="{FF2B5EF4-FFF2-40B4-BE49-F238E27FC236}">
-                <a16:creationId xmlns:a16="http://schemas.microsoft.com/office/drawing/2014/main" id="{9CFD95DE-304D-4F42-9F5F-174F549AE8F0}"/>
+                <a16:creationId xmlns="" xmlns:a16="http://schemas.microsoft.com/office/drawing/2014/main" id="{9CFD95DE-304D-4F42-9F5F-174F549AE8F0}"/>
               </a:ext>
             </a:extLst>
           </p:cNvPr>
@@ -28704,7 +28243,7 @@
           <p:cNvPr id="64" name="Rectangle 63">
             <a:extLst>
               <a:ext uri="{FF2B5EF4-FFF2-40B4-BE49-F238E27FC236}">
-                <a16:creationId xmlns:a16="http://schemas.microsoft.com/office/drawing/2014/main" id="{A6F8F6BB-A5E8-8341-ABBD-FDD1D8189344}"/>
+                <a16:creationId xmlns="" xmlns:a16="http://schemas.microsoft.com/office/drawing/2014/main" id="{A6F8F6BB-A5E8-8341-ABBD-FDD1D8189344}"/>
               </a:ext>
             </a:extLst>
           </p:cNvPr>
@@ -28770,7 +28309,7 @@
           <p:cNvPr id="65" name="Rectangle 64">
             <a:extLst>
               <a:ext uri="{FF2B5EF4-FFF2-40B4-BE49-F238E27FC236}">
-                <a16:creationId xmlns:a16="http://schemas.microsoft.com/office/drawing/2014/main" id="{B311708E-F72D-674F-A565-2757D0C1C5DF}"/>
+                <a16:creationId xmlns="" xmlns:a16="http://schemas.microsoft.com/office/drawing/2014/main" id="{B311708E-F72D-674F-A565-2757D0C1C5DF}"/>
               </a:ext>
             </a:extLst>
           </p:cNvPr>
@@ -28836,7 +28375,7 @@
           <p:cNvPr id="66" name="Rectangle 65">
             <a:extLst>
               <a:ext uri="{FF2B5EF4-FFF2-40B4-BE49-F238E27FC236}">
-                <a16:creationId xmlns:a16="http://schemas.microsoft.com/office/drawing/2014/main" id="{6192B276-FA37-584F-B84B-EACC7CA7CF96}"/>
+                <a16:creationId xmlns="" xmlns:a16="http://schemas.microsoft.com/office/drawing/2014/main" id="{6192B276-FA37-584F-B84B-EACC7CA7CF96}"/>
               </a:ext>
             </a:extLst>
           </p:cNvPr>
@@ -28902,7 +28441,7 @@
           <p:cNvPr id="67" name="Rectangle 66">
             <a:extLst>
               <a:ext uri="{FF2B5EF4-FFF2-40B4-BE49-F238E27FC236}">
-                <a16:creationId xmlns:a16="http://schemas.microsoft.com/office/drawing/2014/main" id="{E9808F69-98CB-204F-A083-D35AE98719D7}"/>
+                <a16:creationId xmlns="" xmlns:a16="http://schemas.microsoft.com/office/drawing/2014/main" id="{E9808F69-98CB-204F-A083-D35AE98719D7}"/>
               </a:ext>
             </a:extLst>
           </p:cNvPr>
@@ -28968,7 +28507,7 @@
           <p:cNvPr id="68" name="Rectangle 67">
             <a:extLst>
               <a:ext uri="{FF2B5EF4-FFF2-40B4-BE49-F238E27FC236}">
-                <a16:creationId xmlns:a16="http://schemas.microsoft.com/office/drawing/2014/main" id="{14E4F048-0493-D740-ABFD-967D5437493E}"/>
+                <a16:creationId xmlns="" xmlns:a16="http://schemas.microsoft.com/office/drawing/2014/main" id="{14E4F048-0493-D740-ABFD-967D5437493E}"/>
               </a:ext>
             </a:extLst>
           </p:cNvPr>
@@ -29034,7 +28573,7 @@
           <p:cNvPr id="69" name="Rectangle 68">
             <a:extLst>
               <a:ext uri="{FF2B5EF4-FFF2-40B4-BE49-F238E27FC236}">
-                <a16:creationId xmlns:a16="http://schemas.microsoft.com/office/drawing/2014/main" id="{AC456D29-9912-8844-94BA-6BA57865DE40}"/>
+                <a16:creationId xmlns="" xmlns:a16="http://schemas.microsoft.com/office/drawing/2014/main" id="{AC456D29-9912-8844-94BA-6BA57865DE40}"/>
               </a:ext>
             </a:extLst>
           </p:cNvPr>
@@ -29100,7 +28639,7 @@
           <p:cNvPr id="71" name="Rectangle 70">
             <a:extLst>
               <a:ext uri="{FF2B5EF4-FFF2-40B4-BE49-F238E27FC236}">
-                <a16:creationId xmlns:a16="http://schemas.microsoft.com/office/drawing/2014/main" id="{42ACA294-41A1-E740-B324-8D81A99E787F}"/>
+                <a16:creationId xmlns="" xmlns:a16="http://schemas.microsoft.com/office/drawing/2014/main" id="{42ACA294-41A1-E740-B324-8D81A99E787F}"/>
               </a:ext>
             </a:extLst>
           </p:cNvPr>
@@ -29163,7 +28702,7 @@
           <p:cNvPr id="72" name="Rectangle 71">
             <a:extLst>
               <a:ext uri="{FF2B5EF4-FFF2-40B4-BE49-F238E27FC236}">
-                <a16:creationId xmlns:a16="http://schemas.microsoft.com/office/drawing/2014/main" id="{875DDD73-4E0B-D744-ACCB-B04DA7434F81}"/>
+                <a16:creationId xmlns="" xmlns:a16="http://schemas.microsoft.com/office/drawing/2014/main" id="{875DDD73-4E0B-D744-ACCB-B04DA7434F81}"/>
               </a:ext>
             </a:extLst>
           </p:cNvPr>
@@ -29226,7 +28765,7 @@
           <p:cNvPr id="73" name="Rectangle 72">
             <a:extLst>
               <a:ext uri="{FF2B5EF4-FFF2-40B4-BE49-F238E27FC236}">
-                <a16:creationId xmlns:a16="http://schemas.microsoft.com/office/drawing/2014/main" id="{D32CA67F-0378-D741-9605-F343CCF72A82}"/>
+                <a16:creationId xmlns="" xmlns:a16="http://schemas.microsoft.com/office/drawing/2014/main" id="{D32CA67F-0378-D741-9605-F343CCF72A82}"/>
               </a:ext>
             </a:extLst>
           </p:cNvPr>
@@ -29292,7 +28831,7 @@
           <p:cNvPr id="74" name="Rectangle 73">
             <a:extLst>
               <a:ext uri="{FF2B5EF4-FFF2-40B4-BE49-F238E27FC236}">
-                <a16:creationId xmlns:a16="http://schemas.microsoft.com/office/drawing/2014/main" id="{3A2FF34B-8062-8C41-A164-F5F036BEA185}"/>
+                <a16:creationId xmlns="" xmlns:a16="http://schemas.microsoft.com/office/drawing/2014/main" id="{3A2FF34B-8062-8C41-A164-F5F036BEA185}"/>
               </a:ext>
             </a:extLst>
           </p:cNvPr>
@@ -29358,7 +28897,7 @@
           <p:cNvPr id="75" name="Rectangle 74">
             <a:extLst>
               <a:ext uri="{FF2B5EF4-FFF2-40B4-BE49-F238E27FC236}">
-                <a16:creationId xmlns:a16="http://schemas.microsoft.com/office/drawing/2014/main" id="{F8F4AEFB-34D3-1343-8412-BF422B2B1521}"/>
+                <a16:creationId xmlns="" xmlns:a16="http://schemas.microsoft.com/office/drawing/2014/main" id="{F8F4AEFB-34D3-1343-8412-BF422B2B1521}"/>
               </a:ext>
             </a:extLst>
           </p:cNvPr>
@@ -29424,7 +28963,7 @@
           <p:cNvPr id="76" name="Straight Arrow Connector 75">
             <a:extLst>
               <a:ext uri="{FF2B5EF4-FFF2-40B4-BE49-F238E27FC236}">
-                <a16:creationId xmlns:a16="http://schemas.microsoft.com/office/drawing/2014/main" id="{D0FAA878-DB0B-0644-8F0B-9766C78988F3}"/>
+                <a16:creationId xmlns="" xmlns:a16="http://schemas.microsoft.com/office/drawing/2014/main" id="{D0FAA878-DB0B-0644-8F0B-9766C78988F3}"/>
               </a:ext>
             </a:extLst>
           </p:cNvPr>
@@ -29466,7 +29005,7 @@
           <p:cNvPr id="77" name="Straight Arrow Connector 76">
             <a:extLst>
               <a:ext uri="{FF2B5EF4-FFF2-40B4-BE49-F238E27FC236}">
-                <a16:creationId xmlns:a16="http://schemas.microsoft.com/office/drawing/2014/main" id="{D93E724E-8135-A543-82F1-A9334D1C4D47}"/>
+                <a16:creationId xmlns="" xmlns:a16="http://schemas.microsoft.com/office/drawing/2014/main" id="{D93E724E-8135-A543-82F1-A9334D1C4D47}"/>
               </a:ext>
             </a:extLst>
           </p:cNvPr>
@@ -29507,7 +29046,7 @@
           <p:cNvPr id="78" name="Straight Arrow Connector 77">
             <a:extLst>
               <a:ext uri="{FF2B5EF4-FFF2-40B4-BE49-F238E27FC236}">
-                <a16:creationId xmlns:a16="http://schemas.microsoft.com/office/drawing/2014/main" id="{4BA5F0E8-4F1F-504E-806F-1D424E98DD31}"/>
+                <a16:creationId xmlns="" xmlns:a16="http://schemas.microsoft.com/office/drawing/2014/main" id="{4BA5F0E8-4F1F-504E-806F-1D424E98DD31}"/>
               </a:ext>
             </a:extLst>
           </p:cNvPr>
@@ -29548,7 +29087,7 @@
           <p:cNvPr id="79" name="Straight Arrow Connector 78">
             <a:extLst>
               <a:ext uri="{FF2B5EF4-FFF2-40B4-BE49-F238E27FC236}">
-                <a16:creationId xmlns:a16="http://schemas.microsoft.com/office/drawing/2014/main" id="{E5961CB7-57F5-F64D-A654-E7213C951F65}"/>
+                <a16:creationId xmlns="" xmlns:a16="http://schemas.microsoft.com/office/drawing/2014/main" id="{E5961CB7-57F5-F64D-A654-E7213C951F65}"/>
               </a:ext>
             </a:extLst>
           </p:cNvPr>
@@ -29590,7 +29129,7 @@
           <p:cNvPr id="80" name="Rectangle 79">
             <a:extLst>
               <a:ext uri="{FF2B5EF4-FFF2-40B4-BE49-F238E27FC236}">
-                <a16:creationId xmlns:a16="http://schemas.microsoft.com/office/drawing/2014/main" id="{E2A67817-2A18-4B47-89C8-5D0A00FD8FA3}"/>
+                <a16:creationId xmlns="" xmlns:a16="http://schemas.microsoft.com/office/drawing/2014/main" id="{E2A67817-2A18-4B47-89C8-5D0A00FD8FA3}"/>
               </a:ext>
             </a:extLst>
           </p:cNvPr>
@@ -29656,7 +29195,7 @@
           <p:cNvPr id="81" name="Rectangle 80">
             <a:extLst>
               <a:ext uri="{FF2B5EF4-FFF2-40B4-BE49-F238E27FC236}">
-                <a16:creationId xmlns:a16="http://schemas.microsoft.com/office/drawing/2014/main" id="{7588E498-773C-FE45-9EE3-745EEFB6723A}"/>
+                <a16:creationId xmlns="" xmlns:a16="http://schemas.microsoft.com/office/drawing/2014/main" id="{7588E498-773C-FE45-9EE3-745EEFB6723A}"/>
               </a:ext>
             </a:extLst>
           </p:cNvPr>
@@ -29722,7 +29261,7 @@
           <p:cNvPr id="82" name="Rectangle 81">
             <a:extLst>
               <a:ext uri="{FF2B5EF4-FFF2-40B4-BE49-F238E27FC236}">
-                <a16:creationId xmlns:a16="http://schemas.microsoft.com/office/drawing/2014/main" id="{D275C7E0-84E1-954E-AF72-00F8899EF6CC}"/>
+                <a16:creationId xmlns="" xmlns:a16="http://schemas.microsoft.com/office/drawing/2014/main" id="{D275C7E0-84E1-954E-AF72-00F8899EF6CC}"/>
               </a:ext>
             </a:extLst>
           </p:cNvPr>
@@ -29788,7 +29327,7 @@
           <p:cNvPr id="90" name="Rectangle 89">
             <a:extLst>
               <a:ext uri="{FF2B5EF4-FFF2-40B4-BE49-F238E27FC236}">
-                <a16:creationId xmlns:a16="http://schemas.microsoft.com/office/drawing/2014/main" id="{67C8FA31-249B-D543-BBEF-C8577EF397AD}"/>
+                <a16:creationId xmlns="" xmlns:a16="http://schemas.microsoft.com/office/drawing/2014/main" id="{67C8FA31-249B-D543-BBEF-C8577EF397AD}"/>
               </a:ext>
             </a:extLst>
           </p:cNvPr>
@@ -29988,7 +29527,7 @@
           <p:cNvPr id="55" name="TextBox 54">
             <a:extLst>
               <a:ext uri="{FF2B5EF4-FFF2-40B4-BE49-F238E27FC236}">
-                <a16:creationId xmlns:a16="http://schemas.microsoft.com/office/drawing/2014/main" id="{9411CC6A-889D-4943-B42B-F3BFDEC9B2E8}"/>
+                <a16:creationId xmlns="" xmlns:a16="http://schemas.microsoft.com/office/drawing/2014/main" id="{9411CC6A-889D-4943-B42B-F3BFDEC9B2E8}"/>
               </a:ext>
             </a:extLst>
           </p:cNvPr>
@@ -30023,7 +29562,7 @@
           <p:cNvPr id="56" name="TextBox 55">
             <a:extLst>
               <a:ext uri="{FF2B5EF4-FFF2-40B4-BE49-F238E27FC236}">
-                <a16:creationId xmlns:a16="http://schemas.microsoft.com/office/drawing/2014/main" id="{C53282D7-52CC-914D-B30A-E63EAD1678CE}"/>
+                <a16:creationId xmlns="" xmlns:a16="http://schemas.microsoft.com/office/drawing/2014/main" id="{C53282D7-52CC-914D-B30A-E63EAD1678CE}"/>
               </a:ext>
             </a:extLst>
           </p:cNvPr>
@@ -30058,7 +29597,7 @@
           <p:cNvPr id="59" name="TextBox 58">
             <a:extLst>
               <a:ext uri="{FF2B5EF4-FFF2-40B4-BE49-F238E27FC236}">
-                <a16:creationId xmlns:a16="http://schemas.microsoft.com/office/drawing/2014/main" id="{36BE3DDC-DB62-B54A-8B60-D3765F51B2A0}"/>
+                <a16:creationId xmlns="" xmlns:a16="http://schemas.microsoft.com/office/drawing/2014/main" id="{36BE3DDC-DB62-B54A-8B60-D3765F51B2A0}"/>
               </a:ext>
             </a:extLst>
           </p:cNvPr>
@@ -30101,7 +29640,7 @@
           <p:cNvPr id="60" name="TextBox 59">
             <a:extLst>
               <a:ext uri="{FF2B5EF4-FFF2-40B4-BE49-F238E27FC236}">
-                <a16:creationId xmlns:a16="http://schemas.microsoft.com/office/drawing/2014/main" id="{84EB7764-ACFC-B546-A8C9-AF5E5BE968EB}"/>
+                <a16:creationId xmlns="" xmlns:a16="http://schemas.microsoft.com/office/drawing/2014/main" id="{84EB7764-ACFC-B546-A8C9-AF5E5BE968EB}"/>
               </a:ext>
             </a:extLst>
           </p:cNvPr>
@@ -30137,7 +29676,7 @@
           <p:cNvPr id="85" name="TextBox 84">
             <a:extLst>
               <a:ext uri="{FF2B5EF4-FFF2-40B4-BE49-F238E27FC236}">
-                <a16:creationId xmlns:a16="http://schemas.microsoft.com/office/drawing/2014/main" id="{C082908C-CCB6-BE4F-9CE8-649B9556995B}"/>
+                <a16:creationId xmlns="" xmlns:a16="http://schemas.microsoft.com/office/drawing/2014/main" id="{C082908C-CCB6-BE4F-9CE8-649B9556995B}"/>
               </a:ext>
             </a:extLst>
           </p:cNvPr>
@@ -30172,7 +29711,7 @@
           <p:cNvPr id="86" name="TextBox 85">
             <a:extLst>
               <a:ext uri="{FF2B5EF4-FFF2-40B4-BE49-F238E27FC236}">
-                <a16:creationId xmlns:a16="http://schemas.microsoft.com/office/drawing/2014/main" id="{6F253487-4FD3-F549-B08B-033BCF59EFAA}"/>
+                <a16:creationId xmlns="" xmlns:a16="http://schemas.microsoft.com/office/drawing/2014/main" id="{6F253487-4FD3-F549-B08B-033BCF59EFAA}"/>
               </a:ext>
             </a:extLst>
           </p:cNvPr>
@@ -30207,7 +29746,7 @@
           <p:cNvPr id="87" name="Content Placeholder 2">
             <a:extLst>
               <a:ext uri="{FF2B5EF4-FFF2-40B4-BE49-F238E27FC236}">
-                <a16:creationId xmlns:a16="http://schemas.microsoft.com/office/drawing/2014/main" id="{60F355A0-8F2E-0648-BF33-0C0FD5608ED6}"/>
+                <a16:creationId xmlns="" xmlns:a16="http://schemas.microsoft.com/office/drawing/2014/main" id="{60F355A0-8F2E-0648-BF33-0C0FD5608ED6}"/>
               </a:ext>
             </a:extLst>
           </p:cNvPr>
@@ -30483,7 +30022,7 @@
           <p:cNvPr id="89" name="Rectangle 88">
             <a:extLst>
               <a:ext uri="{FF2B5EF4-FFF2-40B4-BE49-F238E27FC236}">
-                <a16:creationId xmlns:a16="http://schemas.microsoft.com/office/drawing/2014/main" id="{088AC891-9C2F-7947-8377-015EA2928CBA}"/>
+                <a16:creationId xmlns="" xmlns:a16="http://schemas.microsoft.com/office/drawing/2014/main" id="{088AC891-9C2F-7947-8377-015EA2928CBA}"/>
               </a:ext>
             </a:extLst>
           </p:cNvPr>
@@ -30542,7 +30081,7 @@
           <p:cNvPr id="91" name="TextBox 90">
             <a:extLst>
               <a:ext uri="{FF2B5EF4-FFF2-40B4-BE49-F238E27FC236}">
-                <a16:creationId xmlns:a16="http://schemas.microsoft.com/office/drawing/2014/main" id="{D9303AE2-EF96-2B48-BEEE-2729E4E08EEF}"/>
+                <a16:creationId xmlns="" xmlns:a16="http://schemas.microsoft.com/office/drawing/2014/main" id="{D9303AE2-EF96-2B48-BEEE-2729E4E08EEF}"/>
               </a:ext>
             </a:extLst>
           </p:cNvPr>
@@ -30586,7 +30125,7 @@
           <p:cNvPr id="92" name="Rectangle 91">
             <a:extLst>
               <a:ext uri="{FF2B5EF4-FFF2-40B4-BE49-F238E27FC236}">
-                <a16:creationId xmlns:a16="http://schemas.microsoft.com/office/drawing/2014/main" id="{813ABB19-21E1-B54F-835D-C29C64AD4E48}"/>
+                <a16:creationId xmlns="" xmlns:a16="http://schemas.microsoft.com/office/drawing/2014/main" id="{813ABB19-21E1-B54F-835D-C29C64AD4E48}"/>
               </a:ext>
             </a:extLst>
           </p:cNvPr>
@@ -30652,7 +30191,7 @@
           <p:cNvPr id="93" name="Rectangle 92">
             <a:extLst>
               <a:ext uri="{FF2B5EF4-FFF2-40B4-BE49-F238E27FC236}">
-                <a16:creationId xmlns:a16="http://schemas.microsoft.com/office/drawing/2014/main" id="{D7829056-98E9-914F-8923-48A1BEA98145}"/>
+                <a16:creationId xmlns="" xmlns:a16="http://schemas.microsoft.com/office/drawing/2014/main" id="{D7829056-98E9-914F-8923-48A1BEA98145}"/>
               </a:ext>
             </a:extLst>
           </p:cNvPr>
@@ -30718,7 +30257,7 @@
           <p:cNvPr id="94" name="Straight Arrow Connector 93">
             <a:extLst>
               <a:ext uri="{FF2B5EF4-FFF2-40B4-BE49-F238E27FC236}">
-                <a16:creationId xmlns:a16="http://schemas.microsoft.com/office/drawing/2014/main" id="{CAA942BA-2FAF-424D-A56D-44478E575FEC}"/>
+                <a16:creationId xmlns="" xmlns:a16="http://schemas.microsoft.com/office/drawing/2014/main" id="{CAA942BA-2FAF-424D-A56D-44478E575FEC}"/>
               </a:ext>
             </a:extLst>
           </p:cNvPr>
@@ -30759,7 +30298,7 @@
           <p:cNvPr id="95" name="Straight Arrow Connector 94">
             <a:extLst>
               <a:ext uri="{FF2B5EF4-FFF2-40B4-BE49-F238E27FC236}">
-                <a16:creationId xmlns:a16="http://schemas.microsoft.com/office/drawing/2014/main" id="{0123FDC1-27EE-534F-A145-70B474E9C42C}"/>
+                <a16:creationId xmlns="" xmlns:a16="http://schemas.microsoft.com/office/drawing/2014/main" id="{0123FDC1-27EE-534F-A145-70B474E9C42C}"/>
               </a:ext>
             </a:extLst>
           </p:cNvPr>
@@ -30800,7 +30339,7 @@
           <p:cNvPr id="98" name="Rectangle 97">
             <a:extLst>
               <a:ext uri="{FF2B5EF4-FFF2-40B4-BE49-F238E27FC236}">
-                <a16:creationId xmlns:a16="http://schemas.microsoft.com/office/drawing/2014/main" id="{72D1DF90-FC2D-B741-849E-6C8902BEFA4A}"/>
+                <a16:creationId xmlns="" xmlns:a16="http://schemas.microsoft.com/office/drawing/2014/main" id="{72D1DF90-FC2D-B741-849E-6C8902BEFA4A}"/>
               </a:ext>
             </a:extLst>
           </p:cNvPr>
@@ -30866,7 +30405,7 @@
           <p:cNvPr id="99" name="Rectangle 98">
             <a:extLst>
               <a:ext uri="{FF2B5EF4-FFF2-40B4-BE49-F238E27FC236}">
-                <a16:creationId xmlns:a16="http://schemas.microsoft.com/office/drawing/2014/main" id="{4947D1AE-8F72-7F4C-856B-0457A4C6DB85}"/>
+                <a16:creationId xmlns="" xmlns:a16="http://schemas.microsoft.com/office/drawing/2014/main" id="{4947D1AE-8F72-7F4C-856B-0457A4C6DB85}"/>
               </a:ext>
             </a:extLst>
           </p:cNvPr>
@@ -30932,7 +30471,7 @@
           <p:cNvPr id="15" name="TextBox 14">
             <a:extLst>
               <a:ext uri="{FF2B5EF4-FFF2-40B4-BE49-F238E27FC236}">
-                <a16:creationId xmlns:a16="http://schemas.microsoft.com/office/drawing/2014/main" id="{4C442F31-39DB-C047-94DE-FED5220F0454}"/>
+                <a16:creationId xmlns="" xmlns:a16="http://schemas.microsoft.com/office/drawing/2014/main" id="{4C442F31-39DB-C047-94DE-FED5220F0454}"/>
               </a:ext>
             </a:extLst>
           </p:cNvPr>
@@ -30967,7 +30506,7 @@
           <p:cNvPr id="100" name="TextBox 99">
             <a:extLst>
               <a:ext uri="{FF2B5EF4-FFF2-40B4-BE49-F238E27FC236}">
-                <a16:creationId xmlns:a16="http://schemas.microsoft.com/office/drawing/2014/main" id="{35A02026-F745-B54C-B7E3-E0532A020C08}"/>
+                <a16:creationId xmlns="" xmlns:a16="http://schemas.microsoft.com/office/drawing/2014/main" id="{35A02026-F745-B54C-B7E3-E0532A020C08}"/>
               </a:ext>
             </a:extLst>
           </p:cNvPr>
@@ -31002,7 +30541,7 @@
           <p:cNvPr id="101" name="TextBox 100">
             <a:extLst>
               <a:ext uri="{FF2B5EF4-FFF2-40B4-BE49-F238E27FC236}">
-                <a16:creationId xmlns:a16="http://schemas.microsoft.com/office/drawing/2014/main" id="{998C92AC-5D3B-DB44-BEFE-65BEC39C6436}"/>
+                <a16:creationId xmlns="" xmlns:a16="http://schemas.microsoft.com/office/drawing/2014/main" id="{998C92AC-5D3B-DB44-BEFE-65BEC39C6436}"/>
               </a:ext>
             </a:extLst>
           </p:cNvPr>
@@ -31038,7 +30577,7 @@
           <p:cNvPr id="3" name="Rectangle 2">
             <a:extLst>
               <a:ext uri="{FF2B5EF4-FFF2-40B4-BE49-F238E27FC236}">
-                <a16:creationId xmlns:a16="http://schemas.microsoft.com/office/drawing/2014/main" id="{4A7A88C3-56DC-7345-90C3-C046C4A98813}"/>
+                <a16:creationId xmlns="" xmlns:a16="http://schemas.microsoft.com/office/drawing/2014/main" id="{4A7A88C3-56DC-7345-90C3-C046C4A98813}"/>
               </a:ext>
             </a:extLst>
           </p:cNvPr>
@@ -31115,7 +30654,7 @@
           <p:cNvPr id="2" name="Title 1">
             <a:extLst>
               <a:ext uri="{FF2B5EF4-FFF2-40B4-BE49-F238E27FC236}">
-                <a16:creationId xmlns:a16="http://schemas.microsoft.com/office/drawing/2014/main" id="{569F53B6-1AD3-3544-AE80-9DE74A812815}"/>
+                <a16:creationId xmlns="" xmlns:a16="http://schemas.microsoft.com/office/drawing/2014/main" id="{569F53B6-1AD3-3544-AE80-9DE74A812815}"/>
               </a:ext>
             </a:extLst>
           </p:cNvPr>
@@ -31143,6 +30682,10 @@
               <a:rPr lang="sk-SK" dirty="0" err="1"/>
               <a:t>function</a:t>
             </a:r>
+            <a:r>
+              <a:rPr lang="sk-SK" dirty="0"/>
+              <a:t/>
+            </a:r>
             <a:br>
               <a:rPr lang="sk-SK" dirty="0"/>
             </a:br>
@@ -31155,7 +30698,7 @@
           <p:cNvPr id="3" name="Content Placeholder 2">
             <a:extLst>
               <a:ext uri="{FF2B5EF4-FFF2-40B4-BE49-F238E27FC236}">
-                <a16:creationId xmlns:a16="http://schemas.microsoft.com/office/drawing/2014/main" id="{071908E9-75EC-9B46-97BA-44E0382E01CB}"/>
+                <a16:creationId xmlns="" xmlns:a16="http://schemas.microsoft.com/office/drawing/2014/main" id="{071908E9-75EC-9B46-97BA-44E0382E01CB}"/>
               </a:ext>
             </a:extLst>
           </p:cNvPr>
@@ -31243,7 +30786,7 @@
           <p:cNvPr id="4" name="Straight Arrow Connector 3">
             <a:extLst>
               <a:ext uri="{FF2B5EF4-FFF2-40B4-BE49-F238E27FC236}">
-                <a16:creationId xmlns:a16="http://schemas.microsoft.com/office/drawing/2014/main" id="{567DB100-A766-FC45-802F-0794E2786EFE}"/>
+                <a16:creationId xmlns="" xmlns:a16="http://schemas.microsoft.com/office/drawing/2014/main" id="{567DB100-A766-FC45-802F-0794E2786EFE}"/>
               </a:ext>
             </a:extLst>
           </p:cNvPr>
@@ -31289,7 +30832,7 @@
           <p:cNvPr id="7" name="Rectangle 6">
             <a:extLst>
               <a:ext uri="{FF2B5EF4-FFF2-40B4-BE49-F238E27FC236}">
-                <a16:creationId xmlns:a16="http://schemas.microsoft.com/office/drawing/2014/main" id="{312C1A11-213A-6447-9E93-ED5E22DBA852}"/>
+                <a16:creationId xmlns="" xmlns:a16="http://schemas.microsoft.com/office/drawing/2014/main" id="{312C1A11-213A-6447-9E93-ED5E22DBA852}"/>
               </a:ext>
             </a:extLst>
           </p:cNvPr>
@@ -31352,7 +30895,7 @@
           <p:cNvPr id="8" name="Rectangle 7">
             <a:extLst>
               <a:ext uri="{FF2B5EF4-FFF2-40B4-BE49-F238E27FC236}">
-                <a16:creationId xmlns:a16="http://schemas.microsoft.com/office/drawing/2014/main" id="{C433AA7A-D47B-EC46-8E61-6EAE6079695C}"/>
+                <a16:creationId xmlns="" xmlns:a16="http://schemas.microsoft.com/office/drawing/2014/main" id="{C433AA7A-D47B-EC46-8E61-6EAE6079695C}"/>
               </a:ext>
             </a:extLst>
           </p:cNvPr>
@@ -31415,7 +30958,7 @@
           <p:cNvPr id="9" name="Rectangle 8">
             <a:extLst>
               <a:ext uri="{FF2B5EF4-FFF2-40B4-BE49-F238E27FC236}">
-                <a16:creationId xmlns:a16="http://schemas.microsoft.com/office/drawing/2014/main" id="{5064AB5D-059E-714A-B83E-9DBFB9109FAE}"/>
+                <a16:creationId xmlns="" xmlns:a16="http://schemas.microsoft.com/office/drawing/2014/main" id="{5064AB5D-059E-714A-B83E-9DBFB9109FAE}"/>
               </a:ext>
             </a:extLst>
           </p:cNvPr>
@@ -31478,7 +31021,7 @@
           <p:cNvPr id="10" name="Rectangle 9">
             <a:extLst>
               <a:ext uri="{FF2B5EF4-FFF2-40B4-BE49-F238E27FC236}">
-                <a16:creationId xmlns:a16="http://schemas.microsoft.com/office/drawing/2014/main" id="{45E43C1E-82FC-4547-82CF-4B131DAC6836}"/>
+                <a16:creationId xmlns="" xmlns:a16="http://schemas.microsoft.com/office/drawing/2014/main" id="{45E43C1E-82FC-4547-82CF-4B131DAC6836}"/>
               </a:ext>
             </a:extLst>
           </p:cNvPr>
@@ -31541,7 +31084,7 @@
           <p:cNvPr id="11" name="Rectangle 10">
             <a:extLst>
               <a:ext uri="{FF2B5EF4-FFF2-40B4-BE49-F238E27FC236}">
-                <a16:creationId xmlns:a16="http://schemas.microsoft.com/office/drawing/2014/main" id="{F2098D69-C754-1B4E-B9C5-097963BEC035}"/>
+                <a16:creationId xmlns="" xmlns:a16="http://schemas.microsoft.com/office/drawing/2014/main" id="{F2098D69-C754-1B4E-B9C5-097963BEC035}"/>
               </a:ext>
             </a:extLst>
           </p:cNvPr>
@@ -31604,7 +31147,7 @@
           <p:cNvPr id="12" name="Rectangle 11">
             <a:extLst>
               <a:ext uri="{FF2B5EF4-FFF2-40B4-BE49-F238E27FC236}">
-                <a16:creationId xmlns:a16="http://schemas.microsoft.com/office/drawing/2014/main" id="{87CDC58D-3752-7444-8664-36EFFF8BE2A2}"/>
+                <a16:creationId xmlns="" xmlns:a16="http://schemas.microsoft.com/office/drawing/2014/main" id="{87CDC58D-3752-7444-8664-36EFFF8BE2A2}"/>
               </a:ext>
             </a:extLst>
           </p:cNvPr>
@@ -31667,7 +31210,7 @@
           <p:cNvPr id="13" name="TextBox 12">
             <a:extLst>
               <a:ext uri="{FF2B5EF4-FFF2-40B4-BE49-F238E27FC236}">
-                <a16:creationId xmlns:a16="http://schemas.microsoft.com/office/drawing/2014/main" id="{0C8B8B78-D7CE-0C4E-AD0E-E587999832AD}"/>
+                <a16:creationId xmlns="" xmlns:a16="http://schemas.microsoft.com/office/drawing/2014/main" id="{0C8B8B78-D7CE-0C4E-AD0E-E587999832AD}"/>
               </a:ext>
             </a:extLst>
           </p:cNvPr>
@@ -31707,7 +31250,7 @@
           <p:cNvPr id="14" name="Rectangle 13">
             <a:extLst>
               <a:ext uri="{FF2B5EF4-FFF2-40B4-BE49-F238E27FC236}">
-                <a16:creationId xmlns:a16="http://schemas.microsoft.com/office/drawing/2014/main" id="{C5781805-F098-3542-8EEA-45FCBEFAF7D9}"/>
+                <a16:creationId xmlns="" xmlns:a16="http://schemas.microsoft.com/office/drawing/2014/main" id="{C5781805-F098-3542-8EEA-45FCBEFAF7D9}"/>
               </a:ext>
             </a:extLst>
           </p:cNvPr>
@@ -31770,7 +31313,7 @@
           <p:cNvPr id="15" name="Rectangle 14">
             <a:extLst>
               <a:ext uri="{FF2B5EF4-FFF2-40B4-BE49-F238E27FC236}">
-                <a16:creationId xmlns:a16="http://schemas.microsoft.com/office/drawing/2014/main" id="{521E7A56-EE91-F743-9012-7B42B5E5B2EA}"/>
+                <a16:creationId xmlns="" xmlns:a16="http://schemas.microsoft.com/office/drawing/2014/main" id="{521E7A56-EE91-F743-9012-7B42B5E5B2EA}"/>
               </a:ext>
             </a:extLst>
           </p:cNvPr>
@@ -31833,7 +31376,7 @@
           <p:cNvPr id="16" name="Rectangle 15">
             <a:extLst>
               <a:ext uri="{FF2B5EF4-FFF2-40B4-BE49-F238E27FC236}">
-                <a16:creationId xmlns:a16="http://schemas.microsoft.com/office/drawing/2014/main" id="{714AE0C1-2055-6145-8AC8-4410ABE614B2}"/>
+                <a16:creationId xmlns="" xmlns:a16="http://schemas.microsoft.com/office/drawing/2014/main" id="{714AE0C1-2055-6145-8AC8-4410ABE614B2}"/>
               </a:ext>
             </a:extLst>
           </p:cNvPr>
@@ -31896,7 +31439,7 @@
           <p:cNvPr id="20" name="TextBox 19">
             <a:extLst>
               <a:ext uri="{FF2B5EF4-FFF2-40B4-BE49-F238E27FC236}">
-                <a16:creationId xmlns:a16="http://schemas.microsoft.com/office/drawing/2014/main" id="{7EA3D84E-8EF0-4E45-8089-732866DEEEE4}"/>
+                <a16:creationId xmlns="" xmlns:a16="http://schemas.microsoft.com/office/drawing/2014/main" id="{7EA3D84E-8EF0-4E45-8089-732866DEEEE4}"/>
               </a:ext>
             </a:extLst>
           </p:cNvPr>
@@ -31932,7 +31475,7 @@
           <p:cNvPr id="23" name="TextBox 22">
             <a:extLst>
               <a:ext uri="{FF2B5EF4-FFF2-40B4-BE49-F238E27FC236}">
-                <a16:creationId xmlns:a16="http://schemas.microsoft.com/office/drawing/2014/main" id="{4A5352A1-C0EB-0E45-A301-C90B4232D1DF}"/>
+                <a16:creationId xmlns="" xmlns:a16="http://schemas.microsoft.com/office/drawing/2014/main" id="{4A5352A1-C0EB-0E45-A301-C90B4232D1DF}"/>
               </a:ext>
             </a:extLst>
           </p:cNvPr>
@@ -31965,13 +31508,7 @@
       </p:sp>
       <p:pic>
         <p:nvPicPr>
-          <p:cNvPr id="27" name="Picture 26">
-            <a:extLst>
-              <a:ext uri="{FF2B5EF4-FFF2-40B4-BE49-F238E27FC236}">
-                <a16:creationId xmlns:a16="http://schemas.microsoft.com/office/drawing/2014/main" id="{0D50E702-E0DB-DA4D-8331-D99C0C29D575}"/>
-              </a:ext>
-            </a:extLst>
-          </p:cNvPr>
+          <p:cNvPr id="5" name="Picture 4"/>
           <p:cNvPicPr>
             <a:picLocks noChangeAspect="1"/>
           </p:cNvPicPr>
@@ -31985,8 +31522,8 @@
         </p:blipFill>
         <p:spPr>
           <a:xfrm>
-            <a:off x="6043153" y="1664255"/>
-            <a:ext cx="5736035" cy="4798959"/>
+            <a:off x="6466666" y="579138"/>
+            <a:ext cx="5267325" cy="6010275"/>
           </a:xfrm>
           <a:prstGeom prst="rect">
             <a:avLst/>
@@ -32028,7 +31565,7 @@
           <p:cNvPr id="2" name="Title 1">
             <a:extLst>
               <a:ext uri="{FF2B5EF4-FFF2-40B4-BE49-F238E27FC236}">
-                <a16:creationId xmlns:a16="http://schemas.microsoft.com/office/drawing/2014/main" id="{569F53B6-1AD3-3544-AE80-9DE74A812815}"/>
+                <a16:creationId xmlns="" xmlns:a16="http://schemas.microsoft.com/office/drawing/2014/main" id="{569F53B6-1AD3-3544-AE80-9DE74A812815}"/>
               </a:ext>
             </a:extLst>
           </p:cNvPr>
@@ -32056,6 +31593,10 @@
               <a:rPr lang="sk-SK" dirty="0" err="1"/>
               <a:t>process</a:t>
             </a:r>
+            <a:r>
+              <a:rPr lang="sk-SK" dirty="0"/>
+              <a:t/>
+            </a:r>
             <a:br>
               <a:rPr lang="sk-SK" dirty="0"/>
             </a:br>
@@ -32068,7 +31609,7 @@
           <p:cNvPr id="3" name="Content Placeholder 2">
             <a:extLst>
               <a:ext uri="{FF2B5EF4-FFF2-40B4-BE49-F238E27FC236}">
-                <a16:creationId xmlns:a16="http://schemas.microsoft.com/office/drawing/2014/main" id="{071908E9-75EC-9B46-97BA-44E0382E01CB}"/>
+                <a16:creationId xmlns="" xmlns:a16="http://schemas.microsoft.com/office/drawing/2014/main" id="{071908E9-75EC-9B46-97BA-44E0382E01CB}"/>
               </a:ext>
             </a:extLst>
           </p:cNvPr>
@@ -32155,7 +31696,7 @@
           <p:cNvPr id="4" name="Straight Arrow Connector 3">
             <a:extLst>
               <a:ext uri="{FF2B5EF4-FFF2-40B4-BE49-F238E27FC236}">
-                <a16:creationId xmlns:a16="http://schemas.microsoft.com/office/drawing/2014/main" id="{567DB100-A766-FC45-802F-0794E2786EFE}"/>
+                <a16:creationId xmlns="" xmlns:a16="http://schemas.microsoft.com/office/drawing/2014/main" id="{567DB100-A766-FC45-802F-0794E2786EFE}"/>
               </a:ext>
             </a:extLst>
           </p:cNvPr>
@@ -32201,7 +31742,7 @@
           <p:cNvPr id="7" name="Rectangle 6">
             <a:extLst>
               <a:ext uri="{FF2B5EF4-FFF2-40B4-BE49-F238E27FC236}">
-                <a16:creationId xmlns:a16="http://schemas.microsoft.com/office/drawing/2014/main" id="{312C1A11-213A-6447-9E93-ED5E22DBA852}"/>
+                <a16:creationId xmlns="" xmlns:a16="http://schemas.microsoft.com/office/drawing/2014/main" id="{312C1A11-213A-6447-9E93-ED5E22DBA852}"/>
               </a:ext>
             </a:extLst>
           </p:cNvPr>
@@ -32264,7 +31805,7 @@
           <p:cNvPr id="8" name="Rectangle 7">
             <a:extLst>
               <a:ext uri="{FF2B5EF4-FFF2-40B4-BE49-F238E27FC236}">
-                <a16:creationId xmlns:a16="http://schemas.microsoft.com/office/drawing/2014/main" id="{C433AA7A-D47B-EC46-8E61-6EAE6079695C}"/>
+                <a16:creationId xmlns="" xmlns:a16="http://schemas.microsoft.com/office/drawing/2014/main" id="{C433AA7A-D47B-EC46-8E61-6EAE6079695C}"/>
               </a:ext>
             </a:extLst>
           </p:cNvPr>
@@ -32327,7 +31868,7 @@
           <p:cNvPr id="9" name="Rectangle 8">
             <a:extLst>
               <a:ext uri="{FF2B5EF4-FFF2-40B4-BE49-F238E27FC236}">
-                <a16:creationId xmlns:a16="http://schemas.microsoft.com/office/drawing/2014/main" id="{5064AB5D-059E-714A-B83E-9DBFB9109FAE}"/>
+                <a16:creationId xmlns="" xmlns:a16="http://schemas.microsoft.com/office/drawing/2014/main" id="{5064AB5D-059E-714A-B83E-9DBFB9109FAE}"/>
               </a:ext>
             </a:extLst>
           </p:cNvPr>
@@ -32390,7 +31931,7 @@
           <p:cNvPr id="13" name="TextBox 12">
             <a:extLst>
               <a:ext uri="{FF2B5EF4-FFF2-40B4-BE49-F238E27FC236}">
-                <a16:creationId xmlns:a16="http://schemas.microsoft.com/office/drawing/2014/main" id="{0C8B8B78-D7CE-0C4E-AD0E-E587999832AD}"/>
+                <a16:creationId xmlns="" xmlns:a16="http://schemas.microsoft.com/office/drawing/2014/main" id="{0C8B8B78-D7CE-0C4E-AD0E-E587999832AD}"/>
               </a:ext>
             </a:extLst>
           </p:cNvPr>
@@ -32430,7 +31971,7 @@
           <p:cNvPr id="14" name="Rectangle 13">
             <a:extLst>
               <a:ext uri="{FF2B5EF4-FFF2-40B4-BE49-F238E27FC236}">
-                <a16:creationId xmlns:a16="http://schemas.microsoft.com/office/drawing/2014/main" id="{C5781805-F098-3542-8EEA-45FCBEFAF7D9}"/>
+                <a16:creationId xmlns="" xmlns:a16="http://schemas.microsoft.com/office/drawing/2014/main" id="{C5781805-F098-3542-8EEA-45FCBEFAF7D9}"/>
               </a:ext>
             </a:extLst>
           </p:cNvPr>
@@ -32493,7 +32034,7 @@
           <p:cNvPr id="15" name="Rectangle 14">
             <a:extLst>
               <a:ext uri="{FF2B5EF4-FFF2-40B4-BE49-F238E27FC236}">
-                <a16:creationId xmlns:a16="http://schemas.microsoft.com/office/drawing/2014/main" id="{521E7A56-EE91-F743-9012-7B42B5E5B2EA}"/>
+                <a16:creationId xmlns="" xmlns:a16="http://schemas.microsoft.com/office/drawing/2014/main" id="{521E7A56-EE91-F743-9012-7B42B5E5B2EA}"/>
               </a:ext>
             </a:extLst>
           </p:cNvPr>
@@ -32556,7 +32097,7 @@
           <p:cNvPr id="16" name="Rectangle 15">
             <a:extLst>
               <a:ext uri="{FF2B5EF4-FFF2-40B4-BE49-F238E27FC236}">
-                <a16:creationId xmlns:a16="http://schemas.microsoft.com/office/drawing/2014/main" id="{714AE0C1-2055-6145-8AC8-4410ABE614B2}"/>
+                <a16:creationId xmlns="" xmlns:a16="http://schemas.microsoft.com/office/drawing/2014/main" id="{714AE0C1-2055-6145-8AC8-4410ABE614B2}"/>
               </a:ext>
             </a:extLst>
           </p:cNvPr>
@@ -32619,7 +32160,7 @@
           <p:cNvPr id="20" name="TextBox 19">
             <a:extLst>
               <a:ext uri="{FF2B5EF4-FFF2-40B4-BE49-F238E27FC236}">
-                <a16:creationId xmlns:a16="http://schemas.microsoft.com/office/drawing/2014/main" id="{7EA3D84E-8EF0-4E45-8089-732866DEEEE4}"/>
+                <a16:creationId xmlns="" xmlns:a16="http://schemas.microsoft.com/office/drawing/2014/main" id="{7EA3D84E-8EF0-4E45-8089-732866DEEEE4}"/>
               </a:ext>
             </a:extLst>
           </p:cNvPr>
@@ -32662,7 +32203,7 @@
           <p:cNvPr id="23" name="TextBox 22">
             <a:extLst>
               <a:ext uri="{FF2B5EF4-FFF2-40B4-BE49-F238E27FC236}">
-                <a16:creationId xmlns:a16="http://schemas.microsoft.com/office/drawing/2014/main" id="{4A5352A1-C0EB-0E45-A301-C90B4232D1DF}"/>
+                <a16:creationId xmlns="" xmlns:a16="http://schemas.microsoft.com/office/drawing/2014/main" id="{4A5352A1-C0EB-0E45-A301-C90B4232D1DF}"/>
               </a:ext>
             </a:extLst>
           </p:cNvPr>
@@ -32701,7 +32242,7 @@
           <p:cNvPr id="19" name="Rectangle 18">
             <a:extLst>
               <a:ext uri="{FF2B5EF4-FFF2-40B4-BE49-F238E27FC236}">
-                <a16:creationId xmlns:a16="http://schemas.microsoft.com/office/drawing/2014/main" id="{2F3F6045-9CD5-6B46-A4A5-A0BBEF8A238B}"/>
+                <a16:creationId xmlns="" xmlns:a16="http://schemas.microsoft.com/office/drawing/2014/main" id="{2F3F6045-9CD5-6B46-A4A5-A0BBEF8A238B}"/>
               </a:ext>
             </a:extLst>
           </p:cNvPr>
@@ -32764,7 +32305,7 @@
           <p:cNvPr id="21" name="Rectangle 20">
             <a:extLst>
               <a:ext uri="{FF2B5EF4-FFF2-40B4-BE49-F238E27FC236}">
-                <a16:creationId xmlns:a16="http://schemas.microsoft.com/office/drawing/2014/main" id="{4A764474-4CFC-E349-B745-45CDAB3D064A}"/>
+                <a16:creationId xmlns="" xmlns:a16="http://schemas.microsoft.com/office/drawing/2014/main" id="{4A764474-4CFC-E349-B745-45CDAB3D064A}"/>
               </a:ext>
             </a:extLst>
           </p:cNvPr>
@@ -32827,7 +32368,7 @@
           <p:cNvPr id="22" name="Rectangle 21">
             <a:extLst>
               <a:ext uri="{FF2B5EF4-FFF2-40B4-BE49-F238E27FC236}">
-                <a16:creationId xmlns:a16="http://schemas.microsoft.com/office/drawing/2014/main" id="{3BA3185F-A454-C44F-BCF9-DB9624DB7C5D}"/>
+                <a16:creationId xmlns="" xmlns:a16="http://schemas.microsoft.com/office/drawing/2014/main" id="{3BA3185F-A454-C44F-BCF9-DB9624DB7C5D}"/>
               </a:ext>
             </a:extLst>
           </p:cNvPr>
@@ -32890,7 +32431,7 @@
           <p:cNvPr id="24" name="TextBox 23">
             <a:extLst>
               <a:ext uri="{FF2B5EF4-FFF2-40B4-BE49-F238E27FC236}">
-                <a16:creationId xmlns:a16="http://schemas.microsoft.com/office/drawing/2014/main" id="{D1CC6A47-2870-F44E-A13E-7321425EE579}"/>
+                <a16:creationId xmlns="" xmlns:a16="http://schemas.microsoft.com/office/drawing/2014/main" id="{D1CC6A47-2870-F44E-A13E-7321425EE579}"/>
               </a:ext>
             </a:extLst>
           </p:cNvPr>
@@ -32929,7 +32470,7 @@
           <p:cNvPr id="30" name="Rectangle 29">
             <a:extLst>
               <a:ext uri="{FF2B5EF4-FFF2-40B4-BE49-F238E27FC236}">
-                <a16:creationId xmlns:a16="http://schemas.microsoft.com/office/drawing/2014/main" id="{9BE9D9C4-676D-AE41-9CD7-E35326ADC2C1}"/>
+                <a16:creationId xmlns="" xmlns:a16="http://schemas.microsoft.com/office/drawing/2014/main" id="{9BE9D9C4-676D-AE41-9CD7-E35326ADC2C1}"/>
               </a:ext>
             </a:extLst>
           </p:cNvPr>
@@ -32992,7 +32533,7 @@
           <p:cNvPr id="31" name="Rectangle 30">
             <a:extLst>
               <a:ext uri="{FF2B5EF4-FFF2-40B4-BE49-F238E27FC236}">
-                <a16:creationId xmlns:a16="http://schemas.microsoft.com/office/drawing/2014/main" id="{2714B3BA-BAF5-BB4E-949F-1E35BBF30E67}"/>
+                <a16:creationId xmlns="" xmlns:a16="http://schemas.microsoft.com/office/drawing/2014/main" id="{2714B3BA-BAF5-BB4E-949F-1E35BBF30E67}"/>
               </a:ext>
             </a:extLst>
           </p:cNvPr>
@@ -33055,7 +32596,7 @@
           <p:cNvPr id="32" name="Rectangle 31">
             <a:extLst>
               <a:ext uri="{FF2B5EF4-FFF2-40B4-BE49-F238E27FC236}">
-                <a16:creationId xmlns:a16="http://schemas.microsoft.com/office/drawing/2014/main" id="{2B488F6E-067D-3840-8D53-9E7F1633FD83}"/>
+                <a16:creationId xmlns="" xmlns:a16="http://schemas.microsoft.com/office/drawing/2014/main" id="{2B488F6E-067D-3840-8D53-9E7F1633FD83}"/>
               </a:ext>
             </a:extLst>
           </p:cNvPr>
@@ -33118,7 +32659,7 @@
           <p:cNvPr id="33" name="TextBox 32">
             <a:extLst>
               <a:ext uri="{FF2B5EF4-FFF2-40B4-BE49-F238E27FC236}">
-                <a16:creationId xmlns:a16="http://schemas.microsoft.com/office/drawing/2014/main" id="{7CB9234B-D637-104A-A4DA-3911D6EC7FEF}"/>
+                <a16:creationId xmlns="" xmlns:a16="http://schemas.microsoft.com/office/drawing/2014/main" id="{7CB9234B-D637-104A-A4DA-3911D6EC7FEF}"/>
               </a:ext>
             </a:extLst>
           </p:cNvPr>
@@ -33157,7 +32698,7 @@
           <p:cNvPr id="17" name="Rectangle 16">
             <a:extLst>
               <a:ext uri="{FF2B5EF4-FFF2-40B4-BE49-F238E27FC236}">
-                <a16:creationId xmlns:a16="http://schemas.microsoft.com/office/drawing/2014/main" id="{2ECD61D5-B43E-3B46-B911-5277D9D61CD2}"/>
+                <a16:creationId xmlns="" xmlns:a16="http://schemas.microsoft.com/office/drawing/2014/main" id="{2ECD61D5-B43E-3B46-B911-5277D9D61CD2}"/>
               </a:ext>
             </a:extLst>
           </p:cNvPr>
@@ -33199,7 +32740,7 @@
           <p:cNvPr id="34" name="Rectangle 33">
             <a:extLst>
               <a:ext uri="{FF2B5EF4-FFF2-40B4-BE49-F238E27FC236}">
-                <a16:creationId xmlns:a16="http://schemas.microsoft.com/office/drawing/2014/main" id="{DDDC2621-D6E0-334A-A9FE-122A5BAA283B}"/>
+                <a16:creationId xmlns="" xmlns:a16="http://schemas.microsoft.com/office/drawing/2014/main" id="{DDDC2621-D6E0-334A-A9FE-122A5BAA283B}"/>
               </a:ext>
             </a:extLst>
           </p:cNvPr>
@@ -33262,7 +32803,7 @@
           <p:cNvPr id="35" name="Rectangle 34">
             <a:extLst>
               <a:ext uri="{FF2B5EF4-FFF2-40B4-BE49-F238E27FC236}">
-                <a16:creationId xmlns:a16="http://schemas.microsoft.com/office/drawing/2014/main" id="{A141DE38-9EBA-034D-B735-F3FA6B613F07}"/>
+                <a16:creationId xmlns="" xmlns:a16="http://schemas.microsoft.com/office/drawing/2014/main" id="{A141DE38-9EBA-034D-B735-F3FA6B613F07}"/>
               </a:ext>
             </a:extLst>
           </p:cNvPr>
@@ -33325,7 +32866,7 @@
           <p:cNvPr id="36" name="Rectangle 35">
             <a:extLst>
               <a:ext uri="{FF2B5EF4-FFF2-40B4-BE49-F238E27FC236}">
-                <a16:creationId xmlns:a16="http://schemas.microsoft.com/office/drawing/2014/main" id="{4443E4B2-CD40-4445-ABF2-D8908CB048C0}"/>
+                <a16:creationId xmlns="" xmlns:a16="http://schemas.microsoft.com/office/drawing/2014/main" id="{4443E4B2-CD40-4445-ABF2-D8908CB048C0}"/>
               </a:ext>
             </a:extLst>
           </p:cNvPr>
@@ -33388,7 +32929,7 @@
           <p:cNvPr id="37" name="Rectangle 36">
             <a:extLst>
               <a:ext uri="{FF2B5EF4-FFF2-40B4-BE49-F238E27FC236}">
-                <a16:creationId xmlns:a16="http://schemas.microsoft.com/office/drawing/2014/main" id="{0183F51E-E556-1149-AE15-FB7E8F85435D}"/>
+                <a16:creationId xmlns="" xmlns:a16="http://schemas.microsoft.com/office/drawing/2014/main" id="{0183F51E-E556-1149-AE15-FB7E8F85435D}"/>
               </a:ext>
             </a:extLst>
           </p:cNvPr>
@@ -33451,7 +32992,7 @@
           <p:cNvPr id="38" name="Rectangle 37">
             <a:extLst>
               <a:ext uri="{FF2B5EF4-FFF2-40B4-BE49-F238E27FC236}">
-                <a16:creationId xmlns:a16="http://schemas.microsoft.com/office/drawing/2014/main" id="{73E1DF2E-99DC-F440-88FB-2472F557C87F}"/>
+                <a16:creationId xmlns="" xmlns:a16="http://schemas.microsoft.com/office/drawing/2014/main" id="{73E1DF2E-99DC-F440-88FB-2472F557C87F}"/>
               </a:ext>
             </a:extLst>
           </p:cNvPr>
@@ -33485,7 +33026,7 @@
           <p:cNvPr id="39" name="Rectangle 38">
             <a:extLst>
               <a:ext uri="{FF2B5EF4-FFF2-40B4-BE49-F238E27FC236}">
-                <a16:creationId xmlns:a16="http://schemas.microsoft.com/office/drawing/2014/main" id="{6B22ACBA-2E83-A148-BE3D-2CF4F57C46D0}"/>
+                <a16:creationId xmlns="" xmlns:a16="http://schemas.microsoft.com/office/drawing/2014/main" id="{6B22ACBA-2E83-A148-BE3D-2CF4F57C46D0}"/>
               </a:ext>
             </a:extLst>
           </p:cNvPr>
@@ -33578,7 +33119,7 @@
           <p:cNvPr id="2" name="Title 1">
             <a:extLst>
               <a:ext uri="{FF2B5EF4-FFF2-40B4-BE49-F238E27FC236}">
-                <a16:creationId xmlns:a16="http://schemas.microsoft.com/office/drawing/2014/main" id="{6555E8BF-8EC9-9A45-B1D2-C8DB17BC1132}"/>
+                <a16:creationId xmlns="" xmlns:a16="http://schemas.microsoft.com/office/drawing/2014/main" id="{6555E8BF-8EC9-9A45-B1D2-C8DB17BC1132}"/>
               </a:ext>
             </a:extLst>
           </p:cNvPr>
@@ -33615,7 +33156,7 @@
           <p:cNvPr id="3" name="Content Placeholder 2">
             <a:extLst>
               <a:ext uri="{FF2B5EF4-FFF2-40B4-BE49-F238E27FC236}">
-                <a16:creationId xmlns:a16="http://schemas.microsoft.com/office/drawing/2014/main" id="{219D3497-079C-7E4A-A550-AC65D5297DB1}"/>
+                <a16:creationId xmlns="" xmlns:a16="http://schemas.microsoft.com/office/drawing/2014/main" id="{219D3497-079C-7E4A-A550-AC65D5297DB1}"/>
               </a:ext>
             </a:extLst>
           </p:cNvPr>
@@ -34087,18 +33628,21 @@
           </a:p>
           <a:p>
             <a:r>
-              <a:rPr lang="sk-SK" b="1" dirty="0" err="1"/>
-              <a:t>Coperative</a:t>
+              <a:rPr lang="sk-SK" b="1" dirty="0" smtClean="0"/>
+              <a:t>C</a:t>
+            </a:r>
+            <a:r>
+              <a:rPr lang="en-US" b="1" dirty="0" smtClean="0"/>
+              <a:t>o</a:t>
+            </a:r>
+            <a:r>
+              <a:rPr lang="sk-SK" b="1" dirty="0" smtClean="0"/>
+              <a:t>operative </a:t>
             </a:r>
             <a:r>
               <a:rPr lang="sk-SK" b="1" dirty="0"/>
-              <a:t> </a:t>
-            </a:r>
-            <a:r>
-              <a:rPr lang="sk-SK" b="1" dirty="0" err="1"/>
               <a:t>concurrency</a:t>
             </a:r>
-            <a:endParaRPr lang="sk-SK" b="1" dirty="0"/>
           </a:p>
           <a:p>
             <a:pPr lvl="1"/>

--- a/09-prednaska/async.pptx
+++ b/09-prednaska/async.pptx
@@ -154,7 +154,7 @@
   <p:extLst>
     <p:ext uri="{521415D9-36F7-43E2-AB2F-B90AF26B5E84}">
       <p14:sectionLst xmlns:p14="http://schemas.microsoft.com/office/powerpoint/2010/main">
-        <p14:section name="Default Section" id="{F3F31BDC-7234-8C44-A0B8-62B95CD46D72}">
+        <p14:section name="Intro and Definitions" id="{F3F31BDC-7234-8C44-A0B8-62B95CD46D72}">
           <p14:sldIdLst>
             <p14:sldId id="256"/>
             <p14:sldId id="273"/>
@@ -167,7 +167,7 @@
             <p14:sldId id="269"/>
           </p14:sldIdLst>
         </p14:section>
-        <p14:section name="Patterns" id="{B8AA6209-1961-C14E-8009-805B2D350F25}">
+        <p14:section name="Async Patterns" id="{B8AA6209-1961-C14E-8009-805B2D350F25}">
           <p14:sldIdLst>
             <p14:sldId id="292"/>
             <p14:sldId id="293"/>
@@ -306,7 +306,7 @@
           <a:p>
             <a:fld id="{872A6A74-2788-B34A-91BB-A4AF3F4F9523}" type="datetimeFigureOut">
               <a:rPr lang="sk-SK" smtClean="0"/>
-              <a:t>23.11.18</a:t>
+              <a:t>7.12.18</a:t>
             </a:fld>
             <a:endParaRPr lang="sk-SK"/>
           </a:p>
@@ -2018,7 +2018,7 @@
           <a:p>
             <a:fld id="{1FBE2C08-0BB8-E84C-876D-46D9639D5D58}" type="datetimeFigureOut">
               <a:rPr lang="sk-SK" smtClean="0"/>
-              <a:t>23.11.18</a:t>
+              <a:t>7.12.18</a:t>
             </a:fld>
             <a:endParaRPr lang="sk-SK"/>
           </a:p>
@@ -2218,7 +2218,7 @@
           <a:p>
             <a:fld id="{1FBE2C08-0BB8-E84C-876D-46D9639D5D58}" type="datetimeFigureOut">
               <a:rPr lang="sk-SK" smtClean="0"/>
-              <a:t>23.11.18</a:t>
+              <a:t>7.12.18</a:t>
             </a:fld>
             <a:endParaRPr lang="sk-SK"/>
           </a:p>
@@ -2428,7 +2428,7 @@
           <a:p>
             <a:fld id="{1FBE2C08-0BB8-E84C-876D-46D9639D5D58}" type="datetimeFigureOut">
               <a:rPr lang="sk-SK" smtClean="0"/>
-              <a:t>23.11.18</a:t>
+              <a:t>7.12.18</a:t>
             </a:fld>
             <a:endParaRPr lang="sk-SK"/>
           </a:p>
@@ -2628,7 +2628,7 @@
           <a:p>
             <a:fld id="{1FBE2C08-0BB8-E84C-876D-46D9639D5D58}" type="datetimeFigureOut">
               <a:rPr lang="sk-SK" smtClean="0"/>
-              <a:t>23.11.18</a:t>
+              <a:t>7.12.18</a:t>
             </a:fld>
             <a:endParaRPr lang="sk-SK"/>
           </a:p>
@@ -2904,7 +2904,7 @@
           <a:p>
             <a:fld id="{1FBE2C08-0BB8-E84C-876D-46D9639D5D58}" type="datetimeFigureOut">
               <a:rPr lang="sk-SK" smtClean="0"/>
-              <a:t>23.11.18</a:t>
+              <a:t>7.12.18</a:t>
             </a:fld>
             <a:endParaRPr lang="sk-SK"/>
           </a:p>
@@ -3172,7 +3172,7 @@
           <a:p>
             <a:fld id="{1FBE2C08-0BB8-E84C-876D-46D9639D5D58}" type="datetimeFigureOut">
               <a:rPr lang="sk-SK" smtClean="0"/>
-              <a:t>23.11.18</a:t>
+              <a:t>7.12.18</a:t>
             </a:fld>
             <a:endParaRPr lang="sk-SK"/>
           </a:p>
@@ -3587,7 +3587,7 @@
           <a:p>
             <a:fld id="{1FBE2C08-0BB8-E84C-876D-46D9639D5D58}" type="datetimeFigureOut">
               <a:rPr lang="sk-SK" smtClean="0"/>
-              <a:t>23.11.18</a:t>
+              <a:t>7.12.18</a:t>
             </a:fld>
             <a:endParaRPr lang="sk-SK"/>
           </a:p>
@@ -3729,7 +3729,7 @@
           <a:p>
             <a:fld id="{1FBE2C08-0BB8-E84C-876D-46D9639D5D58}" type="datetimeFigureOut">
               <a:rPr lang="sk-SK" smtClean="0"/>
-              <a:t>23.11.18</a:t>
+              <a:t>7.12.18</a:t>
             </a:fld>
             <a:endParaRPr lang="sk-SK"/>
           </a:p>
@@ -3842,7 +3842,7 @@
           <a:p>
             <a:fld id="{1FBE2C08-0BB8-E84C-876D-46D9639D5D58}" type="datetimeFigureOut">
               <a:rPr lang="sk-SK" smtClean="0"/>
-              <a:t>23.11.18</a:t>
+              <a:t>7.12.18</a:t>
             </a:fld>
             <a:endParaRPr lang="sk-SK"/>
           </a:p>
@@ -4155,7 +4155,7 @@
           <a:p>
             <a:fld id="{1FBE2C08-0BB8-E84C-876D-46D9639D5D58}" type="datetimeFigureOut">
               <a:rPr lang="sk-SK" smtClean="0"/>
-              <a:t>23.11.18</a:t>
+              <a:t>7.12.18</a:t>
             </a:fld>
             <a:endParaRPr lang="sk-SK"/>
           </a:p>
@@ -4444,7 +4444,7 @@
           <a:p>
             <a:fld id="{1FBE2C08-0BB8-E84C-876D-46D9639D5D58}" type="datetimeFigureOut">
               <a:rPr lang="sk-SK" smtClean="0"/>
-              <a:t>23.11.18</a:t>
+              <a:t>7.12.18</a:t>
             </a:fld>
             <a:endParaRPr lang="sk-SK"/>
           </a:p>
@@ -4687,7 +4687,7 @@
           <a:p>
             <a:fld id="{1FBE2C08-0BB8-E84C-876D-46D9639D5D58}" type="datetimeFigureOut">
               <a:rPr lang="sk-SK" smtClean="0"/>
-              <a:t>23.11.18</a:t>
+              <a:t>7.12.18</a:t>
             </a:fld>
             <a:endParaRPr lang="sk-SK"/>
           </a:p>
